--- a/eventloop.pptx
+++ b/eventloop.pptx
@@ -406,7 +406,7 @@
           <a:p>
             <a:fld id="{AA70F276-1833-4A75-9C1D-A56E2295A68D}" type="datetimeFigureOut">
               <a:rPr lang="en-US" smtClean="0"/>
-              <a:t>1/6/2022</a:t>
+              <a:t>1/10/2022</a:t>
             </a:fld>
             <a:endParaRPr lang="en-US"/>
           </a:p>
@@ -604,7 +604,7 @@
           <a:p>
             <a:fld id="{AA70F276-1833-4A75-9C1D-A56E2295A68D}" type="datetimeFigureOut">
               <a:rPr lang="en-US" smtClean="0"/>
-              <a:t>1/6/2022</a:t>
+              <a:t>1/10/2022</a:t>
             </a:fld>
             <a:endParaRPr lang="en-US"/>
           </a:p>
@@ -812,7 +812,7 @@
           <a:p>
             <a:fld id="{AA70F276-1833-4A75-9C1D-A56E2295A68D}" type="datetimeFigureOut">
               <a:rPr lang="en-US" smtClean="0"/>
-              <a:t>1/6/2022</a:t>
+              <a:t>1/10/2022</a:t>
             </a:fld>
             <a:endParaRPr lang="en-US"/>
           </a:p>
@@ -1037,7 +1037,7 @@
           <a:p>
             <a:fld id="{AA70F276-1833-4A75-9C1D-A56E2295A68D}" type="datetimeFigureOut">
               <a:rPr lang="en-US" smtClean="0"/>
-              <a:t>1/6/2022</a:t>
+              <a:t>1/10/2022</a:t>
             </a:fld>
             <a:endParaRPr lang="en-US"/>
           </a:p>
@@ -1313,7 +1313,7 @@
           <a:p>
             <a:fld id="{AA70F276-1833-4A75-9C1D-A56E2295A68D}" type="datetimeFigureOut">
               <a:rPr lang="en-US" smtClean="0"/>
-              <a:t>1/6/2022</a:t>
+              <a:t>1/10/2022</a:t>
             </a:fld>
             <a:endParaRPr lang="en-US"/>
           </a:p>
@@ -1583,7 +1583,7 @@
           <a:p>
             <a:fld id="{AA70F276-1833-4A75-9C1D-A56E2295A68D}" type="datetimeFigureOut">
               <a:rPr lang="en-US" smtClean="0"/>
-              <a:t>1/6/2022</a:t>
+              <a:t>1/10/2022</a:t>
             </a:fld>
             <a:endParaRPr lang="en-US"/>
           </a:p>
@@ -1995,7 +1995,7 @@
           <a:p>
             <a:fld id="{AA70F276-1833-4A75-9C1D-A56E2295A68D}" type="datetimeFigureOut">
               <a:rPr lang="en-US" smtClean="0"/>
-              <a:t>1/6/2022</a:t>
+              <a:t>1/10/2022</a:t>
             </a:fld>
             <a:endParaRPr lang="en-US"/>
           </a:p>
@@ -2136,7 +2136,7 @@
           <a:p>
             <a:fld id="{AA70F276-1833-4A75-9C1D-A56E2295A68D}" type="datetimeFigureOut">
               <a:rPr lang="en-US" smtClean="0"/>
-              <a:t>1/6/2022</a:t>
+              <a:t>1/10/2022</a:t>
             </a:fld>
             <a:endParaRPr lang="en-US"/>
           </a:p>
@@ -2249,7 +2249,7 @@
           <a:p>
             <a:fld id="{AA70F276-1833-4A75-9C1D-A56E2295A68D}" type="datetimeFigureOut">
               <a:rPr lang="en-US" smtClean="0"/>
-              <a:t>1/6/2022</a:t>
+              <a:t>1/10/2022</a:t>
             </a:fld>
             <a:endParaRPr lang="en-US"/>
           </a:p>
@@ -2560,7 +2560,7 @@
           <a:p>
             <a:fld id="{AA70F276-1833-4A75-9C1D-A56E2295A68D}" type="datetimeFigureOut">
               <a:rPr lang="en-US" smtClean="0"/>
-              <a:t>1/6/2022</a:t>
+              <a:t>1/10/2022</a:t>
             </a:fld>
             <a:endParaRPr lang="en-US"/>
           </a:p>
@@ -2851,7 +2851,7 @@
           <a:p>
             <a:fld id="{AA70F276-1833-4A75-9C1D-A56E2295A68D}" type="datetimeFigureOut">
               <a:rPr lang="en-US" smtClean="0"/>
-              <a:t>1/6/2022</a:t>
+              <a:t>1/10/2022</a:t>
             </a:fld>
             <a:endParaRPr lang="en-US"/>
           </a:p>
@@ -3155,7 +3155,7 @@
             <a:fld id="{AA70F276-1833-4A75-9C1D-A56E2295A68D}" type="datetimeFigureOut">
               <a:rPr lang="en-US" smtClean="0"/>
               <a:pPr/>
-              <a:t>1/6/2022</a:t>
+              <a:t>1/10/2022</a:t>
             </a:fld>
             <a:endParaRPr lang="en-US" dirty="0"/>
           </a:p>
@@ -5198,7 +5198,7 @@
             <p:ph idx="1"/>
             <p:extLst>
               <p:ext uri="{D42A27DB-BD31-4B8C-83A1-F6EECF244321}">
-                <p14:modId xmlns:p14="http://schemas.microsoft.com/office/powerpoint/2010/main" val="3104686189"/>
+                <p14:modId xmlns:p14="http://schemas.microsoft.com/office/powerpoint/2010/main" val="1846718101"/>
               </p:ext>
             </p:extLst>
           </p:nvPr>
@@ -5239,14 +5239,14 @@
                     <a:lstStyle/>
                     <a:p>
                       <a:r>
-                        <a:rPr lang="en-US" altLang="zh-CN" sz="2000" b="0" cap="none" spc="0">
+                        <a:rPr lang="en-US" altLang="zh-CN" sz="2000" b="0" cap="none" spc="0" dirty="0">
                           <a:solidFill>
                             <a:schemeClr val="bg1"/>
                           </a:solidFill>
                         </a:rPr>
-                        <a:t>Macro Task</a:t>
+                        <a:t>Task</a:t>
                       </a:r>
-                      <a:endParaRPr lang="zh-CN" altLang="en-US" sz="2000" b="0" cap="none" spc="0">
+                      <a:endParaRPr lang="zh-CN" altLang="en-US" sz="2000" b="0" cap="none" spc="0" dirty="0">
                         <a:solidFill>
                           <a:schemeClr val="bg1"/>
                         </a:solidFill>

--- a/eventloop.pptx
+++ b/eventloop.pptx
@@ -7,12 +7,16 @@
   <p:sldIdLst>
     <p:sldId id="256" r:id="rId2"/>
     <p:sldId id="257" r:id="rId3"/>
-    <p:sldId id="258" r:id="rId4"/>
-    <p:sldId id="259" r:id="rId5"/>
-    <p:sldId id="260" r:id="rId6"/>
-    <p:sldId id="261" r:id="rId7"/>
-    <p:sldId id="263" r:id="rId8"/>
-    <p:sldId id="262" r:id="rId9"/>
+    <p:sldId id="264" r:id="rId4"/>
+    <p:sldId id="258" r:id="rId5"/>
+    <p:sldId id="259" r:id="rId6"/>
+    <p:sldId id="260" r:id="rId7"/>
+    <p:sldId id="261" r:id="rId8"/>
+    <p:sldId id="263" r:id="rId9"/>
+    <p:sldId id="270" r:id="rId10"/>
+    <p:sldId id="267" r:id="rId11"/>
+    <p:sldId id="268" r:id="rId12"/>
+    <p:sldId id="269" r:id="rId13"/>
   </p:sldIdLst>
   <p:sldSz cx="12192000" cy="6858000"/>
   <p:notesSz cx="6858000" cy="9144000"/>
@@ -122,14 +126,978 @@
 <file path=ppt/revisionInfo.xml><?xml version="1.0" encoding="utf-8"?>
 <p1510:revInfo xmlns:a="http://schemas.openxmlformats.org/drawingml/2006/main" xmlns:r="http://schemas.openxmlformats.org/officeDocument/2006/relationships" xmlns:p1510="http://schemas.microsoft.com/office/powerpoint/2015/10/main">
   <p1510:revLst>
-    <p1510:client id="{83E8673A-504F-4B32-BC61-77FBFEFD24EE}" v="13" dt="2022-01-05T14:27:48.104"/>
-    <p1510:client id="{AA885303-B24C-42C9-A7B7-E21B26CD386A}" v="12" dt="2022-01-06T02:54:13.984"/>
+    <p1510:client id="{25962BF9-3915-4843-9028-566ECA26CE24}" v="251" dt="2022-03-15T13:14:41.058"/>
+    <p1510:client id="{DF26BA57-48D8-4573-B4D3-19F9A73BC1F3}" v="4" dt="2022-03-16T04:04:15.006"/>
   </p1510:revLst>
 </p1510:revInfo>
 </file>
 
 <file path=ppt/changesInfos/changesInfo1.xml><?xml version="1.0" encoding="utf-8"?>
 <pc:chgInfo xmlns:a="http://schemas.openxmlformats.org/drawingml/2006/main" xmlns:r="http://schemas.openxmlformats.org/officeDocument/2006/relationships" xmlns:ac="http://schemas.microsoft.com/office/drawing/2013/main/command" xmlns:pc="http://schemas.microsoft.com/office/powerpoint/2013/main/command">
+  <pc:docChgLst>
+    <pc:chgData name="qin yang" userId="63999d83fc6661ca" providerId="LiveId" clId="{25962BF9-3915-4843-9028-566ECA26CE24}"/>
+    <pc:docChg chg="undo custSel addSld delSld modSld sldOrd">
+      <pc:chgData name="qin yang" userId="63999d83fc6661ca" providerId="LiveId" clId="{25962BF9-3915-4843-9028-566ECA26CE24}" dt="2022-03-15T13:38:35.102" v="564" actId="1076"/>
+      <pc:docMkLst>
+        <pc:docMk/>
+      </pc:docMkLst>
+      <pc:sldChg chg="addSp delSp modSp mod delAnim modAnim">
+        <pc:chgData name="qin yang" userId="63999d83fc6661ca" providerId="LiveId" clId="{25962BF9-3915-4843-9028-566ECA26CE24}" dt="2022-03-14T13:21:54.472" v="412" actId="113"/>
+        <pc:sldMkLst>
+          <pc:docMk/>
+          <pc:sldMk cId="2402930816" sldId="257"/>
+        </pc:sldMkLst>
+        <pc:spChg chg="mod">
+          <ac:chgData name="qin yang" userId="63999d83fc6661ca" providerId="LiveId" clId="{25962BF9-3915-4843-9028-566ECA26CE24}" dt="2022-03-14T12:57:31.720" v="105" actId="14100"/>
+          <ac:spMkLst>
+            <pc:docMk/>
+            <pc:sldMk cId="2402930816" sldId="257"/>
+            <ac:spMk id="2" creationId="{9908D9DF-1DBB-4670-B2E3-03DD0DB2A1BE}"/>
+          </ac:spMkLst>
+        </pc:spChg>
+        <pc:spChg chg="add del mod">
+          <ac:chgData name="qin yang" userId="63999d83fc6661ca" providerId="LiveId" clId="{25962BF9-3915-4843-9028-566ECA26CE24}" dt="2022-03-14T13:02:31.746" v="222" actId="478"/>
+          <ac:spMkLst>
+            <pc:docMk/>
+            <pc:sldMk cId="2402930816" sldId="257"/>
+            <ac:spMk id="4" creationId="{C331F91A-1A7F-4353-BEBD-18A3E1CD9EE4}"/>
+          </ac:spMkLst>
+        </pc:spChg>
+        <pc:spChg chg="add mod">
+          <ac:chgData name="qin yang" userId="63999d83fc6661ca" providerId="LiveId" clId="{25962BF9-3915-4843-9028-566ECA26CE24}" dt="2022-03-14T13:14:10.677" v="363" actId="164"/>
+          <ac:spMkLst>
+            <pc:docMk/>
+            <pc:sldMk cId="2402930816" sldId="257"/>
+            <ac:spMk id="5" creationId="{4E873C74-4A54-4882-B1B8-892BA27E707C}"/>
+          </ac:spMkLst>
+        </pc:spChg>
+        <pc:spChg chg="add mod">
+          <ac:chgData name="qin yang" userId="63999d83fc6661ca" providerId="LiveId" clId="{25962BF9-3915-4843-9028-566ECA26CE24}" dt="2022-03-14T13:10:50.406" v="362" actId="1076"/>
+          <ac:spMkLst>
+            <pc:docMk/>
+            <pc:sldMk cId="2402930816" sldId="257"/>
+            <ac:spMk id="6" creationId="{7723E7C4-76AA-403A-81BD-A6E266792939}"/>
+          </ac:spMkLst>
+        </pc:spChg>
+        <pc:spChg chg="add mod">
+          <ac:chgData name="qin yang" userId="63999d83fc6661ca" providerId="LiveId" clId="{25962BF9-3915-4843-9028-566ECA26CE24}" dt="2022-03-14T13:21:54.472" v="412" actId="113"/>
+          <ac:spMkLst>
+            <pc:docMk/>
+            <pc:sldMk cId="2402930816" sldId="257"/>
+            <ac:spMk id="7" creationId="{2DA8A58B-B7FF-4FAF-8F8F-7F6F822B5770}"/>
+          </ac:spMkLst>
+        </pc:spChg>
+        <pc:spChg chg="add mod">
+          <ac:chgData name="qin yang" userId="63999d83fc6661ca" providerId="LiveId" clId="{25962BF9-3915-4843-9028-566ECA26CE24}" dt="2022-03-14T13:10:16.693" v="361" actId="164"/>
+          <ac:spMkLst>
+            <pc:docMk/>
+            <pc:sldMk cId="2402930816" sldId="257"/>
+            <ac:spMk id="8" creationId="{B76A6855-342A-44EA-B75D-D5666F9F16F3}"/>
+          </ac:spMkLst>
+        </pc:spChg>
+        <pc:spChg chg="add mod">
+          <ac:chgData name="qin yang" userId="63999d83fc6661ca" providerId="LiveId" clId="{25962BF9-3915-4843-9028-566ECA26CE24}" dt="2022-03-14T13:09:37.686" v="357" actId="1076"/>
+          <ac:spMkLst>
+            <pc:docMk/>
+            <pc:sldMk cId="2402930816" sldId="257"/>
+            <ac:spMk id="10" creationId="{DD0CFF16-78B7-4F41-B454-7A5A74B37FB4}"/>
+          </ac:spMkLst>
+        </pc:spChg>
+        <pc:spChg chg="add mod">
+          <ac:chgData name="qin yang" userId="63999d83fc6661ca" providerId="LiveId" clId="{25962BF9-3915-4843-9028-566ECA26CE24}" dt="2022-03-14T13:14:10.677" v="363" actId="164"/>
+          <ac:spMkLst>
+            <pc:docMk/>
+            <pc:sldMk cId="2402930816" sldId="257"/>
+            <ac:spMk id="11" creationId="{6385249C-B6B7-4AE2-86F1-FEA65ABDA2A4}"/>
+          </ac:spMkLst>
+        </pc:spChg>
+        <pc:spChg chg="del mod">
+          <ac:chgData name="qin yang" userId="63999d83fc6661ca" providerId="LiveId" clId="{25962BF9-3915-4843-9028-566ECA26CE24}" dt="2022-03-14T13:02:18.349" v="215" actId="478"/>
+          <ac:spMkLst>
+            <pc:docMk/>
+            <pc:sldMk cId="2402930816" sldId="257"/>
+            <ac:spMk id="13" creationId="{0B2B9C25-43D0-4E07-ABE4-E296A8A561F7}"/>
+          </ac:spMkLst>
+        </pc:spChg>
+        <pc:spChg chg="add del mod">
+          <ac:chgData name="qin yang" userId="63999d83fc6661ca" providerId="LiveId" clId="{25962BF9-3915-4843-9028-566ECA26CE24}" dt="2022-03-14T13:19:32.564" v="386"/>
+          <ac:spMkLst>
+            <pc:docMk/>
+            <pc:sldMk cId="2402930816" sldId="257"/>
+            <ac:spMk id="15" creationId="{E6AA993C-2C36-46A5-AFEA-C3DCAB6DDC69}"/>
+          </ac:spMkLst>
+        </pc:spChg>
+        <pc:spChg chg="add del">
+          <ac:chgData name="qin yang" userId="63999d83fc6661ca" providerId="LiveId" clId="{25962BF9-3915-4843-9028-566ECA26CE24}" dt="2022-03-14T13:17:07.159" v="371" actId="34122"/>
+          <ac:spMkLst>
+            <pc:docMk/>
+            <pc:sldMk cId="2402930816" sldId="257"/>
+            <ac:spMk id="29" creationId="{B9EAC7FA-CE85-4E0A-8E2A-76439E6FCF47}"/>
+          </ac:spMkLst>
+        </pc:spChg>
+        <pc:grpChg chg="add mod">
+          <ac:chgData name="qin yang" userId="63999d83fc6661ca" providerId="LiveId" clId="{25962BF9-3915-4843-9028-566ECA26CE24}" dt="2022-03-14T13:10:16.693" v="361" actId="164"/>
+          <ac:grpSpMkLst>
+            <pc:docMk/>
+            <pc:sldMk cId="2402930816" sldId="257"/>
+            <ac:grpSpMk id="12" creationId="{A24072BB-F3B0-4F8A-8B58-A2187F1D5524}"/>
+          </ac:grpSpMkLst>
+        </pc:grpChg>
+        <pc:grpChg chg="add mod">
+          <ac:chgData name="qin yang" userId="63999d83fc6661ca" providerId="LiveId" clId="{25962BF9-3915-4843-9028-566ECA26CE24}" dt="2022-03-14T13:14:10.677" v="363" actId="164"/>
+          <ac:grpSpMkLst>
+            <pc:docMk/>
+            <pc:sldMk cId="2402930816" sldId="257"/>
+            <ac:grpSpMk id="14" creationId="{3DF41F56-C137-4C68-B1CF-B1DDAEA23F7F}"/>
+          </ac:grpSpMkLst>
+        </pc:grpChg>
+        <pc:picChg chg="del">
+          <ac:chgData name="qin yang" userId="63999d83fc6661ca" providerId="LiveId" clId="{25962BF9-3915-4843-9028-566ECA26CE24}" dt="2022-03-14T12:57:40.994" v="106" actId="478"/>
+          <ac:picMkLst>
+            <pc:docMk/>
+            <pc:sldMk cId="2402930816" sldId="257"/>
+            <ac:picMk id="9" creationId="{8235387A-9BAF-4A1C-AC6A-722067967BA6}"/>
+          </ac:picMkLst>
+        </pc:picChg>
+        <pc:inkChg chg="add del">
+          <ac:chgData name="qin yang" userId="63999d83fc6661ca" providerId="LiveId" clId="{25962BF9-3915-4843-9028-566ECA26CE24}" dt="2022-03-14T13:17:07.159" v="371" actId="34122"/>
+          <ac:inkMkLst>
+            <pc:docMk/>
+            <pc:sldMk cId="2402930816" sldId="257"/>
+            <ac:inkMk id="35" creationId="{9A180D14-569A-2A4A-8D89-BC816F7645EA}"/>
+          </ac:inkMkLst>
+        </pc:inkChg>
+      </pc:sldChg>
+      <pc:sldChg chg="modSp mod ord">
+        <pc:chgData name="qin yang" userId="63999d83fc6661ca" providerId="LiveId" clId="{25962BF9-3915-4843-9028-566ECA26CE24}" dt="2022-03-14T13:30:47.621" v="486"/>
+        <pc:sldMkLst>
+          <pc:docMk/>
+          <pc:sldMk cId="2396194735" sldId="258"/>
+        </pc:sldMkLst>
+        <pc:spChg chg="mod">
+          <ac:chgData name="qin yang" userId="63999d83fc6661ca" providerId="LiveId" clId="{25962BF9-3915-4843-9028-566ECA26CE24}" dt="2022-03-14T12:42:41.958" v="40" actId="20577"/>
+          <ac:spMkLst>
+            <pc:docMk/>
+            <pc:sldMk cId="2396194735" sldId="258"/>
+            <ac:spMk id="2" creationId="{6AE3E0C3-136A-4138-B6C9-A5CCB5E46AA5}"/>
+          </ac:spMkLst>
+        </pc:spChg>
+        <pc:graphicFrameChg chg="mod modGraphic">
+          <ac:chgData name="qin yang" userId="63999d83fc6661ca" providerId="LiveId" clId="{25962BF9-3915-4843-9028-566ECA26CE24}" dt="2022-03-14T13:24:43.689" v="440" actId="113"/>
+          <ac:graphicFrameMkLst>
+            <pc:docMk/>
+            <pc:sldMk cId="2396194735" sldId="258"/>
+            <ac:graphicFrameMk id="4" creationId="{8B17AC98-AD2D-4FDA-9B1E-FD308DA6A089}"/>
+          </ac:graphicFrameMkLst>
+        </pc:graphicFrameChg>
+      </pc:sldChg>
+      <pc:sldChg chg="addSp delSp modSp mod ord">
+        <pc:chgData name="qin yang" userId="63999d83fc6661ca" providerId="LiveId" clId="{25962BF9-3915-4843-9028-566ECA26CE24}" dt="2022-03-14T13:30:37.034" v="484" actId="26606"/>
+        <pc:sldMkLst>
+          <pc:docMk/>
+          <pc:sldMk cId="2865333391" sldId="259"/>
+        </pc:sldMkLst>
+        <pc:spChg chg="add del">
+          <ac:chgData name="qin yang" userId="63999d83fc6661ca" providerId="LiveId" clId="{25962BF9-3915-4843-9028-566ECA26CE24}" dt="2022-03-14T13:30:37.034" v="484" actId="26606"/>
+          <ac:spMkLst>
+            <pc:docMk/>
+            <pc:sldMk cId="2865333391" sldId="259"/>
+            <ac:spMk id="47" creationId="{32768DCD-B824-413A-B330-8D57ADB3724C}"/>
+          </ac:spMkLst>
+        </pc:spChg>
+        <pc:spChg chg="add del">
+          <ac:chgData name="qin yang" userId="63999d83fc6661ca" providerId="LiveId" clId="{25962BF9-3915-4843-9028-566ECA26CE24}" dt="2022-03-14T13:30:37.034" v="484" actId="26606"/>
+          <ac:spMkLst>
+            <pc:docMk/>
+            <pc:sldMk cId="2865333391" sldId="259"/>
+            <ac:spMk id="48" creationId="{19F9CD66-32FC-448F-B4C5-67D17508A226}"/>
+          </ac:spMkLst>
+        </pc:spChg>
+        <pc:spChg chg="mod ord">
+          <ac:chgData name="qin yang" userId="63999d83fc6661ca" providerId="LiveId" clId="{25962BF9-3915-4843-9028-566ECA26CE24}" dt="2022-03-14T13:30:37.034" v="484" actId="26606"/>
+          <ac:spMkLst>
+            <pc:docMk/>
+            <pc:sldMk cId="2865333391" sldId="259"/>
+            <ac:spMk id="49" creationId="{2D512381-8B4F-4314-BDB9-F93ECABFE2BA}"/>
+          </ac:spMkLst>
+        </pc:spChg>
+        <pc:spChg chg="add del">
+          <ac:chgData name="qin yang" userId="63999d83fc6661ca" providerId="LiveId" clId="{25962BF9-3915-4843-9028-566ECA26CE24}" dt="2022-03-14T13:30:37.013" v="483" actId="26606"/>
+          <ac:spMkLst>
+            <pc:docMk/>
+            <pc:sldMk cId="2865333391" sldId="259"/>
+            <ac:spMk id="54" creationId="{DD7EAFE6-2BB9-41FB-9CF4-588CFC708774}"/>
+          </ac:spMkLst>
+        </pc:spChg>
+        <pc:spChg chg="add del">
+          <ac:chgData name="qin yang" userId="63999d83fc6661ca" providerId="LiveId" clId="{25962BF9-3915-4843-9028-566ECA26CE24}" dt="2022-03-14T13:30:37.013" v="483" actId="26606"/>
+          <ac:spMkLst>
+            <pc:docMk/>
+            <pc:sldMk cId="2865333391" sldId="259"/>
+            <ac:spMk id="56" creationId="{C3E06833-B59C-442F-9A6A-F8F55936D530}"/>
+          </ac:spMkLst>
+        </pc:spChg>
+        <pc:spChg chg="add del">
+          <ac:chgData name="qin yang" userId="63999d83fc6661ca" providerId="LiveId" clId="{25962BF9-3915-4843-9028-566ECA26CE24}" dt="2022-03-14T13:30:37.013" v="483" actId="26606"/>
+          <ac:spMkLst>
+            <pc:docMk/>
+            <pc:sldMk cId="2865333391" sldId="259"/>
+            <ac:spMk id="58" creationId="{FA2016CF-2F24-4AE4-8A87-D9B6A3DE31E2}"/>
+          </ac:spMkLst>
+        </pc:spChg>
+        <pc:spChg chg="add">
+          <ac:chgData name="qin yang" userId="63999d83fc6661ca" providerId="LiveId" clId="{25962BF9-3915-4843-9028-566ECA26CE24}" dt="2022-03-14T13:30:37.034" v="484" actId="26606"/>
+          <ac:spMkLst>
+            <pc:docMk/>
+            <pc:sldMk cId="2865333391" sldId="259"/>
+            <ac:spMk id="60" creationId="{02E45E95-311C-41C7-A882-6E43F0806865}"/>
+          </ac:spMkLst>
+        </pc:spChg>
+        <pc:spChg chg="add">
+          <ac:chgData name="qin yang" userId="63999d83fc6661ca" providerId="LiveId" clId="{25962BF9-3915-4843-9028-566ECA26CE24}" dt="2022-03-14T13:30:37.034" v="484" actId="26606"/>
+          <ac:spMkLst>
+            <pc:docMk/>
+            <pc:sldMk cId="2865333391" sldId="259"/>
+            <ac:spMk id="61" creationId="{DD7EAFE6-2BB9-41FB-9CF4-588CFC708774}"/>
+          </ac:spMkLst>
+        </pc:spChg>
+        <pc:spChg chg="add">
+          <ac:chgData name="qin yang" userId="63999d83fc6661ca" providerId="LiveId" clId="{25962BF9-3915-4843-9028-566ECA26CE24}" dt="2022-03-14T13:30:37.034" v="484" actId="26606"/>
+          <ac:spMkLst>
+            <pc:docMk/>
+            <pc:sldMk cId="2865333391" sldId="259"/>
+            <ac:spMk id="62" creationId="{B7299D5D-ECC5-41EB-B830-C3A35FB35516}"/>
+          </ac:spMkLst>
+        </pc:spChg>
+        <pc:spChg chg="add">
+          <ac:chgData name="qin yang" userId="63999d83fc6661ca" providerId="LiveId" clId="{25962BF9-3915-4843-9028-566ECA26CE24}" dt="2022-03-14T13:30:37.034" v="484" actId="26606"/>
+          <ac:spMkLst>
+            <pc:docMk/>
+            <pc:sldMk cId="2865333391" sldId="259"/>
+            <ac:spMk id="63" creationId="{610334BF-0422-4A9A-BE46-AEB8C348BAC4}"/>
+          </ac:spMkLst>
+        </pc:spChg>
+        <pc:spChg chg="add">
+          <ac:chgData name="qin yang" userId="63999d83fc6661ca" providerId="LiveId" clId="{25962BF9-3915-4843-9028-566ECA26CE24}" dt="2022-03-14T13:30:37.034" v="484" actId="26606"/>
+          <ac:spMkLst>
+            <pc:docMk/>
+            <pc:sldMk cId="2865333391" sldId="259"/>
+            <ac:spMk id="64" creationId="{88C91735-5EFE-44D1-8CC6-FDF0D11B6F5D}"/>
+          </ac:spMkLst>
+        </pc:spChg>
+        <pc:spChg chg="add">
+          <ac:chgData name="qin yang" userId="63999d83fc6661ca" providerId="LiveId" clId="{25962BF9-3915-4843-9028-566ECA26CE24}" dt="2022-03-14T13:30:37.034" v="484" actId="26606"/>
+          <ac:spMkLst>
+            <pc:docMk/>
+            <pc:sldMk cId="2865333391" sldId="259"/>
+            <ac:spMk id="65" creationId="{C98F2823-0279-49D8-928D-754B222533EF}"/>
+          </ac:spMkLst>
+        </pc:spChg>
+        <pc:spChg chg="add">
+          <ac:chgData name="qin yang" userId="63999d83fc6661ca" providerId="LiveId" clId="{25962BF9-3915-4843-9028-566ECA26CE24}" dt="2022-03-14T13:30:37.034" v="484" actId="26606"/>
+          <ac:spMkLst>
+            <pc:docMk/>
+            <pc:sldMk cId="2865333391" sldId="259"/>
+            <ac:spMk id="66" creationId="{D33F926C-2613-475D-AEE4-CD7D87D3BA2D}"/>
+          </ac:spMkLst>
+        </pc:spChg>
+        <pc:picChg chg="add mod ord">
+          <ac:chgData name="qin yang" userId="63999d83fc6661ca" providerId="LiveId" clId="{25962BF9-3915-4843-9028-566ECA26CE24}" dt="2022-03-14T13:30:37.034" v="484" actId="26606"/>
+          <ac:picMkLst>
+            <pc:docMk/>
+            <pc:sldMk cId="2865333391" sldId="259"/>
+            <ac:picMk id="3" creationId="{AE899F8C-7050-4B39-8BDE-BC88249DDCF9}"/>
+          </ac:picMkLst>
+        </pc:picChg>
+        <pc:picChg chg="del">
+          <ac:chgData name="qin yang" userId="63999d83fc6661ca" providerId="LiveId" clId="{25962BF9-3915-4843-9028-566ECA26CE24}" dt="2022-03-14T12:40:33.987" v="0" actId="478"/>
+          <ac:picMkLst>
+            <pc:docMk/>
+            <pc:sldMk cId="2865333391" sldId="259"/>
+            <ac:picMk id="15" creationId="{A401E6B4-5292-488F-A5F5-B3309EE05872}"/>
+          </ac:picMkLst>
+        </pc:picChg>
+      </pc:sldChg>
+      <pc:sldChg chg="addSp delSp modSp mod">
+        <pc:chgData name="qin yang" userId="63999d83fc6661ca" providerId="LiveId" clId="{25962BF9-3915-4843-9028-566ECA26CE24}" dt="2022-03-14T13:31:15.314" v="491" actId="26606"/>
+        <pc:sldMkLst>
+          <pc:docMk/>
+          <pc:sldMk cId="3805607248" sldId="260"/>
+        </pc:sldMkLst>
+        <pc:spChg chg="mod">
+          <ac:chgData name="qin yang" userId="63999d83fc6661ca" providerId="LiveId" clId="{25962BF9-3915-4843-9028-566ECA26CE24}" dt="2022-03-14T13:31:15.314" v="491" actId="26606"/>
+          <ac:spMkLst>
+            <pc:docMk/>
+            <pc:sldMk cId="3805607248" sldId="260"/>
+            <ac:spMk id="2" creationId="{17C7E339-632E-4939-B7A3-FF7BA46BEDE8}"/>
+          </ac:spMkLst>
+        </pc:spChg>
+        <pc:spChg chg="mod">
+          <ac:chgData name="qin yang" userId="63999d83fc6661ca" providerId="LiveId" clId="{25962BF9-3915-4843-9028-566ECA26CE24}" dt="2022-03-14T13:31:15.314" v="491" actId="26606"/>
+          <ac:spMkLst>
+            <pc:docMk/>
+            <pc:sldMk cId="3805607248" sldId="260"/>
+            <ac:spMk id="21" creationId="{4A0D2B35-11EE-4698-BEB0-635D45105345}"/>
+          </ac:spMkLst>
+        </pc:spChg>
+        <pc:spChg chg="add del">
+          <ac:chgData name="qin yang" userId="63999d83fc6661ca" providerId="LiveId" clId="{25962BF9-3915-4843-9028-566ECA26CE24}" dt="2022-03-14T13:31:15.314" v="491" actId="26606"/>
+          <ac:spMkLst>
+            <pc:docMk/>
+            <pc:sldMk cId="3805607248" sldId="260"/>
+            <ac:spMk id="36" creationId="{32768DCD-B824-413A-B330-8D57ADB3724C}"/>
+          </ac:spMkLst>
+        </pc:spChg>
+        <pc:spChg chg="add del">
+          <ac:chgData name="qin yang" userId="63999d83fc6661ca" providerId="LiveId" clId="{25962BF9-3915-4843-9028-566ECA26CE24}" dt="2022-03-14T13:31:15.314" v="491" actId="26606"/>
+          <ac:spMkLst>
+            <pc:docMk/>
+            <pc:sldMk cId="3805607248" sldId="260"/>
+            <ac:spMk id="37" creationId="{19F9CD66-32FC-448F-B4C5-67D17508A226}"/>
+          </ac:spMkLst>
+        </pc:spChg>
+        <pc:spChg chg="add del">
+          <ac:chgData name="qin yang" userId="63999d83fc6661ca" providerId="LiveId" clId="{25962BF9-3915-4843-9028-566ECA26CE24}" dt="2022-03-14T13:31:12.560" v="489" actId="26606"/>
+          <ac:spMkLst>
+            <pc:docMk/>
+            <pc:sldMk cId="3805607248" sldId="260"/>
+            <ac:spMk id="42" creationId="{32768DCD-B824-413A-B330-8D57ADB3724C}"/>
+          </ac:spMkLst>
+        </pc:spChg>
+        <pc:spChg chg="add del">
+          <ac:chgData name="qin yang" userId="63999d83fc6661ca" providerId="LiveId" clId="{25962BF9-3915-4843-9028-566ECA26CE24}" dt="2022-03-14T13:31:12.560" v="489" actId="26606"/>
+          <ac:spMkLst>
+            <pc:docMk/>
+            <pc:sldMk cId="3805607248" sldId="260"/>
+            <ac:spMk id="44" creationId="{96E45848-BEDA-4F24-9C4E-DA2120958262}"/>
+          </ac:spMkLst>
+        </pc:spChg>
+        <pc:spChg chg="add del">
+          <ac:chgData name="qin yang" userId="63999d83fc6661ca" providerId="LiveId" clId="{25962BF9-3915-4843-9028-566ECA26CE24}" dt="2022-03-14T13:31:12.560" v="489" actId="26606"/>
+          <ac:spMkLst>
+            <pc:docMk/>
+            <pc:sldMk cId="3805607248" sldId="260"/>
+            <ac:spMk id="46" creationId="{B2BB8117-A903-442C-9223-A4FEB85C3271}"/>
+          </ac:spMkLst>
+        </pc:spChg>
+        <pc:spChg chg="add del">
+          <ac:chgData name="qin yang" userId="63999d83fc6661ca" providerId="LiveId" clId="{25962BF9-3915-4843-9028-566ECA26CE24}" dt="2022-03-14T13:31:12.560" v="489" actId="26606"/>
+          <ac:spMkLst>
+            <pc:docMk/>
+            <pc:sldMk cId="3805607248" sldId="260"/>
+            <ac:spMk id="48" creationId="{C59300B8-3117-43F8-9F8E-68DB9F002F92}"/>
+          </ac:spMkLst>
+        </pc:spChg>
+        <pc:spChg chg="add del">
+          <ac:chgData name="qin yang" userId="63999d83fc6661ca" providerId="LiveId" clId="{25962BF9-3915-4843-9028-566ECA26CE24}" dt="2022-03-14T13:31:12.560" v="489" actId="26606"/>
+          <ac:spMkLst>
+            <pc:docMk/>
+            <pc:sldMk cId="3805607248" sldId="260"/>
+            <ac:spMk id="50" creationId="{1AFAE680-42C1-4104-B74F-B0A8F1FB264A}"/>
+          </ac:spMkLst>
+        </pc:spChg>
+        <pc:spChg chg="add del">
+          <ac:chgData name="qin yang" userId="63999d83fc6661ca" providerId="LiveId" clId="{25962BF9-3915-4843-9028-566ECA26CE24}" dt="2022-03-14T13:31:12.560" v="489" actId="26606"/>
+          <ac:spMkLst>
+            <pc:docMk/>
+            <pc:sldMk cId="3805607248" sldId="260"/>
+            <ac:spMk id="52" creationId="{828A8BA9-B3FE-4C96-A0A1-72A0D2C85578}"/>
+          </ac:spMkLst>
+        </pc:spChg>
+        <pc:spChg chg="add del">
+          <ac:chgData name="qin yang" userId="63999d83fc6661ca" providerId="LiveId" clId="{25962BF9-3915-4843-9028-566ECA26CE24}" dt="2022-03-14T13:31:12.560" v="489" actId="26606"/>
+          <ac:spMkLst>
+            <pc:docMk/>
+            <pc:sldMk cId="3805607248" sldId="260"/>
+            <ac:spMk id="54" creationId="{16272B6F-135F-45E6-8F46-83B32059F20C}"/>
+          </ac:spMkLst>
+        </pc:spChg>
+        <pc:spChg chg="add del">
+          <ac:chgData name="qin yang" userId="63999d83fc6661ca" providerId="LiveId" clId="{25962BF9-3915-4843-9028-566ECA26CE24}" dt="2022-03-14T13:31:12.560" v="489" actId="26606"/>
+          <ac:spMkLst>
+            <pc:docMk/>
+            <pc:sldMk cId="3805607248" sldId="260"/>
+            <ac:spMk id="56" creationId="{19F9CD66-32FC-448F-B4C5-67D17508A226}"/>
+          </ac:spMkLst>
+        </pc:spChg>
+        <pc:spChg chg="add del">
+          <ac:chgData name="qin yang" userId="63999d83fc6661ca" providerId="LiveId" clId="{25962BF9-3915-4843-9028-566ECA26CE24}" dt="2022-03-14T13:31:15.314" v="491" actId="26606"/>
+          <ac:spMkLst>
+            <pc:docMk/>
+            <pc:sldMk cId="3805607248" sldId="260"/>
+            <ac:spMk id="58" creationId="{32768DCD-B824-413A-B330-8D57ADB3724C}"/>
+          </ac:spMkLst>
+        </pc:spChg>
+        <pc:spChg chg="add del">
+          <ac:chgData name="qin yang" userId="63999d83fc6661ca" providerId="LiveId" clId="{25962BF9-3915-4843-9028-566ECA26CE24}" dt="2022-03-14T13:31:15.314" v="491" actId="26606"/>
+          <ac:spMkLst>
+            <pc:docMk/>
+            <pc:sldMk cId="3805607248" sldId="260"/>
+            <ac:spMk id="59" creationId="{96E45848-BEDA-4F24-9C4E-DA2120958262}"/>
+          </ac:spMkLst>
+        </pc:spChg>
+        <pc:spChg chg="add del">
+          <ac:chgData name="qin yang" userId="63999d83fc6661ca" providerId="LiveId" clId="{25962BF9-3915-4843-9028-566ECA26CE24}" dt="2022-03-14T13:31:15.314" v="491" actId="26606"/>
+          <ac:spMkLst>
+            <pc:docMk/>
+            <pc:sldMk cId="3805607248" sldId="260"/>
+            <ac:spMk id="60" creationId="{B2BB8117-A903-442C-9223-A4FEB85C3271}"/>
+          </ac:spMkLst>
+        </pc:spChg>
+        <pc:spChg chg="add del">
+          <ac:chgData name="qin yang" userId="63999d83fc6661ca" providerId="LiveId" clId="{25962BF9-3915-4843-9028-566ECA26CE24}" dt="2022-03-14T13:31:15.314" v="491" actId="26606"/>
+          <ac:spMkLst>
+            <pc:docMk/>
+            <pc:sldMk cId="3805607248" sldId="260"/>
+            <ac:spMk id="61" creationId="{C59300B8-3117-43F8-9F8E-68DB9F002F92}"/>
+          </ac:spMkLst>
+        </pc:spChg>
+        <pc:spChg chg="add del">
+          <ac:chgData name="qin yang" userId="63999d83fc6661ca" providerId="LiveId" clId="{25962BF9-3915-4843-9028-566ECA26CE24}" dt="2022-03-14T13:31:15.314" v="491" actId="26606"/>
+          <ac:spMkLst>
+            <pc:docMk/>
+            <pc:sldMk cId="3805607248" sldId="260"/>
+            <ac:spMk id="62" creationId="{1AFAE680-42C1-4104-B74F-B0A8F1FB264A}"/>
+          </ac:spMkLst>
+        </pc:spChg>
+        <pc:spChg chg="add del">
+          <ac:chgData name="qin yang" userId="63999d83fc6661ca" providerId="LiveId" clId="{25962BF9-3915-4843-9028-566ECA26CE24}" dt="2022-03-14T13:31:15.314" v="491" actId="26606"/>
+          <ac:spMkLst>
+            <pc:docMk/>
+            <pc:sldMk cId="3805607248" sldId="260"/>
+            <ac:spMk id="63" creationId="{828A8BA9-B3FE-4C96-A0A1-72A0D2C85578}"/>
+          </ac:spMkLst>
+        </pc:spChg>
+        <pc:spChg chg="add del">
+          <ac:chgData name="qin yang" userId="63999d83fc6661ca" providerId="LiveId" clId="{25962BF9-3915-4843-9028-566ECA26CE24}" dt="2022-03-14T13:31:15.314" v="491" actId="26606"/>
+          <ac:spMkLst>
+            <pc:docMk/>
+            <pc:sldMk cId="3805607248" sldId="260"/>
+            <ac:spMk id="64" creationId="{19F9CD66-32FC-448F-B4C5-67D17508A226}"/>
+          </ac:spMkLst>
+        </pc:spChg>
+        <pc:picChg chg="mod">
+          <ac:chgData name="qin yang" userId="63999d83fc6661ca" providerId="LiveId" clId="{25962BF9-3915-4843-9028-566ECA26CE24}" dt="2022-03-14T13:31:15.314" v="491" actId="26606"/>
+          <ac:picMkLst>
+            <pc:docMk/>
+            <pc:sldMk cId="3805607248" sldId="260"/>
+            <ac:picMk id="5" creationId="{2E692F9D-97A7-4CFC-87E1-512B20BBA4A3}"/>
+          </ac:picMkLst>
+        </pc:picChg>
+      </pc:sldChg>
+      <pc:sldChg chg="addSp delSp modSp mod">
+        <pc:chgData name="qin yang" userId="63999d83fc6661ca" providerId="LiveId" clId="{25962BF9-3915-4843-9028-566ECA26CE24}" dt="2022-03-14T13:31:01.120" v="487" actId="26606"/>
+        <pc:sldMkLst>
+          <pc:docMk/>
+          <pc:sldMk cId="144986429" sldId="261"/>
+        </pc:sldMkLst>
+        <pc:spChg chg="mod">
+          <ac:chgData name="qin yang" userId="63999d83fc6661ca" providerId="LiveId" clId="{25962BF9-3915-4843-9028-566ECA26CE24}" dt="2022-03-14T13:31:01.120" v="487" actId="26606"/>
+          <ac:spMkLst>
+            <pc:docMk/>
+            <pc:sldMk cId="144986429" sldId="261"/>
+            <ac:spMk id="2" creationId="{B533C20E-CEBC-4EA9-861D-1361DDFD3724}"/>
+          </ac:spMkLst>
+        </pc:spChg>
+        <pc:spChg chg="del">
+          <ac:chgData name="qin yang" userId="63999d83fc6661ca" providerId="LiveId" clId="{25962BF9-3915-4843-9028-566ECA26CE24}" dt="2022-03-14T13:31:01.120" v="487" actId="26606"/>
+          <ac:spMkLst>
+            <pc:docMk/>
+            <pc:sldMk cId="144986429" sldId="261"/>
+            <ac:spMk id="19" creationId="{DD7EAFE6-2BB9-41FB-9CF4-588CFC708774}"/>
+          </ac:spMkLst>
+        </pc:spChg>
+        <pc:spChg chg="del">
+          <ac:chgData name="qin yang" userId="63999d83fc6661ca" providerId="LiveId" clId="{25962BF9-3915-4843-9028-566ECA26CE24}" dt="2022-03-14T13:31:01.120" v="487" actId="26606"/>
+          <ac:spMkLst>
+            <pc:docMk/>
+            <pc:sldMk cId="144986429" sldId="261"/>
+            <ac:spMk id="21" creationId="{8C37C960-91F5-4F61-B2CD-8A037920720B}"/>
+          </ac:spMkLst>
+        </pc:spChg>
+        <pc:spChg chg="add">
+          <ac:chgData name="qin yang" userId="63999d83fc6661ca" providerId="LiveId" clId="{25962BF9-3915-4843-9028-566ECA26CE24}" dt="2022-03-14T13:31:01.120" v="487" actId="26606"/>
+          <ac:spMkLst>
+            <pc:docMk/>
+            <pc:sldMk cId="144986429" sldId="261"/>
+            <ac:spMk id="26" creationId="{DD7EAFE6-2BB9-41FB-9CF4-588CFC708774}"/>
+          </ac:spMkLst>
+        </pc:spChg>
+        <pc:spChg chg="add">
+          <ac:chgData name="qin yang" userId="63999d83fc6661ca" providerId="LiveId" clId="{25962BF9-3915-4843-9028-566ECA26CE24}" dt="2022-03-14T13:31:01.120" v="487" actId="26606"/>
+          <ac:spMkLst>
+            <pc:docMk/>
+            <pc:sldMk cId="144986429" sldId="261"/>
+            <ac:spMk id="28" creationId="{610334BF-0422-4A9A-BE46-AEB8C348BAC4}"/>
+          </ac:spMkLst>
+        </pc:spChg>
+        <pc:spChg chg="add">
+          <ac:chgData name="qin yang" userId="63999d83fc6661ca" providerId="LiveId" clId="{25962BF9-3915-4843-9028-566ECA26CE24}" dt="2022-03-14T13:31:01.120" v="487" actId="26606"/>
+          <ac:spMkLst>
+            <pc:docMk/>
+            <pc:sldMk cId="144986429" sldId="261"/>
+            <ac:spMk id="30" creationId="{C98F2823-0279-49D8-928D-754B222533EF}"/>
+          </ac:spMkLst>
+        </pc:spChg>
+        <pc:spChg chg="add">
+          <ac:chgData name="qin yang" userId="63999d83fc6661ca" providerId="LiveId" clId="{25962BF9-3915-4843-9028-566ECA26CE24}" dt="2022-03-14T13:31:01.120" v="487" actId="26606"/>
+          <ac:spMkLst>
+            <pc:docMk/>
+            <pc:sldMk cId="144986429" sldId="261"/>
+            <ac:spMk id="32" creationId="{02E45E95-311C-41C7-A882-6E43F0806865}"/>
+          </ac:spMkLst>
+        </pc:spChg>
+        <pc:spChg chg="add">
+          <ac:chgData name="qin yang" userId="63999d83fc6661ca" providerId="LiveId" clId="{25962BF9-3915-4843-9028-566ECA26CE24}" dt="2022-03-14T13:31:01.120" v="487" actId="26606"/>
+          <ac:spMkLst>
+            <pc:docMk/>
+            <pc:sldMk cId="144986429" sldId="261"/>
+            <ac:spMk id="34" creationId="{B7299D5D-ECC5-41EB-B830-C3A35FB35516}"/>
+          </ac:spMkLst>
+        </pc:spChg>
+        <pc:spChg chg="add">
+          <ac:chgData name="qin yang" userId="63999d83fc6661ca" providerId="LiveId" clId="{25962BF9-3915-4843-9028-566ECA26CE24}" dt="2022-03-14T13:31:01.120" v="487" actId="26606"/>
+          <ac:spMkLst>
+            <pc:docMk/>
+            <pc:sldMk cId="144986429" sldId="261"/>
+            <ac:spMk id="36" creationId="{88C91735-5EFE-44D1-8CC6-FDF0D11B6F5D}"/>
+          </ac:spMkLst>
+        </pc:spChg>
+        <pc:spChg chg="add">
+          <ac:chgData name="qin yang" userId="63999d83fc6661ca" providerId="LiveId" clId="{25962BF9-3915-4843-9028-566ECA26CE24}" dt="2022-03-14T13:31:01.120" v="487" actId="26606"/>
+          <ac:spMkLst>
+            <pc:docMk/>
+            <pc:sldMk cId="144986429" sldId="261"/>
+            <ac:spMk id="38" creationId="{D33F926C-2613-475D-AEE4-CD7D87D3BA2D}"/>
+          </ac:spMkLst>
+        </pc:spChg>
+        <pc:picChg chg="mod">
+          <ac:chgData name="qin yang" userId="63999d83fc6661ca" providerId="LiveId" clId="{25962BF9-3915-4843-9028-566ECA26CE24}" dt="2022-03-14T13:31:01.120" v="487" actId="26606"/>
+          <ac:picMkLst>
+            <pc:docMk/>
+            <pc:sldMk cId="144986429" sldId="261"/>
+            <ac:picMk id="5" creationId="{9065CCDD-CD85-4505-954B-CC3986FD6AF2}"/>
+          </ac:picMkLst>
+        </pc:picChg>
+      </pc:sldChg>
+      <pc:sldChg chg="del">
+        <pc:chgData name="qin yang" userId="63999d83fc6661ca" providerId="LiveId" clId="{25962BF9-3915-4843-9028-566ECA26CE24}" dt="2022-03-15T13:15:35.784" v="551" actId="2696"/>
+        <pc:sldMkLst>
+          <pc:docMk/>
+          <pc:sldMk cId="3465741518" sldId="262"/>
+        </pc:sldMkLst>
+      </pc:sldChg>
+      <pc:sldChg chg="modSp mod ord">
+        <pc:chgData name="qin yang" userId="63999d83fc6661ca" providerId="LiveId" clId="{25962BF9-3915-4843-9028-566ECA26CE24}" dt="2022-03-15T13:15:31.822" v="550"/>
+        <pc:sldMkLst>
+          <pc:docMk/>
+          <pc:sldMk cId="3065515325" sldId="263"/>
+        </pc:sldMkLst>
+        <pc:spChg chg="mod">
+          <ac:chgData name="qin yang" userId="63999d83fc6661ca" providerId="LiveId" clId="{25962BF9-3915-4843-9028-566ECA26CE24}" dt="2022-03-14T12:49:49.782" v="104" actId="6549"/>
+          <ac:spMkLst>
+            <pc:docMk/>
+            <pc:sldMk cId="3065515325" sldId="263"/>
+            <ac:spMk id="3" creationId="{E6E909F6-02BA-483F-AD8F-2FD2AD709F0F}"/>
+          </ac:spMkLst>
+        </pc:spChg>
+      </pc:sldChg>
+      <pc:sldChg chg="addSp delSp modSp new mod ord setBg">
+        <pc:chgData name="qin yang" userId="63999d83fc6661ca" providerId="LiveId" clId="{25962BF9-3915-4843-9028-566ECA26CE24}" dt="2022-03-14T13:30:25.871" v="481" actId="26606"/>
+        <pc:sldMkLst>
+          <pc:docMk/>
+          <pc:sldMk cId="3376540366" sldId="264"/>
+        </pc:sldMkLst>
+        <pc:spChg chg="mod">
+          <ac:chgData name="qin yang" userId="63999d83fc6661ca" providerId="LiveId" clId="{25962BF9-3915-4843-9028-566ECA26CE24}" dt="2022-03-14T13:30:25.871" v="481" actId="26606"/>
+          <ac:spMkLst>
+            <pc:docMk/>
+            <pc:sldMk cId="3376540366" sldId="264"/>
+            <ac:spMk id="2" creationId="{6C0D0C1D-3EC9-447D-9C39-EBE07E27708B}"/>
+          </ac:spMkLst>
+        </pc:spChg>
+        <pc:spChg chg="del">
+          <ac:chgData name="qin yang" userId="63999d83fc6661ca" providerId="LiveId" clId="{25962BF9-3915-4843-9028-566ECA26CE24}" dt="2022-03-14T13:29:54.772" v="464" actId="22"/>
+          <ac:spMkLst>
+            <pc:docMk/>
+            <pc:sldMk cId="3376540366" sldId="264"/>
+            <ac:spMk id="3" creationId="{3213D1D9-C240-45EB-9422-2C18FA1094BE}"/>
+          </ac:spMkLst>
+        </pc:spChg>
+        <pc:spChg chg="add">
+          <ac:chgData name="qin yang" userId="63999d83fc6661ca" providerId="LiveId" clId="{25962BF9-3915-4843-9028-566ECA26CE24}" dt="2022-03-14T13:30:25.871" v="481" actId="26606"/>
+          <ac:spMkLst>
+            <pc:docMk/>
+            <pc:sldMk cId="3376540366" sldId="264"/>
+            <ac:spMk id="10" creationId="{DD7EAFE6-2BB9-41FB-9CF4-588CFC708774}"/>
+          </ac:spMkLst>
+        </pc:spChg>
+        <pc:spChg chg="add">
+          <ac:chgData name="qin yang" userId="63999d83fc6661ca" providerId="LiveId" clId="{25962BF9-3915-4843-9028-566ECA26CE24}" dt="2022-03-14T13:30:25.871" v="481" actId="26606"/>
+          <ac:spMkLst>
+            <pc:docMk/>
+            <pc:sldMk cId="3376540366" sldId="264"/>
+            <ac:spMk id="12" creationId="{610334BF-0422-4A9A-BE46-AEB8C348BAC4}"/>
+          </ac:spMkLst>
+        </pc:spChg>
+        <pc:spChg chg="add">
+          <ac:chgData name="qin yang" userId="63999d83fc6661ca" providerId="LiveId" clId="{25962BF9-3915-4843-9028-566ECA26CE24}" dt="2022-03-14T13:30:25.871" v="481" actId="26606"/>
+          <ac:spMkLst>
+            <pc:docMk/>
+            <pc:sldMk cId="3376540366" sldId="264"/>
+            <ac:spMk id="14" creationId="{C98F2823-0279-49D8-928D-754B222533EF}"/>
+          </ac:spMkLst>
+        </pc:spChg>
+        <pc:spChg chg="add">
+          <ac:chgData name="qin yang" userId="63999d83fc6661ca" providerId="LiveId" clId="{25962BF9-3915-4843-9028-566ECA26CE24}" dt="2022-03-14T13:30:25.871" v="481" actId="26606"/>
+          <ac:spMkLst>
+            <pc:docMk/>
+            <pc:sldMk cId="3376540366" sldId="264"/>
+            <ac:spMk id="16" creationId="{02E45E95-311C-41C7-A882-6E43F0806865}"/>
+          </ac:spMkLst>
+        </pc:spChg>
+        <pc:spChg chg="add">
+          <ac:chgData name="qin yang" userId="63999d83fc6661ca" providerId="LiveId" clId="{25962BF9-3915-4843-9028-566ECA26CE24}" dt="2022-03-14T13:30:25.871" v="481" actId="26606"/>
+          <ac:spMkLst>
+            <pc:docMk/>
+            <pc:sldMk cId="3376540366" sldId="264"/>
+            <ac:spMk id="18" creationId="{B7299D5D-ECC5-41EB-B830-C3A35FB35516}"/>
+          </ac:spMkLst>
+        </pc:spChg>
+        <pc:spChg chg="add">
+          <ac:chgData name="qin yang" userId="63999d83fc6661ca" providerId="LiveId" clId="{25962BF9-3915-4843-9028-566ECA26CE24}" dt="2022-03-14T13:30:25.871" v="481" actId="26606"/>
+          <ac:spMkLst>
+            <pc:docMk/>
+            <pc:sldMk cId="3376540366" sldId="264"/>
+            <ac:spMk id="20" creationId="{88C91735-5EFE-44D1-8CC6-FDF0D11B6F5D}"/>
+          </ac:spMkLst>
+        </pc:spChg>
+        <pc:spChg chg="add">
+          <ac:chgData name="qin yang" userId="63999d83fc6661ca" providerId="LiveId" clId="{25962BF9-3915-4843-9028-566ECA26CE24}" dt="2022-03-14T13:30:25.871" v="481" actId="26606"/>
+          <ac:spMkLst>
+            <pc:docMk/>
+            <pc:sldMk cId="3376540366" sldId="264"/>
+            <ac:spMk id="22" creationId="{D33F926C-2613-475D-AEE4-CD7D87D3BA2D}"/>
+          </ac:spMkLst>
+        </pc:spChg>
+        <pc:picChg chg="add mod ord">
+          <ac:chgData name="qin yang" userId="63999d83fc6661ca" providerId="LiveId" clId="{25962BF9-3915-4843-9028-566ECA26CE24}" dt="2022-03-14T13:30:25.871" v="481" actId="26606"/>
+          <ac:picMkLst>
+            <pc:docMk/>
+            <pc:sldMk cId="3376540366" sldId="264"/>
+            <ac:picMk id="5" creationId="{FBDA920D-1FD9-4212-839F-1E0E003F53DE}"/>
+          </ac:picMkLst>
+        </pc:picChg>
+      </pc:sldChg>
+      <pc:sldChg chg="addSp delSp modSp new del mod setBg">
+        <pc:chgData name="qin yang" userId="63999d83fc6661ca" providerId="LiveId" clId="{25962BF9-3915-4843-9028-566ECA26CE24}" dt="2022-03-15T13:09:48.204" v="533" actId="2696"/>
+        <pc:sldMkLst>
+          <pc:docMk/>
+          <pc:sldMk cId="2552276343" sldId="265"/>
+        </pc:sldMkLst>
+        <pc:spChg chg="mod">
+          <ac:chgData name="qin yang" userId="63999d83fc6661ca" providerId="LiveId" clId="{25962BF9-3915-4843-9028-566ECA26CE24}" dt="2022-03-14T14:31:48.430" v="532" actId="26606"/>
+          <ac:spMkLst>
+            <pc:docMk/>
+            <pc:sldMk cId="2552276343" sldId="265"/>
+            <ac:spMk id="2" creationId="{B173A706-D48C-4061-A9BE-A2EE43579525}"/>
+          </ac:spMkLst>
+        </pc:spChg>
+        <pc:spChg chg="del">
+          <ac:chgData name="qin yang" userId="63999d83fc6661ca" providerId="LiveId" clId="{25962BF9-3915-4843-9028-566ECA26CE24}" dt="2022-03-14T14:30:19.571" v="504"/>
+          <ac:spMkLst>
+            <pc:docMk/>
+            <pc:sldMk cId="2552276343" sldId="265"/>
+            <ac:spMk id="3" creationId="{A64D45AB-89FC-4423-A275-176754E1D9C6}"/>
+          </ac:spMkLst>
+        </pc:spChg>
+        <pc:spChg chg="add del">
+          <ac:chgData name="qin yang" userId="63999d83fc6661ca" providerId="LiveId" clId="{25962BF9-3915-4843-9028-566ECA26CE24}" dt="2022-03-14T14:31:40.492" v="529"/>
+          <ac:spMkLst>
+            <pc:docMk/>
+            <pc:sldMk cId="2552276343" sldId="265"/>
+            <ac:spMk id="13" creationId="{B1DC26D8-EC56-D7CC-A3B4-D947C36F769E}"/>
+          </ac:spMkLst>
+        </pc:spChg>
+        <pc:spChg chg="add del">
+          <ac:chgData name="qin yang" userId="63999d83fc6661ca" providerId="LiveId" clId="{25962BF9-3915-4843-9028-566ECA26CE24}" dt="2022-03-14T14:31:48.430" v="532" actId="26606"/>
+          <ac:spMkLst>
+            <pc:docMk/>
+            <pc:sldMk cId="2552276343" sldId="265"/>
+            <ac:spMk id="16" creationId="{19B36E71-93BD-4984-AC9C-CC9FB9CC06D6}"/>
+          </ac:spMkLst>
+        </pc:spChg>
+        <pc:spChg chg="add del">
+          <ac:chgData name="qin yang" userId="63999d83fc6661ca" providerId="LiveId" clId="{25962BF9-3915-4843-9028-566ECA26CE24}" dt="2022-03-14T14:31:48.430" v="532" actId="26606"/>
+          <ac:spMkLst>
+            <pc:docMk/>
+            <pc:sldMk cId="2552276343" sldId="265"/>
+            <ac:spMk id="18" creationId="{3A767031-C99F-4567-B7D9-353331C77909}"/>
+          </ac:spMkLst>
+        </pc:spChg>
+        <pc:spChg chg="add del">
+          <ac:chgData name="qin yang" userId="63999d83fc6661ca" providerId="LiveId" clId="{25962BF9-3915-4843-9028-566ECA26CE24}" dt="2022-03-14T14:31:48.430" v="532" actId="26606"/>
+          <ac:spMkLst>
+            <pc:docMk/>
+            <pc:sldMk cId="2552276343" sldId="265"/>
+            <ac:spMk id="20" creationId="{63FEDEE9-12A6-4011-A532-8071D6086BF8}"/>
+          </ac:spMkLst>
+        </pc:spChg>
+        <pc:spChg chg="add del">
+          <ac:chgData name="qin yang" userId="63999d83fc6661ca" providerId="LiveId" clId="{25962BF9-3915-4843-9028-566ECA26CE24}" dt="2022-03-14T14:31:48.430" v="532" actId="26606"/>
+          <ac:spMkLst>
+            <pc:docMk/>
+            <pc:sldMk cId="2552276343" sldId="265"/>
+            <ac:spMk id="22" creationId="{57C37CE9-19CE-49DF-A887-2214EBB1F097}"/>
+          </ac:spMkLst>
+        </pc:spChg>
+        <pc:spChg chg="add del">
+          <ac:chgData name="qin yang" userId="63999d83fc6661ca" providerId="LiveId" clId="{25962BF9-3915-4843-9028-566ECA26CE24}" dt="2022-03-14T14:31:48.430" v="532" actId="26606"/>
+          <ac:spMkLst>
+            <pc:docMk/>
+            <pc:sldMk cId="2552276343" sldId="265"/>
+            <ac:spMk id="24" creationId="{7EF84E8E-7E93-4DEE-BCFB-2AE29098B5C3}"/>
+          </ac:spMkLst>
+        </pc:spChg>
+        <pc:spChg chg="add del">
+          <ac:chgData name="qin yang" userId="63999d83fc6661ca" providerId="LiveId" clId="{25962BF9-3915-4843-9028-566ECA26CE24}" dt="2022-03-14T14:31:48.430" v="532" actId="26606"/>
+          <ac:spMkLst>
+            <pc:docMk/>
+            <pc:sldMk cId="2552276343" sldId="265"/>
+            <ac:spMk id="26" creationId="{9046502B-E9B6-4225-B8EE-BC5D644686B0}"/>
+          </ac:spMkLst>
+        </pc:spChg>
+        <pc:spChg chg="add">
+          <ac:chgData name="qin yang" userId="63999d83fc6661ca" providerId="LiveId" clId="{25962BF9-3915-4843-9028-566ECA26CE24}" dt="2022-03-14T14:31:48.430" v="532" actId="26606"/>
+          <ac:spMkLst>
+            <pc:docMk/>
+            <pc:sldMk cId="2552276343" sldId="265"/>
+            <ac:spMk id="30" creationId="{39AB3E8D-5189-4723-0B4B-37D972833C52}"/>
+          </ac:spMkLst>
+        </pc:spChg>
+        <pc:spChg chg="add">
+          <ac:chgData name="qin yang" userId="63999d83fc6661ca" providerId="LiveId" clId="{25962BF9-3915-4843-9028-566ECA26CE24}" dt="2022-03-14T14:31:48.430" v="532" actId="26606"/>
+          <ac:spMkLst>
+            <pc:docMk/>
+            <pc:sldMk cId="2552276343" sldId="265"/>
+            <ac:spMk id="33" creationId="{19B36E71-93BD-4984-AC9C-CC9FB9CC06D6}"/>
+          </ac:spMkLst>
+        </pc:spChg>
+        <pc:spChg chg="add">
+          <ac:chgData name="qin yang" userId="63999d83fc6661ca" providerId="LiveId" clId="{25962BF9-3915-4843-9028-566ECA26CE24}" dt="2022-03-14T14:31:48.430" v="532" actId="26606"/>
+          <ac:spMkLst>
+            <pc:docMk/>
+            <pc:sldMk cId="2552276343" sldId="265"/>
+            <ac:spMk id="35" creationId="{3A767031-C99F-4567-B7D9-353331C77909}"/>
+          </ac:spMkLst>
+        </pc:spChg>
+        <pc:spChg chg="add">
+          <ac:chgData name="qin yang" userId="63999d83fc6661ca" providerId="LiveId" clId="{25962BF9-3915-4843-9028-566ECA26CE24}" dt="2022-03-14T14:31:48.430" v="532" actId="26606"/>
+          <ac:spMkLst>
+            <pc:docMk/>
+            <pc:sldMk cId="2552276343" sldId="265"/>
+            <ac:spMk id="37" creationId="{63FEDEE9-12A6-4011-A532-8071D6086BF8}"/>
+          </ac:spMkLst>
+        </pc:spChg>
+        <pc:spChg chg="add">
+          <ac:chgData name="qin yang" userId="63999d83fc6661ca" providerId="LiveId" clId="{25962BF9-3915-4843-9028-566ECA26CE24}" dt="2022-03-14T14:31:48.430" v="532" actId="26606"/>
+          <ac:spMkLst>
+            <pc:docMk/>
+            <pc:sldMk cId="2552276343" sldId="265"/>
+            <ac:spMk id="39" creationId="{57C37CE9-19CE-49DF-A887-2214EBB1F097}"/>
+          </ac:spMkLst>
+        </pc:spChg>
+        <pc:spChg chg="add">
+          <ac:chgData name="qin yang" userId="63999d83fc6661ca" providerId="LiveId" clId="{25962BF9-3915-4843-9028-566ECA26CE24}" dt="2022-03-14T14:31:48.430" v="532" actId="26606"/>
+          <ac:spMkLst>
+            <pc:docMk/>
+            <pc:sldMk cId="2552276343" sldId="265"/>
+            <ac:spMk id="41" creationId="{7EF84E8E-7E93-4DEE-BCFB-2AE29098B5C3}"/>
+          </ac:spMkLst>
+        </pc:spChg>
+        <pc:spChg chg="add">
+          <ac:chgData name="qin yang" userId="63999d83fc6661ca" providerId="LiveId" clId="{25962BF9-3915-4843-9028-566ECA26CE24}" dt="2022-03-14T14:31:48.430" v="532" actId="26606"/>
+          <ac:spMkLst>
+            <pc:docMk/>
+            <pc:sldMk cId="2552276343" sldId="265"/>
+            <ac:spMk id="43" creationId="{9046502B-E9B6-4225-B8EE-BC5D644686B0}"/>
+          </ac:spMkLst>
+        </pc:spChg>
+        <pc:picChg chg="add mod">
+          <ac:chgData name="qin yang" userId="63999d83fc6661ca" providerId="LiveId" clId="{25962BF9-3915-4843-9028-566ECA26CE24}" dt="2022-03-14T14:31:48.430" v="532" actId="26606"/>
+          <ac:picMkLst>
+            <pc:docMk/>
+            <pc:sldMk cId="2552276343" sldId="265"/>
+            <ac:picMk id="5" creationId="{05DBF83F-3892-4D89-A950-60F0C81C3C5C}"/>
+          </ac:picMkLst>
+        </pc:picChg>
+        <pc:picChg chg="add mod">
+          <ac:chgData name="qin yang" userId="63999d83fc6661ca" providerId="LiveId" clId="{25962BF9-3915-4843-9028-566ECA26CE24}" dt="2022-03-14T14:31:48.430" v="532" actId="26606"/>
+          <ac:picMkLst>
+            <pc:docMk/>
+            <pc:sldMk cId="2552276343" sldId="265"/>
+            <ac:picMk id="7" creationId="{F5F13E96-353F-4611-B029-074E4B11D7EB}"/>
+          </ac:picMkLst>
+        </pc:picChg>
+        <pc:picChg chg="add mod">
+          <ac:chgData name="qin yang" userId="63999d83fc6661ca" providerId="LiveId" clId="{25962BF9-3915-4843-9028-566ECA26CE24}" dt="2022-03-14T14:31:48.430" v="532" actId="26606"/>
+          <ac:picMkLst>
+            <pc:docMk/>
+            <pc:sldMk cId="2552276343" sldId="265"/>
+            <ac:picMk id="9" creationId="{7119FE9D-7923-4778-BD39-5226E8F60493}"/>
+          </ac:picMkLst>
+        </pc:picChg>
+        <pc:picChg chg="add mod">
+          <ac:chgData name="qin yang" userId="63999d83fc6661ca" providerId="LiveId" clId="{25962BF9-3915-4843-9028-566ECA26CE24}" dt="2022-03-14T14:31:48.430" v="532" actId="26606"/>
+          <ac:picMkLst>
+            <pc:docMk/>
+            <pc:sldMk cId="2552276343" sldId="265"/>
+            <ac:picMk id="11" creationId="{10F0A075-A135-4406-9E47-C9B830BEEF1E}"/>
+          </ac:picMkLst>
+        </pc:picChg>
+      </pc:sldChg>
+      <pc:sldChg chg="addSp delSp modSp del mod">
+        <pc:chgData name="qin yang" userId="63999d83fc6661ca" providerId="LiveId" clId="{25962BF9-3915-4843-9028-566ECA26CE24}" dt="2022-03-15T13:14:50.229" v="548" actId="47"/>
+        <pc:sldMkLst>
+          <pc:docMk/>
+          <pc:sldMk cId="3007869653" sldId="266"/>
+        </pc:sldMkLst>
+        <pc:spChg chg="add mod">
+          <ac:chgData name="qin yang" userId="63999d83fc6661ca" providerId="LiveId" clId="{25962BF9-3915-4843-9028-566ECA26CE24}" dt="2022-03-15T13:14:28.935" v="542" actId="21"/>
+          <ac:spMkLst>
+            <pc:docMk/>
+            <pc:sldMk cId="3007869653" sldId="266"/>
+            <ac:spMk id="3" creationId="{B46CCE3B-63BB-43A9-B04A-1C016E80A2D9}"/>
+          </ac:spMkLst>
+        </pc:spChg>
+        <pc:picChg chg="del mod">
+          <ac:chgData name="qin yang" userId="63999d83fc6661ca" providerId="LiveId" clId="{25962BF9-3915-4843-9028-566ECA26CE24}" dt="2022-03-15T13:14:28.935" v="542" actId="21"/>
+          <ac:picMkLst>
+            <pc:docMk/>
+            <pc:sldMk cId="3007869653" sldId="266"/>
+            <ac:picMk id="11" creationId="{217133DA-4AB7-4F96-AE71-3D7B43E83FD2}"/>
+          </ac:picMkLst>
+        </pc:picChg>
+      </pc:sldChg>
+      <pc:sldChg chg="addSp delSp modSp mod">
+        <pc:chgData name="qin yang" userId="63999d83fc6661ca" providerId="LiveId" clId="{25962BF9-3915-4843-9028-566ECA26CE24}" dt="2022-03-15T13:12:50.879" v="539" actId="14100"/>
+        <pc:sldMkLst>
+          <pc:docMk/>
+          <pc:sldMk cId="3106087218" sldId="267"/>
+        </pc:sldMkLst>
+        <pc:spChg chg="add mod">
+          <ac:chgData name="qin yang" userId="63999d83fc6661ca" providerId="LiveId" clId="{25962BF9-3915-4843-9028-566ECA26CE24}" dt="2022-03-15T13:12:33.642" v="534" actId="478"/>
+          <ac:spMkLst>
+            <pc:docMk/>
+            <pc:sldMk cId="3106087218" sldId="267"/>
+            <ac:spMk id="3" creationId="{D4257548-B474-4AEC-A91B-8125435E9456}"/>
+          </ac:spMkLst>
+        </pc:spChg>
+        <pc:picChg chg="del">
+          <ac:chgData name="qin yang" userId="63999d83fc6661ca" providerId="LiveId" clId="{25962BF9-3915-4843-9028-566ECA26CE24}" dt="2022-03-15T13:12:33.642" v="534" actId="478"/>
+          <ac:picMkLst>
+            <pc:docMk/>
+            <pc:sldMk cId="3106087218" sldId="267"/>
+            <ac:picMk id="5" creationId="{A247D514-79E6-4CA8-B023-7BE66AB27256}"/>
+          </ac:picMkLst>
+        </pc:picChg>
+        <pc:picChg chg="add mod">
+          <ac:chgData name="qin yang" userId="63999d83fc6661ca" providerId="LiveId" clId="{25962BF9-3915-4843-9028-566ECA26CE24}" dt="2022-03-15T13:12:50.879" v="539" actId="14100"/>
+          <ac:picMkLst>
+            <pc:docMk/>
+            <pc:sldMk cId="3106087218" sldId="267"/>
+            <ac:picMk id="6" creationId="{4F93BB47-E387-4008-95A8-86049DEE14F7}"/>
+          </ac:picMkLst>
+        </pc:picChg>
+      </pc:sldChg>
+      <pc:sldChg chg="addSp delSp modSp new mod">
+        <pc:chgData name="qin yang" userId="63999d83fc6661ca" providerId="LiveId" clId="{25962BF9-3915-4843-9028-566ECA26CE24}" dt="2022-03-15T13:14:44.903" v="547" actId="1076"/>
+        <pc:sldMkLst>
+          <pc:docMk/>
+          <pc:sldMk cId="87719185" sldId="268"/>
+        </pc:sldMkLst>
+        <pc:spChg chg="del">
+          <ac:chgData name="qin yang" userId="63999d83fc6661ca" providerId="LiveId" clId="{25962BF9-3915-4843-9028-566ECA26CE24}" dt="2022-03-15T13:14:37.220" v="544" actId="478"/>
+          <ac:spMkLst>
+            <pc:docMk/>
+            <pc:sldMk cId="87719185" sldId="268"/>
+            <ac:spMk id="2" creationId="{12636E12-869E-4C44-9193-E876BDAAA32C}"/>
+          </ac:spMkLst>
+        </pc:spChg>
+        <pc:spChg chg="del">
+          <ac:chgData name="qin yang" userId="63999d83fc6661ca" providerId="LiveId" clId="{25962BF9-3915-4843-9028-566ECA26CE24}" dt="2022-03-15T13:14:39.612" v="545" actId="478"/>
+          <ac:spMkLst>
+            <pc:docMk/>
+            <pc:sldMk cId="87719185" sldId="268"/>
+            <ac:spMk id="3" creationId="{0DEDDDB4-B5B4-45B3-AA86-C4E327F73863}"/>
+          </ac:spMkLst>
+        </pc:spChg>
+        <pc:picChg chg="add mod">
+          <ac:chgData name="qin yang" userId="63999d83fc6661ca" providerId="LiveId" clId="{25962BF9-3915-4843-9028-566ECA26CE24}" dt="2022-03-15T13:14:44.903" v="547" actId="1076"/>
+          <ac:picMkLst>
+            <pc:docMk/>
+            <pc:sldMk cId="87719185" sldId="268"/>
+            <ac:picMk id="4" creationId="{C170E842-7D6D-4AF1-B56A-B1BA141352D8}"/>
+          </ac:picMkLst>
+        </pc:picChg>
+      </pc:sldChg>
+      <pc:sldChg chg="addSp delSp modSp new mod setBg">
+        <pc:chgData name="qin yang" userId="63999d83fc6661ca" providerId="LiveId" clId="{25962BF9-3915-4843-9028-566ECA26CE24}" dt="2022-03-15T13:38:35.102" v="564" actId="1076"/>
+        <pc:sldMkLst>
+          <pc:docMk/>
+          <pc:sldMk cId="1003998355" sldId="269"/>
+        </pc:sldMkLst>
+        <pc:spChg chg="add del">
+          <ac:chgData name="qin yang" userId="63999d83fc6661ca" providerId="LiveId" clId="{25962BF9-3915-4843-9028-566ECA26CE24}" dt="2022-03-15T13:38:23.587" v="561" actId="478"/>
+          <ac:spMkLst>
+            <pc:docMk/>
+            <pc:sldMk cId="1003998355" sldId="269"/>
+            <ac:spMk id="2" creationId="{990DEC9D-5E4F-4503-B486-0EBA3691D941}"/>
+          </ac:spMkLst>
+        </pc:spChg>
+        <pc:spChg chg="del">
+          <ac:chgData name="qin yang" userId="63999d83fc6661ca" providerId="LiveId" clId="{25962BF9-3915-4843-9028-566ECA26CE24}" dt="2022-03-15T13:38:05.286" v="553" actId="22"/>
+          <ac:spMkLst>
+            <pc:docMk/>
+            <pc:sldMk cId="1003998355" sldId="269"/>
+            <ac:spMk id="3" creationId="{709FE8BE-D503-4544-A40A-D4EDE5006C08}"/>
+          </ac:spMkLst>
+        </pc:spChg>
+        <pc:spChg chg="add del">
+          <ac:chgData name="qin yang" userId="63999d83fc6661ca" providerId="LiveId" clId="{25962BF9-3915-4843-9028-566ECA26CE24}" dt="2022-03-15T13:38:20.908" v="560" actId="26606"/>
+          <ac:spMkLst>
+            <pc:docMk/>
+            <pc:sldMk cId="1003998355" sldId="269"/>
+            <ac:spMk id="10" creationId="{DD7EAFE6-2BB9-41FB-9CF4-588CFC708774}"/>
+          </ac:spMkLst>
+        </pc:spChg>
+        <pc:spChg chg="add del">
+          <ac:chgData name="qin yang" userId="63999d83fc6661ca" providerId="LiveId" clId="{25962BF9-3915-4843-9028-566ECA26CE24}" dt="2022-03-15T13:38:20.908" v="560" actId="26606"/>
+          <ac:spMkLst>
+            <pc:docMk/>
+            <pc:sldMk cId="1003998355" sldId="269"/>
+            <ac:spMk id="12" creationId="{8A2477EE-FBE5-4DB7-8438-DE1CAC61A2EA}"/>
+          </ac:spMkLst>
+        </pc:spChg>
+        <pc:spChg chg="add del">
+          <ac:chgData name="qin yang" userId="63999d83fc6661ca" providerId="LiveId" clId="{25962BF9-3915-4843-9028-566ECA26CE24}" dt="2022-03-15T13:38:20.908" v="560" actId="26606"/>
+          <ac:spMkLst>
+            <pc:docMk/>
+            <pc:sldMk cId="1003998355" sldId="269"/>
+            <ac:spMk id="14" creationId="{5B0E521E-8528-4E92-8B8C-67ED5C5BD0EB}"/>
+          </ac:spMkLst>
+        </pc:spChg>
+        <pc:picChg chg="add mod ord">
+          <ac:chgData name="qin yang" userId="63999d83fc6661ca" providerId="LiveId" clId="{25962BF9-3915-4843-9028-566ECA26CE24}" dt="2022-03-15T13:38:35.102" v="564" actId="1076"/>
+          <ac:picMkLst>
+            <pc:docMk/>
+            <pc:sldMk cId="1003998355" sldId="269"/>
+            <ac:picMk id="5" creationId="{C910BA31-C7F0-43C0-95F9-6AE07F911830}"/>
+          </ac:picMkLst>
+        </pc:picChg>
+      </pc:sldChg>
+    </pc:docChg>
+  </pc:docChgLst>
   <pc:docChgLst>
     <pc:chgData name="qin yang" userId="63999d83fc6661ca" providerId="LiveId" clId="{AA885303-B24C-42C9-A7B7-E21B26CD386A}"/>
     <pc:docChg chg="undo custSel addSld modSld sldOrd">
@@ -255,7 +1223,970 @@
       </pc:sldChg>
     </pc:docChg>
   </pc:docChgLst>
+  <pc:docChgLst>
+    <pc:chgData name="qin yang" userId="63999d83fc6661ca" providerId="LiveId" clId="{DF26BA57-48D8-4573-B4D3-19F9A73BC1F3}"/>
+    <pc:docChg chg="undo custSel addSld modSld sldOrd">
+      <pc:chgData name="qin yang" userId="63999d83fc6661ca" providerId="LiveId" clId="{DF26BA57-48D8-4573-B4D3-19F9A73BC1F3}" dt="2022-03-16T04:07:08.352" v="73" actId="14100"/>
+      <pc:docMkLst>
+        <pc:docMk/>
+      </pc:docMkLst>
+      <pc:sldChg chg="addSp delSp modSp mod">
+        <pc:chgData name="qin yang" userId="63999d83fc6661ca" providerId="LiveId" clId="{DF26BA57-48D8-4573-B4D3-19F9A73BC1F3}" dt="2022-03-16T04:04:15.084" v="62" actId="1076"/>
+        <pc:sldMkLst>
+          <pc:docMk/>
+          <pc:sldMk cId="2402930816" sldId="257"/>
+        </pc:sldMkLst>
+        <pc:spChg chg="add del mod">
+          <ac:chgData name="qin yang" userId="63999d83fc6661ca" providerId="LiveId" clId="{DF26BA57-48D8-4573-B4D3-19F9A73BC1F3}" dt="2022-03-16T04:04:15.006" v="60" actId="767"/>
+          <ac:spMkLst>
+            <pc:docMk/>
+            <pc:sldMk cId="2402930816" sldId="257"/>
+            <ac:spMk id="4" creationId="{202E9C25-860F-495F-9A19-E0BB86F19DAE}"/>
+          </ac:spMkLst>
+        </pc:spChg>
+        <pc:spChg chg="mod">
+          <ac:chgData name="qin yang" userId="63999d83fc6661ca" providerId="LiveId" clId="{DF26BA57-48D8-4573-B4D3-19F9A73BC1F3}" dt="2022-03-16T04:04:15.051" v="61" actId="14100"/>
+          <ac:spMkLst>
+            <pc:docMk/>
+            <pc:sldMk cId="2402930816" sldId="257"/>
+            <ac:spMk id="10" creationId="{DD0CFF16-78B7-4F41-B454-7A5A74B37FB4}"/>
+          </ac:spMkLst>
+        </pc:spChg>
+        <pc:spChg chg="add del mod">
+          <ac:chgData name="qin yang" userId="63999d83fc6661ca" providerId="LiveId" clId="{DF26BA57-48D8-4573-B4D3-19F9A73BC1F3}" dt="2022-03-16T04:04:14.474" v="57" actId="571"/>
+          <ac:spMkLst>
+            <pc:docMk/>
+            <pc:sldMk cId="2402930816" sldId="257"/>
+            <ac:spMk id="17" creationId="{5257555A-2290-479C-848B-FD909F0DCDCA}"/>
+          </ac:spMkLst>
+        </pc:spChg>
+        <pc:grpChg chg="mod">
+          <ac:chgData name="qin yang" userId="63999d83fc6661ca" providerId="LiveId" clId="{DF26BA57-48D8-4573-B4D3-19F9A73BC1F3}" dt="2022-03-16T04:04:15.084" v="62" actId="1076"/>
+          <ac:grpSpMkLst>
+            <pc:docMk/>
+            <pc:sldMk cId="2402930816" sldId="257"/>
+            <ac:grpSpMk id="12" creationId="{A24072BB-F3B0-4F8A-8B58-A2187F1D5524}"/>
+          </ac:grpSpMkLst>
+        </pc:grpChg>
+      </pc:sldChg>
+      <pc:sldChg chg="addSp delSp modSp new mod setBg">
+        <pc:chgData name="qin yang" userId="63999d83fc6661ca" providerId="LiveId" clId="{DF26BA57-48D8-4573-B4D3-19F9A73BC1F3}" dt="2022-03-15T10:57:02.046" v="21" actId="1076"/>
+        <pc:sldMkLst>
+          <pc:docMk/>
+          <pc:sldMk cId="3007869653" sldId="266"/>
+        </pc:sldMkLst>
+        <pc:spChg chg="add del mod">
+          <ac:chgData name="qin yang" userId="63999d83fc6661ca" providerId="LiveId" clId="{DF26BA57-48D8-4573-B4D3-19F9A73BC1F3}" dt="2022-03-15T10:48:08.674" v="12" actId="478"/>
+          <ac:spMkLst>
+            <pc:docMk/>
+            <pc:sldMk cId="3007869653" sldId="266"/>
+            <ac:spMk id="2" creationId="{2650DC0C-A741-43F4-ACE4-44C84918E1F5}"/>
+          </ac:spMkLst>
+        </pc:spChg>
+        <pc:spChg chg="del">
+          <ac:chgData name="qin yang" userId="63999d83fc6661ca" providerId="LiveId" clId="{DF26BA57-48D8-4573-B4D3-19F9A73BC1F3}" dt="2022-03-15T10:47:09.627" v="1" actId="22"/>
+          <ac:spMkLst>
+            <pc:docMk/>
+            <pc:sldMk cId="3007869653" sldId="266"/>
+            <ac:spMk id="3" creationId="{A3A8A541-BFB2-4759-AE8E-DE1FF4C9EFF6}"/>
+          </ac:spMkLst>
+        </pc:spChg>
+        <pc:spChg chg="add del mod">
+          <ac:chgData name="qin yang" userId="63999d83fc6661ca" providerId="LiveId" clId="{DF26BA57-48D8-4573-B4D3-19F9A73BC1F3}" dt="2022-03-15T10:48:49.640" v="18" actId="26606"/>
+          <ac:spMkLst>
+            <pc:docMk/>
+            <pc:sldMk cId="3007869653" sldId="266"/>
+            <ac:spMk id="7" creationId="{72E2751C-0414-4881-B56B-6D64C272F2A4}"/>
+          </ac:spMkLst>
+        </pc:spChg>
+        <pc:spChg chg="add del">
+          <ac:chgData name="qin yang" userId="63999d83fc6661ca" providerId="LiveId" clId="{DF26BA57-48D8-4573-B4D3-19F9A73BC1F3}" dt="2022-03-15T10:47:27.993" v="3" actId="26606"/>
+          <ac:spMkLst>
+            <pc:docMk/>
+            <pc:sldMk cId="3007869653" sldId="266"/>
+            <ac:spMk id="9" creationId="{43D14FC5-D1BC-F9AB-07A1-02FF0110D61D}"/>
+          </ac:spMkLst>
+        </pc:spChg>
+        <pc:spChg chg="add del">
+          <ac:chgData name="qin yang" userId="63999d83fc6661ca" providerId="LiveId" clId="{DF26BA57-48D8-4573-B4D3-19F9A73BC1F3}" dt="2022-03-15T10:48:03.241" v="11" actId="26606"/>
+          <ac:spMkLst>
+            <pc:docMk/>
+            <pc:sldMk cId="3007869653" sldId="266"/>
+            <ac:spMk id="10" creationId="{DD7EAFE6-2BB9-41FB-9CF4-588CFC708774}"/>
+          </ac:spMkLst>
+        </pc:spChg>
+        <pc:spChg chg="add del">
+          <ac:chgData name="qin yang" userId="63999d83fc6661ca" providerId="LiveId" clId="{DF26BA57-48D8-4573-B4D3-19F9A73BC1F3}" dt="2022-03-15T10:47:27.993" v="3" actId="26606"/>
+          <ac:spMkLst>
+            <pc:docMk/>
+            <pc:sldMk cId="3007869653" sldId="266"/>
+            <ac:spMk id="12" creationId="{32768DCD-B824-413A-B330-8D57ADB3724C}"/>
+          </ac:spMkLst>
+        </pc:spChg>
+        <pc:spChg chg="add">
+          <ac:chgData name="qin yang" userId="63999d83fc6661ca" providerId="LiveId" clId="{DF26BA57-48D8-4573-B4D3-19F9A73BC1F3}" dt="2022-03-15T10:48:49.640" v="18" actId="26606"/>
+          <ac:spMkLst>
+            <pc:docMk/>
+            <pc:sldMk cId="3007869653" sldId="266"/>
+            <ac:spMk id="13" creationId="{DD7EAFE6-2BB9-41FB-9CF4-588CFC708774}"/>
+          </ac:spMkLst>
+        </pc:spChg>
+        <pc:spChg chg="add del">
+          <ac:chgData name="qin yang" userId="63999d83fc6661ca" providerId="LiveId" clId="{DF26BA57-48D8-4573-B4D3-19F9A73BC1F3}" dt="2022-03-15T10:47:27.993" v="3" actId="26606"/>
+          <ac:spMkLst>
+            <pc:docMk/>
+            <pc:sldMk cId="3007869653" sldId="266"/>
+            <ac:spMk id="14" creationId="{19F9CD66-32FC-448F-B4C5-67D17508A226}"/>
+          </ac:spMkLst>
+        </pc:spChg>
+        <pc:spChg chg="add">
+          <ac:chgData name="qin yang" userId="63999d83fc6661ca" providerId="LiveId" clId="{DF26BA57-48D8-4573-B4D3-19F9A73BC1F3}" dt="2022-03-15T10:48:49.640" v="18" actId="26606"/>
+          <ac:spMkLst>
+            <pc:docMk/>
+            <pc:sldMk cId="3007869653" sldId="266"/>
+            <ac:spMk id="15" creationId="{8A2477EE-FBE5-4DB7-8438-DE1CAC61A2EA}"/>
+          </ac:spMkLst>
+        </pc:spChg>
+        <pc:spChg chg="add del">
+          <ac:chgData name="qin yang" userId="63999d83fc6661ca" providerId="LiveId" clId="{DF26BA57-48D8-4573-B4D3-19F9A73BC1F3}" dt="2022-03-15T10:48:03.241" v="11" actId="26606"/>
+          <ac:spMkLst>
+            <pc:docMk/>
+            <pc:sldMk cId="3007869653" sldId="266"/>
+            <ac:spMk id="16" creationId="{F097499C-1674-4A33-BAFD-70C190D3893D}"/>
+          </ac:spMkLst>
+        </pc:spChg>
+        <pc:spChg chg="add del">
+          <ac:chgData name="qin yang" userId="63999d83fc6661ca" providerId="LiveId" clId="{DF26BA57-48D8-4573-B4D3-19F9A73BC1F3}" dt="2022-03-15T10:48:03.241" v="11" actId="26606"/>
+          <ac:spMkLst>
+            <pc:docMk/>
+            <pc:sldMk cId="3007869653" sldId="266"/>
+            <ac:spMk id="17" creationId="{8A2477EE-FBE5-4DB7-8438-DE1CAC61A2EA}"/>
+          </ac:spMkLst>
+        </pc:spChg>
+        <pc:spChg chg="add del">
+          <ac:chgData name="qin yang" userId="63999d83fc6661ca" providerId="LiveId" clId="{DF26BA57-48D8-4573-B4D3-19F9A73BC1F3}" dt="2022-03-15T10:48:03.241" v="11" actId="26606"/>
+          <ac:spMkLst>
+            <pc:docMk/>
+            <pc:sldMk cId="3007869653" sldId="266"/>
+            <ac:spMk id="18" creationId="{5B0E521E-8528-4E92-8B8C-67ED5C5BD0EB}"/>
+          </ac:spMkLst>
+        </pc:spChg>
+        <pc:spChg chg="add">
+          <ac:chgData name="qin yang" userId="63999d83fc6661ca" providerId="LiveId" clId="{DF26BA57-48D8-4573-B4D3-19F9A73BC1F3}" dt="2022-03-15T10:48:49.640" v="18" actId="26606"/>
+          <ac:spMkLst>
+            <pc:docMk/>
+            <pc:sldMk cId="3007869653" sldId="266"/>
+            <ac:spMk id="20" creationId="{5B0E521E-8528-4E92-8B8C-67ED5C5BD0EB}"/>
+          </ac:spMkLst>
+        </pc:spChg>
+        <pc:picChg chg="add del mod ord">
+          <ac:chgData name="qin yang" userId="63999d83fc6661ca" providerId="LiveId" clId="{DF26BA57-48D8-4573-B4D3-19F9A73BC1F3}" dt="2022-03-15T10:48:41.793" v="16" actId="478"/>
+          <ac:picMkLst>
+            <pc:docMk/>
+            <pc:sldMk cId="3007869653" sldId="266"/>
+            <ac:picMk id="5" creationId="{10F9F612-728A-4DB1-A775-03500E7DA723}"/>
+          </ac:picMkLst>
+        </pc:picChg>
+        <pc:picChg chg="add mod">
+          <ac:chgData name="qin yang" userId="63999d83fc6661ca" providerId="LiveId" clId="{DF26BA57-48D8-4573-B4D3-19F9A73BC1F3}" dt="2022-03-15T10:57:02.046" v="21" actId="1076"/>
+          <ac:picMkLst>
+            <pc:docMk/>
+            <pc:sldMk cId="3007869653" sldId="266"/>
+            <ac:picMk id="11" creationId="{217133DA-4AB7-4F96-AE71-3D7B43E83FD2}"/>
+          </ac:picMkLst>
+        </pc:picChg>
+      </pc:sldChg>
+      <pc:sldChg chg="addSp delSp modSp new mod setBg">
+        <pc:chgData name="qin yang" userId="63999d83fc6661ca" providerId="LiveId" clId="{DF26BA57-48D8-4573-B4D3-19F9A73BC1F3}" dt="2022-03-15T11:19:05.266" v="29" actId="14100"/>
+        <pc:sldMkLst>
+          <pc:docMk/>
+          <pc:sldMk cId="3106087218" sldId="267"/>
+        </pc:sldMkLst>
+        <pc:spChg chg="del">
+          <ac:chgData name="qin yang" userId="63999d83fc6661ca" providerId="LiveId" clId="{DF26BA57-48D8-4573-B4D3-19F9A73BC1F3}" dt="2022-03-15T11:18:41.121" v="23" actId="478"/>
+          <ac:spMkLst>
+            <pc:docMk/>
+            <pc:sldMk cId="3106087218" sldId="267"/>
+            <ac:spMk id="2" creationId="{55D3EBF9-4D47-4BC5-A9B3-066DA19F7E6C}"/>
+          </ac:spMkLst>
+        </pc:spChg>
+        <pc:spChg chg="del">
+          <ac:chgData name="qin yang" userId="63999d83fc6661ca" providerId="LiveId" clId="{DF26BA57-48D8-4573-B4D3-19F9A73BC1F3}" dt="2022-03-15T11:18:37.729" v="22" actId="22"/>
+          <ac:spMkLst>
+            <pc:docMk/>
+            <pc:sldMk cId="3106087218" sldId="267"/>
+            <ac:spMk id="3" creationId="{2C948FCB-EA66-4814-ACC4-C75DE15DFF4B}"/>
+          </ac:spMkLst>
+        </pc:spChg>
+        <pc:spChg chg="add del">
+          <ac:chgData name="qin yang" userId="63999d83fc6661ca" providerId="LiveId" clId="{DF26BA57-48D8-4573-B4D3-19F9A73BC1F3}" dt="2022-03-15T11:18:52.722" v="27" actId="26606"/>
+          <ac:spMkLst>
+            <pc:docMk/>
+            <pc:sldMk cId="3106087218" sldId="267"/>
+            <ac:spMk id="10" creationId="{DD7EAFE6-2BB9-41FB-9CF4-588CFC708774}"/>
+          </ac:spMkLst>
+        </pc:spChg>
+        <pc:spChg chg="add del">
+          <ac:chgData name="qin yang" userId="63999d83fc6661ca" providerId="LiveId" clId="{DF26BA57-48D8-4573-B4D3-19F9A73BC1F3}" dt="2022-03-15T11:18:52.722" v="27" actId="26606"/>
+          <ac:spMkLst>
+            <pc:docMk/>
+            <pc:sldMk cId="3106087218" sldId="267"/>
+            <ac:spMk id="12" creationId="{8A2477EE-FBE5-4DB7-8438-DE1CAC61A2EA}"/>
+          </ac:spMkLst>
+        </pc:spChg>
+        <pc:spChg chg="add del">
+          <ac:chgData name="qin yang" userId="63999d83fc6661ca" providerId="LiveId" clId="{DF26BA57-48D8-4573-B4D3-19F9A73BC1F3}" dt="2022-03-15T11:18:52.722" v="27" actId="26606"/>
+          <ac:spMkLst>
+            <pc:docMk/>
+            <pc:sldMk cId="3106087218" sldId="267"/>
+            <ac:spMk id="14" creationId="{5B0E521E-8528-4E92-8B8C-67ED5C5BD0EB}"/>
+          </ac:spMkLst>
+        </pc:spChg>
+        <pc:picChg chg="add mod ord">
+          <ac:chgData name="qin yang" userId="63999d83fc6661ca" providerId="LiveId" clId="{DF26BA57-48D8-4573-B4D3-19F9A73BC1F3}" dt="2022-03-15T11:19:05.266" v="29" actId="14100"/>
+          <ac:picMkLst>
+            <pc:docMk/>
+            <pc:sldMk cId="3106087218" sldId="267"/>
+            <ac:picMk id="5" creationId="{A247D514-79E6-4CA8-B023-7BE66AB27256}"/>
+          </ac:picMkLst>
+        </pc:picChg>
+      </pc:sldChg>
+      <pc:sldChg chg="addSp delSp modSp new mod ord">
+        <pc:chgData name="qin yang" userId="63999d83fc6661ca" providerId="LiveId" clId="{DF26BA57-48D8-4573-B4D3-19F9A73BC1F3}" dt="2022-03-16T04:07:08.352" v="73" actId="14100"/>
+        <pc:sldMkLst>
+          <pc:docMk/>
+          <pc:sldMk cId="232473623" sldId="270"/>
+        </pc:sldMkLst>
+        <pc:spChg chg="del">
+          <ac:chgData name="qin yang" userId="63999d83fc6661ca" providerId="LiveId" clId="{DF26BA57-48D8-4573-B4D3-19F9A73BC1F3}" dt="2022-03-16T04:06:53.615" v="66" actId="478"/>
+          <ac:spMkLst>
+            <pc:docMk/>
+            <pc:sldMk cId="232473623" sldId="270"/>
+            <ac:spMk id="2" creationId="{A290C7C4-0F7A-47D1-B0E8-3708E1EB8BBC}"/>
+          </ac:spMkLst>
+        </pc:spChg>
+        <pc:spChg chg="del">
+          <ac:chgData name="qin yang" userId="63999d83fc6661ca" providerId="LiveId" clId="{DF26BA57-48D8-4573-B4D3-19F9A73BC1F3}" dt="2022-03-16T04:06:55.231" v="67" actId="478"/>
+          <ac:spMkLst>
+            <pc:docMk/>
+            <pc:sldMk cId="232473623" sldId="270"/>
+            <ac:spMk id="3" creationId="{F515B0C7-4374-4053-AA34-487A59AB3DA5}"/>
+          </ac:spMkLst>
+        </pc:spChg>
+        <pc:picChg chg="add mod">
+          <ac:chgData name="qin yang" userId="63999d83fc6661ca" providerId="LiveId" clId="{DF26BA57-48D8-4573-B4D3-19F9A73BC1F3}" dt="2022-03-16T04:07:08.352" v="73" actId="14100"/>
+          <ac:picMkLst>
+            <pc:docMk/>
+            <pc:sldMk cId="232473623" sldId="270"/>
+            <ac:picMk id="5" creationId="{A5500901-A368-40FB-9438-0A15B2FF8DF2}"/>
+          </ac:picMkLst>
+        </pc:picChg>
+      </pc:sldChg>
+    </pc:docChg>
+  </pc:docChgLst>
+  <pc:docChgLst>
+    <pc:chgData name="qin yang" userId="63999d83fc6661ca" providerId="LiveId" clId="{8C8E30B4-952C-964C-9EE1-C37E0579A011}"/>
+    <pc:docChg chg="custSel modSld">
+      <pc:chgData name="qin yang" userId="63999d83fc6661ca" providerId="LiveId" clId="{8C8E30B4-952C-964C-9EE1-C37E0579A011}" dt="2022-03-14T13:17:47.997" v="91"/>
+      <pc:docMkLst>
+        <pc:docMk/>
+      </pc:docMkLst>
+      <pc:sldChg chg="addSp delSp modSp">
+        <pc:chgData name="qin yang" userId="63999d83fc6661ca" providerId="LiveId" clId="{8C8E30B4-952C-964C-9EE1-C37E0579A011}" dt="2022-03-14T13:17:47.997" v="91"/>
+        <pc:sldMkLst>
+          <pc:docMk/>
+          <pc:sldMk cId="2402930816" sldId="257"/>
+        </pc:sldMkLst>
+        <pc:inkChg chg="add">
+          <ac:chgData name="qin yang" userId="63999d83fc6661ca" providerId="LiveId" clId="{8C8E30B4-952C-964C-9EE1-C37E0579A011}" dt="2022-03-14T13:15:33.544" v="0"/>
+          <ac:inkMkLst>
+            <pc:docMk/>
+            <pc:sldMk cId="2402930816" sldId="257"/>
+            <ac:inkMk id="3" creationId="{A1E086CA-36EB-9348-87CB-F618B39F0D7D}"/>
+          </ac:inkMkLst>
+        </pc:inkChg>
+        <pc:inkChg chg="add del">
+          <ac:chgData name="qin yang" userId="63999d83fc6661ca" providerId="LiveId" clId="{8C8E30B4-952C-964C-9EE1-C37E0579A011}" dt="2022-03-14T13:15:37.304" v="8"/>
+          <ac:inkMkLst>
+            <pc:docMk/>
+            <pc:sldMk cId="2402930816" sldId="257"/>
+            <ac:inkMk id="4" creationId="{FD2E9F8C-98B0-A64B-9A1D-E4F9D00AA0E0}"/>
+          </ac:inkMkLst>
+        </pc:inkChg>
+        <pc:inkChg chg="add del">
+          <ac:chgData name="qin yang" userId="63999d83fc6661ca" providerId="LiveId" clId="{8C8E30B4-952C-964C-9EE1-C37E0579A011}" dt="2022-03-14T13:15:37.304" v="8"/>
+          <ac:inkMkLst>
+            <pc:docMk/>
+            <pc:sldMk cId="2402930816" sldId="257"/>
+            <ac:inkMk id="9" creationId="{3C8234F3-78F9-264D-A9A7-AE0B1D6A248C}"/>
+          </ac:inkMkLst>
+        </pc:inkChg>
+        <pc:inkChg chg="add del">
+          <ac:chgData name="qin yang" userId="63999d83fc6661ca" providerId="LiveId" clId="{8C8E30B4-952C-964C-9EE1-C37E0579A011}" dt="2022-03-14T13:15:37.304" v="8"/>
+          <ac:inkMkLst>
+            <pc:docMk/>
+            <pc:sldMk cId="2402930816" sldId="257"/>
+            <ac:inkMk id="13" creationId="{1DDBEC7F-71E3-504A-9DC7-DC456013741C}"/>
+          </ac:inkMkLst>
+        </pc:inkChg>
+        <pc:inkChg chg="add del">
+          <ac:chgData name="qin yang" userId="63999d83fc6661ca" providerId="LiveId" clId="{8C8E30B4-952C-964C-9EE1-C37E0579A011}" dt="2022-03-14T13:15:37.304" v="8"/>
+          <ac:inkMkLst>
+            <pc:docMk/>
+            <pc:sldMk cId="2402930816" sldId="257"/>
+            <ac:inkMk id="15" creationId="{F538AA88-6AB7-4749-9118-10B73A41F94B}"/>
+          </ac:inkMkLst>
+        </pc:inkChg>
+        <pc:inkChg chg="add del">
+          <ac:chgData name="qin yang" userId="63999d83fc6661ca" providerId="LiveId" clId="{8C8E30B4-952C-964C-9EE1-C37E0579A011}" dt="2022-03-14T13:15:37.304" v="8"/>
+          <ac:inkMkLst>
+            <pc:docMk/>
+            <pc:sldMk cId="2402930816" sldId="257"/>
+            <ac:inkMk id="17" creationId="{EB8CAC12-5557-7F42-AB1D-13A1822C19E1}"/>
+          </ac:inkMkLst>
+        </pc:inkChg>
+        <pc:inkChg chg="add del">
+          <ac:chgData name="qin yang" userId="63999d83fc6661ca" providerId="LiveId" clId="{8C8E30B4-952C-964C-9EE1-C37E0579A011}" dt="2022-03-14T13:15:37.304" v="8"/>
+          <ac:inkMkLst>
+            <pc:docMk/>
+            <pc:sldMk cId="2402930816" sldId="257"/>
+            <ac:inkMk id="19" creationId="{586ADD94-7336-CB42-BAD3-EBCD2520C953}"/>
+          </ac:inkMkLst>
+        </pc:inkChg>
+        <pc:inkChg chg="add del">
+          <ac:chgData name="qin yang" userId="63999d83fc6661ca" providerId="LiveId" clId="{8C8E30B4-952C-964C-9EE1-C37E0579A011}" dt="2022-03-14T13:15:37.304" v="8"/>
+          <ac:inkMkLst>
+            <pc:docMk/>
+            <pc:sldMk cId="2402930816" sldId="257"/>
+            <ac:inkMk id="20" creationId="{350CA200-2513-394C-BAB1-F1A97F9BE72A}"/>
+          </ac:inkMkLst>
+        </pc:inkChg>
+        <pc:inkChg chg="add del reco">
+          <ac:chgData name="qin yang" userId="63999d83fc6661ca" providerId="LiveId" clId="{8C8E30B4-952C-964C-9EE1-C37E0579A011}" dt="2022-03-14T13:15:42.040" v="9"/>
+          <ac:inkMkLst>
+            <pc:docMk/>
+            <pc:sldMk cId="2402930816" sldId="257"/>
+            <ac:inkMk id="21" creationId="{E0BAB495-E9CE-0547-B2AD-86CE2C902164}"/>
+          </ac:inkMkLst>
+        </pc:inkChg>
+        <pc:inkChg chg="add del">
+          <ac:chgData name="qin yang" userId="63999d83fc6661ca" providerId="LiveId" clId="{8C8E30B4-952C-964C-9EE1-C37E0579A011}" dt="2022-03-14T13:15:55.263" v="22"/>
+          <ac:inkMkLst>
+            <pc:docMk/>
+            <pc:sldMk cId="2402930816" sldId="257"/>
+            <ac:inkMk id="22" creationId="{D252ED82-8EB8-544F-94E9-2C5EBD9127F5}"/>
+          </ac:inkMkLst>
+        </pc:inkChg>
+        <pc:inkChg chg="add del">
+          <ac:chgData name="qin yang" userId="63999d83fc6661ca" providerId="LiveId" clId="{8C8E30B4-952C-964C-9EE1-C37E0579A011}" dt="2022-03-14T13:15:55.263" v="22"/>
+          <ac:inkMkLst>
+            <pc:docMk/>
+            <pc:sldMk cId="2402930816" sldId="257"/>
+            <ac:inkMk id="23" creationId="{DC845269-F94A-BC47-AF74-954230B8F9FB}"/>
+          </ac:inkMkLst>
+        </pc:inkChg>
+        <pc:inkChg chg="add del">
+          <ac:chgData name="qin yang" userId="63999d83fc6661ca" providerId="LiveId" clId="{8C8E30B4-952C-964C-9EE1-C37E0579A011}" dt="2022-03-14T13:15:55.263" v="22"/>
+          <ac:inkMkLst>
+            <pc:docMk/>
+            <pc:sldMk cId="2402930816" sldId="257"/>
+            <ac:inkMk id="24" creationId="{9D06A24B-A550-0B4A-BF4C-E777AA9B91E4}"/>
+          </ac:inkMkLst>
+        </pc:inkChg>
+        <pc:inkChg chg="add del">
+          <ac:chgData name="qin yang" userId="63999d83fc6661ca" providerId="LiveId" clId="{8C8E30B4-952C-964C-9EE1-C37E0579A011}" dt="2022-03-14T13:15:55.263" v="22"/>
+          <ac:inkMkLst>
+            <pc:docMk/>
+            <pc:sldMk cId="2402930816" sldId="257"/>
+            <ac:inkMk id="25" creationId="{B0490C04-150E-A04A-BB72-14449DB62273}"/>
+          </ac:inkMkLst>
+        </pc:inkChg>
+        <pc:inkChg chg="add del">
+          <ac:chgData name="qin yang" userId="63999d83fc6661ca" providerId="LiveId" clId="{8C8E30B4-952C-964C-9EE1-C37E0579A011}" dt="2022-03-14T13:15:55.263" v="22"/>
+          <ac:inkMkLst>
+            <pc:docMk/>
+            <pc:sldMk cId="2402930816" sldId="257"/>
+            <ac:inkMk id="26" creationId="{31BE40A8-3B6D-5A40-BFCC-63AFD34D8894}"/>
+          </ac:inkMkLst>
+        </pc:inkChg>
+        <pc:inkChg chg="add del">
+          <ac:chgData name="qin yang" userId="63999d83fc6661ca" providerId="LiveId" clId="{8C8E30B4-952C-964C-9EE1-C37E0579A011}" dt="2022-03-14T13:15:55.263" v="22"/>
+          <ac:inkMkLst>
+            <pc:docMk/>
+            <pc:sldMk cId="2402930816" sldId="257"/>
+            <ac:inkMk id="27" creationId="{EF3D1E62-9773-C341-A690-D0A702875303}"/>
+          </ac:inkMkLst>
+        </pc:inkChg>
+        <pc:inkChg chg="add del">
+          <ac:chgData name="qin yang" userId="63999d83fc6661ca" providerId="LiveId" clId="{8C8E30B4-952C-964C-9EE1-C37E0579A011}" dt="2022-03-14T13:15:55.263" v="22"/>
+          <ac:inkMkLst>
+            <pc:docMk/>
+            <pc:sldMk cId="2402930816" sldId="257"/>
+            <ac:inkMk id="28" creationId="{1D3A5A19-15B2-7842-AFE4-1DC0D1B2B461}"/>
+          </ac:inkMkLst>
+        </pc:inkChg>
+        <pc:inkChg chg="add del">
+          <ac:chgData name="qin yang" userId="63999d83fc6661ca" providerId="LiveId" clId="{8C8E30B4-952C-964C-9EE1-C37E0579A011}" dt="2022-03-14T13:15:55.263" v="22"/>
+          <ac:inkMkLst>
+            <pc:docMk/>
+            <pc:sldMk cId="2402930816" sldId="257"/>
+            <ac:inkMk id="29" creationId="{8AFD7B60-20F9-794C-BC75-DBAFE58989AF}"/>
+          </ac:inkMkLst>
+        </pc:inkChg>
+        <pc:inkChg chg="add del">
+          <ac:chgData name="qin yang" userId="63999d83fc6661ca" providerId="LiveId" clId="{8C8E30B4-952C-964C-9EE1-C37E0579A011}" dt="2022-03-14T13:15:55.263" v="22"/>
+          <ac:inkMkLst>
+            <pc:docMk/>
+            <pc:sldMk cId="2402930816" sldId="257"/>
+            <ac:inkMk id="30" creationId="{DF1098DA-CCDD-CD43-A994-4D5B24E8FDA8}"/>
+          </ac:inkMkLst>
+        </pc:inkChg>
+        <pc:inkChg chg="add del">
+          <ac:chgData name="qin yang" userId="63999d83fc6661ca" providerId="LiveId" clId="{8C8E30B4-952C-964C-9EE1-C37E0579A011}" dt="2022-03-14T13:15:55.263" v="22"/>
+          <ac:inkMkLst>
+            <pc:docMk/>
+            <pc:sldMk cId="2402930816" sldId="257"/>
+            <ac:inkMk id="31" creationId="{D0085935-E92D-3C45-B2CD-ED1D7D23A35B}"/>
+          </ac:inkMkLst>
+        </pc:inkChg>
+        <pc:inkChg chg="add del">
+          <ac:chgData name="qin yang" userId="63999d83fc6661ca" providerId="LiveId" clId="{8C8E30B4-952C-964C-9EE1-C37E0579A011}" dt="2022-03-14T13:15:55.263" v="22"/>
+          <ac:inkMkLst>
+            <pc:docMk/>
+            <pc:sldMk cId="2402930816" sldId="257"/>
+            <ac:inkMk id="32" creationId="{43F88699-959E-704B-AFAF-DD0208F02164}"/>
+          </ac:inkMkLst>
+        </pc:inkChg>
+        <pc:inkChg chg="add del">
+          <ac:chgData name="qin yang" userId="63999d83fc6661ca" providerId="LiveId" clId="{8C8E30B4-952C-964C-9EE1-C37E0579A011}" dt="2022-03-14T13:15:55.263" v="22"/>
+          <ac:inkMkLst>
+            <pc:docMk/>
+            <pc:sldMk cId="2402930816" sldId="257"/>
+            <ac:inkMk id="33" creationId="{0954C96D-8AA5-C642-9D99-02CE97B75241}"/>
+          </ac:inkMkLst>
+        </pc:inkChg>
+        <pc:inkChg chg="add del reco">
+          <ac:chgData name="qin yang" userId="63999d83fc6661ca" providerId="LiveId" clId="{8C8E30B4-952C-964C-9EE1-C37E0579A011}" dt="2022-03-14T13:17:47.987" v="83"/>
+          <ac:inkMkLst>
+            <pc:docMk/>
+            <pc:sldMk cId="2402930816" sldId="257"/>
+            <ac:inkMk id="34" creationId="{5056EBA1-CE02-0A4C-BA18-AA259E1009C0}"/>
+          </ac:inkMkLst>
+        </pc:inkChg>
+        <pc:inkChg chg="add del reco">
+          <ac:chgData name="qin yang" userId="63999d83fc6661ca" providerId="LiveId" clId="{8C8E30B4-952C-964C-9EE1-C37E0579A011}" dt="2022-03-14T13:17:47.995" v="90"/>
+          <ac:inkMkLst>
+            <pc:docMk/>
+            <pc:sldMk cId="2402930816" sldId="257"/>
+            <ac:inkMk id="35" creationId="{9A180D14-569A-2A4A-8D89-BC816F7645EA}"/>
+          </ac:inkMkLst>
+        </pc:inkChg>
+        <pc:inkChg chg="add del">
+          <ac:chgData name="qin yang" userId="63999d83fc6661ca" providerId="LiveId" clId="{8C8E30B4-952C-964C-9EE1-C37E0579A011}" dt="2022-03-14T13:15:58.068" v="27"/>
+          <ac:inkMkLst>
+            <pc:docMk/>
+            <pc:sldMk cId="2402930816" sldId="257"/>
+            <ac:inkMk id="36" creationId="{DED27B2A-A93C-2A41-8330-758076C7A73C}"/>
+          </ac:inkMkLst>
+        </pc:inkChg>
+        <pc:inkChg chg="add del">
+          <ac:chgData name="qin yang" userId="63999d83fc6661ca" providerId="LiveId" clId="{8C8E30B4-952C-964C-9EE1-C37E0579A011}" dt="2022-03-14T13:15:58.068" v="27"/>
+          <ac:inkMkLst>
+            <pc:docMk/>
+            <pc:sldMk cId="2402930816" sldId="257"/>
+            <ac:inkMk id="37" creationId="{A199C187-4F6B-B848-A12A-F5DD4EFEE316}"/>
+          </ac:inkMkLst>
+        </pc:inkChg>
+        <pc:inkChg chg="add del">
+          <ac:chgData name="qin yang" userId="63999d83fc6661ca" providerId="LiveId" clId="{8C8E30B4-952C-964C-9EE1-C37E0579A011}" dt="2022-03-14T13:15:58.068" v="27"/>
+          <ac:inkMkLst>
+            <pc:docMk/>
+            <pc:sldMk cId="2402930816" sldId="257"/>
+            <ac:inkMk id="38" creationId="{D91893A4-F8C1-894A-9352-C9186026586B}"/>
+          </ac:inkMkLst>
+        </pc:inkChg>
+        <pc:inkChg chg="add del">
+          <ac:chgData name="qin yang" userId="63999d83fc6661ca" providerId="LiveId" clId="{8C8E30B4-952C-964C-9EE1-C37E0579A011}" dt="2022-03-14T13:15:58.068" v="27"/>
+          <ac:inkMkLst>
+            <pc:docMk/>
+            <pc:sldMk cId="2402930816" sldId="257"/>
+            <ac:inkMk id="39" creationId="{5CA2D9A6-A18D-D843-912A-BD708495F524}"/>
+          </ac:inkMkLst>
+        </pc:inkChg>
+        <pc:inkChg chg="add del reco">
+          <ac:chgData name="qin yang" userId="63999d83fc6661ca" providerId="LiveId" clId="{8C8E30B4-952C-964C-9EE1-C37E0579A011}" dt="2022-03-14T13:17:47.994" v="89"/>
+          <ac:inkMkLst>
+            <pc:docMk/>
+            <pc:sldMk cId="2402930816" sldId="257"/>
+            <ac:inkMk id="40" creationId="{0634F445-26B3-6E42-8E02-6A794D012D67}"/>
+          </ac:inkMkLst>
+        </pc:inkChg>
+        <pc:inkChg chg="add del">
+          <ac:chgData name="qin yang" userId="63999d83fc6661ca" providerId="LiveId" clId="{8C8E30B4-952C-964C-9EE1-C37E0579A011}" dt="2022-03-14T13:15:59.899" v="31"/>
+          <ac:inkMkLst>
+            <pc:docMk/>
+            <pc:sldMk cId="2402930816" sldId="257"/>
+            <ac:inkMk id="41" creationId="{9E100099-057E-8E44-8DE7-6792B0351A85}"/>
+          </ac:inkMkLst>
+        </pc:inkChg>
+        <pc:inkChg chg="add del">
+          <ac:chgData name="qin yang" userId="63999d83fc6661ca" providerId="LiveId" clId="{8C8E30B4-952C-964C-9EE1-C37E0579A011}" dt="2022-03-14T13:15:59.899" v="31"/>
+          <ac:inkMkLst>
+            <pc:docMk/>
+            <pc:sldMk cId="2402930816" sldId="257"/>
+            <ac:inkMk id="42" creationId="{EB70472C-8152-FB40-9E3A-95BC0E956109}"/>
+          </ac:inkMkLst>
+        </pc:inkChg>
+        <pc:inkChg chg="add del">
+          <ac:chgData name="qin yang" userId="63999d83fc6661ca" providerId="LiveId" clId="{8C8E30B4-952C-964C-9EE1-C37E0579A011}" dt="2022-03-14T13:15:59.899" v="31"/>
+          <ac:inkMkLst>
+            <pc:docMk/>
+            <pc:sldMk cId="2402930816" sldId="257"/>
+            <ac:inkMk id="43" creationId="{68AC6733-E6FD-9C44-B4F6-47A9C89054AC}"/>
+          </ac:inkMkLst>
+        </pc:inkChg>
+        <pc:inkChg chg="add del mod reco modStrokes">
+          <ac:chgData name="qin yang" userId="63999d83fc6661ca" providerId="LiveId" clId="{8C8E30B4-952C-964C-9EE1-C37E0579A011}" dt="2022-03-14T13:17:47.992" v="87"/>
+          <ac:inkMkLst>
+            <pc:docMk/>
+            <pc:sldMk cId="2402930816" sldId="257"/>
+            <ac:inkMk id="44" creationId="{CB1F2AF4-ACFD-484B-8A65-008C396F0CC2}"/>
+          </ac:inkMkLst>
+        </pc:inkChg>
+        <pc:inkChg chg="add del">
+          <ac:chgData name="qin yang" userId="63999d83fc6661ca" providerId="LiveId" clId="{8C8E30B4-952C-964C-9EE1-C37E0579A011}" dt="2022-03-14T13:17:47.991" v="86"/>
+          <ac:inkMkLst>
+            <pc:docMk/>
+            <pc:sldMk cId="2402930816" sldId="257"/>
+            <ac:inkMk id="45" creationId="{0EB6BB81-8BE3-394F-A075-6AF0F0271F6C}"/>
+          </ac:inkMkLst>
+        </pc:inkChg>
+        <pc:inkChg chg="add del">
+          <ac:chgData name="qin yang" userId="63999d83fc6661ca" providerId="LiveId" clId="{8C8E30B4-952C-964C-9EE1-C37E0579A011}" dt="2022-03-14T13:16:06.756" v="38"/>
+          <ac:inkMkLst>
+            <pc:docMk/>
+            <pc:sldMk cId="2402930816" sldId="257"/>
+            <ac:inkMk id="46" creationId="{3E39EF52-0B67-1E43-9872-2CB6E607C8E2}"/>
+          </ac:inkMkLst>
+        </pc:inkChg>
+        <pc:inkChg chg="add del">
+          <ac:chgData name="qin yang" userId="63999d83fc6661ca" providerId="LiveId" clId="{8C8E30B4-952C-964C-9EE1-C37E0579A011}" dt="2022-03-14T13:16:06.756" v="38"/>
+          <ac:inkMkLst>
+            <pc:docMk/>
+            <pc:sldMk cId="2402930816" sldId="257"/>
+            <ac:inkMk id="47" creationId="{389A8718-ED8F-9047-9350-D42FF9358781}"/>
+          </ac:inkMkLst>
+        </pc:inkChg>
+        <pc:inkChg chg="add del">
+          <ac:chgData name="qin yang" userId="63999d83fc6661ca" providerId="LiveId" clId="{8C8E30B4-952C-964C-9EE1-C37E0579A011}" dt="2022-03-14T13:16:06.756" v="38"/>
+          <ac:inkMkLst>
+            <pc:docMk/>
+            <pc:sldMk cId="2402930816" sldId="257"/>
+            <ac:inkMk id="48" creationId="{91A44AF7-F02B-FE45-B16F-7CFA8CF04CFF}"/>
+          </ac:inkMkLst>
+        </pc:inkChg>
+        <pc:inkChg chg="add del">
+          <ac:chgData name="qin yang" userId="63999d83fc6661ca" providerId="LiveId" clId="{8C8E30B4-952C-964C-9EE1-C37E0579A011}" dt="2022-03-14T13:16:06.756" v="38"/>
+          <ac:inkMkLst>
+            <pc:docMk/>
+            <pc:sldMk cId="2402930816" sldId="257"/>
+            <ac:inkMk id="49" creationId="{52EA7824-C7EF-AB4D-82A1-39C80403EF98}"/>
+          </ac:inkMkLst>
+        </pc:inkChg>
+        <pc:inkChg chg="add del reco">
+          <ac:chgData name="qin yang" userId="63999d83fc6661ca" providerId="LiveId" clId="{8C8E30B4-952C-964C-9EE1-C37E0579A011}" dt="2022-03-14T13:17:47.991" v="85"/>
+          <ac:inkMkLst>
+            <pc:docMk/>
+            <pc:sldMk cId="2402930816" sldId="257"/>
+            <ac:inkMk id="50" creationId="{C112491C-AAA8-C94D-8DB7-61BDDBF1683D}"/>
+          </ac:inkMkLst>
+        </pc:inkChg>
+        <pc:inkChg chg="add del">
+          <ac:chgData name="qin yang" userId="63999d83fc6661ca" providerId="LiveId" clId="{8C8E30B4-952C-964C-9EE1-C37E0579A011}" dt="2022-03-14T13:16:09.498" v="45"/>
+          <ac:inkMkLst>
+            <pc:docMk/>
+            <pc:sldMk cId="2402930816" sldId="257"/>
+            <ac:inkMk id="51" creationId="{4B99AB1F-16D5-9E43-9F5B-0BABDF425A25}"/>
+          </ac:inkMkLst>
+        </pc:inkChg>
+        <pc:inkChg chg="add del">
+          <ac:chgData name="qin yang" userId="63999d83fc6661ca" providerId="LiveId" clId="{8C8E30B4-952C-964C-9EE1-C37E0579A011}" dt="2022-03-14T13:16:09.498" v="45"/>
+          <ac:inkMkLst>
+            <pc:docMk/>
+            <pc:sldMk cId="2402930816" sldId="257"/>
+            <ac:inkMk id="52" creationId="{10AF0E9B-0EA7-B344-9B18-019761FEDEA2}"/>
+          </ac:inkMkLst>
+        </pc:inkChg>
+        <pc:inkChg chg="add del">
+          <ac:chgData name="qin yang" userId="63999d83fc6661ca" providerId="LiveId" clId="{8C8E30B4-952C-964C-9EE1-C37E0579A011}" dt="2022-03-14T13:16:09.498" v="45"/>
+          <ac:inkMkLst>
+            <pc:docMk/>
+            <pc:sldMk cId="2402930816" sldId="257"/>
+            <ac:inkMk id="53" creationId="{0760C733-6E77-7144-A2A1-C7F360F10BD7}"/>
+          </ac:inkMkLst>
+        </pc:inkChg>
+        <pc:inkChg chg="add del">
+          <ac:chgData name="qin yang" userId="63999d83fc6661ca" providerId="LiveId" clId="{8C8E30B4-952C-964C-9EE1-C37E0579A011}" dt="2022-03-14T13:16:09.498" v="45"/>
+          <ac:inkMkLst>
+            <pc:docMk/>
+            <pc:sldMk cId="2402930816" sldId="257"/>
+            <ac:inkMk id="54" creationId="{3BE22615-E60F-E04C-A38F-96D85756D8A8}"/>
+          </ac:inkMkLst>
+        </pc:inkChg>
+        <pc:inkChg chg="add del">
+          <ac:chgData name="qin yang" userId="63999d83fc6661ca" providerId="LiveId" clId="{8C8E30B4-952C-964C-9EE1-C37E0579A011}" dt="2022-03-14T13:16:09.498" v="45"/>
+          <ac:inkMkLst>
+            <pc:docMk/>
+            <pc:sldMk cId="2402930816" sldId="257"/>
+            <ac:inkMk id="55" creationId="{CBC9A8A0-3960-9E4B-9B27-CFD52AD30550}"/>
+          </ac:inkMkLst>
+        </pc:inkChg>
+        <pc:inkChg chg="add del">
+          <ac:chgData name="qin yang" userId="63999d83fc6661ca" providerId="LiveId" clId="{8C8E30B4-952C-964C-9EE1-C37E0579A011}" dt="2022-03-14T13:16:09.498" v="45"/>
+          <ac:inkMkLst>
+            <pc:docMk/>
+            <pc:sldMk cId="2402930816" sldId="257"/>
+            <ac:inkMk id="56" creationId="{94E0132E-A3FF-1D43-94CA-3146B1743207}"/>
+          </ac:inkMkLst>
+        </pc:inkChg>
+        <pc:inkChg chg="add mod reco modStrokes">
+          <ac:chgData name="qin yang" userId="63999d83fc6661ca" providerId="LiveId" clId="{8C8E30B4-952C-964C-9EE1-C37E0579A011}" dt="2022-03-14T13:17:47.983" v="81"/>
+          <ac:inkMkLst>
+            <pc:docMk/>
+            <pc:sldMk cId="2402930816" sldId="257"/>
+            <ac:inkMk id="57" creationId="{3471F1E9-A528-F843-980F-ED61BBEC05A7}"/>
+          </ac:inkMkLst>
+        </pc:inkChg>
+        <pc:inkChg chg="add del">
+          <ac:chgData name="qin yang" userId="63999d83fc6661ca" providerId="LiveId" clId="{8C8E30B4-952C-964C-9EE1-C37E0579A011}" dt="2022-03-14T13:16:19.902" v="52"/>
+          <ac:inkMkLst>
+            <pc:docMk/>
+            <pc:sldMk cId="2402930816" sldId="257"/>
+            <ac:inkMk id="58" creationId="{3A1E2977-5ABA-224E-9969-EAA377AB2F3A}"/>
+          </ac:inkMkLst>
+        </pc:inkChg>
+        <pc:inkChg chg="add del">
+          <ac:chgData name="qin yang" userId="63999d83fc6661ca" providerId="LiveId" clId="{8C8E30B4-952C-964C-9EE1-C37E0579A011}" dt="2022-03-14T13:16:19.902" v="52"/>
+          <ac:inkMkLst>
+            <pc:docMk/>
+            <pc:sldMk cId="2402930816" sldId="257"/>
+            <ac:inkMk id="59" creationId="{ACCE497D-C654-024E-B789-208FD2A1A566}"/>
+          </ac:inkMkLst>
+        </pc:inkChg>
+        <pc:inkChg chg="add del">
+          <ac:chgData name="qin yang" userId="63999d83fc6661ca" providerId="LiveId" clId="{8C8E30B4-952C-964C-9EE1-C37E0579A011}" dt="2022-03-14T13:16:19.902" v="52"/>
+          <ac:inkMkLst>
+            <pc:docMk/>
+            <pc:sldMk cId="2402930816" sldId="257"/>
+            <ac:inkMk id="60" creationId="{6646E753-A96A-B549-902E-E55F08C7D4DD}"/>
+          </ac:inkMkLst>
+        </pc:inkChg>
+        <pc:inkChg chg="add del">
+          <ac:chgData name="qin yang" userId="63999d83fc6661ca" providerId="LiveId" clId="{8C8E30B4-952C-964C-9EE1-C37E0579A011}" dt="2022-03-14T13:16:19.902" v="52"/>
+          <ac:inkMkLst>
+            <pc:docMk/>
+            <pc:sldMk cId="2402930816" sldId="257"/>
+            <ac:inkMk id="61" creationId="{323FF3D3-6CB2-7146-BF0C-B7B4EC872011}"/>
+          </ac:inkMkLst>
+        </pc:inkChg>
+        <pc:inkChg chg="add del">
+          <ac:chgData name="qin yang" userId="63999d83fc6661ca" providerId="LiveId" clId="{8C8E30B4-952C-964C-9EE1-C37E0579A011}" dt="2022-03-14T13:16:19.902" v="52"/>
+          <ac:inkMkLst>
+            <pc:docMk/>
+            <pc:sldMk cId="2402930816" sldId="257"/>
+            <ac:inkMk id="62" creationId="{91D9912F-1721-DC46-BB5C-77584D6B00B9}"/>
+          </ac:inkMkLst>
+        </pc:inkChg>
+        <pc:inkChg chg="add del">
+          <ac:chgData name="qin yang" userId="63999d83fc6661ca" providerId="LiveId" clId="{8C8E30B4-952C-964C-9EE1-C37E0579A011}" dt="2022-03-14T13:16:19.902" v="52"/>
+          <ac:inkMkLst>
+            <pc:docMk/>
+            <pc:sldMk cId="2402930816" sldId="257"/>
+            <ac:inkMk id="63" creationId="{B74CF08E-F47C-6041-AA52-B77C3C9E8E92}"/>
+          </ac:inkMkLst>
+        </pc:inkChg>
+        <pc:inkChg chg="add del reco">
+          <ac:chgData name="qin yang" userId="63999d83fc6661ca" providerId="LiveId" clId="{8C8E30B4-952C-964C-9EE1-C37E0579A011}" dt="2022-03-14T13:17:47.997" v="91"/>
+          <ac:inkMkLst>
+            <pc:docMk/>
+            <pc:sldMk cId="2402930816" sldId="257"/>
+            <ac:inkMk id="64" creationId="{39F02585-2BBE-E546-A418-44AF39BC41D0}"/>
+          </ac:inkMkLst>
+        </pc:inkChg>
+        <pc:inkChg chg="add del">
+          <ac:chgData name="qin yang" userId="63999d83fc6661ca" providerId="LiveId" clId="{8C8E30B4-952C-964C-9EE1-C37E0579A011}" dt="2022-03-14T13:16:25.758" v="55"/>
+          <ac:inkMkLst>
+            <pc:docMk/>
+            <pc:sldMk cId="2402930816" sldId="257"/>
+            <ac:inkMk id="65" creationId="{D04ECD0C-4FB9-A443-BD72-4A687EC9A29B}"/>
+          </ac:inkMkLst>
+        </pc:inkChg>
+        <pc:inkChg chg="add del">
+          <ac:chgData name="qin yang" userId="63999d83fc6661ca" providerId="LiveId" clId="{8C8E30B4-952C-964C-9EE1-C37E0579A011}" dt="2022-03-14T13:16:25.758" v="55"/>
+          <ac:inkMkLst>
+            <pc:docMk/>
+            <pc:sldMk cId="2402930816" sldId="257"/>
+            <ac:inkMk id="66" creationId="{CEB6D5A7-C6CE-BD48-BEA9-64B8D41D07DE}"/>
+          </ac:inkMkLst>
+        </pc:inkChg>
+        <pc:inkChg chg="add del reco">
+          <ac:chgData name="qin yang" userId="63999d83fc6661ca" providerId="LiveId" clId="{8C8E30B4-952C-964C-9EE1-C37E0579A011}" dt="2022-03-14T13:16:27.417" v="56"/>
+          <ac:inkMkLst>
+            <pc:docMk/>
+            <pc:sldMk cId="2402930816" sldId="257"/>
+            <ac:inkMk id="67" creationId="{8DCBE539-56DD-E445-95C7-2114CA183EFD}"/>
+          </ac:inkMkLst>
+        </pc:inkChg>
+        <pc:inkChg chg="add del">
+          <ac:chgData name="qin yang" userId="63999d83fc6661ca" providerId="LiveId" clId="{8C8E30B4-952C-964C-9EE1-C37E0579A011}" dt="2022-03-14T13:16:32.942" v="66"/>
+          <ac:inkMkLst>
+            <pc:docMk/>
+            <pc:sldMk cId="2402930816" sldId="257"/>
+            <ac:inkMk id="68" creationId="{EE7493AF-8417-0F40-9950-281DC1AA8B22}"/>
+          </ac:inkMkLst>
+        </pc:inkChg>
+        <pc:inkChg chg="add del">
+          <ac:chgData name="qin yang" userId="63999d83fc6661ca" providerId="LiveId" clId="{8C8E30B4-952C-964C-9EE1-C37E0579A011}" dt="2022-03-14T13:16:32.942" v="66"/>
+          <ac:inkMkLst>
+            <pc:docMk/>
+            <pc:sldMk cId="2402930816" sldId="257"/>
+            <ac:inkMk id="69" creationId="{F63E0F63-8E13-DA43-A77D-17EC00592FB3}"/>
+          </ac:inkMkLst>
+        </pc:inkChg>
+        <pc:inkChg chg="add del">
+          <ac:chgData name="qin yang" userId="63999d83fc6661ca" providerId="LiveId" clId="{8C8E30B4-952C-964C-9EE1-C37E0579A011}" dt="2022-03-14T13:16:32.942" v="66"/>
+          <ac:inkMkLst>
+            <pc:docMk/>
+            <pc:sldMk cId="2402930816" sldId="257"/>
+            <ac:inkMk id="70" creationId="{9B351EE7-59A7-2942-A004-8153BB64FCFB}"/>
+          </ac:inkMkLst>
+        </pc:inkChg>
+        <pc:inkChg chg="add del">
+          <ac:chgData name="qin yang" userId="63999d83fc6661ca" providerId="LiveId" clId="{8C8E30B4-952C-964C-9EE1-C37E0579A011}" dt="2022-03-14T13:16:32.942" v="66"/>
+          <ac:inkMkLst>
+            <pc:docMk/>
+            <pc:sldMk cId="2402930816" sldId="257"/>
+            <ac:inkMk id="71" creationId="{575E2FB1-1018-A744-ACA3-A3CF8C876A4C}"/>
+          </ac:inkMkLst>
+        </pc:inkChg>
+        <pc:inkChg chg="add del">
+          <ac:chgData name="qin yang" userId="63999d83fc6661ca" providerId="LiveId" clId="{8C8E30B4-952C-964C-9EE1-C37E0579A011}" dt="2022-03-14T13:16:32.942" v="66"/>
+          <ac:inkMkLst>
+            <pc:docMk/>
+            <pc:sldMk cId="2402930816" sldId="257"/>
+            <ac:inkMk id="72" creationId="{DECDE244-B61C-C945-9F15-C0E9ABA346EE}"/>
+          </ac:inkMkLst>
+        </pc:inkChg>
+        <pc:inkChg chg="add del">
+          <ac:chgData name="qin yang" userId="63999d83fc6661ca" providerId="LiveId" clId="{8C8E30B4-952C-964C-9EE1-C37E0579A011}" dt="2022-03-14T13:16:32.942" v="66"/>
+          <ac:inkMkLst>
+            <pc:docMk/>
+            <pc:sldMk cId="2402930816" sldId="257"/>
+            <ac:inkMk id="73" creationId="{70E680B0-FBB8-4044-BD3A-24FD2D9EF4EF}"/>
+          </ac:inkMkLst>
+        </pc:inkChg>
+        <pc:inkChg chg="add del">
+          <ac:chgData name="qin yang" userId="63999d83fc6661ca" providerId="LiveId" clId="{8C8E30B4-952C-964C-9EE1-C37E0579A011}" dt="2022-03-14T13:16:32.942" v="66"/>
+          <ac:inkMkLst>
+            <pc:docMk/>
+            <pc:sldMk cId="2402930816" sldId="257"/>
+            <ac:inkMk id="74" creationId="{F3E93509-239F-CF4E-9E3B-1866A43EB80A}"/>
+          </ac:inkMkLst>
+        </pc:inkChg>
+        <pc:inkChg chg="add del">
+          <ac:chgData name="qin yang" userId="63999d83fc6661ca" providerId="LiveId" clId="{8C8E30B4-952C-964C-9EE1-C37E0579A011}" dt="2022-03-14T13:16:32.942" v="66"/>
+          <ac:inkMkLst>
+            <pc:docMk/>
+            <pc:sldMk cId="2402930816" sldId="257"/>
+            <ac:inkMk id="75" creationId="{32966185-432C-4341-91FA-15CDCF71CE27}"/>
+          </ac:inkMkLst>
+        </pc:inkChg>
+        <pc:inkChg chg="add del">
+          <ac:chgData name="qin yang" userId="63999d83fc6661ca" providerId="LiveId" clId="{8C8E30B4-952C-964C-9EE1-C37E0579A011}" dt="2022-03-14T13:16:32.942" v="66"/>
+          <ac:inkMkLst>
+            <pc:docMk/>
+            <pc:sldMk cId="2402930816" sldId="257"/>
+            <ac:inkMk id="76" creationId="{D95C9D50-6641-AC4A-B80D-699750184DDC}"/>
+          </ac:inkMkLst>
+        </pc:inkChg>
+        <pc:inkChg chg="add del reco">
+          <ac:chgData name="qin yang" userId="63999d83fc6661ca" providerId="LiveId" clId="{8C8E30B4-952C-964C-9EE1-C37E0579A011}" dt="2022-03-14T13:17:47.993" v="88"/>
+          <ac:inkMkLst>
+            <pc:docMk/>
+            <pc:sldMk cId="2402930816" sldId="257"/>
+            <ac:inkMk id="77" creationId="{EFEF00F1-DD01-884B-8CCB-3F32B2B109D0}"/>
+          </ac:inkMkLst>
+        </pc:inkChg>
+        <pc:inkChg chg="add del">
+          <ac:chgData name="qin yang" userId="63999d83fc6661ca" providerId="LiveId" clId="{8C8E30B4-952C-964C-9EE1-C37E0579A011}" dt="2022-03-14T13:16:36.380" v="71"/>
+          <ac:inkMkLst>
+            <pc:docMk/>
+            <pc:sldMk cId="2402930816" sldId="257"/>
+            <ac:inkMk id="78" creationId="{04E57C4F-C1BD-6143-A5D5-7F91F6E518A5}"/>
+          </ac:inkMkLst>
+        </pc:inkChg>
+        <pc:inkChg chg="add del">
+          <ac:chgData name="qin yang" userId="63999d83fc6661ca" providerId="LiveId" clId="{8C8E30B4-952C-964C-9EE1-C37E0579A011}" dt="2022-03-14T13:16:36.380" v="71"/>
+          <ac:inkMkLst>
+            <pc:docMk/>
+            <pc:sldMk cId="2402930816" sldId="257"/>
+            <ac:inkMk id="79" creationId="{EA2328A1-8145-BA4D-9B23-60C40CA9934C}"/>
+          </ac:inkMkLst>
+        </pc:inkChg>
+        <pc:inkChg chg="add del">
+          <ac:chgData name="qin yang" userId="63999d83fc6661ca" providerId="LiveId" clId="{8C8E30B4-952C-964C-9EE1-C37E0579A011}" dt="2022-03-14T13:16:36.380" v="71"/>
+          <ac:inkMkLst>
+            <pc:docMk/>
+            <pc:sldMk cId="2402930816" sldId="257"/>
+            <ac:inkMk id="80" creationId="{1CBBFDC5-936F-B545-9C0A-89047584747E}"/>
+          </ac:inkMkLst>
+        </pc:inkChg>
+        <pc:inkChg chg="add del">
+          <ac:chgData name="qin yang" userId="63999d83fc6661ca" providerId="LiveId" clId="{8C8E30B4-952C-964C-9EE1-C37E0579A011}" dt="2022-03-14T13:16:36.380" v="71"/>
+          <ac:inkMkLst>
+            <pc:docMk/>
+            <pc:sldMk cId="2402930816" sldId="257"/>
+            <ac:inkMk id="81" creationId="{8AB43D63-14D1-594C-A729-28466FAF9E0D}"/>
+          </ac:inkMkLst>
+        </pc:inkChg>
+        <pc:inkChg chg="add del reco">
+          <ac:chgData name="qin yang" userId="63999d83fc6661ca" providerId="LiveId" clId="{8C8E30B4-952C-964C-9EE1-C37E0579A011}" dt="2022-03-14T13:17:47.989" v="84"/>
+          <ac:inkMkLst>
+            <pc:docMk/>
+            <pc:sldMk cId="2402930816" sldId="257"/>
+            <ac:inkMk id="82" creationId="{16C4CAC3-D456-194B-A1E8-61CF77DA59B5}"/>
+          </ac:inkMkLst>
+        </pc:inkChg>
+        <pc:inkChg chg="add del">
+          <ac:chgData name="qin yang" userId="63999d83fc6661ca" providerId="LiveId" clId="{8C8E30B4-952C-964C-9EE1-C37E0579A011}" dt="2022-03-14T13:16:41.004" v="80"/>
+          <ac:inkMkLst>
+            <pc:docMk/>
+            <pc:sldMk cId="2402930816" sldId="257"/>
+            <ac:inkMk id="83" creationId="{3924A49E-2BE1-A848-995A-A984C9296979}"/>
+          </ac:inkMkLst>
+        </pc:inkChg>
+        <pc:inkChg chg="add del">
+          <ac:chgData name="qin yang" userId="63999d83fc6661ca" providerId="LiveId" clId="{8C8E30B4-952C-964C-9EE1-C37E0579A011}" dt="2022-03-14T13:16:41.004" v="80"/>
+          <ac:inkMkLst>
+            <pc:docMk/>
+            <pc:sldMk cId="2402930816" sldId="257"/>
+            <ac:inkMk id="84" creationId="{ED7DD015-64B6-B741-83E0-A330F9BD2043}"/>
+          </ac:inkMkLst>
+        </pc:inkChg>
+        <pc:inkChg chg="add del">
+          <ac:chgData name="qin yang" userId="63999d83fc6661ca" providerId="LiveId" clId="{8C8E30B4-952C-964C-9EE1-C37E0579A011}" dt="2022-03-14T13:16:41.004" v="80"/>
+          <ac:inkMkLst>
+            <pc:docMk/>
+            <pc:sldMk cId="2402930816" sldId="257"/>
+            <ac:inkMk id="85" creationId="{C0C32450-2EFC-1941-9510-BAABDD7D962F}"/>
+          </ac:inkMkLst>
+        </pc:inkChg>
+        <pc:inkChg chg="add del">
+          <ac:chgData name="qin yang" userId="63999d83fc6661ca" providerId="LiveId" clId="{8C8E30B4-952C-964C-9EE1-C37E0579A011}" dt="2022-03-14T13:16:41.004" v="80"/>
+          <ac:inkMkLst>
+            <pc:docMk/>
+            <pc:sldMk cId="2402930816" sldId="257"/>
+            <ac:inkMk id="86" creationId="{A5FCE438-4F6A-4241-99BC-B22EB46A7915}"/>
+          </ac:inkMkLst>
+        </pc:inkChg>
+        <pc:inkChg chg="add del">
+          <ac:chgData name="qin yang" userId="63999d83fc6661ca" providerId="LiveId" clId="{8C8E30B4-952C-964C-9EE1-C37E0579A011}" dt="2022-03-14T13:16:41.004" v="80"/>
+          <ac:inkMkLst>
+            <pc:docMk/>
+            <pc:sldMk cId="2402930816" sldId="257"/>
+            <ac:inkMk id="87" creationId="{E8026F7F-20F9-294D-8A38-C8CCF341B19B}"/>
+          </ac:inkMkLst>
+        </pc:inkChg>
+        <pc:inkChg chg="add del">
+          <ac:chgData name="qin yang" userId="63999d83fc6661ca" providerId="LiveId" clId="{8C8E30B4-952C-964C-9EE1-C37E0579A011}" dt="2022-03-14T13:16:41.004" v="80"/>
+          <ac:inkMkLst>
+            <pc:docMk/>
+            <pc:sldMk cId="2402930816" sldId="257"/>
+            <ac:inkMk id="88" creationId="{E9EB2648-6512-FB4F-99DE-65550DE78BE9}"/>
+          </ac:inkMkLst>
+        </pc:inkChg>
+        <pc:inkChg chg="add del">
+          <ac:chgData name="qin yang" userId="63999d83fc6661ca" providerId="LiveId" clId="{8C8E30B4-952C-964C-9EE1-C37E0579A011}" dt="2022-03-14T13:16:41.004" v="80"/>
+          <ac:inkMkLst>
+            <pc:docMk/>
+            <pc:sldMk cId="2402930816" sldId="257"/>
+            <ac:inkMk id="89" creationId="{DC7C511C-015A-0049-8324-6C55024477EB}"/>
+          </ac:inkMkLst>
+        </pc:inkChg>
+        <pc:inkChg chg="add del">
+          <ac:chgData name="qin yang" userId="63999d83fc6661ca" providerId="LiveId" clId="{8C8E30B4-952C-964C-9EE1-C37E0579A011}" dt="2022-03-14T13:16:41.004" v="80"/>
+          <ac:inkMkLst>
+            <pc:docMk/>
+            <pc:sldMk cId="2402930816" sldId="257"/>
+            <ac:inkMk id="90" creationId="{E9298381-C424-5A46-8856-A3ADF67F71BC}"/>
+          </ac:inkMkLst>
+        </pc:inkChg>
+        <pc:inkChg chg="add del reco">
+          <ac:chgData name="qin yang" userId="63999d83fc6661ca" providerId="LiveId" clId="{8C8E30B4-952C-964C-9EE1-C37E0579A011}" dt="2022-03-14T13:17:47.985" v="82"/>
+          <ac:inkMkLst>
+            <pc:docMk/>
+            <pc:sldMk cId="2402930816" sldId="257"/>
+            <ac:inkMk id="91" creationId="{309CCC5D-EE56-CF4B-8990-ACBD098B0519}"/>
+          </ac:inkMkLst>
+        </pc:inkChg>
+      </pc:sldChg>
+    </pc:docChg>
+  </pc:docChgLst>
 </pc:chgInfo>
+</file>
+
+<file path=ppt/ink/ink1.xml><?xml version="1.0" encoding="utf-8"?>
+<inkml:ink xmlns:inkml="http://www.w3.org/2003/InkML">
+  <inkml:definitions>
+    <inkml:context xml:id="ctx0">
+      <inkml:inkSource xml:id="inkSrc0">
+        <inkml:traceFormat>
+          <inkml:channel name="X" type="integer" min="-2.14748E9" max="2.14748E9" units="cm"/>
+          <inkml:channel name="Y" type="integer" min="-2.14748E9" max="2.14748E9" units="cm"/>
+          <inkml:channel name="F" type="integer" max="32767" units="dev"/>
+        </inkml:traceFormat>
+        <inkml:channelProperties>
+          <inkml:channelProperty channel="X" name="resolution" value="1000" units="1/cm"/>
+          <inkml:channelProperty channel="Y" name="resolution" value="1000" units="1/cm"/>
+          <inkml:channelProperty channel="F" name="resolution" value="0" units="1/dev"/>
+        </inkml:channelProperties>
+      </inkml:inkSource>
+      <inkml:timestamp xml:id="ts0" timeString="2022-03-14T13:15:33.538"/>
+    </inkml:context>
+    <inkml:brush xml:id="br0">
+      <inkml:brushProperty name="width" value="0.05" units="cm"/>
+      <inkml:brushProperty name="height" value="0.05" units="cm"/>
+    </inkml:brush>
+  </inkml:definitions>
+  <inkml:trace contextRef="#ctx0" brushRef="#br0">1 1 24575,'0'0'0</inkml:trace>
+</inkml:ink>
+</file>
+
+<file path=ppt/ink/ink2.xml><?xml version="1.0" encoding="utf-8"?>
+<inkml:ink xmlns:inkml="http://www.w3.org/2003/InkML">
+  <inkml:definitions>
+    <inkml:context xml:id="ctx0">
+      <inkml:inkSource xml:id="inkSrc0">
+        <inkml:traceFormat>
+          <inkml:channel name="X" type="integer" min="-2.14748E9" max="2.14748E9" units="cm"/>
+          <inkml:channel name="Y" type="integer" min="-2.14748E9" max="2.14748E9" units="cm"/>
+          <inkml:channel name="F" type="integer" max="32767" units="dev"/>
+        </inkml:traceFormat>
+        <inkml:channelProperties>
+          <inkml:channelProperty channel="X" name="resolution" value="1000" units="1/cm"/>
+          <inkml:channelProperty channel="Y" name="resolution" value="1000" units="1/cm"/>
+          <inkml:channelProperty channel="F" name="resolution" value="0" units="1/dev"/>
+        </inkml:channelProperties>
+      </inkml:inkSource>
+      <inkml:timestamp xml:id="ts0" timeString="2022-03-14T13:16:08.729"/>
+    </inkml:context>
+    <inkml:brush xml:id="br0">
+      <inkml:brushProperty name="width" value="0.08571" units="cm"/>
+      <inkml:brushProperty name="height" value="0.08571" units="cm"/>
+    </inkml:brush>
+  </inkml:definitions>
+  <inkml:trace contextRef="#ctx0" brushRef="#br0">3096 589 6843,'-17'17'0</inkml:trace>
+</inkml:ink>
 </file>
 
 <file path=ppt/slideLayouts/slideLayout1.xml><?xml version="1.0" encoding="utf-8"?>
@@ -406,7 +2337,7 @@
           <a:p>
             <a:fld id="{AA70F276-1833-4A75-9C1D-A56E2295A68D}" type="datetimeFigureOut">
               <a:rPr lang="en-US" smtClean="0"/>
-              <a:t>1/10/2022</a:t>
+              <a:t>3/16/2022</a:t>
             </a:fld>
             <a:endParaRPr lang="en-US"/>
           </a:p>
@@ -604,7 +2535,7 @@
           <a:p>
             <a:fld id="{AA70F276-1833-4A75-9C1D-A56E2295A68D}" type="datetimeFigureOut">
               <a:rPr lang="en-US" smtClean="0"/>
-              <a:t>1/10/2022</a:t>
+              <a:t>3/16/2022</a:t>
             </a:fld>
             <a:endParaRPr lang="en-US"/>
           </a:p>
@@ -812,7 +2743,7 @@
           <a:p>
             <a:fld id="{AA70F276-1833-4A75-9C1D-A56E2295A68D}" type="datetimeFigureOut">
               <a:rPr lang="en-US" smtClean="0"/>
-              <a:t>1/10/2022</a:t>
+              <a:t>3/16/2022</a:t>
             </a:fld>
             <a:endParaRPr lang="en-US"/>
           </a:p>
@@ -1037,7 +2968,7 @@
           <a:p>
             <a:fld id="{AA70F276-1833-4A75-9C1D-A56E2295A68D}" type="datetimeFigureOut">
               <a:rPr lang="en-US" smtClean="0"/>
-              <a:t>1/10/2022</a:t>
+              <a:t>3/16/2022</a:t>
             </a:fld>
             <a:endParaRPr lang="en-US"/>
           </a:p>
@@ -1313,7 +3244,7 @@
           <a:p>
             <a:fld id="{AA70F276-1833-4A75-9C1D-A56E2295A68D}" type="datetimeFigureOut">
               <a:rPr lang="en-US" smtClean="0"/>
-              <a:t>1/10/2022</a:t>
+              <a:t>3/16/2022</a:t>
             </a:fld>
             <a:endParaRPr lang="en-US"/>
           </a:p>
@@ -1583,7 +3514,7 @@
           <a:p>
             <a:fld id="{AA70F276-1833-4A75-9C1D-A56E2295A68D}" type="datetimeFigureOut">
               <a:rPr lang="en-US" smtClean="0"/>
-              <a:t>1/10/2022</a:t>
+              <a:t>3/16/2022</a:t>
             </a:fld>
             <a:endParaRPr lang="en-US"/>
           </a:p>
@@ -1995,7 +3926,7 @@
           <a:p>
             <a:fld id="{AA70F276-1833-4A75-9C1D-A56E2295A68D}" type="datetimeFigureOut">
               <a:rPr lang="en-US" smtClean="0"/>
-              <a:t>1/10/2022</a:t>
+              <a:t>3/16/2022</a:t>
             </a:fld>
             <a:endParaRPr lang="en-US"/>
           </a:p>
@@ -2136,7 +4067,7 @@
           <a:p>
             <a:fld id="{AA70F276-1833-4A75-9C1D-A56E2295A68D}" type="datetimeFigureOut">
               <a:rPr lang="en-US" smtClean="0"/>
-              <a:t>1/10/2022</a:t>
+              <a:t>3/16/2022</a:t>
             </a:fld>
             <a:endParaRPr lang="en-US"/>
           </a:p>
@@ -2249,7 +4180,7 @@
           <a:p>
             <a:fld id="{AA70F276-1833-4A75-9C1D-A56E2295A68D}" type="datetimeFigureOut">
               <a:rPr lang="en-US" smtClean="0"/>
-              <a:t>1/10/2022</a:t>
+              <a:t>3/16/2022</a:t>
             </a:fld>
             <a:endParaRPr lang="en-US"/>
           </a:p>
@@ -2560,7 +4491,7 @@
           <a:p>
             <a:fld id="{AA70F276-1833-4A75-9C1D-A56E2295A68D}" type="datetimeFigureOut">
               <a:rPr lang="en-US" smtClean="0"/>
-              <a:t>1/10/2022</a:t>
+              <a:t>3/16/2022</a:t>
             </a:fld>
             <a:endParaRPr lang="en-US"/>
           </a:p>
@@ -2851,7 +4782,7 @@
           <a:p>
             <a:fld id="{AA70F276-1833-4A75-9C1D-A56E2295A68D}" type="datetimeFigureOut">
               <a:rPr lang="en-US" smtClean="0"/>
-              <a:t>1/10/2022</a:t>
+              <a:t>3/16/2022</a:t>
             </a:fld>
             <a:endParaRPr lang="en-US"/>
           </a:p>
@@ -3155,7 +5086,7 @@
             <a:fld id="{AA70F276-1833-4A75-9C1D-A56E2295A68D}" type="datetimeFigureOut">
               <a:rPr lang="en-US" smtClean="0"/>
               <a:pPr/>
-              <a:t>1/10/2022</a:t>
+              <a:t>3/16/2022</a:t>
             </a:fld>
             <a:endParaRPr lang="en-US" dirty="0"/>
           </a:p>
@@ -4272,6 +6203,213 @@
 </p:sld>
 </file>
 
+<file path=ppt/slides/slide10.xml><?xml version="1.0" encoding="utf-8"?>
+<p:sld xmlns:a="http://schemas.openxmlformats.org/drawingml/2006/main" xmlns:r="http://schemas.openxmlformats.org/officeDocument/2006/relationships" xmlns:p="http://schemas.openxmlformats.org/presentationml/2006/main">
+  <p:cSld>
+    <p:spTree>
+      <p:nvGrpSpPr>
+        <p:cNvPr id="1" name=""/>
+        <p:cNvGrpSpPr/>
+        <p:nvPr/>
+      </p:nvGrpSpPr>
+      <p:grpSpPr>
+        <a:xfrm>
+          <a:off x="0" y="0"/>
+          <a:ext cx="0" cy="0"/>
+          <a:chOff x="0" y="0"/>
+          <a:chExt cx="0" cy="0"/>
+        </a:xfrm>
+      </p:grpSpPr>
+      <p:sp>
+        <p:nvSpPr>
+          <p:cNvPr id="3" name="内容占位符 2">
+            <a:extLst>
+              <a:ext uri="{FF2B5EF4-FFF2-40B4-BE49-F238E27FC236}">
+                <a16:creationId xmlns:a16="http://schemas.microsoft.com/office/drawing/2014/main" id="{D4257548-B474-4AEC-A91B-8125435E9456}"/>
+              </a:ext>
+            </a:extLst>
+          </p:cNvPr>
+          <p:cNvSpPr>
+            <a:spLocks noGrp="1"/>
+          </p:cNvSpPr>
+          <p:nvPr>
+            <p:ph idx="1"/>
+          </p:nvPr>
+        </p:nvSpPr>
+        <p:spPr/>
+        <p:txBody>
+          <a:bodyPr/>
+          <a:lstStyle/>
+          <a:p>
+            <a:endParaRPr lang="zh-CN" altLang="en-US"/>
+          </a:p>
+        </p:txBody>
+      </p:sp>
+      <p:pic>
+        <p:nvPicPr>
+          <p:cNvPr id="6" name="图片 5">
+            <a:extLst>
+              <a:ext uri="{FF2B5EF4-FFF2-40B4-BE49-F238E27FC236}">
+                <a16:creationId xmlns:a16="http://schemas.microsoft.com/office/drawing/2014/main" id="{4F93BB47-E387-4008-95A8-86049DEE14F7}"/>
+              </a:ext>
+            </a:extLst>
+          </p:cNvPr>
+          <p:cNvPicPr>
+            <a:picLocks noChangeAspect="1"/>
+          </p:cNvPicPr>
+          <p:nvPr/>
+        </p:nvPicPr>
+        <p:blipFill>
+          <a:blip r:embed="rId2"/>
+          <a:stretch>
+            <a:fillRect/>
+          </a:stretch>
+        </p:blipFill>
+        <p:spPr>
+          <a:xfrm>
+            <a:off x="482016" y="96702"/>
+            <a:ext cx="11223214" cy="6729670"/>
+          </a:xfrm>
+          <a:prstGeom prst="rect">
+            <a:avLst/>
+          </a:prstGeom>
+        </p:spPr>
+      </p:pic>
+    </p:spTree>
+    <p:extLst>
+      <p:ext uri="{BB962C8B-B14F-4D97-AF65-F5344CB8AC3E}">
+        <p14:creationId xmlns:p14="http://schemas.microsoft.com/office/powerpoint/2010/main" val="3106087218"/>
+      </p:ext>
+    </p:extLst>
+  </p:cSld>
+  <p:clrMapOvr>
+    <a:masterClrMapping/>
+  </p:clrMapOvr>
+</p:sld>
+</file>
+
+<file path=ppt/slides/slide11.xml><?xml version="1.0" encoding="utf-8"?>
+<p:sld xmlns:a="http://schemas.openxmlformats.org/drawingml/2006/main" xmlns:r="http://schemas.openxmlformats.org/officeDocument/2006/relationships" xmlns:p="http://schemas.openxmlformats.org/presentationml/2006/main">
+  <p:cSld>
+    <p:spTree>
+      <p:nvGrpSpPr>
+        <p:cNvPr id="1" name=""/>
+        <p:cNvGrpSpPr/>
+        <p:nvPr/>
+      </p:nvGrpSpPr>
+      <p:grpSpPr>
+        <a:xfrm>
+          <a:off x="0" y="0"/>
+          <a:ext cx="0" cy="0"/>
+          <a:chOff x="0" y="0"/>
+          <a:chExt cx="0" cy="0"/>
+        </a:xfrm>
+      </p:grpSpPr>
+      <p:pic>
+        <p:nvPicPr>
+          <p:cNvPr id="4" name="内容占位符 10" descr="图示&#10;&#10;描述已自动生成">
+            <a:extLst>
+              <a:ext uri="{FF2B5EF4-FFF2-40B4-BE49-F238E27FC236}">
+                <a16:creationId xmlns:a16="http://schemas.microsoft.com/office/drawing/2014/main" id="{C170E842-7D6D-4AF1-B56A-B1BA141352D8}"/>
+              </a:ext>
+            </a:extLst>
+          </p:cNvPr>
+          <p:cNvPicPr>
+            <a:picLocks noGrp="1" noChangeAspect="1"/>
+          </p:cNvPicPr>
+          <p:nvPr>
+            <p:ph idx="1"/>
+          </p:nvPr>
+        </p:nvPicPr>
+        <p:blipFill rotWithShape="1">
+          <a:blip r:embed="rId2">
+            <a:alphaModFix/>
+          </a:blip>
+          <a:srcRect r="2248" b="1"/>
+          <a:stretch/>
+        </p:blipFill>
+        <p:spPr>
+          <a:xfrm>
+            <a:off x="404253" y="226596"/>
+            <a:ext cx="11383493" cy="6404807"/>
+          </a:xfrm>
+          <a:prstGeom prst="rect">
+            <a:avLst/>
+          </a:prstGeom>
+        </p:spPr>
+      </p:pic>
+    </p:spTree>
+    <p:extLst>
+      <p:ext uri="{BB962C8B-B14F-4D97-AF65-F5344CB8AC3E}">
+        <p14:creationId xmlns:p14="http://schemas.microsoft.com/office/powerpoint/2010/main" val="87719185"/>
+      </p:ext>
+    </p:extLst>
+  </p:cSld>
+  <p:clrMapOvr>
+    <a:masterClrMapping/>
+  </p:clrMapOvr>
+</p:sld>
+</file>
+
+<file path=ppt/slides/slide12.xml><?xml version="1.0" encoding="utf-8"?>
+<p:sld xmlns:a="http://schemas.openxmlformats.org/drawingml/2006/main" xmlns:r="http://schemas.openxmlformats.org/officeDocument/2006/relationships" xmlns:p="http://schemas.openxmlformats.org/presentationml/2006/main">
+  <p:cSld>
+    <p:spTree>
+      <p:nvGrpSpPr>
+        <p:cNvPr id="1" name=""/>
+        <p:cNvGrpSpPr/>
+        <p:nvPr/>
+      </p:nvGrpSpPr>
+      <p:grpSpPr>
+        <a:xfrm>
+          <a:off x="0" y="0"/>
+          <a:ext cx="0" cy="0"/>
+          <a:chOff x="0" y="0"/>
+          <a:chExt cx="0" cy="0"/>
+        </a:xfrm>
+      </p:grpSpPr>
+      <p:pic>
+        <p:nvPicPr>
+          <p:cNvPr id="5" name="内容占位符 4">
+            <a:extLst>
+              <a:ext uri="{FF2B5EF4-FFF2-40B4-BE49-F238E27FC236}">
+                <a16:creationId xmlns:a16="http://schemas.microsoft.com/office/drawing/2014/main" id="{C910BA31-C7F0-43C0-95F9-6AE07F911830}"/>
+              </a:ext>
+            </a:extLst>
+          </p:cNvPr>
+          <p:cNvPicPr>
+            <a:picLocks noGrp="1" noChangeAspect="1"/>
+          </p:cNvPicPr>
+          <p:nvPr>
+            <p:ph idx="1"/>
+          </p:nvPr>
+        </p:nvPicPr>
+        <p:blipFill>
+          <a:blip r:embed="rId2"/>
+          <a:stretch>
+            <a:fillRect/>
+          </a:stretch>
+        </p:blipFill>
+        <p:spPr>
+          <a:xfrm>
+            <a:off x="1595547" y="553971"/>
+            <a:ext cx="8322810" cy="5750058"/>
+          </a:xfrm>
+        </p:spPr>
+      </p:pic>
+    </p:spTree>
+    <p:extLst>
+      <p:ext uri="{BB962C8B-B14F-4D97-AF65-F5344CB8AC3E}">
+        <p14:creationId xmlns:p14="http://schemas.microsoft.com/office/powerpoint/2010/main" val="1003998355"/>
+      </p:ext>
+    </p:extLst>
+  </p:cSld>
+  <p:clrMapOvr>
+    <a:masterClrMapping/>
+  </p:clrMapOvr>
+</p:sld>
+</file>
+
 <file path=ppt/slides/slide2.xml><?xml version="1.0" encoding="utf-8"?>
 <p:sld xmlns:a="http://schemas.openxmlformats.org/drawingml/2006/main" xmlns:r="http://schemas.openxmlformats.org/officeDocument/2006/relationships" xmlns:p="http://schemas.openxmlformats.org/presentationml/2006/main">
   <p:cSld>
@@ -4454,7 +6592,7 @@
         <p:spPr>
           <a:xfrm>
             <a:off x="838199" y="857251"/>
-            <a:ext cx="4581525" cy="2076450"/>
+            <a:ext cx="4581525" cy="843863"/>
           </a:xfrm>
         </p:spPr>
         <p:txBody>
@@ -4507,89 +6645,436 @@
       </p:sp>
       <p:sp>
         <p:nvSpPr>
-          <p:cNvPr id="13" name="Content Placeholder 12">
-            <a:extLst>
-              <a:ext uri="{FF2B5EF4-FFF2-40B4-BE49-F238E27FC236}">
-                <a16:creationId xmlns:a16="http://schemas.microsoft.com/office/drawing/2014/main" id="{0B2B9C25-43D0-4E07-ABE4-E296A8A561F7}"/>
-              </a:ext>
-            </a:extLst>
-          </p:cNvPr>
-          <p:cNvSpPr>
-            <a:spLocks noGrp="1"/>
-          </p:cNvSpPr>
-          <p:nvPr>
-            <p:ph idx="1"/>
-          </p:nvPr>
+          <p:cNvPr id="10" name="文本框 9">
+            <a:extLst>
+              <a:ext uri="{FF2B5EF4-FFF2-40B4-BE49-F238E27FC236}">
+                <a16:creationId xmlns:a16="http://schemas.microsoft.com/office/drawing/2014/main" id="{DD0CFF16-78B7-4F41-B454-7A5A74B37FB4}"/>
+              </a:ext>
+            </a:extLst>
+          </p:cNvPr>
+          <p:cNvSpPr txBox="1"/>
+          <p:nvPr/>
         </p:nvSpPr>
         <p:spPr>
           <a:xfrm>
-            <a:off x="838199" y="3190875"/>
-            <a:ext cx="4581526" cy="2986087"/>
-          </a:xfrm>
-        </p:spPr>
-        <p:txBody>
-          <a:bodyPr>
-            <a:normAutofit fontScale="92500" lnSpcReduction="10000"/>
-          </a:bodyPr>
-          <a:lstStyle/>
-          <a:p>
-            <a:r>
-              <a:rPr lang="en-US" sz="1800" dirty="0">
-                <a:solidFill>
-                  <a:schemeClr val="tx1">
-                    <a:alpha val="60000"/>
-                  </a:schemeClr>
-                </a:solidFill>
-              </a:rPr>
-              <a:t>A programming construct or design pattern that waits for and dispatches events or messages in a program. </a:t>
-            </a:r>
-          </a:p>
-          <a:p>
-            <a:r>
-              <a:rPr lang="en-US" sz="1800" dirty="0">
-                <a:solidFill>
-                  <a:schemeClr val="tx1">
-                    <a:alpha val="60000"/>
-                  </a:schemeClr>
-                </a:solidFill>
-              </a:rPr>
-              <a:t>Works by making a request to some internal or external "event provider" (that generally blocks the request until an event has arrived), then calls the relevant event handler ("dispatches the event"). </a:t>
-            </a:r>
-          </a:p>
-        </p:txBody>
-      </p:sp>
-      <p:pic>
-        <p:nvPicPr>
-          <p:cNvPr id="9" name="内容占位符 8">
-            <a:extLst>
-              <a:ext uri="{FF2B5EF4-FFF2-40B4-BE49-F238E27FC236}">
-                <a16:creationId xmlns:a16="http://schemas.microsoft.com/office/drawing/2014/main" id="{8235387A-9BAF-4A1C-AC6A-722067967BA6}"/>
-              </a:ext>
-            </a:extLst>
-          </p:cNvPr>
-          <p:cNvPicPr>
-            <a:picLocks noChangeAspect="1"/>
-          </p:cNvPicPr>
-          <p:nvPr/>
-        </p:nvPicPr>
-        <p:blipFill>
-          <a:blip r:embed="rId2">
-            <a:alphaModFix amt="90000"/>
-          </a:blip>
-          <a:stretch>
-            <a:fillRect/>
-          </a:stretch>
-        </p:blipFill>
-        <p:spPr>
-          <a:xfrm>
-            <a:off x="6330893" y="1211306"/>
-            <a:ext cx="5022907" cy="4407600"/>
+            <a:off x="1198607" y="3807998"/>
+            <a:ext cx="1643447" cy="523220"/>
           </a:xfrm>
           <a:prstGeom prst="rect">
             <a:avLst/>
           </a:prstGeom>
+          <a:noFill/>
         </p:spPr>
-      </p:pic>
+        <p:txBody>
+          <a:bodyPr wrap="square" rtlCol="0">
+            <a:spAutoFit/>
+          </a:bodyPr>
+          <a:lstStyle/>
+          <a:p>
+            <a:r>
+              <a:rPr lang="en-US" altLang="zh-CN" sz="2800" dirty="0"/>
+              <a:t>Events</a:t>
+            </a:r>
+            <a:endParaRPr lang="zh-CN" altLang="en-US" sz="2800" dirty="0"/>
+          </a:p>
+        </p:txBody>
+      </p:sp>
+      <p:sp>
+        <p:nvSpPr>
+          <p:cNvPr id="6" name="文本框 5">
+            <a:extLst>
+              <a:ext uri="{FF2B5EF4-FFF2-40B4-BE49-F238E27FC236}">
+                <a16:creationId xmlns:a16="http://schemas.microsoft.com/office/drawing/2014/main" id="{7723E7C4-76AA-403A-81BD-A6E266792939}"/>
+              </a:ext>
+            </a:extLst>
+          </p:cNvPr>
+          <p:cNvSpPr txBox="1"/>
+          <p:nvPr/>
+        </p:nvSpPr>
+        <p:spPr>
+          <a:xfrm>
+            <a:off x="5581671" y="1770388"/>
+            <a:ext cx="5251621" cy="1261884"/>
+          </a:xfrm>
+          <a:prstGeom prst="rect">
+            <a:avLst/>
+          </a:prstGeom>
+          <a:noFill/>
+        </p:spPr>
+        <p:txBody>
+          <a:bodyPr wrap="square" rtlCol="0">
+            <a:spAutoFit/>
+          </a:bodyPr>
+          <a:lstStyle/>
+          <a:p>
+            <a:r>
+              <a:rPr lang="en-US" altLang="zh-CN" sz="2000" b="0" i="0" dirty="0">
+                <a:solidFill>
+                  <a:srgbClr val="4E4E4E"/>
+                </a:solidFill>
+                <a:effectLst/>
+                <a:latin typeface="Segoe UI" panose="020B0502040204020203" pitchFamily="34" charset="0"/>
+              </a:rPr>
+              <a:t>Definition: </a:t>
+            </a:r>
+          </a:p>
+          <a:p>
+            <a:r>
+              <a:rPr lang="en-US" altLang="zh-CN" sz="2000" dirty="0">
+                <a:solidFill>
+                  <a:srgbClr val="4E4E4E"/>
+                </a:solidFill>
+                <a:latin typeface="Segoe UI" panose="020B0502040204020203" pitchFamily="34" charset="0"/>
+              </a:rPr>
+              <a:t>    </a:t>
+            </a:r>
+            <a:r>
+              <a:rPr lang="en-US" altLang="zh-CN" dirty="0"/>
+              <a:t>Mechanism</a:t>
+            </a:r>
+            <a:r>
+              <a:rPr lang="en-US" altLang="zh-CN" b="0" i="0" dirty="0">
+                <a:solidFill>
+                  <a:srgbClr val="4E4E4E"/>
+                </a:solidFill>
+                <a:effectLst/>
+                <a:latin typeface="Segoe UI" panose="020B0502040204020203" pitchFamily="34" charset="0"/>
+              </a:rPr>
+              <a:t> </a:t>
+            </a:r>
+            <a:r>
+              <a:rPr lang="en-US" altLang="zh-CN" dirty="0"/>
+              <a:t>which is responsible for executing the code, collecting and processing events, and executing queued sub-tasks.</a:t>
+            </a:r>
+            <a:endParaRPr lang="zh-CN" altLang="en-US" sz="2000" dirty="0"/>
+          </a:p>
+        </p:txBody>
+      </p:sp>
+      <p:grpSp>
+        <p:nvGrpSpPr>
+          <p:cNvPr id="12" name="组合 11">
+            <a:extLst>
+              <a:ext uri="{FF2B5EF4-FFF2-40B4-BE49-F238E27FC236}">
+                <a16:creationId xmlns:a16="http://schemas.microsoft.com/office/drawing/2014/main" id="{A24072BB-F3B0-4F8A-8B58-A2187F1D5524}"/>
+              </a:ext>
+            </a:extLst>
+          </p:cNvPr>
+          <p:cNvGrpSpPr/>
+          <p:nvPr/>
+        </p:nvGrpSpPr>
+        <p:grpSpPr>
+          <a:xfrm>
+            <a:off x="2541592" y="3266303"/>
+            <a:ext cx="2344812" cy="1754326"/>
+            <a:chOff x="2541592" y="3266303"/>
+            <a:chExt cx="2344812" cy="1754326"/>
+          </a:xfrm>
+        </p:grpSpPr>
+        <p:sp>
+          <p:nvSpPr>
+            <p:cNvPr id="7" name="文本框 6">
+              <a:extLst>
+                <a:ext uri="{FF2B5EF4-FFF2-40B4-BE49-F238E27FC236}">
+                  <a16:creationId xmlns:a16="http://schemas.microsoft.com/office/drawing/2014/main" id="{2DA8A58B-B7FF-4FAF-8F8F-7F6F822B5770}"/>
+                </a:ext>
+              </a:extLst>
+            </p:cNvPr>
+            <p:cNvSpPr txBox="1"/>
+            <p:nvPr/>
+          </p:nvSpPr>
+          <p:spPr>
+            <a:xfrm>
+              <a:off x="2879123" y="3266303"/>
+              <a:ext cx="2007281" cy="1754326"/>
+            </a:xfrm>
+            <a:prstGeom prst="rect">
+              <a:avLst/>
+            </a:prstGeom>
+            <a:noFill/>
+          </p:spPr>
+          <p:txBody>
+            <a:bodyPr wrap="none" rtlCol="0">
+              <a:spAutoFit/>
+            </a:bodyPr>
+            <a:lstStyle/>
+            <a:p>
+              <a:r>
+                <a:rPr lang="en-US" altLang="zh-CN" dirty="0"/>
+                <a:t>UI event callbacks</a:t>
+              </a:r>
+            </a:p>
+            <a:p>
+              <a:r>
+                <a:rPr lang="en-US" altLang="zh-CN" dirty="0"/>
+                <a:t>Timer callbacks</a:t>
+              </a:r>
+            </a:p>
+            <a:p>
+              <a:r>
+                <a:rPr lang="en-US" altLang="zh-CN" dirty="0"/>
+                <a:t>Promise callback</a:t>
+              </a:r>
+            </a:p>
+            <a:p>
+              <a:r>
+                <a:rPr lang="en-US" altLang="zh-CN" dirty="0"/>
+                <a:t>	.</a:t>
+              </a:r>
+            </a:p>
+            <a:p>
+              <a:r>
+                <a:rPr lang="en-US" altLang="zh-CN" dirty="0"/>
+                <a:t>	.</a:t>
+              </a:r>
+            </a:p>
+            <a:p>
+              <a:r>
+                <a:rPr lang="en-US" altLang="zh-CN" dirty="0"/>
+                <a:t>	.</a:t>
+              </a:r>
+            </a:p>
+          </p:txBody>
+        </p:sp>
+        <p:sp>
+          <p:nvSpPr>
+            <p:cNvPr id="8" name="左大括号 7">
+              <a:extLst>
+                <a:ext uri="{FF2B5EF4-FFF2-40B4-BE49-F238E27FC236}">
+                  <a16:creationId xmlns:a16="http://schemas.microsoft.com/office/drawing/2014/main" id="{B76A6855-342A-44EA-B75D-D5666F9F16F3}"/>
+                </a:ext>
+              </a:extLst>
+            </p:cNvPr>
+            <p:cNvSpPr/>
+            <p:nvPr/>
+          </p:nvSpPr>
+          <p:spPr>
+            <a:xfrm>
+              <a:off x="2541592" y="3394106"/>
+              <a:ext cx="341920" cy="1351005"/>
+            </a:xfrm>
+            <a:prstGeom prst="leftBrace">
+              <a:avLst/>
+            </a:prstGeom>
+          </p:spPr>
+          <p:style>
+            <a:lnRef idx="1">
+              <a:schemeClr val="accent1"/>
+            </a:lnRef>
+            <a:fillRef idx="0">
+              <a:schemeClr val="accent1"/>
+            </a:fillRef>
+            <a:effectRef idx="0">
+              <a:schemeClr val="accent1"/>
+            </a:effectRef>
+            <a:fontRef idx="minor">
+              <a:schemeClr val="tx1"/>
+            </a:fontRef>
+          </p:style>
+          <p:txBody>
+            <a:bodyPr rtlCol="0" anchor="ctr"/>
+            <a:lstStyle/>
+            <a:p>
+              <a:pPr algn="ctr"/>
+              <a:endParaRPr lang="zh-CN" altLang="en-US" b="1" dirty="0"/>
+            </a:p>
+          </p:txBody>
+        </p:sp>
+      </p:grpSp>
+      <p:grpSp>
+        <p:nvGrpSpPr>
+          <p:cNvPr id="14" name="组合 13">
+            <a:extLst>
+              <a:ext uri="{FF2B5EF4-FFF2-40B4-BE49-F238E27FC236}">
+                <a16:creationId xmlns:a16="http://schemas.microsoft.com/office/drawing/2014/main" id="{3DF41F56-C137-4C68-B1CF-B1DDAEA23F7F}"/>
+              </a:ext>
+            </a:extLst>
+          </p:cNvPr>
+          <p:cNvGrpSpPr/>
+          <p:nvPr/>
+        </p:nvGrpSpPr>
+        <p:grpSpPr>
+          <a:xfrm>
+            <a:off x="1235677" y="2401330"/>
+            <a:ext cx="2051220" cy="1271375"/>
+            <a:chOff x="1235677" y="2401330"/>
+            <a:chExt cx="2051220" cy="1271375"/>
+          </a:xfrm>
+        </p:grpSpPr>
+        <p:sp>
+          <p:nvSpPr>
+            <p:cNvPr id="5" name="文本框 4">
+              <a:extLst>
+                <a:ext uri="{FF2B5EF4-FFF2-40B4-BE49-F238E27FC236}">
+                  <a16:creationId xmlns:a16="http://schemas.microsoft.com/office/drawing/2014/main" id="{4E873C74-4A54-4882-B1B8-892BA27E707C}"/>
+                </a:ext>
+              </a:extLst>
+            </p:cNvPr>
+            <p:cNvSpPr txBox="1"/>
+            <p:nvPr/>
+          </p:nvSpPr>
+          <p:spPr>
+            <a:xfrm>
+              <a:off x="1235677" y="2401330"/>
+              <a:ext cx="2051220" cy="523220"/>
+            </a:xfrm>
+            <a:prstGeom prst="rect">
+              <a:avLst/>
+            </a:prstGeom>
+            <a:noFill/>
+          </p:spPr>
+          <p:txBody>
+            <a:bodyPr wrap="square" rtlCol="0">
+              <a:spAutoFit/>
+            </a:bodyPr>
+            <a:lstStyle/>
+            <a:p>
+              <a:r>
+                <a:rPr lang="en-US" altLang="zh-CN" sz="2800" dirty="0"/>
+                <a:t>Loop</a:t>
+              </a:r>
+              <a:endParaRPr lang="zh-CN" altLang="en-US" sz="2800" dirty="0"/>
+            </a:p>
+          </p:txBody>
+        </p:sp>
+        <p:sp>
+          <p:nvSpPr>
+            <p:cNvPr id="11" name="文本框 10">
+              <a:extLst>
+                <a:ext uri="{FF2B5EF4-FFF2-40B4-BE49-F238E27FC236}">
+                  <a16:creationId xmlns:a16="http://schemas.microsoft.com/office/drawing/2014/main" id="{6385249C-B6B7-4AE2-86F1-FEA65ABDA2A4}"/>
+                </a:ext>
+              </a:extLst>
+            </p:cNvPr>
+            <p:cNvSpPr txBox="1"/>
+            <p:nvPr/>
+          </p:nvSpPr>
+          <p:spPr>
+            <a:xfrm>
+              <a:off x="1507524" y="3303373"/>
+              <a:ext cx="593125" cy="369332"/>
+            </a:xfrm>
+            <a:prstGeom prst="rect">
+              <a:avLst/>
+            </a:prstGeom>
+            <a:noFill/>
+          </p:spPr>
+          <p:txBody>
+            <a:bodyPr wrap="square" rtlCol="0">
+              <a:spAutoFit/>
+            </a:bodyPr>
+            <a:lstStyle/>
+            <a:p>
+              <a:r>
+                <a:rPr lang="en-US" altLang="zh-CN" dirty="0"/>
+                <a:t>of</a:t>
+              </a:r>
+              <a:endParaRPr lang="zh-CN" altLang="en-US" dirty="0"/>
+            </a:p>
+          </p:txBody>
+        </p:sp>
+      </p:grpSp>
+      <mc:AlternateContent xmlns:mc="http://schemas.openxmlformats.org/markup-compatibility/2006" xmlns:p14="http://schemas.microsoft.com/office/powerpoint/2010/main">
+        <mc:Choice Requires="p14">
+          <p:contentPart p14:bwMode="auto" r:id="rId2">
+            <p14:nvContentPartPr>
+              <p14:cNvPr id="3" name="墨迹 2">
+                <a:extLst>
+                  <a:ext uri="{FF2B5EF4-FFF2-40B4-BE49-F238E27FC236}">
+                    <a16:creationId xmlns:a16="http://schemas.microsoft.com/office/drawing/2014/main" id="{A1E086CA-36EB-9348-87CB-F618B39F0D7D}"/>
+                  </a:ext>
+                </a:extLst>
+              </p14:cNvPr>
+              <p14:cNvContentPartPr/>
+              <p14:nvPr/>
+            </p14:nvContentPartPr>
+            <p14:xfrm>
+              <a:off x="7938460" y="6541551"/>
+              <a:ext cx="360" cy="360"/>
+            </p14:xfrm>
+          </p:contentPart>
+        </mc:Choice>
+        <mc:Fallback xmlns="">
+          <p:pic>
+            <p:nvPicPr>
+              <p:cNvPr id="3" name="墨迹 2">
+                <a:extLst>
+                  <a:ext uri="{FF2B5EF4-FFF2-40B4-BE49-F238E27FC236}">
+                    <a16:creationId xmlns:a16="http://schemas.microsoft.com/office/drawing/2014/main" id="{A1E086CA-36EB-9348-87CB-F618B39F0D7D}"/>
+                  </a:ext>
+                </a:extLst>
+              </p:cNvPr>
+              <p:cNvPicPr/>
+              <p:nvPr/>
+            </p:nvPicPr>
+            <p:blipFill>
+              <a:blip r:embed="rId3"/>
+              <a:stretch>
+                <a:fillRect/>
+              </a:stretch>
+            </p:blipFill>
+            <p:spPr>
+              <a:xfrm>
+                <a:off x="7929460" y="6532551"/>
+                <a:ext cx="18000" cy="18000"/>
+              </a:xfrm>
+              <a:prstGeom prst="rect">
+                <a:avLst/>
+              </a:prstGeom>
+            </p:spPr>
+          </p:pic>
+        </mc:Fallback>
+      </mc:AlternateContent>
+      <mc:AlternateContent xmlns:mc="http://schemas.openxmlformats.org/markup-compatibility/2006" xmlns:p14="http://schemas.microsoft.com/office/powerpoint/2010/main">
+        <mc:Choice Requires="p14">
+          <p:contentPart p14:bwMode="auto" r:id="rId4">
+            <p14:nvContentPartPr>
+              <p14:cNvPr id="57" name="墨迹 57">
+                <a:extLst>
+                  <a:ext uri="{FF2B5EF4-FFF2-40B4-BE49-F238E27FC236}">
+                    <a16:creationId xmlns:a16="http://schemas.microsoft.com/office/drawing/2014/main" id="{3471F1E9-A528-F843-980F-ED61BBEC05A7}"/>
+                  </a:ext>
+                </a:extLst>
+              </p14:cNvPr>
+              <p14:cNvContentPartPr/>
+              <p14:nvPr/>
+            </p14:nvContentPartPr>
+            <p14:xfrm>
+              <a:off x="7938460" y="4760991"/>
+              <a:ext cx="6480" cy="6480"/>
+            </p14:xfrm>
+          </p:contentPart>
+        </mc:Choice>
+        <mc:Fallback xmlns="">
+          <p:pic>
+            <p:nvPicPr>
+              <p:cNvPr id="57" name="墨迹 57">
+                <a:extLst>
+                  <a:ext uri="{FF2B5EF4-FFF2-40B4-BE49-F238E27FC236}">
+                    <a16:creationId xmlns:a16="http://schemas.microsoft.com/office/drawing/2014/main" id="{3471F1E9-A528-F843-980F-ED61BBEC05A7}"/>
+                  </a:ext>
+                </a:extLst>
+              </p:cNvPr>
+              <p:cNvPicPr/>
+              <p:nvPr/>
+            </p:nvPicPr>
+            <p:blipFill>
+              <a:blip r:embed="rId5"/>
+              <a:stretch>
+                <a:fillRect/>
+              </a:stretch>
+            </p:blipFill>
+            <p:spPr>
+              <a:xfrm>
+                <a:off x="7922980" y="4745511"/>
+                <a:ext cx="37080" cy="37080"/>
+              </a:xfrm>
+              <a:prstGeom prst="rect">
+                <a:avLst/>
+              </a:prstGeom>
+            </p:spPr>
+          </p:pic>
+        </mc:Fallback>
+      </mc:AlternateContent>
     </p:spTree>
     <p:extLst>
       <p:ext uri="{BB962C8B-B14F-4D97-AF65-F5344CB8AC3E}">
@@ -4600,6 +7085,252 @@
   <p:clrMapOvr>
     <a:masterClrMapping/>
   </p:clrMapOvr>
+  <p:timing>
+    <p:tnLst>
+      <p:par>
+        <p:cTn id="1" dur="indefinite" restart="never" nodeType="tmRoot">
+          <p:childTnLst>
+            <p:seq concurrent="1" nextAc="seek">
+              <p:cTn id="2" dur="indefinite" nodeType="mainSeq">
+                <p:childTnLst>
+                  <p:par>
+                    <p:cTn id="3" fill="hold">
+                      <p:stCondLst>
+                        <p:cond delay="indefinite"/>
+                      </p:stCondLst>
+                      <p:childTnLst>
+                        <p:par>
+                          <p:cTn id="4" fill="hold">
+                            <p:stCondLst>
+                              <p:cond delay="0"/>
+                            </p:stCondLst>
+                            <p:childTnLst>
+                              <p:par>
+                                <p:cTn id="5" presetID="10" presetClass="entr" presetSubtype="0" fill="hold" nodeType="clickEffect">
+                                  <p:stCondLst>
+                                    <p:cond delay="0"/>
+                                  </p:stCondLst>
+                                  <p:childTnLst>
+                                    <p:set>
+                                      <p:cBhvr>
+                                        <p:cTn id="6" dur="1" fill="hold">
+                                          <p:stCondLst>
+                                            <p:cond delay="0"/>
+                                          </p:stCondLst>
+                                        </p:cTn>
+                                        <p:tgtEl>
+                                          <p:spTgt spid="14"/>
+                                        </p:tgtEl>
+                                        <p:attrNameLst>
+                                          <p:attrName>style.visibility</p:attrName>
+                                        </p:attrNameLst>
+                                      </p:cBhvr>
+                                      <p:to>
+                                        <p:strVal val="visible"/>
+                                      </p:to>
+                                    </p:set>
+                                    <p:animEffect transition="in" filter="fade">
+                                      <p:cBhvr>
+                                        <p:cTn id="7" dur="500"/>
+                                        <p:tgtEl>
+                                          <p:spTgt spid="14"/>
+                                        </p:tgtEl>
+                                      </p:cBhvr>
+                                    </p:animEffect>
+                                  </p:childTnLst>
+                                </p:cTn>
+                              </p:par>
+                            </p:childTnLst>
+                          </p:cTn>
+                        </p:par>
+                      </p:childTnLst>
+                    </p:cTn>
+                  </p:par>
+                  <p:par>
+                    <p:cTn id="8" fill="hold">
+                      <p:stCondLst>
+                        <p:cond delay="indefinite"/>
+                      </p:stCondLst>
+                      <p:childTnLst>
+                        <p:par>
+                          <p:cTn id="9" fill="hold">
+                            <p:stCondLst>
+                              <p:cond delay="0"/>
+                            </p:stCondLst>
+                            <p:childTnLst>
+                              <p:par>
+                                <p:cTn id="10" presetID="10" presetClass="entr" presetSubtype="0" fill="hold" grpId="0" nodeType="clickEffect">
+                                  <p:stCondLst>
+                                    <p:cond delay="0"/>
+                                  </p:stCondLst>
+                                  <p:childTnLst>
+                                    <p:set>
+                                      <p:cBhvr>
+                                        <p:cTn id="11" dur="1" fill="hold">
+                                          <p:stCondLst>
+                                            <p:cond delay="0"/>
+                                          </p:stCondLst>
+                                        </p:cTn>
+                                        <p:tgtEl>
+                                          <p:spTgt spid="10"/>
+                                        </p:tgtEl>
+                                        <p:attrNameLst>
+                                          <p:attrName>style.visibility</p:attrName>
+                                        </p:attrNameLst>
+                                      </p:cBhvr>
+                                      <p:to>
+                                        <p:strVal val="visible"/>
+                                      </p:to>
+                                    </p:set>
+                                    <p:animEffect transition="in" filter="fade">
+                                      <p:cBhvr>
+                                        <p:cTn id="12" dur="500"/>
+                                        <p:tgtEl>
+                                          <p:spTgt spid="10"/>
+                                        </p:tgtEl>
+                                      </p:cBhvr>
+                                    </p:animEffect>
+                                  </p:childTnLst>
+                                </p:cTn>
+                              </p:par>
+                            </p:childTnLst>
+                          </p:cTn>
+                        </p:par>
+                      </p:childTnLst>
+                    </p:cTn>
+                  </p:par>
+                  <p:par>
+                    <p:cTn id="13" fill="hold">
+                      <p:stCondLst>
+                        <p:cond delay="indefinite"/>
+                      </p:stCondLst>
+                      <p:childTnLst>
+                        <p:par>
+                          <p:cTn id="14" fill="hold">
+                            <p:stCondLst>
+                              <p:cond delay="0"/>
+                            </p:stCondLst>
+                            <p:childTnLst>
+                              <p:par>
+                                <p:cTn id="15" presetID="10" presetClass="entr" presetSubtype="0" fill="hold" nodeType="clickEffect">
+                                  <p:stCondLst>
+                                    <p:cond delay="0"/>
+                                  </p:stCondLst>
+                                  <p:childTnLst>
+                                    <p:set>
+                                      <p:cBhvr>
+                                        <p:cTn id="16" dur="1" fill="hold">
+                                          <p:stCondLst>
+                                            <p:cond delay="0"/>
+                                          </p:stCondLst>
+                                        </p:cTn>
+                                        <p:tgtEl>
+                                          <p:spTgt spid="12"/>
+                                        </p:tgtEl>
+                                        <p:attrNameLst>
+                                          <p:attrName>style.visibility</p:attrName>
+                                        </p:attrNameLst>
+                                      </p:cBhvr>
+                                      <p:to>
+                                        <p:strVal val="visible"/>
+                                      </p:to>
+                                    </p:set>
+                                    <p:animEffect transition="in" filter="fade">
+                                      <p:cBhvr>
+                                        <p:cTn id="17" dur="500"/>
+                                        <p:tgtEl>
+                                          <p:spTgt spid="12"/>
+                                        </p:tgtEl>
+                                      </p:cBhvr>
+                                    </p:animEffect>
+                                  </p:childTnLst>
+                                </p:cTn>
+                              </p:par>
+                            </p:childTnLst>
+                          </p:cTn>
+                        </p:par>
+                      </p:childTnLst>
+                    </p:cTn>
+                  </p:par>
+                  <p:par>
+                    <p:cTn id="18" fill="hold">
+                      <p:stCondLst>
+                        <p:cond delay="indefinite"/>
+                      </p:stCondLst>
+                      <p:childTnLst>
+                        <p:par>
+                          <p:cTn id="19" fill="hold">
+                            <p:stCondLst>
+                              <p:cond delay="0"/>
+                            </p:stCondLst>
+                            <p:childTnLst>
+                              <p:par>
+                                <p:cTn id="20" presetID="10" presetClass="entr" presetSubtype="0" fill="hold" grpId="0" nodeType="clickEffect">
+                                  <p:stCondLst>
+                                    <p:cond delay="0"/>
+                                  </p:stCondLst>
+                                  <p:childTnLst>
+                                    <p:set>
+                                      <p:cBhvr>
+                                        <p:cTn id="21" dur="1" fill="hold">
+                                          <p:stCondLst>
+                                            <p:cond delay="0"/>
+                                          </p:stCondLst>
+                                        </p:cTn>
+                                        <p:tgtEl>
+                                          <p:spTgt spid="6"/>
+                                        </p:tgtEl>
+                                        <p:attrNameLst>
+                                          <p:attrName>style.visibility</p:attrName>
+                                        </p:attrNameLst>
+                                      </p:cBhvr>
+                                      <p:to>
+                                        <p:strVal val="visible"/>
+                                      </p:to>
+                                    </p:set>
+                                    <p:animEffect transition="in" filter="fade">
+                                      <p:cBhvr>
+                                        <p:cTn id="22" dur="500"/>
+                                        <p:tgtEl>
+                                          <p:spTgt spid="6"/>
+                                        </p:tgtEl>
+                                      </p:cBhvr>
+                                    </p:animEffect>
+                                  </p:childTnLst>
+                                </p:cTn>
+                              </p:par>
+                            </p:childTnLst>
+                          </p:cTn>
+                        </p:par>
+                      </p:childTnLst>
+                    </p:cTn>
+                  </p:par>
+                </p:childTnLst>
+              </p:cTn>
+              <p:prevCondLst>
+                <p:cond evt="onPrev" delay="0">
+                  <p:tgtEl>
+                    <p:sldTgt/>
+                  </p:tgtEl>
+                </p:cond>
+              </p:prevCondLst>
+              <p:nextCondLst>
+                <p:cond evt="onNext" delay="0">
+                  <p:tgtEl>
+                    <p:sldTgt/>
+                  </p:tgtEl>
+                </p:cond>
+              </p:nextCondLst>
+            </p:seq>
+          </p:childTnLst>
+        </p:cTn>
+      </p:par>
+    </p:tnLst>
+    <p:bldLst>
+      <p:bldP spid="10" grpId="0"/>
+      <p:bldP spid="6" grpId="0"/>
+    </p:bldLst>
+  </p:timing>
 </p:sld>
 </file>
 
@@ -4630,7 +7361,7 @@
       </p:grpSpPr>
       <p:sp>
         <p:nvSpPr>
-          <p:cNvPr id="31" name="Frame 25">
+          <p:cNvPr id="10" name="Frame 9">
             <a:extLst>
               <a:ext uri="{FF2B5EF4-FFF2-40B4-BE49-F238E27FC236}">
                 <a16:creationId xmlns:a16="http://schemas.microsoft.com/office/drawing/2014/main" id="{DD7EAFE6-2BB9-41FB-9CF4-588CFC708774}"/>
@@ -4708,7 +7439,7 @@
       </p:sp>
       <p:sp useBgFill="1">
         <p:nvSpPr>
-          <p:cNvPr id="33" name="Rectangle 27">
+          <p:cNvPr id="12" name="Rectangle 11">
             <a:extLst>
               <a:ext uri="{FF2B5EF4-FFF2-40B4-BE49-F238E27FC236}">
                 <a16:creationId xmlns:a16="http://schemas.microsoft.com/office/drawing/2014/main" id="{610334BF-0422-4A9A-BE46-AEB8C348BAC4}"/>
@@ -4768,7 +7499,7 @@
       </p:sp>
       <p:sp>
         <p:nvSpPr>
-          <p:cNvPr id="30" name="Rectangle 29">
+          <p:cNvPr id="14" name="Rectangle 13">
             <a:extLst>
               <a:ext uri="{FF2B5EF4-FFF2-40B4-BE49-F238E27FC236}">
                 <a16:creationId xmlns:a16="http://schemas.microsoft.com/office/drawing/2014/main" id="{C98F2823-0279-49D8-928D-754B222533EF}"/>
@@ -4844,7 +7575,7 @@
       </p:sp>
       <p:sp>
         <p:nvSpPr>
-          <p:cNvPr id="32" name="Rectangle 31">
+          <p:cNvPr id="16" name="Rectangle 15">
             <a:extLst>
               <a:ext uri="{FF2B5EF4-FFF2-40B4-BE49-F238E27FC236}">
                 <a16:creationId xmlns:a16="http://schemas.microsoft.com/office/drawing/2014/main" id="{02E45E95-311C-41C7-A882-6E43F0806865}"/>
@@ -4909,7 +7640,7 @@
       </p:sp>
       <p:sp>
         <p:nvSpPr>
-          <p:cNvPr id="34" name="Oval 33">
+          <p:cNvPr id="18" name="Oval 17">
             <a:extLst>
               <a:ext uri="{FF2B5EF4-FFF2-40B4-BE49-F238E27FC236}">
                 <a16:creationId xmlns:a16="http://schemas.microsoft.com/office/drawing/2014/main" id="{B7299D5D-ECC5-41EB-B830-C3A35FB35516}"/>
@@ -4989,7 +7720,7 @@
       </p:sp>
       <p:sp>
         <p:nvSpPr>
-          <p:cNvPr id="36" name="Oval 35">
+          <p:cNvPr id="20" name="Oval 19">
             <a:extLst>
               <a:ext uri="{FF2B5EF4-FFF2-40B4-BE49-F238E27FC236}">
                 <a16:creationId xmlns:a16="http://schemas.microsoft.com/office/drawing/2014/main" id="{88C91735-5EFE-44D1-8CC6-FDF0D11B6F5D}"/>
@@ -5070,7 +7801,7 @@
           <p:cNvPr id="2" name="标题 1">
             <a:extLst>
               <a:ext uri="{FF2B5EF4-FFF2-40B4-BE49-F238E27FC236}">
-                <a16:creationId xmlns:a16="http://schemas.microsoft.com/office/drawing/2014/main" id="{6AE3E0C3-136A-4138-B6C9-A5CCB5E46AA5}"/>
+                <a16:creationId xmlns:a16="http://schemas.microsoft.com/office/drawing/2014/main" id="{6C0D0C1D-3EC9-447D-9C39-EBE07E27708B}"/>
               </a:ext>
             </a:extLst>
           </p:cNvPr>
@@ -5094,19 +7825,24 @@
           <a:lstStyle/>
           <a:p>
             <a:r>
-              <a:rPr lang="en-US" altLang="zh-CN" sz="5400">
+              <a:rPr lang="en-US" altLang="zh-CN" sz="5400" dirty="0" err="1">
                 <a:solidFill>
                   <a:srgbClr val="FFFFFF"/>
                 </a:solidFill>
               </a:rPr>
-              <a:t>Macro Task and Micro Task</a:t>
+              <a:t>Eventloop</a:t>
             </a:r>
+            <a:endParaRPr lang="en-US" altLang="zh-CN" sz="5400" dirty="0">
+              <a:solidFill>
+                <a:srgbClr val="FFFFFF"/>
+              </a:solidFill>
+            </a:endParaRPr>
           </a:p>
         </p:txBody>
       </p:sp>
       <p:sp>
         <p:nvSpPr>
-          <p:cNvPr id="38" name="Oval 37">
+          <p:cNvPr id="22" name="Oval 21">
             <a:extLst>
               <a:ext uri="{FF2B5EF4-FFF2-40B4-BE49-F238E27FC236}">
                 <a16:creationId xmlns:a16="http://schemas.microsoft.com/office/drawing/2014/main" id="{D33F926C-2613-475D-AEE4-CD7D87D3BA2D}"/>
@@ -5182,6 +7918,647 @@
           </a:p>
         </p:txBody>
       </p:sp>
+      <p:pic>
+        <p:nvPicPr>
+          <p:cNvPr id="5" name="内容占位符 4">
+            <a:extLst>
+              <a:ext uri="{FF2B5EF4-FFF2-40B4-BE49-F238E27FC236}">
+                <a16:creationId xmlns:a16="http://schemas.microsoft.com/office/drawing/2014/main" id="{FBDA920D-1FD9-4212-839F-1E0E003F53DE}"/>
+              </a:ext>
+            </a:extLst>
+          </p:cNvPr>
+          <p:cNvPicPr>
+            <a:picLocks noGrp="1" noChangeAspect="1"/>
+          </p:cNvPicPr>
+          <p:nvPr>
+            <p:ph idx="1"/>
+          </p:nvPr>
+        </p:nvPicPr>
+        <p:blipFill>
+          <a:blip r:embed="rId2">
+            <a:alphaModFix amt="80000"/>
+          </a:blip>
+          <a:stretch>
+            <a:fillRect/>
+          </a:stretch>
+        </p:blipFill>
+        <p:spPr>
+          <a:xfrm>
+            <a:off x="5450066" y="2095846"/>
+            <a:ext cx="6261521" cy="2676799"/>
+          </a:xfrm>
+          <a:prstGeom prst="rect">
+            <a:avLst/>
+          </a:prstGeom>
+        </p:spPr>
+      </p:pic>
+    </p:spTree>
+    <p:extLst>
+      <p:ext uri="{BB962C8B-B14F-4D97-AF65-F5344CB8AC3E}">
+        <p14:creationId xmlns:p14="http://schemas.microsoft.com/office/powerpoint/2010/main" val="3376540366"/>
+      </p:ext>
+    </p:extLst>
+  </p:cSld>
+  <p:clrMapOvr>
+    <a:masterClrMapping/>
+  </p:clrMapOvr>
+</p:sld>
+</file>
+
+<file path=ppt/slides/slide4.xml><?xml version="1.0" encoding="utf-8"?>
+<p:sld xmlns:a="http://schemas.openxmlformats.org/drawingml/2006/main" xmlns:r="http://schemas.openxmlformats.org/officeDocument/2006/relationships" xmlns:p="http://schemas.openxmlformats.org/presentationml/2006/main">
+  <p:cSld>
+    <p:bg>
+      <p:bgPr>
+        <a:solidFill>
+          <a:schemeClr val="bg1"/>
+        </a:solidFill>
+        <a:effectLst/>
+      </p:bgPr>
+    </p:bg>
+    <p:spTree>
+      <p:nvGrpSpPr>
+        <p:cNvPr id="1" name=""/>
+        <p:cNvGrpSpPr/>
+        <p:nvPr/>
+      </p:nvGrpSpPr>
+      <p:grpSpPr>
+        <a:xfrm>
+          <a:off x="0" y="0"/>
+          <a:ext cx="0" cy="0"/>
+          <a:chOff x="0" y="0"/>
+          <a:chExt cx="0" cy="0"/>
+        </a:xfrm>
+      </p:grpSpPr>
+      <p:sp>
+        <p:nvSpPr>
+          <p:cNvPr id="31" name="Frame 25">
+            <a:extLst>
+              <a:ext uri="{FF2B5EF4-FFF2-40B4-BE49-F238E27FC236}">
+                <a16:creationId xmlns:a16="http://schemas.microsoft.com/office/drawing/2014/main" id="{DD7EAFE6-2BB9-41FB-9CF4-588CFC708774}"/>
+              </a:ext>
+              <a:ext uri="{C183D7F6-B498-43B3-948B-1728B52AA6E4}">
+                <adec:decorative xmlns:adec="http://schemas.microsoft.com/office/drawing/2017/decorative" val="1"/>
+              </a:ext>
+            </a:extLst>
+          </p:cNvPr>
+          <p:cNvSpPr>
+            <a:spLocks noGrp="1" noRot="1" noChangeAspect="1" noMove="1" noResize="1" noEditPoints="1" noAdjustHandles="1" noChangeArrowheads="1" noChangeShapeType="1" noTextEdit="1"/>
+          </p:cNvSpPr>
+          <p:nvPr>
+            <p:extLst>
+              <p:ext uri="{386F3935-93C4-4BCD-93E2-E3B085C9AB24}">
+                <p16:designElem xmlns:p16="http://schemas.microsoft.com/office/powerpoint/2015/main" val="1"/>
+              </p:ext>
+            </p:extLst>
+          </p:nvPr>
+        </p:nvSpPr>
+        <p:spPr>
+          <a:xfrm>
+            <a:off x="0" y="0"/>
+            <a:ext cx="12188952" cy="6858000"/>
+          </a:xfrm>
+          <a:prstGeom prst="frame">
+            <a:avLst>
+              <a:gd name="adj1" fmla="val 7164"/>
+            </a:avLst>
+          </a:prstGeom>
+          <a:gradFill flip="none" rotWithShape="1">
+            <a:gsLst>
+              <a:gs pos="0">
+                <a:schemeClr val="accent2">
+                  <a:alpha val="40000"/>
+                </a:schemeClr>
+              </a:gs>
+              <a:gs pos="100000">
+                <a:schemeClr val="accent1">
+                  <a:alpha val="40000"/>
+                </a:schemeClr>
+              </a:gs>
+            </a:gsLst>
+            <a:lin ang="2700000" scaled="1"/>
+            <a:tileRect/>
+          </a:gradFill>
+          <a:ln>
+            <a:noFill/>
+          </a:ln>
+        </p:spPr>
+        <p:style>
+          <a:lnRef idx="2">
+            <a:schemeClr val="accent1">
+              <a:shade val="50000"/>
+            </a:schemeClr>
+          </a:lnRef>
+          <a:fillRef idx="1">
+            <a:schemeClr val="accent1"/>
+          </a:fillRef>
+          <a:effectRef idx="0">
+            <a:schemeClr val="accent1"/>
+          </a:effectRef>
+          <a:fontRef idx="minor">
+            <a:schemeClr val="lt1"/>
+          </a:fontRef>
+        </p:style>
+        <p:txBody>
+          <a:bodyPr rtlCol="0" anchor="ctr"/>
+          <a:lstStyle/>
+          <a:p>
+            <a:pPr algn="ctr"/>
+            <a:endParaRPr lang="en-US"/>
+          </a:p>
+        </p:txBody>
+      </p:sp>
+      <p:sp useBgFill="1">
+        <p:nvSpPr>
+          <p:cNvPr id="33" name="Rectangle 27">
+            <a:extLst>
+              <a:ext uri="{FF2B5EF4-FFF2-40B4-BE49-F238E27FC236}">
+                <a16:creationId xmlns:a16="http://schemas.microsoft.com/office/drawing/2014/main" id="{610334BF-0422-4A9A-BE46-AEB8C348BAC4}"/>
+              </a:ext>
+              <a:ext uri="{C183D7F6-B498-43B3-948B-1728B52AA6E4}">
+                <adec:decorative xmlns:adec="http://schemas.microsoft.com/office/drawing/2017/decorative" val="1"/>
+              </a:ext>
+            </a:extLst>
+          </p:cNvPr>
+          <p:cNvSpPr>
+            <a:spLocks noGrp="1" noRot="1" noChangeAspect="1" noMove="1" noResize="1" noEditPoints="1" noAdjustHandles="1" noChangeArrowheads="1" noChangeShapeType="1" noTextEdit="1"/>
+          </p:cNvSpPr>
+          <p:nvPr>
+            <p:extLst>
+              <p:ext uri="{386F3935-93C4-4BCD-93E2-E3B085C9AB24}">
+                <p16:designElem xmlns:p16="http://schemas.microsoft.com/office/powerpoint/2015/main" val="1"/>
+              </p:ext>
+            </p:extLst>
+          </p:nvPr>
+        </p:nvSpPr>
+        <p:spPr>
+          <a:xfrm>
+            <a:off x="0" y="0"/>
+            <a:ext cx="12188952" cy="6858000"/>
+          </a:xfrm>
+          <a:prstGeom prst="rect">
+            <a:avLst/>
+          </a:prstGeom>
+          <a:ln>
+            <a:noFill/>
+          </a:ln>
+        </p:spPr>
+        <p:style>
+          <a:lnRef idx="2">
+            <a:schemeClr val="accent1">
+              <a:shade val="50000"/>
+            </a:schemeClr>
+          </a:lnRef>
+          <a:fillRef idx="1">
+            <a:schemeClr val="accent1"/>
+          </a:fillRef>
+          <a:effectRef idx="0">
+            <a:schemeClr val="accent1"/>
+          </a:effectRef>
+          <a:fontRef idx="minor">
+            <a:schemeClr val="lt1"/>
+          </a:fontRef>
+        </p:style>
+        <p:txBody>
+          <a:bodyPr rtlCol="0" anchor="ctr"/>
+          <a:lstStyle/>
+          <a:p>
+            <a:pPr algn="ctr"/>
+            <a:endParaRPr lang="en-US"/>
+          </a:p>
+        </p:txBody>
+      </p:sp>
+      <p:sp>
+        <p:nvSpPr>
+          <p:cNvPr id="30" name="Rectangle 29">
+            <a:extLst>
+              <a:ext uri="{FF2B5EF4-FFF2-40B4-BE49-F238E27FC236}">
+                <a16:creationId xmlns:a16="http://schemas.microsoft.com/office/drawing/2014/main" id="{C98F2823-0279-49D8-928D-754B222533EF}"/>
+              </a:ext>
+              <a:ext uri="{C183D7F6-B498-43B3-948B-1728B52AA6E4}">
+                <adec:decorative xmlns:adec="http://schemas.microsoft.com/office/drawing/2017/decorative" val="1"/>
+              </a:ext>
+            </a:extLst>
+          </p:cNvPr>
+          <p:cNvSpPr>
+            <a:spLocks noGrp="1" noRot="1" noChangeAspect="1" noMove="1" noResize="1" noEditPoints="1" noAdjustHandles="1" noChangeArrowheads="1" noChangeShapeType="1" noTextEdit="1"/>
+          </p:cNvSpPr>
+          <p:nvPr>
+            <p:extLst>
+              <p:ext uri="{386F3935-93C4-4BCD-93E2-E3B085C9AB24}">
+                <p16:designElem xmlns:p16="http://schemas.microsoft.com/office/powerpoint/2015/main" val="1"/>
+              </p:ext>
+            </p:extLst>
+          </p:nvPr>
+        </p:nvSpPr>
+        <p:spPr>
+          <a:xfrm>
+            <a:off x="0" y="-664"/>
+            <a:ext cx="12188952" cy="6858000"/>
+          </a:xfrm>
+          <a:prstGeom prst="rect">
+            <a:avLst/>
+          </a:prstGeom>
+          <a:gradFill flip="none" rotWithShape="1">
+            <a:gsLst>
+              <a:gs pos="0">
+                <a:schemeClr val="accent2">
+                  <a:alpha val="60000"/>
+                </a:schemeClr>
+              </a:gs>
+              <a:gs pos="100000">
+                <a:schemeClr val="accent1">
+                  <a:alpha val="60000"/>
+                </a:schemeClr>
+              </a:gs>
+            </a:gsLst>
+            <a:lin ang="2700000" scaled="1"/>
+            <a:tileRect/>
+          </a:gradFill>
+          <a:ln>
+            <a:noFill/>
+          </a:ln>
+        </p:spPr>
+        <p:style>
+          <a:lnRef idx="2">
+            <a:schemeClr val="accent1">
+              <a:shade val="50000"/>
+            </a:schemeClr>
+          </a:lnRef>
+          <a:fillRef idx="1">
+            <a:schemeClr val="accent1"/>
+          </a:fillRef>
+          <a:effectRef idx="0">
+            <a:schemeClr val="accent1"/>
+          </a:effectRef>
+          <a:fontRef idx="minor">
+            <a:schemeClr val="lt1"/>
+          </a:fontRef>
+        </p:style>
+        <p:txBody>
+          <a:bodyPr rtlCol="0" anchor="ctr"/>
+          <a:lstStyle/>
+          <a:p>
+            <a:pPr algn="ctr"/>
+            <a:endParaRPr lang="en-US"/>
+          </a:p>
+        </p:txBody>
+      </p:sp>
+      <p:sp>
+        <p:nvSpPr>
+          <p:cNvPr id="32" name="Rectangle 31">
+            <a:extLst>
+              <a:ext uri="{FF2B5EF4-FFF2-40B4-BE49-F238E27FC236}">
+                <a16:creationId xmlns:a16="http://schemas.microsoft.com/office/drawing/2014/main" id="{02E45E95-311C-41C7-A882-6E43F0806865}"/>
+              </a:ext>
+              <a:ext uri="{C183D7F6-B498-43B3-948B-1728B52AA6E4}">
+                <adec:decorative xmlns:adec="http://schemas.microsoft.com/office/drawing/2017/decorative" val="1"/>
+              </a:ext>
+            </a:extLst>
+          </p:cNvPr>
+          <p:cNvSpPr>
+            <a:spLocks noGrp="1" noRot="1" noChangeAspect="1" noMove="1" noResize="1" noEditPoints="1" noAdjustHandles="1" noChangeArrowheads="1" noChangeShapeType="1" noTextEdit="1"/>
+          </p:cNvSpPr>
+          <p:nvPr>
+            <p:extLst>
+              <p:ext uri="{386F3935-93C4-4BCD-93E2-E3B085C9AB24}">
+                <p16:designElem xmlns:p16="http://schemas.microsoft.com/office/powerpoint/2015/main" val="1"/>
+              </p:ext>
+            </p:extLst>
+          </p:nvPr>
+        </p:nvSpPr>
+        <p:spPr>
+          <a:xfrm>
+            <a:off x="0" y="663"/>
+            <a:ext cx="12188952" cy="6858000"/>
+          </a:xfrm>
+          <a:prstGeom prst="rect">
+            <a:avLst/>
+          </a:prstGeom>
+          <a:solidFill>
+            <a:schemeClr val="bg2">
+              <a:alpha val="20000"/>
+            </a:schemeClr>
+          </a:solidFill>
+          <a:ln>
+            <a:noFill/>
+          </a:ln>
+        </p:spPr>
+        <p:style>
+          <a:lnRef idx="2">
+            <a:schemeClr val="accent1">
+              <a:shade val="50000"/>
+            </a:schemeClr>
+          </a:lnRef>
+          <a:fillRef idx="1">
+            <a:schemeClr val="accent1"/>
+          </a:fillRef>
+          <a:effectRef idx="0">
+            <a:schemeClr val="accent1"/>
+          </a:effectRef>
+          <a:fontRef idx="minor">
+            <a:schemeClr val="lt1"/>
+          </a:fontRef>
+        </p:style>
+        <p:txBody>
+          <a:bodyPr rtlCol="0" anchor="ctr"/>
+          <a:lstStyle/>
+          <a:p>
+            <a:pPr algn="ctr"/>
+            <a:endParaRPr lang="en-US" dirty="0"/>
+          </a:p>
+        </p:txBody>
+      </p:sp>
+      <p:sp>
+        <p:nvSpPr>
+          <p:cNvPr id="34" name="Oval 33">
+            <a:extLst>
+              <a:ext uri="{FF2B5EF4-FFF2-40B4-BE49-F238E27FC236}">
+                <a16:creationId xmlns:a16="http://schemas.microsoft.com/office/drawing/2014/main" id="{B7299D5D-ECC5-41EB-B830-C3A35FB35516}"/>
+              </a:ext>
+              <a:ext uri="{C183D7F6-B498-43B3-948B-1728B52AA6E4}">
+                <adec:decorative xmlns:adec="http://schemas.microsoft.com/office/drawing/2017/decorative" val="1"/>
+              </a:ext>
+            </a:extLst>
+          </p:cNvPr>
+          <p:cNvSpPr>
+            <a:spLocks noGrp="1" noRot="1" noChangeAspect="1" noMove="1" noResize="1" noEditPoints="1" noAdjustHandles="1" noChangeArrowheads="1" noChangeShapeType="1" noTextEdit="1"/>
+          </p:cNvSpPr>
+          <p:nvPr>
+            <p:extLst>
+              <p:ext uri="{386F3935-93C4-4BCD-93E2-E3B085C9AB24}">
+                <p16:designElem xmlns:p16="http://schemas.microsoft.com/office/powerpoint/2015/main" val="1"/>
+              </p:ext>
+            </p:extLst>
+          </p:nvPr>
+        </p:nvSpPr>
+        <p:spPr>
+          <a:xfrm rot="16200000">
+            <a:off x="2537516" y="0"/>
+            <a:ext cx="6857999" cy="6857998"/>
+          </a:xfrm>
+          <a:prstGeom prst="ellipse">
+            <a:avLst/>
+          </a:prstGeom>
+          <a:gradFill>
+            <a:gsLst>
+              <a:gs pos="0">
+                <a:schemeClr val="accent1">
+                  <a:lumMod val="20000"/>
+                  <a:lumOff val="80000"/>
+                  <a:alpha val="40000"/>
+                </a:schemeClr>
+              </a:gs>
+              <a:gs pos="100000">
+                <a:schemeClr val="accent1">
+                  <a:alpha val="40000"/>
+                </a:schemeClr>
+              </a:gs>
+            </a:gsLst>
+            <a:lin ang="2700000" scaled="1"/>
+          </a:gradFill>
+          <a:ln>
+            <a:noFill/>
+          </a:ln>
+          <a:effectLst>
+            <a:softEdge rad="520700"/>
+          </a:effectLst>
+        </p:spPr>
+        <p:style>
+          <a:lnRef idx="2">
+            <a:schemeClr val="accent1">
+              <a:shade val="50000"/>
+            </a:schemeClr>
+          </a:lnRef>
+          <a:fillRef idx="1">
+            <a:schemeClr val="accent1"/>
+          </a:fillRef>
+          <a:effectRef idx="0">
+            <a:schemeClr val="accent1"/>
+          </a:effectRef>
+          <a:fontRef idx="minor">
+            <a:schemeClr val="lt1"/>
+          </a:fontRef>
+        </p:style>
+        <p:txBody>
+          <a:bodyPr rtlCol="0" anchor="ctr"/>
+          <a:lstStyle/>
+          <a:p>
+            <a:pPr algn="ctr"/>
+            <a:endParaRPr lang="en-US" dirty="0"/>
+          </a:p>
+        </p:txBody>
+      </p:sp>
+      <p:sp>
+        <p:nvSpPr>
+          <p:cNvPr id="36" name="Oval 35">
+            <a:extLst>
+              <a:ext uri="{FF2B5EF4-FFF2-40B4-BE49-F238E27FC236}">
+                <a16:creationId xmlns:a16="http://schemas.microsoft.com/office/drawing/2014/main" id="{88C91735-5EFE-44D1-8CC6-FDF0D11B6F5D}"/>
+              </a:ext>
+              <a:ext uri="{C183D7F6-B498-43B3-948B-1728B52AA6E4}">
+                <adec:decorative xmlns:adec="http://schemas.microsoft.com/office/drawing/2017/decorative" val="1"/>
+              </a:ext>
+            </a:extLst>
+          </p:cNvPr>
+          <p:cNvSpPr>
+            <a:spLocks noGrp="1" noRot="1" noChangeAspect="1" noMove="1" noResize="1" noEditPoints="1" noAdjustHandles="1" noChangeArrowheads="1" noChangeShapeType="1" noTextEdit="1"/>
+          </p:cNvSpPr>
+          <p:nvPr>
+            <p:extLst>
+              <p:ext uri="{386F3935-93C4-4BCD-93E2-E3B085C9AB24}">
+                <p16:designElem xmlns:p16="http://schemas.microsoft.com/office/powerpoint/2015/main" val="1"/>
+              </p:ext>
+            </p:extLst>
+          </p:nvPr>
+        </p:nvSpPr>
+        <p:spPr>
+          <a:xfrm rot="16200000">
+            <a:off x="73990" y="1194074"/>
+            <a:ext cx="5589934" cy="5737916"/>
+          </a:xfrm>
+          <a:prstGeom prst="ellipse">
+            <a:avLst/>
+          </a:prstGeom>
+          <a:gradFill>
+            <a:gsLst>
+              <a:gs pos="0">
+                <a:schemeClr val="accent1">
+                  <a:alpha val="40000"/>
+                </a:schemeClr>
+              </a:gs>
+              <a:gs pos="100000">
+                <a:schemeClr val="accent5">
+                  <a:alpha val="20000"/>
+                </a:schemeClr>
+              </a:gs>
+            </a:gsLst>
+            <a:lin ang="2700000" scaled="1"/>
+          </a:gradFill>
+          <a:ln>
+            <a:noFill/>
+          </a:ln>
+          <a:effectLst>
+            <a:softEdge rad="952500"/>
+          </a:effectLst>
+        </p:spPr>
+        <p:style>
+          <a:lnRef idx="2">
+            <a:schemeClr val="accent1">
+              <a:shade val="50000"/>
+            </a:schemeClr>
+          </a:lnRef>
+          <a:fillRef idx="1">
+            <a:schemeClr val="accent1"/>
+          </a:fillRef>
+          <a:effectRef idx="0">
+            <a:schemeClr val="accent1"/>
+          </a:effectRef>
+          <a:fontRef idx="minor">
+            <a:schemeClr val="lt1"/>
+          </a:fontRef>
+        </p:style>
+        <p:txBody>
+          <a:bodyPr rtlCol="0" anchor="ctr"/>
+          <a:lstStyle/>
+          <a:p>
+            <a:pPr algn="ctr"/>
+            <a:endParaRPr lang="en-US" dirty="0"/>
+          </a:p>
+        </p:txBody>
+      </p:sp>
+      <p:sp>
+        <p:nvSpPr>
+          <p:cNvPr id="2" name="标题 1">
+            <a:extLst>
+              <a:ext uri="{FF2B5EF4-FFF2-40B4-BE49-F238E27FC236}">
+                <a16:creationId xmlns:a16="http://schemas.microsoft.com/office/drawing/2014/main" id="{6AE3E0C3-136A-4138-B6C9-A5CCB5E46AA5}"/>
+              </a:ext>
+            </a:extLst>
+          </p:cNvPr>
+          <p:cNvSpPr>
+            <a:spLocks noGrp="1"/>
+          </p:cNvSpPr>
+          <p:nvPr>
+            <p:ph type="title"/>
+          </p:nvPr>
+        </p:nvSpPr>
+        <p:spPr>
+          <a:xfrm>
+            <a:off x="850558" y="1130601"/>
+            <a:ext cx="4242472" cy="2387600"/>
+          </a:xfrm>
+        </p:spPr>
+        <p:txBody>
+          <a:bodyPr vert="horz" lIns="91440" tIns="45720" rIns="91440" bIns="45720" rtlCol="0" anchor="b">
+            <a:normAutofit/>
+          </a:bodyPr>
+          <a:lstStyle/>
+          <a:p>
+            <a:r>
+              <a:rPr lang="en-US" altLang="zh-CN" sz="4800" dirty="0">
+                <a:solidFill>
+                  <a:srgbClr val="FFFFFF"/>
+                </a:solidFill>
+              </a:rPr>
+              <a:t>(Macro)Task and </a:t>
+            </a:r>
+            <a:br>
+              <a:rPr lang="en-US" altLang="zh-CN" sz="4800" dirty="0">
+                <a:solidFill>
+                  <a:srgbClr val="FFFFFF"/>
+                </a:solidFill>
+              </a:rPr>
+            </a:br>
+            <a:r>
+              <a:rPr lang="en-US" altLang="zh-CN" sz="4800" dirty="0">
+                <a:solidFill>
+                  <a:srgbClr val="FFFFFF"/>
+                </a:solidFill>
+              </a:rPr>
+              <a:t>Micro Task</a:t>
+            </a:r>
+          </a:p>
+        </p:txBody>
+      </p:sp>
+      <p:sp>
+        <p:nvSpPr>
+          <p:cNvPr id="38" name="Oval 37">
+            <a:extLst>
+              <a:ext uri="{FF2B5EF4-FFF2-40B4-BE49-F238E27FC236}">
+                <a16:creationId xmlns:a16="http://schemas.microsoft.com/office/drawing/2014/main" id="{D33F926C-2613-475D-AEE4-CD7D87D3BA2D}"/>
+              </a:ext>
+              <a:ext uri="{C183D7F6-B498-43B3-948B-1728B52AA6E4}">
+                <adec:decorative xmlns:adec="http://schemas.microsoft.com/office/drawing/2017/decorative" val="1"/>
+              </a:ext>
+            </a:extLst>
+          </p:cNvPr>
+          <p:cNvSpPr>
+            <a:spLocks noGrp="1" noRot="1" noChangeAspect="1" noMove="1" noResize="1" noEditPoints="1" noAdjustHandles="1" noChangeArrowheads="1" noChangeShapeType="1" noTextEdit="1"/>
+          </p:cNvSpPr>
+          <p:nvPr>
+            <p:extLst>
+              <p:ext uri="{386F3935-93C4-4BCD-93E2-E3B085C9AB24}">
+                <p16:designElem xmlns:p16="http://schemas.microsoft.com/office/powerpoint/2015/main" val="1"/>
+              </p:ext>
+            </p:extLst>
+          </p:nvPr>
+        </p:nvSpPr>
+        <p:spPr>
+          <a:xfrm rot="16200000">
+            <a:off x="6439622" y="194269"/>
+            <a:ext cx="5760743" cy="5737917"/>
+          </a:xfrm>
+          <a:prstGeom prst="ellipse">
+            <a:avLst/>
+          </a:prstGeom>
+          <a:gradFill>
+            <a:gsLst>
+              <a:gs pos="0">
+                <a:schemeClr val="accent1">
+                  <a:alpha val="20000"/>
+                </a:schemeClr>
+              </a:gs>
+              <a:gs pos="100000">
+                <a:schemeClr val="accent5">
+                  <a:alpha val="40000"/>
+                </a:schemeClr>
+              </a:gs>
+            </a:gsLst>
+            <a:lin ang="2700000" scaled="1"/>
+          </a:gradFill>
+          <a:ln>
+            <a:noFill/>
+          </a:ln>
+          <a:effectLst>
+            <a:softEdge rad="1003300"/>
+          </a:effectLst>
+        </p:spPr>
+        <p:style>
+          <a:lnRef idx="2">
+            <a:schemeClr val="accent1">
+              <a:shade val="50000"/>
+            </a:schemeClr>
+          </a:lnRef>
+          <a:fillRef idx="1">
+            <a:schemeClr val="accent1"/>
+          </a:fillRef>
+          <a:effectRef idx="0">
+            <a:schemeClr val="accent1"/>
+          </a:effectRef>
+          <a:fontRef idx="minor">
+            <a:schemeClr val="lt1"/>
+          </a:fontRef>
+        </p:style>
+        <p:txBody>
+          <a:bodyPr rtlCol="0" anchor="ctr"/>
+          <a:lstStyle/>
+          <a:p>
+            <a:pPr algn="ctr"/>
+            <a:endParaRPr lang="en-US" dirty="0"/>
+          </a:p>
+        </p:txBody>
+      </p:sp>
       <p:graphicFrame>
         <p:nvGraphicFramePr>
           <p:cNvPr id="4" name="表格 4">
@@ -5198,14 +8575,14 @@
             <p:ph idx="1"/>
             <p:extLst>
               <p:ext uri="{D42A27DB-BD31-4B8C-83A1-F6EECF244321}">
-                <p14:modId xmlns:p14="http://schemas.microsoft.com/office/powerpoint/2010/main" val="1846718101"/>
+                <p14:modId xmlns:p14="http://schemas.microsoft.com/office/powerpoint/2010/main" val="912684515"/>
               </p:ext>
             </p:extLst>
           </p:nvPr>
         </p:nvGraphicFramePr>
         <p:xfrm>
           <a:off x="5450066" y="1004565"/>
-          <a:ext cx="6261522" cy="4859368"/>
+          <a:ext cx="6261522" cy="5118203"/>
         </p:xfrm>
         <a:graphic>
           <a:graphicData uri="http://schemas.openxmlformats.org/drawingml/2006/table">
@@ -5352,14 +8729,14 @@
                     <a:lstStyle/>
                     <a:p>
                       <a:r>
-                        <a:rPr lang="en-US" altLang="zh-CN" sz="2000" cap="none" spc="0">
+                        <a:rPr lang="en-US" altLang="zh-CN" sz="2000" b="0" cap="none" spc="0" dirty="0">
                           <a:solidFill>
                             <a:schemeClr val="tx1"/>
                           </a:solidFill>
                         </a:rPr>
                         <a:t>Script</a:t>
                       </a:r>
-                      <a:endParaRPr lang="zh-CN" altLang="en-US" sz="2000" cap="none" spc="0">
+                      <a:endParaRPr lang="zh-CN" altLang="en-US" sz="2000" b="0" cap="none" spc="0" dirty="0">
                         <a:solidFill>
                           <a:schemeClr val="tx1"/>
                         </a:solidFill>
@@ -5540,6 +8917,30 @@
                         </a:rPr>
                         <a:t>MutaionObserver</a:t>
                       </a:r>
+                      <a:r>
+                        <a:rPr lang="en-US" altLang="zh-CN" sz="2000" b="0" i="0" kern="1200" cap="none" spc="0" dirty="0">
+                          <a:solidFill>
+                            <a:schemeClr val="tx1"/>
+                          </a:solidFill>
+                          <a:effectLst/>
+                          <a:latin typeface="+mn-lt"/>
+                          <a:ea typeface="+mn-ea"/>
+                          <a:cs typeface="+mn-cs"/>
+                        </a:rPr>
+                        <a:t> </a:t>
+                      </a:r>
+                      <a:r>
+                        <a:rPr lang="en-US" altLang="zh-CN" sz="1100" b="0" i="0" kern="1200" cap="none" spc="0" dirty="0">
+                          <a:solidFill>
+                            <a:schemeClr val="tx1"/>
+                          </a:solidFill>
+                          <a:effectLst/>
+                          <a:latin typeface="+mn-lt"/>
+                          <a:ea typeface="+mn-ea"/>
+                          <a:cs typeface="+mn-cs"/>
+                        </a:rPr>
+                        <a:t>browser</a:t>
+                      </a:r>
                       <a:endParaRPr lang="zh-CN" altLang="en-US" sz="2000" cap="none" spc="0" dirty="0">
                         <a:solidFill>
                           <a:schemeClr val="tx1"/>
@@ -5598,7 +8999,7 @@
                     <a:lstStyle/>
                     <a:p>
                       <a:r>
-                        <a:rPr lang="en-US" altLang="zh-CN" sz="2000" b="0" i="0" kern="1200" cap="none" spc="0" err="1">
+                        <a:rPr lang="en-US" altLang="zh-CN" sz="2000" b="0" i="0" kern="1200" cap="none" spc="0" dirty="0" err="1">
                           <a:solidFill>
                             <a:schemeClr val="tx1"/>
                           </a:solidFill>
@@ -5609,7 +9010,7 @@
                         </a:rPr>
                         <a:t>setInterval</a:t>
                       </a:r>
-                      <a:endParaRPr lang="zh-CN" altLang="en-US" sz="2000" cap="none" spc="0">
+                      <a:endParaRPr lang="zh-CN" altLang="en-US" sz="2000" cap="none" spc="0" dirty="0">
                         <a:solidFill>
                           <a:schemeClr val="tx1"/>
                         </a:solidFill>
@@ -5655,6 +9056,23 @@
                     <a:bodyPr/>
                     <a:lstStyle/>
                     <a:p>
+                      <a:pPr marL="0" marR="0" lvl="0" indent="0" algn="l" defTabSz="914400" rtl="0" eaLnBrk="1" fontAlgn="auto" latinLnBrk="0" hangingPunct="1">
+                        <a:lnSpc>
+                          <a:spcPct val="100000"/>
+                        </a:lnSpc>
+                        <a:spcBef>
+                          <a:spcPts val="0"/>
+                        </a:spcBef>
+                        <a:spcAft>
+                          <a:spcPts val="0"/>
+                        </a:spcAft>
+                        <a:buClrTx/>
+                        <a:buSzTx/>
+                        <a:buFontTx/>
+                        <a:buNone/>
+                        <a:tabLst/>
+                        <a:defRPr/>
+                      </a:pPr>
                       <a:r>
                         <a:rPr lang="en-US" altLang="zh-CN" sz="2000" b="0" i="0" kern="1200" cap="none" spc="0" dirty="0" err="1">
                           <a:solidFill>
@@ -5665,7 +9083,7 @@
                           <a:ea typeface="+mn-ea"/>
                           <a:cs typeface="+mn-cs"/>
                         </a:rPr>
-                        <a:t>process.nextTick</a:t>
+                        <a:t>Object.observe</a:t>
                       </a:r>
                       <a:r>
                         <a:rPr lang="en-US" altLang="zh-CN" sz="2000" b="0" i="0" kern="1200" cap="none" spc="0" dirty="0">
@@ -5677,10 +9095,10 @@
                           <a:ea typeface="+mn-ea"/>
                           <a:cs typeface="+mn-cs"/>
                         </a:rPr>
-                        <a:t>(</a:t>
+                        <a:t> </a:t>
                       </a:r>
                       <a:r>
-                        <a:rPr lang="en-US" altLang="zh-CN" sz="2000" b="0" i="0" kern="1200" cap="none" spc="0" dirty="0" err="1">
+                        <a:rPr lang="en-US" altLang="zh-CN" sz="1100" b="0" i="0" kern="1200" cap="none" spc="0" dirty="0">
                           <a:solidFill>
                             <a:schemeClr val="tx1"/>
                           </a:solidFill>
@@ -5689,24 +9107,16 @@
                           <a:ea typeface="+mn-ea"/>
                           <a:cs typeface="+mn-cs"/>
                         </a:rPr>
-                        <a:t>nodejs</a:t>
+                        <a:t>browser</a:t>
                       </a:r>
-                      <a:r>
-                        <a:rPr lang="en-US" altLang="zh-CN" sz="2000" b="0" i="0" kern="1200" cap="none" spc="0" dirty="0">
-                          <a:solidFill>
-                            <a:schemeClr val="tx1"/>
-                          </a:solidFill>
-                          <a:effectLst/>
-                          <a:latin typeface="+mn-lt"/>
-                          <a:ea typeface="+mn-ea"/>
-                          <a:cs typeface="+mn-cs"/>
-                        </a:rPr>
-                        <a:t>)</a:t>
-                      </a:r>
-                      <a:endParaRPr lang="zh-CN" altLang="en-US" sz="2000" cap="none" spc="0" dirty="0">
+                      <a:endParaRPr lang="zh-CN" altLang="en-US" sz="1100" b="0" i="0" kern="1200" cap="none" spc="0" dirty="0">
                         <a:solidFill>
                           <a:schemeClr val="tx1"/>
                         </a:solidFill>
+                        <a:effectLst/>
+                        <a:latin typeface="+mn-lt"/>
+                        <a:ea typeface="+mn-ea"/>
+                        <a:cs typeface="+mn-cs"/>
                       </a:endParaRPr>
                     </a:p>
                   </a:txBody>
@@ -5818,8 +9228,25 @@
                     <a:bodyPr/>
                     <a:lstStyle/>
                     <a:p>
+                      <a:pPr marL="0" marR="0" lvl="0" indent="0" algn="l" defTabSz="914400" rtl="0" eaLnBrk="1" fontAlgn="auto" latinLnBrk="0" hangingPunct="1">
+                        <a:lnSpc>
+                          <a:spcPct val="100000"/>
+                        </a:lnSpc>
+                        <a:spcBef>
+                          <a:spcPts val="0"/>
+                        </a:spcBef>
+                        <a:spcAft>
+                          <a:spcPts val="0"/>
+                        </a:spcAft>
+                        <a:buClrTx/>
+                        <a:buSzTx/>
+                        <a:buFontTx/>
+                        <a:buNone/>
+                        <a:tabLst/>
+                        <a:defRPr/>
+                      </a:pPr>
                       <a:r>
-                        <a:rPr lang="en-US" altLang="zh-CN" sz="2000" b="0" i="0" kern="1200" cap="none" spc="0" err="1">
+                        <a:rPr lang="en-US" altLang="zh-CN" sz="2000" b="0" i="0" kern="1200" cap="none" spc="0" dirty="0" err="1">
                           <a:solidFill>
                             <a:schemeClr val="tx1"/>
                           </a:solidFill>
@@ -5828,12 +9255,40 @@
                           <a:ea typeface="+mn-ea"/>
                           <a:cs typeface="+mn-cs"/>
                         </a:rPr>
-                        <a:t>Object.observe</a:t>
+                        <a:t>process.nextTick</a:t>
                       </a:r>
-                      <a:endParaRPr lang="zh-CN" altLang="en-US" sz="2000" cap="none" spc="0">
+                      <a:r>
+                        <a:rPr lang="en-US" altLang="zh-CN" sz="2000" b="0" i="0" kern="1200" cap="none" spc="0" dirty="0">
+                          <a:solidFill>
+                            <a:schemeClr val="tx1"/>
+                          </a:solidFill>
+                          <a:effectLst/>
+                          <a:latin typeface="+mn-lt"/>
+                          <a:ea typeface="+mn-ea"/>
+                          <a:cs typeface="+mn-cs"/>
+                        </a:rPr>
+                        <a:t> </a:t>
+                      </a:r>
+                      <a:r>
+                        <a:rPr lang="en-US" altLang="zh-CN" sz="1100" b="0" i="0" kern="1200" cap="none" spc="0" dirty="0" err="1">
+                          <a:solidFill>
+                            <a:schemeClr val="tx1"/>
+                          </a:solidFill>
+                          <a:effectLst/>
+                          <a:latin typeface="+mn-lt"/>
+                          <a:ea typeface="+mn-ea"/>
+                          <a:cs typeface="+mn-cs"/>
+                        </a:rPr>
+                        <a:t>nodejs</a:t>
+                      </a:r>
+                      <a:endParaRPr lang="zh-CN" altLang="en-US" sz="1100" b="0" i="0" kern="1200" cap="none" spc="0" dirty="0">
                         <a:solidFill>
                           <a:schemeClr val="tx1"/>
                         </a:solidFill>
+                        <a:effectLst/>
+                        <a:latin typeface="+mn-lt"/>
+                        <a:ea typeface="+mn-ea"/>
+                        <a:cs typeface="+mn-cs"/>
                       </a:endParaRPr>
                     </a:p>
                   </a:txBody>
@@ -5945,7 +9400,7 @@
                     <a:bodyPr/>
                     <a:lstStyle/>
                     <a:p>
-                      <a:endParaRPr lang="zh-CN" altLang="en-US" sz="2000" cap="none" spc="0">
+                      <a:endParaRPr lang="zh-CN" altLang="en-US" sz="2000" cap="none" spc="0" dirty="0">
                         <a:solidFill>
                           <a:schemeClr val="tx1"/>
                         </a:solidFill>
@@ -5998,8 +9453,25 @@
                     <a:bodyPr/>
                     <a:lstStyle/>
                     <a:p>
+                      <a:pPr marL="0" marR="0" lvl="0" indent="0" algn="l" defTabSz="914400" rtl="0" eaLnBrk="1" fontAlgn="auto" latinLnBrk="0" hangingPunct="1">
+                        <a:lnSpc>
+                          <a:spcPct val="100000"/>
+                        </a:lnSpc>
+                        <a:spcBef>
+                          <a:spcPts val="0"/>
+                        </a:spcBef>
+                        <a:spcAft>
+                          <a:spcPts val="0"/>
+                        </a:spcAft>
+                        <a:buClrTx/>
+                        <a:buSzTx/>
+                        <a:buFontTx/>
+                        <a:buNone/>
+                        <a:tabLst/>
+                        <a:defRPr/>
+                      </a:pPr>
                       <a:r>
-                        <a:rPr lang="en-US" altLang="zh-CN" sz="2000" b="0" i="0" kern="1200" cap="none" spc="0" err="1">
+                        <a:rPr lang="en-US" altLang="zh-CN" sz="2000" b="0" i="0" kern="1200" cap="none" spc="0" dirty="0">
                           <a:solidFill>
                             <a:schemeClr val="tx1"/>
                           </a:solidFill>
@@ -6008,45 +9480,9 @@
                           <a:ea typeface="+mn-ea"/>
                           <a:cs typeface="+mn-cs"/>
                         </a:rPr>
-                        <a:t>setImmediate</a:t>
+                        <a:t>Promise Function</a:t>
                       </a:r>
-                      <a:r>
-                        <a:rPr lang="en-US" altLang="zh-CN" sz="2000" b="0" i="0" kern="1200" cap="none" spc="0">
-                          <a:solidFill>
-                            <a:schemeClr val="tx1"/>
-                          </a:solidFill>
-                          <a:effectLst/>
-                          <a:latin typeface="+mn-lt"/>
-                          <a:ea typeface="+mn-ea"/>
-                          <a:cs typeface="+mn-cs"/>
-                        </a:rPr>
-                        <a:t> (</a:t>
-                      </a:r>
-                      <a:r>
-                        <a:rPr lang="en-US" altLang="zh-CN" sz="2000" b="0" i="0" kern="1200" cap="none" spc="0" err="1">
-                          <a:solidFill>
-                            <a:schemeClr val="tx1"/>
-                          </a:solidFill>
-                          <a:effectLst/>
-                          <a:latin typeface="+mn-lt"/>
-                          <a:ea typeface="+mn-ea"/>
-                          <a:cs typeface="+mn-cs"/>
-                        </a:rPr>
-                        <a:t>nodejs</a:t>
-                      </a:r>
-                      <a:r>
-                        <a:rPr lang="en-US" altLang="zh-CN" sz="2000" b="0" i="0" kern="1200" cap="none" spc="0">
-                          <a:solidFill>
-                            <a:schemeClr val="tx1"/>
-                          </a:solidFill>
-                          <a:effectLst/>
-                          <a:latin typeface="+mn-lt"/>
-                          <a:ea typeface="+mn-ea"/>
-                          <a:cs typeface="+mn-cs"/>
-                        </a:rPr>
-                        <a:t>)</a:t>
-                      </a:r>
-                      <a:endParaRPr lang="zh-CN" altLang="en-US" sz="2000" cap="none" spc="0">
+                      <a:endParaRPr lang="zh-CN" altLang="en-US" sz="2000" b="0" cap="none" spc="0" dirty="0">
                         <a:solidFill>
                           <a:schemeClr val="tx1"/>
                         </a:solidFill>
@@ -6096,7 +9532,7 @@
                     <a:bodyPr/>
                     <a:lstStyle/>
                     <a:p>
-                      <a:endParaRPr lang="zh-CN" altLang="en-US" sz="2000" cap="none" spc="0">
+                      <a:endParaRPr lang="zh-CN" altLang="en-US" sz="2000" cap="none" spc="0" dirty="0">
                         <a:solidFill>
                           <a:schemeClr val="tx1"/>
                         </a:solidFill>
@@ -6153,18 +9589,70 @@
                     <a:bodyPr/>
                     <a:lstStyle/>
                     <a:p>
+                      <a:pPr marL="0" marR="0" lvl="0" indent="0" algn="l" defTabSz="914400" rtl="0" eaLnBrk="1" fontAlgn="auto" latinLnBrk="0" hangingPunct="1">
+                        <a:lnSpc>
+                          <a:spcPct val="100000"/>
+                        </a:lnSpc>
+                        <a:spcBef>
+                          <a:spcPts val="0"/>
+                        </a:spcBef>
+                        <a:spcAft>
+                          <a:spcPts val="0"/>
+                        </a:spcAft>
+                        <a:buClrTx/>
+                        <a:buSzTx/>
+                        <a:buFontTx/>
+                        <a:buNone/>
+                        <a:tabLst/>
+                        <a:defRPr/>
+                      </a:pPr>
                       <a:r>
-                        <a:rPr lang="en-US" altLang="zh-CN" sz="2000" b="0" i="0" kern="1200" cap="none" spc="0" dirty="0">
+                        <a:rPr lang="en-US" altLang="zh-CN" sz="2000" b="0" i="0" kern="1200" cap="none" spc="0" dirty="0" err="1">
                           <a:solidFill>
-                            <a:srgbClr val="C00000"/>
+                            <a:schemeClr val="tx1"/>
                           </a:solidFill>
                           <a:effectLst/>
                           <a:latin typeface="+mn-lt"/>
                           <a:ea typeface="+mn-ea"/>
                           <a:cs typeface="+mn-cs"/>
                         </a:rPr>
-                        <a:t>Promise Function</a:t>
+                        <a:t>setImmediate</a:t>
                       </a:r>
+                      <a:r>
+                        <a:rPr lang="en-US" altLang="zh-CN" sz="2000" b="0" i="0" kern="1200" cap="none" spc="0" dirty="0">
+                          <a:solidFill>
+                            <a:schemeClr val="tx1"/>
+                          </a:solidFill>
+                          <a:effectLst/>
+                          <a:latin typeface="+mn-lt"/>
+                          <a:ea typeface="+mn-ea"/>
+                          <a:cs typeface="+mn-cs"/>
+                        </a:rPr>
+                        <a:t> </a:t>
+                      </a:r>
+                      <a:r>
+                        <a:rPr lang="en-US" altLang="zh-CN" sz="1100" b="0" i="0" kern="1200" cap="none" spc="0" dirty="0" err="1">
+                          <a:solidFill>
+                            <a:schemeClr val="tx1"/>
+                          </a:solidFill>
+                          <a:effectLst/>
+                          <a:latin typeface="+mn-lt"/>
+                          <a:ea typeface="+mn-ea"/>
+                          <a:cs typeface="+mn-cs"/>
+                        </a:rPr>
+                        <a:t>nodejs</a:t>
+                      </a:r>
+                      <a:endParaRPr lang="zh-CN" altLang="en-US" sz="1100" b="0" i="0" kern="1200" cap="none" spc="0" dirty="0">
+                        <a:solidFill>
+                          <a:schemeClr val="tx1"/>
+                        </a:solidFill>
+                        <a:effectLst/>
+                        <a:latin typeface="+mn-lt"/>
+                        <a:ea typeface="+mn-ea"/>
+                        <a:cs typeface="+mn-cs"/>
+                      </a:endParaRPr>
+                    </a:p>
+                    <a:p>
                       <a:endParaRPr lang="zh-CN" altLang="en-US" sz="2000" cap="none" spc="0" dirty="0">
                         <a:solidFill>
                           <a:srgbClr val="C00000"/>
@@ -6269,7 +9757,7 @@
 </p:sld>
 </file>
 
-<file path=ppt/slides/slide4.xml><?xml version="1.0" encoding="utf-8"?>
+<file path=ppt/slides/slide5.xml><?xml version="1.0" encoding="utf-8"?>
 <p:sld xmlns:a="http://schemas.openxmlformats.org/drawingml/2006/main" xmlns:r="http://schemas.openxmlformats.org/officeDocument/2006/relationships" xmlns:p="http://schemas.openxmlformats.org/presentationml/2006/main">
   <p:cSld>
     <p:bg>
@@ -6294,72 +9782,12 @@
           <a:chExt cx="0" cy="0"/>
         </a:xfrm>
       </p:grpSpPr>
-      <p:sp useBgFill="1">
-        <p:nvSpPr>
-          <p:cNvPr id="47" name="Rectangle 19">
-            <a:extLst>
-              <a:ext uri="{FF2B5EF4-FFF2-40B4-BE49-F238E27FC236}">
-                <a16:creationId xmlns:a16="http://schemas.microsoft.com/office/drawing/2014/main" id="{32768DCD-B824-413A-B330-8D57ADB3724C}"/>
-              </a:ext>
-              <a:ext uri="{C183D7F6-B498-43B3-948B-1728B52AA6E4}">
-                <adec:decorative xmlns:adec="http://schemas.microsoft.com/office/drawing/2017/decorative" val="1"/>
-              </a:ext>
-            </a:extLst>
-          </p:cNvPr>
-          <p:cNvSpPr>
-            <a:spLocks noGrp="1" noRot="1" noChangeAspect="1" noMove="1" noResize="1" noEditPoints="1" noAdjustHandles="1" noChangeArrowheads="1" noChangeShapeType="1" noTextEdit="1"/>
-          </p:cNvSpPr>
-          <p:nvPr>
-            <p:extLst>
-              <p:ext uri="{386F3935-93C4-4BCD-93E2-E3B085C9AB24}">
-                <p16:designElem xmlns:p16="http://schemas.microsoft.com/office/powerpoint/2015/main" val="1"/>
-              </p:ext>
-            </p:extLst>
-          </p:nvPr>
-        </p:nvSpPr>
-        <p:spPr>
-          <a:xfrm>
-            <a:off x="0" y="0"/>
-            <a:ext cx="12188952" cy="6858000"/>
-          </a:xfrm>
-          <a:prstGeom prst="rect">
-            <a:avLst/>
-          </a:prstGeom>
-          <a:ln>
-            <a:noFill/>
-          </a:ln>
-        </p:spPr>
-        <p:style>
-          <a:lnRef idx="2">
-            <a:schemeClr val="accent1">
-              <a:shade val="50000"/>
-            </a:schemeClr>
-          </a:lnRef>
-          <a:fillRef idx="1">
-            <a:schemeClr val="accent1"/>
-          </a:fillRef>
-          <a:effectRef idx="0">
-            <a:schemeClr val="accent1"/>
-          </a:effectRef>
-          <a:fontRef idx="minor">
-            <a:schemeClr val="lt1"/>
-          </a:fontRef>
-        </p:style>
-        <p:txBody>
-          <a:bodyPr rtlCol="0" anchor="ctr"/>
-          <a:lstStyle/>
-          <a:p>
-            <a:pPr algn="ctr"/>
-            <a:endParaRPr lang="en-US"/>
-          </a:p>
-        </p:txBody>
-      </p:sp>
       <p:sp>
         <p:nvSpPr>
-          <p:cNvPr id="48" name="Frame 21">
-            <a:extLst>
-              <a:ext uri="{FF2B5EF4-FFF2-40B4-BE49-F238E27FC236}">
-                <a16:creationId xmlns:a16="http://schemas.microsoft.com/office/drawing/2014/main" id="{19F9CD66-32FC-448F-B4C5-67D17508A226}"/>
+          <p:cNvPr id="61" name="Frame 53">
+            <a:extLst>
+              <a:ext uri="{FF2B5EF4-FFF2-40B4-BE49-F238E27FC236}">
+                <a16:creationId xmlns:a16="http://schemas.microsoft.com/office/drawing/2014/main" id="{DD7EAFE6-2BB9-41FB-9CF4-588CFC708774}"/>
               </a:ext>
               <a:ext uri="{C183D7F6-B498-43B3-948B-1728B52AA6E4}">
                 <adec:decorative xmlns:adec="http://schemas.microsoft.com/office/drawing/2017/decorative" val="1"/>
@@ -6432,38 +9860,365 @@
           </a:p>
         </p:txBody>
       </p:sp>
-      <p:pic>
-        <p:nvPicPr>
-          <p:cNvPr id="15" name="图片 14">
-            <a:extLst>
-              <a:ext uri="{FF2B5EF4-FFF2-40B4-BE49-F238E27FC236}">
-                <a16:creationId xmlns:a16="http://schemas.microsoft.com/office/drawing/2014/main" id="{A401E6B4-5292-488F-A5F5-B3309EE05872}"/>
-              </a:ext>
-            </a:extLst>
-          </p:cNvPr>
-          <p:cNvPicPr>
-            <a:picLocks noChangeAspect="1"/>
-          </p:cNvPicPr>
-          <p:nvPr/>
-        </p:nvPicPr>
-        <p:blipFill>
-          <a:blip r:embed="rId2">
-            <a:alphaModFix amt="90000"/>
-          </a:blip>
-          <a:stretch>
-            <a:fillRect/>
-          </a:stretch>
-        </p:blipFill>
+      <p:sp useBgFill="1">
+        <p:nvSpPr>
+          <p:cNvPr id="63" name="Rectangle 55">
+            <a:extLst>
+              <a:ext uri="{FF2B5EF4-FFF2-40B4-BE49-F238E27FC236}">
+                <a16:creationId xmlns:a16="http://schemas.microsoft.com/office/drawing/2014/main" id="{610334BF-0422-4A9A-BE46-AEB8C348BAC4}"/>
+              </a:ext>
+              <a:ext uri="{C183D7F6-B498-43B3-948B-1728B52AA6E4}">
+                <adec:decorative xmlns:adec="http://schemas.microsoft.com/office/drawing/2017/decorative" val="1"/>
+              </a:ext>
+            </a:extLst>
+          </p:cNvPr>
+          <p:cNvSpPr>
+            <a:spLocks noGrp="1" noRot="1" noChangeAspect="1" noMove="1" noResize="1" noEditPoints="1" noAdjustHandles="1" noChangeArrowheads="1" noChangeShapeType="1" noTextEdit="1"/>
+          </p:cNvSpPr>
+          <p:nvPr>
+            <p:extLst>
+              <p:ext uri="{386F3935-93C4-4BCD-93E2-E3B085C9AB24}">
+                <p16:designElem xmlns:p16="http://schemas.microsoft.com/office/powerpoint/2015/main" val="1"/>
+              </p:ext>
+            </p:extLst>
+          </p:nvPr>
+        </p:nvSpPr>
         <p:spPr>
           <a:xfrm>
-            <a:off x="3348319" y="561548"/>
-            <a:ext cx="7803776" cy="5774794"/>
+            <a:off x="0" y="0"/>
+            <a:ext cx="12188952" cy="6858000"/>
           </a:xfrm>
           <a:prstGeom prst="rect">
             <a:avLst/>
           </a:prstGeom>
+          <a:ln>
+            <a:noFill/>
+          </a:ln>
         </p:spPr>
-      </p:pic>
+        <p:style>
+          <a:lnRef idx="2">
+            <a:schemeClr val="accent1">
+              <a:shade val="50000"/>
+            </a:schemeClr>
+          </a:lnRef>
+          <a:fillRef idx="1">
+            <a:schemeClr val="accent1"/>
+          </a:fillRef>
+          <a:effectRef idx="0">
+            <a:schemeClr val="accent1"/>
+          </a:effectRef>
+          <a:fontRef idx="minor">
+            <a:schemeClr val="lt1"/>
+          </a:fontRef>
+        </p:style>
+        <p:txBody>
+          <a:bodyPr rtlCol="0" anchor="ctr"/>
+          <a:lstStyle/>
+          <a:p>
+            <a:pPr algn="ctr"/>
+            <a:endParaRPr lang="en-US"/>
+          </a:p>
+        </p:txBody>
+      </p:sp>
+      <p:sp>
+        <p:nvSpPr>
+          <p:cNvPr id="65" name="Rectangle 57">
+            <a:extLst>
+              <a:ext uri="{FF2B5EF4-FFF2-40B4-BE49-F238E27FC236}">
+                <a16:creationId xmlns:a16="http://schemas.microsoft.com/office/drawing/2014/main" id="{C98F2823-0279-49D8-928D-754B222533EF}"/>
+              </a:ext>
+              <a:ext uri="{C183D7F6-B498-43B3-948B-1728B52AA6E4}">
+                <adec:decorative xmlns:adec="http://schemas.microsoft.com/office/drawing/2017/decorative" val="1"/>
+              </a:ext>
+            </a:extLst>
+          </p:cNvPr>
+          <p:cNvSpPr>
+            <a:spLocks noGrp="1" noRot="1" noChangeAspect="1" noMove="1" noResize="1" noEditPoints="1" noAdjustHandles="1" noChangeArrowheads="1" noChangeShapeType="1" noTextEdit="1"/>
+          </p:cNvSpPr>
+          <p:nvPr>
+            <p:extLst>
+              <p:ext uri="{386F3935-93C4-4BCD-93E2-E3B085C9AB24}">
+                <p16:designElem xmlns:p16="http://schemas.microsoft.com/office/powerpoint/2015/main" val="1"/>
+              </p:ext>
+            </p:extLst>
+          </p:nvPr>
+        </p:nvSpPr>
+        <p:spPr>
+          <a:xfrm>
+            <a:off x="0" y="-664"/>
+            <a:ext cx="12188952" cy="6858000"/>
+          </a:xfrm>
+          <a:prstGeom prst="rect">
+            <a:avLst/>
+          </a:prstGeom>
+          <a:gradFill flip="none" rotWithShape="1">
+            <a:gsLst>
+              <a:gs pos="0">
+                <a:schemeClr val="accent2">
+                  <a:alpha val="60000"/>
+                </a:schemeClr>
+              </a:gs>
+              <a:gs pos="100000">
+                <a:schemeClr val="accent1">
+                  <a:alpha val="60000"/>
+                </a:schemeClr>
+              </a:gs>
+            </a:gsLst>
+            <a:lin ang="2700000" scaled="1"/>
+            <a:tileRect/>
+          </a:gradFill>
+          <a:ln>
+            <a:noFill/>
+          </a:ln>
+        </p:spPr>
+        <p:style>
+          <a:lnRef idx="2">
+            <a:schemeClr val="accent1">
+              <a:shade val="50000"/>
+            </a:schemeClr>
+          </a:lnRef>
+          <a:fillRef idx="1">
+            <a:schemeClr val="accent1"/>
+          </a:fillRef>
+          <a:effectRef idx="0">
+            <a:schemeClr val="accent1"/>
+          </a:effectRef>
+          <a:fontRef idx="minor">
+            <a:schemeClr val="lt1"/>
+          </a:fontRef>
+        </p:style>
+        <p:txBody>
+          <a:bodyPr rtlCol="0" anchor="ctr"/>
+          <a:lstStyle/>
+          <a:p>
+            <a:pPr algn="ctr"/>
+            <a:endParaRPr lang="en-US"/>
+          </a:p>
+        </p:txBody>
+      </p:sp>
+      <p:sp>
+        <p:nvSpPr>
+          <p:cNvPr id="60" name="Rectangle 59">
+            <a:extLst>
+              <a:ext uri="{FF2B5EF4-FFF2-40B4-BE49-F238E27FC236}">
+                <a16:creationId xmlns:a16="http://schemas.microsoft.com/office/drawing/2014/main" id="{02E45E95-311C-41C7-A882-6E43F0806865}"/>
+              </a:ext>
+              <a:ext uri="{C183D7F6-B498-43B3-948B-1728B52AA6E4}">
+                <adec:decorative xmlns:adec="http://schemas.microsoft.com/office/drawing/2017/decorative" val="1"/>
+              </a:ext>
+            </a:extLst>
+          </p:cNvPr>
+          <p:cNvSpPr>
+            <a:spLocks noGrp="1" noRot="1" noChangeAspect="1" noMove="1" noResize="1" noEditPoints="1" noAdjustHandles="1" noChangeArrowheads="1" noChangeShapeType="1" noTextEdit="1"/>
+          </p:cNvSpPr>
+          <p:nvPr>
+            <p:extLst>
+              <p:ext uri="{386F3935-93C4-4BCD-93E2-E3B085C9AB24}">
+                <p16:designElem xmlns:p16="http://schemas.microsoft.com/office/powerpoint/2015/main" val="1"/>
+              </p:ext>
+            </p:extLst>
+          </p:nvPr>
+        </p:nvSpPr>
+        <p:spPr>
+          <a:xfrm>
+            <a:off x="0" y="663"/>
+            <a:ext cx="12188952" cy="6858000"/>
+          </a:xfrm>
+          <a:prstGeom prst="rect">
+            <a:avLst/>
+          </a:prstGeom>
+          <a:solidFill>
+            <a:schemeClr val="bg2">
+              <a:alpha val="20000"/>
+            </a:schemeClr>
+          </a:solidFill>
+          <a:ln>
+            <a:noFill/>
+          </a:ln>
+        </p:spPr>
+        <p:style>
+          <a:lnRef idx="2">
+            <a:schemeClr val="accent1">
+              <a:shade val="50000"/>
+            </a:schemeClr>
+          </a:lnRef>
+          <a:fillRef idx="1">
+            <a:schemeClr val="accent1"/>
+          </a:fillRef>
+          <a:effectRef idx="0">
+            <a:schemeClr val="accent1"/>
+          </a:effectRef>
+          <a:fontRef idx="minor">
+            <a:schemeClr val="lt1"/>
+          </a:fontRef>
+        </p:style>
+        <p:txBody>
+          <a:bodyPr rtlCol="0" anchor="ctr"/>
+          <a:lstStyle/>
+          <a:p>
+            <a:pPr algn="ctr"/>
+            <a:endParaRPr lang="en-US" dirty="0"/>
+          </a:p>
+        </p:txBody>
+      </p:sp>
+      <p:sp>
+        <p:nvSpPr>
+          <p:cNvPr id="62" name="Oval 61">
+            <a:extLst>
+              <a:ext uri="{FF2B5EF4-FFF2-40B4-BE49-F238E27FC236}">
+                <a16:creationId xmlns:a16="http://schemas.microsoft.com/office/drawing/2014/main" id="{B7299D5D-ECC5-41EB-B830-C3A35FB35516}"/>
+              </a:ext>
+              <a:ext uri="{C183D7F6-B498-43B3-948B-1728B52AA6E4}">
+                <adec:decorative xmlns:adec="http://schemas.microsoft.com/office/drawing/2017/decorative" val="1"/>
+              </a:ext>
+            </a:extLst>
+          </p:cNvPr>
+          <p:cNvSpPr>
+            <a:spLocks noGrp="1" noRot="1" noChangeAspect="1" noMove="1" noResize="1" noEditPoints="1" noAdjustHandles="1" noChangeArrowheads="1" noChangeShapeType="1" noTextEdit="1"/>
+          </p:cNvSpPr>
+          <p:nvPr>
+            <p:extLst>
+              <p:ext uri="{386F3935-93C4-4BCD-93E2-E3B085C9AB24}">
+                <p16:designElem xmlns:p16="http://schemas.microsoft.com/office/powerpoint/2015/main" val="1"/>
+              </p:ext>
+            </p:extLst>
+          </p:nvPr>
+        </p:nvSpPr>
+        <p:spPr>
+          <a:xfrm rot="16200000">
+            <a:off x="2537516" y="0"/>
+            <a:ext cx="6857999" cy="6857998"/>
+          </a:xfrm>
+          <a:prstGeom prst="ellipse">
+            <a:avLst/>
+          </a:prstGeom>
+          <a:gradFill>
+            <a:gsLst>
+              <a:gs pos="0">
+                <a:schemeClr val="accent1">
+                  <a:lumMod val="20000"/>
+                  <a:lumOff val="80000"/>
+                  <a:alpha val="40000"/>
+                </a:schemeClr>
+              </a:gs>
+              <a:gs pos="100000">
+                <a:schemeClr val="accent1">
+                  <a:alpha val="40000"/>
+                </a:schemeClr>
+              </a:gs>
+            </a:gsLst>
+            <a:lin ang="2700000" scaled="1"/>
+          </a:gradFill>
+          <a:ln>
+            <a:noFill/>
+          </a:ln>
+          <a:effectLst>
+            <a:softEdge rad="520700"/>
+          </a:effectLst>
+        </p:spPr>
+        <p:style>
+          <a:lnRef idx="2">
+            <a:schemeClr val="accent1">
+              <a:shade val="50000"/>
+            </a:schemeClr>
+          </a:lnRef>
+          <a:fillRef idx="1">
+            <a:schemeClr val="accent1"/>
+          </a:fillRef>
+          <a:effectRef idx="0">
+            <a:schemeClr val="accent1"/>
+          </a:effectRef>
+          <a:fontRef idx="minor">
+            <a:schemeClr val="lt1"/>
+          </a:fontRef>
+        </p:style>
+        <p:txBody>
+          <a:bodyPr rtlCol="0" anchor="ctr"/>
+          <a:lstStyle/>
+          <a:p>
+            <a:pPr algn="ctr"/>
+            <a:endParaRPr lang="en-US" dirty="0"/>
+          </a:p>
+        </p:txBody>
+      </p:sp>
+      <p:sp>
+        <p:nvSpPr>
+          <p:cNvPr id="64" name="Oval 63">
+            <a:extLst>
+              <a:ext uri="{FF2B5EF4-FFF2-40B4-BE49-F238E27FC236}">
+                <a16:creationId xmlns:a16="http://schemas.microsoft.com/office/drawing/2014/main" id="{88C91735-5EFE-44D1-8CC6-FDF0D11B6F5D}"/>
+              </a:ext>
+              <a:ext uri="{C183D7F6-B498-43B3-948B-1728B52AA6E4}">
+                <adec:decorative xmlns:adec="http://schemas.microsoft.com/office/drawing/2017/decorative" val="1"/>
+              </a:ext>
+            </a:extLst>
+          </p:cNvPr>
+          <p:cNvSpPr>
+            <a:spLocks noGrp="1" noRot="1" noChangeAspect="1" noMove="1" noResize="1" noEditPoints="1" noAdjustHandles="1" noChangeArrowheads="1" noChangeShapeType="1" noTextEdit="1"/>
+          </p:cNvSpPr>
+          <p:nvPr>
+            <p:extLst>
+              <p:ext uri="{386F3935-93C4-4BCD-93E2-E3B085C9AB24}">
+                <p16:designElem xmlns:p16="http://schemas.microsoft.com/office/powerpoint/2015/main" val="1"/>
+              </p:ext>
+            </p:extLst>
+          </p:nvPr>
+        </p:nvSpPr>
+        <p:spPr>
+          <a:xfrm rot="16200000">
+            <a:off x="73990" y="1194074"/>
+            <a:ext cx="5589934" cy="5737916"/>
+          </a:xfrm>
+          <a:prstGeom prst="ellipse">
+            <a:avLst/>
+          </a:prstGeom>
+          <a:gradFill>
+            <a:gsLst>
+              <a:gs pos="0">
+                <a:schemeClr val="accent1">
+                  <a:alpha val="40000"/>
+                </a:schemeClr>
+              </a:gs>
+              <a:gs pos="100000">
+                <a:schemeClr val="accent5">
+                  <a:alpha val="20000"/>
+                </a:schemeClr>
+              </a:gs>
+            </a:gsLst>
+            <a:lin ang="2700000" scaled="1"/>
+          </a:gradFill>
+          <a:ln>
+            <a:noFill/>
+          </a:ln>
+          <a:effectLst>
+            <a:softEdge rad="952500"/>
+          </a:effectLst>
+        </p:spPr>
+        <p:style>
+          <a:lnRef idx="2">
+            <a:schemeClr val="accent1">
+              <a:shade val="50000"/>
+            </a:schemeClr>
+          </a:lnRef>
+          <a:fillRef idx="1">
+            <a:schemeClr val="accent1"/>
+          </a:fillRef>
+          <a:effectRef idx="0">
+            <a:schemeClr val="accent1"/>
+          </a:effectRef>
+          <a:fontRef idx="minor">
+            <a:schemeClr val="lt1"/>
+          </a:fontRef>
+        </p:style>
+        <p:txBody>
+          <a:bodyPr rtlCol="0" anchor="ctr"/>
+          <a:lstStyle/>
+          <a:p>
+            <a:pPr algn="ctr"/>
+            <a:endParaRPr lang="en-US" dirty="0"/>
+          </a:p>
+        </p:txBody>
+      </p:sp>
       <p:sp>
         <p:nvSpPr>
           <p:cNvPr id="49" name="标题 1">
@@ -6482,79 +10237,137 @@
         </p:nvSpPr>
         <p:spPr>
           <a:xfrm>
-            <a:off x="627528" y="601757"/>
-            <a:ext cx="3481121" cy="751914"/>
+            <a:off x="838201" y="1122363"/>
+            <a:ext cx="4242472" cy="2387600"/>
           </a:xfrm>
         </p:spPr>
         <p:txBody>
           <a:bodyPr vert="horz" lIns="91440" tIns="45720" rIns="91440" bIns="45720" rtlCol="0" anchor="b">
-            <a:noAutofit/>
+            <a:normAutofit/>
           </a:bodyPr>
           <a:lstStyle/>
           <a:p>
             <a:r>
-              <a:rPr lang="en-US" altLang="zh-CN" sz="2400" dirty="0">
-                <a:gradFill flip="none" rotWithShape="1">
-                  <a:gsLst>
-                    <a:gs pos="0">
-                      <a:schemeClr val="accent5">
-                        <a:alpha val="70000"/>
-                      </a:schemeClr>
-                    </a:gs>
-                    <a:gs pos="100000">
-                      <a:schemeClr val="accent1">
-                        <a:alpha val="70000"/>
-                      </a:schemeClr>
-                    </a:gs>
-                  </a:gsLst>
-                  <a:lin ang="0" scaled="1"/>
-                  <a:tileRect/>
-                </a:gradFill>
+              <a:rPr lang="en-US" altLang="zh-CN" sz="5400">
+                <a:solidFill>
+                  <a:srgbClr val="FFFFFF"/>
+                </a:solidFill>
               </a:rPr>
-              <a:t>Browser </a:t>
+              <a:t>Eventloop: Browser</a:t>
             </a:r>
-            <a:r>
-              <a:rPr lang="en-US" altLang="zh-CN" sz="2400" dirty="0" err="1">
-                <a:gradFill flip="none" rotWithShape="1">
-                  <a:gsLst>
-                    <a:gs pos="0">
-                      <a:schemeClr val="accent5">
-                        <a:alpha val="70000"/>
-                      </a:schemeClr>
-                    </a:gs>
-                    <a:gs pos="100000">
-                      <a:schemeClr val="accent1">
-                        <a:alpha val="70000"/>
-                      </a:schemeClr>
-                    </a:gs>
-                  </a:gsLst>
-                  <a:lin ang="0" scaled="1"/>
-                  <a:tileRect/>
-                </a:gradFill>
-              </a:rPr>
-              <a:t>Eventloop</a:t>
-            </a:r>
-            <a:endParaRPr lang="en-US" altLang="zh-CN" sz="2400" dirty="0">
-              <a:gradFill flip="none" rotWithShape="1">
-                <a:gsLst>
-                  <a:gs pos="0">
-                    <a:schemeClr val="accent5">
-                      <a:alpha val="70000"/>
-                    </a:schemeClr>
-                  </a:gs>
-                  <a:gs pos="100000">
-                    <a:schemeClr val="accent1">
-                      <a:alpha val="70000"/>
-                    </a:schemeClr>
-                  </a:gs>
-                </a:gsLst>
-                <a:lin ang="0" scaled="1"/>
-                <a:tileRect/>
-              </a:gradFill>
-            </a:endParaRPr>
           </a:p>
         </p:txBody>
       </p:sp>
+      <p:sp>
+        <p:nvSpPr>
+          <p:cNvPr id="66" name="Oval 65">
+            <a:extLst>
+              <a:ext uri="{FF2B5EF4-FFF2-40B4-BE49-F238E27FC236}">
+                <a16:creationId xmlns:a16="http://schemas.microsoft.com/office/drawing/2014/main" id="{D33F926C-2613-475D-AEE4-CD7D87D3BA2D}"/>
+              </a:ext>
+              <a:ext uri="{C183D7F6-B498-43B3-948B-1728B52AA6E4}">
+                <adec:decorative xmlns:adec="http://schemas.microsoft.com/office/drawing/2017/decorative" val="1"/>
+              </a:ext>
+            </a:extLst>
+          </p:cNvPr>
+          <p:cNvSpPr>
+            <a:spLocks noGrp="1" noRot="1" noChangeAspect="1" noMove="1" noResize="1" noEditPoints="1" noAdjustHandles="1" noChangeArrowheads="1" noChangeShapeType="1" noTextEdit="1"/>
+          </p:cNvSpPr>
+          <p:nvPr>
+            <p:extLst>
+              <p:ext uri="{386F3935-93C4-4BCD-93E2-E3B085C9AB24}">
+                <p16:designElem xmlns:p16="http://schemas.microsoft.com/office/powerpoint/2015/main" val="1"/>
+              </p:ext>
+            </p:extLst>
+          </p:nvPr>
+        </p:nvSpPr>
+        <p:spPr>
+          <a:xfrm rot="16200000">
+            <a:off x="6439622" y="194269"/>
+            <a:ext cx="5760743" cy="5737917"/>
+          </a:xfrm>
+          <a:prstGeom prst="ellipse">
+            <a:avLst/>
+          </a:prstGeom>
+          <a:gradFill>
+            <a:gsLst>
+              <a:gs pos="0">
+                <a:schemeClr val="accent1">
+                  <a:alpha val="20000"/>
+                </a:schemeClr>
+              </a:gs>
+              <a:gs pos="100000">
+                <a:schemeClr val="accent5">
+                  <a:alpha val="40000"/>
+                </a:schemeClr>
+              </a:gs>
+            </a:gsLst>
+            <a:lin ang="2700000" scaled="1"/>
+          </a:gradFill>
+          <a:ln>
+            <a:noFill/>
+          </a:ln>
+          <a:effectLst>
+            <a:softEdge rad="1003300"/>
+          </a:effectLst>
+        </p:spPr>
+        <p:style>
+          <a:lnRef idx="2">
+            <a:schemeClr val="accent1">
+              <a:shade val="50000"/>
+            </a:schemeClr>
+          </a:lnRef>
+          <a:fillRef idx="1">
+            <a:schemeClr val="accent1"/>
+          </a:fillRef>
+          <a:effectRef idx="0">
+            <a:schemeClr val="accent1"/>
+          </a:effectRef>
+          <a:fontRef idx="minor">
+            <a:schemeClr val="lt1"/>
+          </a:fontRef>
+        </p:style>
+        <p:txBody>
+          <a:bodyPr rtlCol="0" anchor="ctr"/>
+          <a:lstStyle/>
+          <a:p>
+            <a:pPr algn="ctr"/>
+            <a:endParaRPr lang="en-US" dirty="0"/>
+          </a:p>
+        </p:txBody>
+      </p:sp>
+      <p:pic>
+        <p:nvPicPr>
+          <p:cNvPr id="3" name="图片 2">
+            <a:extLst>
+              <a:ext uri="{FF2B5EF4-FFF2-40B4-BE49-F238E27FC236}">
+                <a16:creationId xmlns:a16="http://schemas.microsoft.com/office/drawing/2014/main" id="{AE899F8C-7050-4B39-8BDE-BC88249DDCF9}"/>
+              </a:ext>
+            </a:extLst>
+          </p:cNvPr>
+          <p:cNvPicPr>
+            <a:picLocks noChangeAspect="1"/>
+          </p:cNvPicPr>
+          <p:nvPr/>
+        </p:nvPicPr>
+        <p:blipFill>
+          <a:blip r:embed="rId2">
+            <a:alphaModFix amt="80000"/>
+          </a:blip>
+          <a:stretch>
+            <a:fillRect/>
+          </a:stretch>
+        </p:blipFill>
+        <p:spPr>
+          <a:xfrm>
+            <a:off x="5450066" y="1015733"/>
+            <a:ext cx="6261521" cy="4837025"/>
+          </a:xfrm>
+          <a:prstGeom prst="rect">
+            <a:avLst/>
+          </a:prstGeom>
+        </p:spPr>
+      </p:pic>
     </p:spTree>
     <p:extLst>
       <p:ext uri="{BB962C8B-B14F-4D97-AF65-F5344CB8AC3E}">
@@ -6568,7 +10381,7 @@
 </p:sld>
 </file>
 
-<file path=ppt/slides/slide5.xml><?xml version="1.0" encoding="utf-8"?>
+<file path=ppt/slides/slide6.xml><?xml version="1.0" encoding="utf-8"?>
 <p:sld xmlns:a="http://schemas.openxmlformats.org/drawingml/2006/main" xmlns:r="http://schemas.openxmlformats.org/officeDocument/2006/relationships" xmlns:p="http://schemas.openxmlformats.org/presentationml/2006/main">
   <p:cSld>
     <p:bg>
@@ -6749,7 +10562,7 @@
         </p:nvSpPr>
         <p:spPr>
           <a:xfrm>
-            <a:off x="838199" y="857251"/>
+            <a:off x="838199" y="581283"/>
             <a:ext cx="4876801" cy="720537"/>
           </a:xfrm>
         </p:spPr>
@@ -6760,7 +10573,7 @@
           <a:lstStyle/>
           <a:p>
             <a:r>
-              <a:rPr lang="en-US" altLang="zh-CN" sz="3200" dirty="0" err="1">
+              <a:rPr lang="en-US" altLang="zh-CN" sz="3200">
                 <a:gradFill flip="none" rotWithShape="1">
                   <a:gsLst>
                     <a:gs pos="0">
@@ -6778,49 +10591,7 @@
                   <a:tileRect/>
                 </a:gradFill>
               </a:rPr>
-              <a:t>NodeJs</a:t>
-            </a:r>
-            <a:r>
-              <a:rPr lang="en-US" altLang="zh-CN" sz="3200" dirty="0">
-                <a:gradFill flip="none" rotWithShape="1">
-                  <a:gsLst>
-                    <a:gs pos="0">
-                      <a:schemeClr val="accent5">
-                        <a:alpha val="70000"/>
-                      </a:schemeClr>
-                    </a:gs>
-                    <a:gs pos="100000">
-                      <a:schemeClr val="accent1">
-                        <a:alpha val="70000"/>
-                      </a:schemeClr>
-                    </a:gs>
-                  </a:gsLst>
-                  <a:lin ang="0" scaled="1"/>
-                  <a:tileRect/>
-                </a:gradFill>
-              </a:rPr>
-              <a:t> </a:t>
-            </a:r>
-            <a:r>
-              <a:rPr lang="en-US" altLang="zh-CN" sz="3200" dirty="0" err="1">
-                <a:gradFill flip="none" rotWithShape="1">
-                  <a:gsLst>
-                    <a:gs pos="0">
-                      <a:schemeClr val="accent5">
-                        <a:alpha val="70000"/>
-                      </a:schemeClr>
-                    </a:gs>
-                    <a:gs pos="100000">
-                      <a:schemeClr val="accent1">
-                        <a:alpha val="70000"/>
-                      </a:schemeClr>
-                    </a:gs>
-                  </a:gsLst>
-                  <a:lin ang="0" scaled="1"/>
-                  <a:tileRect/>
-                </a:gradFill>
-              </a:rPr>
-              <a:t>Eventloop</a:t>
+              <a:t>Eventloop:nodejs</a:t>
             </a:r>
             <a:endParaRPr lang="zh-CN" altLang="en-US" sz="3200" dirty="0">
               <a:gradFill flip="none" rotWithShape="1">
@@ -6861,8 +10632,8 @@
         </p:nvSpPr>
         <p:spPr>
           <a:xfrm>
-            <a:off x="838199" y="1497107"/>
-            <a:ext cx="4581526" cy="4679856"/>
+            <a:off x="838199" y="1264508"/>
+            <a:ext cx="4581526" cy="4912455"/>
           </a:xfrm>
         </p:spPr>
         <p:txBody>
@@ -6877,54 +10648,99 @@
               </a:lnSpc>
             </a:pPr>
             <a:r>
-              <a:rPr lang="en-US" sz="1600" dirty="0">
+              <a:rPr lang="en-US" sz="1600">
                 <a:solidFill>
                   <a:schemeClr val="tx1">
                     <a:alpha val="60000"/>
                   </a:schemeClr>
                 </a:solidFill>
               </a:rPr>
-              <a:t>timers: executes callbacks scheduled by </a:t>
+              <a:t>Timers</a:t>
             </a:r>
+          </a:p>
+          <a:p>
+            <a:pPr lvl="1">
+              <a:lnSpc>
+                <a:spcPct val="100000"/>
+              </a:lnSpc>
+            </a:pPr>
             <a:r>
-              <a:rPr lang="en-US" sz="1600" dirty="0" err="1">
+              <a:rPr lang="en-US" sz="1200">
                 <a:solidFill>
                   <a:schemeClr val="tx1">
                     <a:alpha val="60000"/>
                   </a:schemeClr>
                 </a:solidFill>
               </a:rPr>
-              <a:t>setTimeout</a:t>
+              <a:t>executes callbacks scheduled by setTimeout() and setInterval(), Technically, the poll phase controls when timers are executed.</a:t>
             </a:r>
+          </a:p>
+          <a:p>
+            <a:pPr>
+              <a:lnSpc>
+                <a:spcPct val="100000"/>
+              </a:lnSpc>
+            </a:pPr>
             <a:r>
-              <a:rPr lang="en-US" sz="1600" dirty="0">
+              <a:rPr lang="en-US" sz="1600">
                 <a:solidFill>
                   <a:schemeClr val="tx1">
                     <a:alpha val="60000"/>
                   </a:schemeClr>
                 </a:solidFill>
               </a:rPr>
-              <a:t>() and </a:t>
+              <a:t>Pending callbacks</a:t>
             </a:r>
+          </a:p>
+          <a:p>
+            <a:pPr lvl="1">
+              <a:lnSpc>
+                <a:spcPct val="100000"/>
+              </a:lnSpc>
+            </a:pPr>
             <a:r>
-              <a:rPr lang="en-US" sz="1600" dirty="0" err="1">
+              <a:rPr lang="en-US" sz="1200">
                 <a:solidFill>
                   <a:schemeClr val="tx1">
                     <a:alpha val="60000"/>
                   </a:schemeClr>
                 </a:solidFill>
               </a:rPr>
-              <a:t>setInterval</a:t>
+              <a:t>executes I/O callbacks deferred to the next loop iteration</a:t>
             </a:r>
+          </a:p>
+          <a:p>
+            <a:pPr>
+              <a:lnSpc>
+                <a:spcPct val="100000"/>
+              </a:lnSpc>
+            </a:pPr>
             <a:r>
-              <a:rPr lang="en-US" sz="1600" dirty="0">
+              <a:rPr lang="en-US" sz="1600">
                 <a:solidFill>
                   <a:schemeClr val="tx1">
                     <a:alpha val="60000"/>
                   </a:schemeClr>
                 </a:solidFill>
               </a:rPr>
-              <a:t>(), Technically, the poll phase controls when timers are executed.</a:t>
+              <a:t>Idle</a:t>
+            </a:r>
+          </a:p>
+          <a:p>
+            <a:pPr lvl="1">
+              <a:lnSpc>
+                <a:spcPct val="100000"/>
+              </a:lnSpc>
+            </a:pPr>
+            <a:r>
+              <a:rPr lang="en-US" sz="1200">
+                <a:solidFill>
+                  <a:schemeClr val="tx1">
+                    <a:alpha val="60000"/>
+                  </a:schemeClr>
+                </a:solidFill>
+              </a:rPr>
+              <a:t>prepare: only used internally</a:t>
             </a:r>
           </a:p>
           <a:p>
@@ -6934,14 +10750,31 @@
               </a:lnSpc>
             </a:pPr>
             <a:r>
-              <a:rPr lang="en-US" sz="1600" dirty="0">
+              <a:rPr lang="en-US" sz="1600">
                 <a:solidFill>
                   <a:schemeClr val="tx1">
                     <a:alpha val="60000"/>
                   </a:schemeClr>
                 </a:solidFill>
               </a:rPr>
-              <a:t>pending callbacks: executes I/O callbacks deferred to the next loop iteration</a:t>
+              <a:t>Poll</a:t>
+            </a:r>
+          </a:p>
+          <a:p>
+            <a:pPr lvl="1">
+              <a:lnSpc>
+                <a:spcPct val="100000"/>
+              </a:lnSpc>
+            </a:pPr>
+            <a:r>
+              <a:rPr lang="en-US" sz="1200">
+                <a:solidFill>
+                  <a:schemeClr val="tx1">
+                    <a:alpha val="60000"/>
+                  </a:schemeClr>
+                </a:solidFill>
+              </a:rPr>
+              <a:t>retrieve new I/O events; execute I/O related callbacks, node will block here when appropriate</a:t>
             </a:r>
           </a:p>
           <a:p>
@@ -6951,14 +10784,31 @@
               </a:lnSpc>
             </a:pPr>
             <a:r>
-              <a:rPr lang="en-US" sz="1600" dirty="0">
+              <a:rPr lang="en-US" sz="1600">
                 <a:solidFill>
                   <a:schemeClr val="tx1">
                     <a:alpha val="60000"/>
                   </a:schemeClr>
                 </a:solidFill>
               </a:rPr>
-              <a:t>idle, prepare: only used internally</a:t>
+              <a:t>Check</a:t>
+            </a:r>
+          </a:p>
+          <a:p>
+            <a:pPr lvl="1">
+              <a:lnSpc>
+                <a:spcPct val="100000"/>
+              </a:lnSpc>
+            </a:pPr>
+            <a:r>
+              <a:rPr lang="en-US" sz="1200">
+                <a:solidFill>
+                  <a:schemeClr val="tx1">
+                    <a:alpha val="60000"/>
+                  </a:schemeClr>
+                </a:solidFill>
+              </a:rPr>
+              <a:t>setImmediate() callbacks</a:t>
             </a:r>
           </a:p>
           <a:p>
@@ -6968,69 +10818,39 @@
               </a:lnSpc>
             </a:pPr>
             <a:r>
-              <a:rPr lang="en-US" sz="1600" dirty="0">
+              <a:rPr lang="en-US" sz="1600">
                 <a:solidFill>
                   <a:schemeClr val="tx1">
                     <a:alpha val="60000"/>
                   </a:schemeClr>
                 </a:solidFill>
               </a:rPr>
-              <a:t>poll: retrieve new I/O events; execute I/O related callbacks, node will block here when appropriate</a:t>
+              <a:t>close callbacks</a:t>
             </a:r>
           </a:p>
           <a:p>
-            <a:pPr>
+            <a:pPr lvl="1">
               <a:lnSpc>
                 <a:spcPct val="100000"/>
               </a:lnSpc>
             </a:pPr>
             <a:r>
-              <a:rPr lang="en-US" sz="1600" dirty="0">
+              <a:rPr lang="en-US" sz="1200">
                 <a:solidFill>
                   <a:schemeClr val="tx1">
                     <a:alpha val="60000"/>
                   </a:schemeClr>
                 </a:solidFill>
               </a:rPr>
-              <a:t>check: </a:t>
+              <a:t>some close callbacks,</a:t>
             </a:r>
-            <a:r>
-              <a:rPr lang="en-US" sz="1600" dirty="0" err="1">
-                <a:solidFill>
-                  <a:schemeClr val="tx1">
-                    <a:alpha val="60000"/>
-                  </a:schemeClr>
-                </a:solidFill>
-              </a:rPr>
-              <a:t>setImmediate</a:t>
-            </a:r>
-            <a:r>
-              <a:rPr lang="en-US" sz="1600" dirty="0">
-                <a:solidFill>
-                  <a:schemeClr val="tx1">
-                    <a:alpha val="60000"/>
-                  </a:schemeClr>
-                </a:solidFill>
-              </a:rPr>
-              <a:t>() callbacks</a:t>
-            </a:r>
-          </a:p>
-          <a:p>
-            <a:pPr>
-              <a:lnSpc>
-                <a:spcPct val="100000"/>
-              </a:lnSpc>
-            </a:pPr>
-            <a:r>
-              <a:rPr lang="en-US" sz="1600" dirty="0">
-                <a:solidFill>
-                  <a:schemeClr val="tx1">
-                    <a:alpha val="60000"/>
-                  </a:schemeClr>
-                </a:solidFill>
-              </a:rPr>
-              <a:t>close callbacks: some close callbacks,</a:t>
-            </a:r>
+            <a:endParaRPr lang="en-US" sz="1200" dirty="0">
+              <a:solidFill>
+                <a:schemeClr val="tx1">
+                  <a:alpha val="60000"/>
+                </a:schemeClr>
+              </a:solidFill>
+            </a:endParaRPr>
           </a:p>
         </p:txBody>
       </p:sp>
@@ -7076,7 +10896,7 @@
 </p:sld>
 </file>
 
-<file path=ppt/slides/slide6.xml><?xml version="1.0" encoding="utf-8"?>
+<file path=ppt/slides/slide7.xml><?xml version="1.0" encoding="utf-8"?>
 <p:sld xmlns:a="http://schemas.openxmlformats.org/drawingml/2006/main" xmlns:r="http://schemas.openxmlformats.org/officeDocument/2006/relationships" xmlns:p="http://schemas.openxmlformats.org/presentationml/2006/main">
   <p:cSld>
     <p:bg>
@@ -7103,7 +10923,7 @@
       </p:grpSpPr>
       <p:sp>
         <p:nvSpPr>
-          <p:cNvPr id="19" name="Frame 18">
+          <p:cNvPr id="26" name="Frame 25">
             <a:extLst>
               <a:ext uri="{FF2B5EF4-FFF2-40B4-BE49-F238E27FC236}">
                 <a16:creationId xmlns:a16="http://schemas.microsoft.com/office/drawing/2014/main" id="{DD7EAFE6-2BB9-41FB-9CF4-588CFC708774}"/>
@@ -7181,10 +11001,10 @@
       </p:sp>
       <p:sp useBgFill="1">
         <p:nvSpPr>
-          <p:cNvPr id="21" name="Rectangle 20">
-            <a:extLst>
-              <a:ext uri="{FF2B5EF4-FFF2-40B4-BE49-F238E27FC236}">
-                <a16:creationId xmlns:a16="http://schemas.microsoft.com/office/drawing/2014/main" id="{8C37C960-91F5-4F61-B2CD-8A037920720B}"/>
+          <p:cNvPr id="28" name="Rectangle 27">
+            <a:extLst>
+              <a:ext uri="{FF2B5EF4-FFF2-40B4-BE49-F238E27FC236}">
+                <a16:creationId xmlns:a16="http://schemas.microsoft.com/office/drawing/2014/main" id="{610334BF-0422-4A9A-BE46-AEB8C348BAC4}"/>
               </a:ext>
               <a:ext uri="{C183D7F6-B498-43B3-948B-1728B52AA6E4}">
                 <adec:decorative xmlns:adec="http://schemas.microsoft.com/office/drawing/2017/decorative" val="1"/>
@@ -7241,6 +11061,305 @@
       </p:sp>
       <p:sp>
         <p:nvSpPr>
+          <p:cNvPr id="30" name="Rectangle 29">
+            <a:extLst>
+              <a:ext uri="{FF2B5EF4-FFF2-40B4-BE49-F238E27FC236}">
+                <a16:creationId xmlns:a16="http://schemas.microsoft.com/office/drawing/2014/main" id="{C98F2823-0279-49D8-928D-754B222533EF}"/>
+              </a:ext>
+              <a:ext uri="{C183D7F6-B498-43B3-948B-1728B52AA6E4}">
+                <adec:decorative xmlns:adec="http://schemas.microsoft.com/office/drawing/2017/decorative" val="1"/>
+              </a:ext>
+            </a:extLst>
+          </p:cNvPr>
+          <p:cNvSpPr>
+            <a:spLocks noGrp="1" noRot="1" noChangeAspect="1" noMove="1" noResize="1" noEditPoints="1" noAdjustHandles="1" noChangeArrowheads="1" noChangeShapeType="1" noTextEdit="1"/>
+          </p:cNvSpPr>
+          <p:nvPr>
+            <p:extLst>
+              <p:ext uri="{386F3935-93C4-4BCD-93E2-E3B085C9AB24}">
+                <p16:designElem xmlns:p16="http://schemas.microsoft.com/office/powerpoint/2015/main" val="1"/>
+              </p:ext>
+            </p:extLst>
+          </p:nvPr>
+        </p:nvSpPr>
+        <p:spPr>
+          <a:xfrm>
+            <a:off x="0" y="-664"/>
+            <a:ext cx="12188952" cy="6858000"/>
+          </a:xfrm>
+          <a:prstGeom prst="rect">
+            <a:avLst/>
+          </a:prstGeom>
+          <a:gradFill flip="none" rotWithShape="1">
+            <a:gsLst>
+              <a:gs pos="0">
+                <a:schemeClr val="accent2">
+                  <a:alpha val="60000"/>
+                </a:schemeClr>
+              </a:gs>
+              <a:gs pos="100000">
+                <a:schemeClr val="accent1">
+                  <a:alpha val="60000"/>
+                </a:schemeClr>
+              </a:gs>
+            </a:gsLst>
+            <a:lin ang="2700000" scaled="1"/>
+            <a:tileRect/>
+          </a:gradFill>
+          <a:ln>
+            <a:noFill/>
+          </a:ln>
+        </p:spPr>
+        <p:style>
+          <a:lnRef idx="2">
+            <a:schemeClr val="accent1">
+              <a:shade val="50000"/>
+            </a:schemeClr>
+          </a:lnRef>
+          <a:fillRef idx="1">
+            <a:schemeClr val="accent1"/>
+          </a:fillRef>
+          <a:effectRef idx="0">
+            <a:schemeClr val="accent1"/>
+          </a:effectRef>
+          <a:fontRef idx="minor">
+            <a:schemeClr val="lt1"/>
+          </a:fontRef>
+        </p:style>
+        <p:txBody>
+          <a:bodyPr rtlCol="0" anchor="ctr"/>
+          <a:lstStyle/>
+          <a:p>
+            <a:pPr algn="ctr"/>
+            <a:endParaRPr lang="en-US"/>
+          </a:p>
+        </p:txBody>
+      </p:sp>
+      <p:sp>
+        <p:nvSpPr>
+          <p:cNvPr id="32" name="Rectangle 31">
+            <a:extLst>
+              <a:ext uri="{FF2B5EF4-FFF2-40B4-BE49-F238E27FC236}">
+                <a16:creationId xmlns:a16="http://schemas.microsoft.com/office/drawing/2014/main" id="{02E45E95-311C-41C7-A882-6E43F0806865}"/>
+              </a:ext>
+              <a:ext uri="{C183D7F6-B498-43B3-948B-1728B52AA6E4}">
+                <adec:decorative xmlns:adec="http://schemas.microsoft.com/office/drawing/2017/decorative" val="1"/>
+              </a:ext>
+            </a:extLst>
+          </p:cNvPr>
+          <p:cNvSpPr>
+            <a:spLocks noGrp="1" noRot="1" noChangeAspect="1" noMove="1" noResize="1" noEditPoints="1" noAdjustHandles="1" noChangeArrowheads="1" noChangeShapeType="1" noTextEdit="1"/>
+          </p:cNvSpPr>
+          <p:nvPr>
+            <p:extLst>
+              <p:ext uri="{386F3935-93C4-4BCD-93E2-E3B085C9AB24}">
+                <p16:designElem xmlns:p16="http://schemas.microsoft.com/office/powerpoint/2015/main" val="1"/>
+              </p:ext>
+            </p:extLst>
+          </p:nvPr>
+        </p:nvSpPr>
+        <p:spPr>
+          <a:xfrm>
+            <a:off x="0" y="663"/>
+            <a:ext cx="12188952" cy="6858000"/>
+          </a:xfrm>
+          <a:prstGeom prst="rect">
+            <a:avLst/>
+          </a:prstGeom>
+          <a:solidFill>
+            <a:schemeClr val="bg2">
+              <a:alpha val="20000"/>
+            </a:schemeClr>
+          </a:solidFill>
+          <a:ln>
+            <a:noFill/>
+          </a:ln>
+        </p:spPr>
+        <p:style>
+          <a:lnRef idx="2">
+            <a:schemeClr val="accent1">
+              <a:shade val="50000"/>
+            </a:schemeClr>
+          </a:lnRef>
+          <a:fillRef idx="1">
+            <a:schemeClr val="accent1"/>
+          </a:fillRef>
+          <a:effectRef idx="0">
+            <a:schemeClr val="accent1"/>
+          </a:effectRef>
+          <a:fontRef idx="minor">
+            <a:schemeClr val="lt1"/>
+          </a:fontRef>
+        </p:style>
+        <p:txBody>
+          <a:bodyPr rtlCol="0" anchor="ctr"/>
+          <a:lstStyle/>
+          <a:p>
+            <a:pPr algn="ctr"/>
+            <a:endParaRPr lang="en-US" dirty="0"/>
+          </a:p>
+        </p:txBody>
+      </p:sp>
+      <p:sp>
+        <p:nvSpPr>
+          <p:cNvPr id="34" name="Oval 33">
+            <a:extLst>
+              <a:ext uri="{FF2B5EF4-FFF2-40B4-BE49-F238E27FC236}">
+                <a16:creationId xmlns:a16="http://schemas.microsoft.com/office/drawing/2014/main" id="{B7299D5D-ECC5-41EB-B830-C3A35FB35516}"/>
+              </a:ext>
+              <a:ext uri="{C183D7F6-B498-43B3-948B-1728B52AA6E4}">
+                <adec:decorative xmlns:adec="http://schemas.microsoft.com/office/drawing/2017/decorative" val="1"/>
+              </a:ext>
+            </a:extLst>
+          </p:cNvPr>
+          <p:cNvSpPr>
+            <a:spLocks noGrp="1" noRot="1" noChangeAspect="1" noMove="1" noResize="1" noEditPoints="1" noAdjustHandles="1" noChangeArrowheads="1" noChangeShapeType="1" noTextEdit="1"/>
+          </p:cNvSpPr>
+          <p:nvPr>
+            <p:extLst>
+              <p:ext uri="{386F3935-93C4-4BCD-93E2-E3B085C9AB24}">
+                <p16:designElem xmlns:p16="http://schemas.microsoft.com/office/powerpoint/2015/main" val="1"/>
+              </p:ext>
+            </p:extLst>
+          </p:nvPr>
+        </p:nvSpPr>
+        <p:spPr>
+          <a:xfrm rot="16200000">
+            <a:off x="2537516" y="0"/>
+            <a:ext cx="6857999" cy="6857998"/>
+          </a:xfrm>
+          <a:prstGeom prst="ellipse">
+            <a:avLst/>
+          </a:prstGeom>
+          <a:gradFill>
+            <a:gsLst>
+              <a:gs pos="0">
+                <a:schemeClr val="accent1">
+                  <a:lumMod val="20000"/>
+                  <a:lumOff val="80000"/>
+                  <a:alpha val="40000"/>
+                </a:schemeClr>
+              </a:gs>
+              <a:gs pos="100000">
+                <a:schemeClr val="accent1">
+                  <a:alpha val="40000"/>
+                </a:schemeClr>
+              </a:gs>
+            </a:gsLst>
+            <a:lin ang="2700000" scaled="1"/>
+          </a:gradFill>
+          <a:ln>
+            <a:noFill/>
+          </a:ln>
+          <a:effectLst>
+            <a:softEdge rad="520700"/>
+          </a:effectLst>
+        </p:spPr>
+        <p:style>
+          <a:lnRef idx="2">
+            <a:schemeClr val="accent1">
+              <a:shade val="50000"/>
+            </a:schemeClr>
+          </a:lnRef>
+          <a:fillRef idx="1">
+            <a:schemeClr val="accent1"/>
+          </a:fillRef>
+          <a:effectRef idx="0">
+            <a:schemeClr val="accent1"/>
+          </a:effectRef>
+          <a:fontRef idx="minor">
+            <a:schemeClr val="lt1"/>
+          </a:fontRef>
+        </p:style>
+        <p:txBody>
+          <a:bodyPr rtlCol="0" anchor="ctr"/>
+          <a:lstStyle/>
+          <a:p>
+            <a:pPr algn="ctr"/>
+            <a:endParaRPr lang="en-US" dirty="0"/>
+          </a:p>
+        </p:txBody>
+      </p:sp>
+      <p:sp>
+        <p:nvSpPr>
+          <p:cNvPr id="36" name="Oval 35">
+            <a:extLst>
+              <a:ext uri="{FF2B5EF4-FFF2-40B4-BE49-F238E27FC236}">
+                <a16:creationId xmlns:a16="http://schemas.microsoft.com/office/drawing/2014/main" id="{88C91735-5EFE-44D1-8CC6-FDF0D11B6F5D}"/>
+              </a:ext>
+              <a:ext uri="{C183D7F6-B498-43B3-948B-1728B52AA6E4}">
+                <adec:decorative xmlns:adec="http://schemas.microsoft.com/office/drawing/2017/decorative" val="1"/>
+              </a:ext>
+            </a:extLst>
+          </p:cNvPr>
+          <p:cNvSpPr>
+            <a:spLocks noGrp="1" noRot="1" noChangeAspect="1" noMove="1" noResize="1" noEditPoints="1" noAdjustHandles="1" noChangeArrowheads="1" noChangeShapeType="1" noTextEdit="1"/>
+          </p:cNvSpPr>
+          <p:nvPr>
+            <p:extLst>
+              <p:ext uri="{386F3935-93C4-4BCD-93E2-E3B085C9AB24}">
+                <p16:designElem xmlns:p16="http://schemas.microsoft.com/office/powerpoint/2015/main" val="1"/>
+              </p:ext>
+            </p:extLst>
+          </p:nvPr>
+        </p:nvSpPr>
+        <p:spPr>
+          <a:xfrm rot="16200000">
+            <a:off x="73990" y="1194074"/>
+            <a:ext cx="5589934" cy="5737916"/>
+          </a:xfrm>
+          <a:prstGeom prst="ellipse">
+            <a:avLst/>
+          </a:prstGeom>
+          <a:gradFill>
+            <a:gsLst>
+              <a:gs pos="0">
+                <a:schemeClr val="accent1">
+                  <a:alpha val="40000"/>
+                </a:schemeClr>
+              </a:gs>
+              <a:gs pos="100000">
+                <a:schemeClr val="accent5">
+                  <a:alpha val="20000"/>
+                </a:schemeClr>
+              </a:gs>
+            </a:gsLst>
+            <a:lin ang="2700000" scaled="1"/>
+          </a:gradFill>
+          <a:ln>
+            <a:noFill/>
+          </a:ln>
+          <a:effectLst>
+            <a:softEdge rad="952500"/>
+          </a:effectLst>
+        </p:spPr>
+        <p:style>
+          <a:lnRef idx="2">
+            <a:schemeClr val="accent1">
+              <a:shade val="50000"/>
+            </a:schemeClr>
+          </a:lnRef>
+          <a:fillRef idx="1">
+            <a:schemeClr val="accent1"/>
+          </a:fillRef>
+          <a:effectRef idx="0">
+            <a:schemeClr val="accent1"/>
+          </a:effectRef>
+          <a:fontRef idx="minor">
+            <a:schemeClr val="lt1"/>
+          </a:fontRef>
+        </p:style>
+        <p:txBody>
+          <a:bodyPr rtlCol="0" anchor="ctr"/>
+          <a:lstStyle/>
+          <a:p>
+            <a:pPr algn="ctr"/>
+            <a:endParaRPr lang="en-US" dirty="0"/>
+          </a:p>
+        </p:txBody>
+      </p:sp>
+      <p:sp>
+        <p:nvSpPr>
           <p:cNvPr id="2" name="标题 1">
             <a:extLst>
               <a:ext uri="{FF2B5EF4-FFF2-40B4-BE49-F238E27FC236}">
@@ -7257,58 +11376,102 @@
         </p:nvSpPr>
         <p:spPr>
           <a:xfrm>
-            <a:off x="286871" y="324505"/>
-            <a:ext cx="4195482" cy="607825"/>
+            <a:off x="838201" y="1122363"/>
+            <a:ext cx="4242472" cy="2387600"/>
           </a:xfrm>
         </p:spPr>
         <p:txBody>
           <a:bodyPr vert="horz" lIns="91440" tIns="45720" rIns="91440" bIns="45720" rtlCol="0" anchor="b">
-            <a:noAutofit/>
+            <a:normAutofit/>
           </a:bodyPr>
           <a:lstStyle/>
           <a:p>
             <a:r>
-              <a:rPr lang="en-US" altLang="zh-CN" sz="2400" dirty="0" err="1">
-                <a:gradFill flip="none" rotWithShape="1">
-                  <a:gsLst>
-                    <a:gs pos="0">
-                      <a:schemeClr val="accent5">
-                        <a:alpha val="70000"/>
-                      </a:schemeClr>
-                    </a:gs>
-                    <a:gs pos="100000">
-                      <a:schemeClr val="accent1">
-                        <a:alpha val="70000"/>
-                      </a:schemeClr>
-                    </a:gs>
-                  </a:gsLst>
-                  <a:lin ang="0" scaled="1"/>
-                  <a:tileRect/>
-                </a:gradFill>
+              <a:rPr lang="en-US" altLang="zh-CN" sz="5400">
+                <a:solidFill>
+                  <a:srgbClr val="FFFFFF"/>
+                </a:solidFill>
               </a:rPr>
-              <a:t>Eventloop</a:t>
+              <a:t>Eventloop of Nodejs</a:t>
             </a:r>
-            <a:r>
-              <a:rPr lang="en-US" altLang="zh-CN" sz="2400" dirty="0">
-                <a:gradFill flip="none" rotWithShape="1">
-                  <a:gsLst>
-                    <a:gs pos="0">
-                      <a:schemeClr val="accent5">
-                        <a:alpha val="70000"/>
-                      </a:schemeClr>
-                    </a:gs>
-                    <a:gs pos="100000">
-                      <a:schemeClr val="accent1">
-                        <a:alpha val="70000"/>
-                      </a:schemeClr>
-                    </a:gs>
-                  </a:gsLst>
-                  <a:lin ang="0" scaled="1"/>
-                  <a:tileRect/>
-                </a:gradFill>
-              </a:rPr>
-              <a:t> of Nodejs</a:t>
-            </a:r>
+          </a:p>
+        </p:txBody>
+      </p:sp>
+      <p:sp>
+        <p:nvSpPr>
+          <p:cNvPr id="38" name="Oval 37">
+            <a:extLst>
+              <a:ext uri="{FF2B5EF4-FFF2-40B4-BE49-F238E27FC236}">
+                <a16:creationId xmlns:a16="http://schemas.microsoft.com/office/drawing/2014/main" id="{D33F926C-2613-475D-AEE4-CD7D87D3BA2D}"/>
+              </a:ext>
+              <a:ext uri="{C183D7F6-B498-43B3-948B-1728B52AA6E4}">
+                <adec:decorative xmlns:adec="http://schemas.microsoft.com/office/drawing/2017/decorative" val="1"/>
+              </a:ext>
+            </a:extLst>
+          </p:cNvPr>
+          <p:cNvSpPr>
+            <a:spLocks noGrp="1" noRot="1" noChangeAspect="1" noMove="1" noResize="1" noEditPoints="1" noAdjustHandles="1" noChangeArrowheads="1" noChangeShapeType="1" noTextEdit="1"/>
+          </p:cNvSpPr>
+          <p:nvPr>
+            <p:extLst>
+              <p:ext uri="{386F3935-93C4-4BCD-93E2-E3B085C9AB24}">
+                <p16:designElem xmlns:p16="http://schemas.microsoft.com/office/powerpoint/2015/main" val="1"/>
+              </p:ext>
+            </p:extLst>
+          </p:nvPr>
+        </p:nvSpPr>
+        <p:spPr>
+          <a:xfrm rot="16200000">
+            <a:off x="6439622" y="194269"/>
+            <a:ext cx="5760743" cy="5737917"/>
+          </a:xfrm>
+          <a:prstGeom prst="ellipse">
+            <a:avLst/>
+          </a:prstGeom>
+          <a:gradFill>
+            <a:gsLst>
+              <a:gs pos="0">
+                <a:schemeClr val="accent1">
+                  <a:alpha val="20000"/>
+                </a:schemeClr>
+              </a:gs>
+              <a:gs pos="100000">
+                <a:schemeClr val="accent5">
+                  <a:alpha val="40000"/>
+                </a:schemeClr>
+              </a:gs>
+            </a:gsLst>
+            <a:lin ang="2700000" scaled="1"/>
+          </a:gradFill>
+          <a:ln>
+            <a:noFill/>
+          </a:ln>
+          <a:effectLst>
+            <a:softEdge rad="1003300"/>
+          </a:effectLst>
+        </p:spPr>
+        <p:style>
+          <a:lnRef idx="2">
+            <a:schemeClr val="accent1">
+              <a:shade val="50000"/>
+            </a:schemeClr>
+          </a:lnRef>
+          <a:fillRef idx="1">
+            <a:schemeClr val="accent1"/>
+          </a:fillRef>
+          <a:effectRef idx="0">
+            <a:schemeClr val="accent1"/>
+          </a:effectRef>
+          <a:fontRef idx="minor">
+            <a:schemeClr val="lt1"/>
+          </a:fontRef>
+        </p:style>
+        <p:txBody>
+          <a:bodyPr rtlCol="0" anchor="ctr"/>
+          <a:lstStyle/>
+          <a:p>
+            <a:pPr algn="ctr"/>
+            <a:endParaRPr lang="en-US" dirty="0"/>
           </a:p>
         </p:txBody>
       </p:sp>
@@ -7328,15 +11491,15 @@
         </p:nvPicPr>
         <p:blipFill rotWithShape="1">
           <a:blip r:embed="rId2">
-            <a:alphaModFix amt="90000"/>
+            <a:alphaModFix amt="80000"/>
           </a:blip>
           <a:srcRect l="2474" r="3206"/>
           <a:stretch/>
         </p:blipFill>
         <p:spPr>
           <a:xfrm>
-            <a:off x="3063519" y="1578347"/>
-            <a:ext cx="8033352" cy="4257676"/>
+            <a:off x="5450066" y="1675019"/>
+            <a:ext cx="6261521" cy="3518454"/>
           </a:xfrm>
           <a:prstGeom prst="rect">
             <a:avLst/>
@@ -7356,7 +11519,7 @@
 </p:sld>
 </file>
 
-<file path=ppt/slides/slide7.xml><?xml version="1.0" encoding="utf-8"?>
+<file path=ppt/slides/slide8.xml><?xml version="1.0" encoding="utf-8"?>
 <p:sld xmlns:a="http://schemas.openxmlformats.org/drawingml/2006/main" xmlns:r="http://schemas.openxmlformats.org/officeDocument/2006/relationships" xmlns:p="http://schemas.openxmlformats.org/presentationml/2006/main">
   <p:cSld>
     <p:spTree>
@@ -7452,7 +11615,7 @@
                   <a:schemeClr val="tx1"/>
                 </a:solidFill>
               </a:rPr>
-              <a:t>If scheduled by </a:t>
+              <a:t>If there’s tasks scheduled by </a:t>
             </a:r>
             <a:r>
               <a:rPr lang="en-US" altLang="zh-CN" dirty="0" err="1">
@@ -7468,18 +11631,7 @@
                   <a:schemeClr val="tx1"/>
                 </a:solidFill>
               </a:rPr>
-              <a:t>(), the event loop will end the poll phase and continue</a:t>
-            </a:r>
-          </a:p>
-          <a:p>
-            <a:pPr lvl="1"/>
-            <a:r>
-              <a:rPr lang="en-US" altLang="zh-CN" dirty="0">
-                <a:solidFill>
-                  <a:schemeClr val="tx1"/>
-                </a:solidFill>
-              </a:rPr>
-              <a:t>Or it will wait at poll phase for </a:t>
+              <a:t>(), the event loop will end the poll phase and continue </a:t>
             </a:r>
           </a:p>
           <a:p>
@@ -7541,7 +11693,7 @@
 </p:sld>
 </file>
 
-<file path=ppt/slides/slide8.xml><?xml version="1.0" encoding="utf-8"?>
+<file path=ppt/slides/slide9.xml><?xml version="1.0" encoding="utf-8"?>
 <p:sld xmlns:a="http://schemas.openxmlformats.org/drawingml/2006/main" xmlns:r="http://schemas.openxmlformats.org/officeDocument/2006/relationships" xmlns:p="http://schemas.openxmlformats.org/presentationml/2006/main">
   <p:cSld>
     <p:spTree>
@@ -7558,138 +11710,40 @@
           <a:chExt cx="0" cy="0"/>
         </a:xfrm>
       </p:grpSpPr>
-      <p:sp>
-        <p:nvSpPr>
-          <p:cNvPr id="2" name="标题 1">
-            <a:extLst>
-              <a:ext uri="{FF2B5EF4-FFF2-40B4-BE49-F238E27FC236}">
-                <a16:creationId xmlns:a16="http://schemas.microsoft.com/office/drawing/2014/main" id="{6C117384-8706-4083-A82A-B5192244FA1A}"/>
-              </a:ext>
-            </a:extLst>
-          </p:cNvPr>
-          <p:cNvSpPr>
-            <a:spLocks noGrp="1"/>
-          </p:cNvSpPr>
-          <p:nvPr>
-            <p:ph type="title"/>
-          </p:nvPr>
-        </p:nvSpPr>
-        <p:spPr/>
-        <p:txBody>
-          <a:bodyPr/>
-          <a:lstStyle/>
-          <a:p>
-            <a:r>
-              <a:rPr lang="en-US" altLang="zh-CN" dirty="0"/>
-              <a:t>Best Practice</a:t>
-            </a:r>
-            <a:endParaRPr lang="zh-CN" altLang="en-US" dirty="0"/>
-          </a:p>
-        </p:txBody>
-      </p:sp>
-      <p:sp>
-        <p:nvSpPr>
-          <p:cNvPr id="3" name="内容占位符 2">
-            <a:extLst>
-              <a:ext uri="{FF2B5EF4-FFF2-40B4-BE49-F238E27FC236}">
-                <a16:creationId xmlns:a16="http://schemas.microsoft.com/office/drawing/2014/main" id="{5A8B3137-5D3D-4B7D-BA22-9E5CCDFFC3BA}"/>
-              </a:ext>
-            </a:extLst>
-          </p:cNvPr>
-          <p:cNvSpPr>
-            <a:spLocks noGrp="1"/>
-          </p:cNvSpPr>
-          <p:nvPr>
-            <p:ph idx="1"/>
-          </p:nvPr>
-        </p:nvSpPr>
-        <p:spPr/>
-        <p:txBody>
-          <a:bodyPr/>
-          <a:lstStyle/>
-          <a:p>
-            <a:r>
-              <a:rPr lang="en-US" altLang="zh-CN" dirty="0"/>
-              <a:t>Avoid heavy calculation</a:t>
-            </a:r>
-          </a:p>
-          <a:p>
-            <a:r>
-              <a:rPr lang="en-US" altLang="zh-CN" dirty="0"/>
-              <a:t>Call </a:t>
-            </a:r>
-            <a:r>
-              <a:rPr lang="en-US" altLang="zh-CN" dirty="0" err="1"/>
-              <a:t>nextTick</a:t>
-            </a:r>
-            <a:r>
-              <a:rPr lang="en-US" altLang="zh-CN" dirty="0"/>
-              <a:t> and Promise recursively may cause blocking</a:t>
-            </a:r>
-          </a:p>
-          <a:p>
-            <a:r>
-              <a:rPr lang="en-US" altLang="zh-CN" dirty="0"/>
-              <a:t>Some same-purpose </a:t>
-            </a:r>
-            <a:r>
-              <a:rPr lang="en-US" altLang="zh-CN" dirty="0" err="1"/>
-              <a:t>apis</a:t>
-            </a:r>
-            <a:r>
-              <a:rPr lang="en-US" altLang="zh-CN" dirty="0"/>
-              <a:t> may have different behavior</a:t>
-            </a:r>
-          </a:p>
-          <a:p>
-            <a:pPr lvl="1"/>
-            <a:r>
-              <a:rPr lang="en-US" altLang="zh-CN" dirty="0"/>
-              <a:t>E.g. </a:t>
-            </a:r>
-            <a:r>
-              <a:rPr lang="en-US" altLang="zh-CN" dirty="0" err="1"/>
-              <a:t>dns.lookup</a:t>
-            </a:r>
-            <a:r>
-              <a:rPr lang="en-US" altLang="zh-CN" dirty="0"/>
-              <a:t> vs </a:t>
-            </a:r>
-            <a:r>
-              <a:rPr lang="en-US" altLang="zh-CN" dirty="0" err="1"/>
-              <a:t>dns.resolve</a:t>
-            </a:r>
-            <a:endParaRPr lang="en-US" altLang="zh-CN" dirty="0"/>
-          </a:p>
-          <a:p>
-            <a:r>
-              <a:rPr lang="en-US" altLang="zh-CN" dirty="0"/>
-              <a:t>Thread pool issue</a:t>
-            </a:r>
-          </a:p>
-          <a:p>
-            <a:r>
-              <a:rPr lang="en-US" altLang="zh-CN" dirty="0"/>
-              <a:t>Use </a:t>
-            </a:r>
-            <a:r>
-              <a:rPr lang="en-US" altLang="zh-CN" dirty="0" err="1"/>
-              <a:t>css</a:t>
-            </a:r>
-            <a:r>
-              <a:rPr lang="en-US" altLang="zh-CN" dirty="0"/>
-              <a:t> animation if possible</a:t>
-            </a:r>
-          </a:p>
-          <a:p>
-            <a:endParaRPr lang="zh-CN" altLang="en-US" dirty="0"/>
-          </a:p>
-        </p:txBody>
-      </p:sp>
+      <p:pic>
+        <p:nvPicPr>
+          <p:cNvPr id="5" name="图片 4">
+            <a:extLst>
+              <a:ext uri="{FF2B5EF4-FFF2-40B4-BE49-F238E27FC236}">
+                <a16:creationId xmlns:a16="http://schemas.microsoft.com/office/drawing/2014/main" id="{A5500901-A368-40FB-9438-0A15B2FF8DF2}"/>
+              </a:ext>
+            </a:extLst>
+          </p:cNvPr>
+          <p:cNvPicPr>
+            <a:picLocks noChangeAspect="1"/>
+          </p:cNvPicPr>
+          <p:nvPr/>
+        </p:nvPicPr>
+        <p:blipFill>
+          <a:blip r:embed="rId2"/>
+          <a:stretch>
+            <a:fillRect/>
+          </a:stretch>
+        </p:blipFill>
+        <p:spPr>
+          <a:xfrm>
+            <a:off x="1691845" y="546192"/>
+            <a:ext cx="8766023" cy="5777606"/>
+          </a:xfrm>
+          <a:prstGeom prst="rect">
+            <a:avLst/>
+          </a:prstGeom>
+        </p:spPr>
+      </p:pic>
     </p:spTree>
     <p:extLst>
       <p:ext uri="{BB962C8B-B14F-4D97-AF65-F5344CB8AC3E}">
-        <p14:creationId xmlns:p14="http://schemas.microsoft.com/office/powerpoint/2010/main" val="3465741518"/>
+        <p14:creationId xmlns:p14="http://schemas.microsoft.com/office/powerpoint/2010/main" val="232473623"/>
       </p:ext>
     </p:extLst>
   </p:cSld>

--- a/eventloop.pptx
+++ b/eventloop.pptx
@@ -17,6 +17,7 @@
     <p:sldId id="267" r:id="rId11"/>
     <p:sldId id="268" r:id="rId12"/>
     <p:sldId id="269" r:id="rId13"/>
+    <p:sldId id="271" r:id="rId14"/>
   </p:sldIdLst>
   <p:sldSz cx="12192000" cy="6858000"/>
   <p:notesSz cx="6858000" cy="9144000"/>
@@ -135,970 +136,6 @@
 <file path=ppt/changesInfos/changesInfo1.xml><?xml version="1.0" encoding="utf-8"?>
 <pc:chgInfo xmlns:a="http://schemas.openxmlformats.org/drawingml/2006/main" xmlns:r="http://schemas.openxmlformats.org/officeDocument/2006/relationships" xmlns:ac="http://schemas.microsoft.com/office/drawing/2013/main/command" xmlns:pc="http://schemas.microsoft.com/office/powerpoint/2013/main/command">
   <pc:docChgLst>
-    <pc:chgData name="qin yang" userId="63999d83fc6661ca" providerId="LiveId" clId="{25962BF9-3915-4843-9028-566ECA26CE24}"/>
-    <pc:docChg chg="undo custSel addSld delSld modSld sldOrd">
-      <pc:chgData name="qin yang" userId="63999d83fc6661ca" providerId="LiveId" clId="{25962BF9-3915-4843-9028-566ECA26CE24}" dt="2022-03-15T13:38:35.102" v="564" actId="1076"/>
-      <pc:docMkLst>
-        <pc:docMk/>
-      </pc:docMkLst>
-      <pc:sldChg chg="addSp delSp modSp mod delAnim modAnim">
-        <pc:chgData name="qin yang" userId="63999d83fc6661ca" providerId="LiveId" clId="{25962BF9-3915-4843-9028-566ECA26CE24}" dt="2022-03-14T13:21:54.472" v="412" actId="113"/>
-        <pc:sldMkLst>
-          <pc:docMk/>
-          <pc:sldMk cId="2402930816" sldId="257"/>
-        </pc:sldMkLst>
-        <pc:spChg chg="mod">
-          <ac:chgData name="qin yang" userId="63999d83fc6661ca" providerId="LiveId" clId="{25962BF9-3915-4843-9028-566ECA26CE24}" dt="2022-03-14T12:57:31.720" v="105" actId="14100"/>
-          <ac:spMkLst>
-            <pc:docMk/>
-            <pc:sldMk cId="2402930816" sldId="257"/>
-            <ac:spMk id="2" creationId="{9908D9DF-1DBB-4670-B2E3-03DD0DB2A1BE}"/>
-          </ac:spMkLst>
-        </pc:spChg>
-        <pc:spChg chg="add del mod">
-          <ac:chgData name="qin yang" userId="63999d83fc6661ca" providerId="LiveId" clId="{25962BF9-3915-4843-9028-566ECA26CE24}" dt="2022-03-14T13:02:31.746" v="222" actId="478"/>
-          <ac:spMkLst>
-            <pc:docMk/>
-            <pc:sldMk cId="2402930816" sldId="257"/>
-            <ac:spMk id="4" creationId="{C331F91A-1A7F-4353-BEBD-18A3E1CD9EE4}"/>
-          </ac:spMkLst>
-        </pc:spChg>
-        <pc:spChg chg="add mod">
-          <ac:chgData name="qin yang" userId="63999d83fc6661ca" providerId="LiveId" clId="{25962BF9-3915-4843-9028-566ECA26CE24}" dt="2022-03-14T13:14:10.677" v="363" actId="164"/>
-          <ac:spMkLst>
-            <pc:docMk/>
-            <pc:sldMk cId="2402930816" sldId="257"/>
-            <ac:spMk id="5" creationId="{4E873C74-4A54-4882-B1B8-892BA27E707C}"/>
-          </ac:spMkLst>
-        </pc:spChg>
-        <pc:spChg chg="add mod">
-          <ac:chgData name="qin yang" userId="63999d83fc6661ca" providerId="LiveId" clId="{25962BF9-3915-4843-9028-566ECA26CE24}" dt="2022-03-14T13:10:50.406" v="362" actId="1076"/>
-          <ac:spMkLst>
-            <pc:docMk/>
-            <pc:sldMk cId="2402930816" sldId="257"/>
-            <ac:spMk id="6" creationId="{7723E7C4-76AA-403A-81BD-A6E266792939}"/>
-          </ac:spMkLst>
-        </pc:spChg>
-        <pc:spChg chg="add mod">
-          <ac:chgData name="qin yang" userId="63999d83fc6661ca" providerId="LiveId" clId="{25962BF9-3915-4843-9028-566ECA26CE24}" dt="2022-03-14T13:21:54.472" v="412" actId="113"/>
-          <ac:spMkLst>
-            <pc:docMk/>
-            <pc:sldMk cId="2402930816" sldId="257"/>
-            <ac:spMk id="7" creationId="{2DA8A58B-B7FF-4FAF-8F8F-7F6F822B5770}"/>
-          </ac:spMkLst>
-        </pc:spChg>
-        <pc:spChg chg="add mod">
-          <ac:chgData name="qin yang" userId="63999d83fc6661ca" providerId="LiveId" clId="{25962BF9-3915-4843-9028-566ECA26CE24}" dt="2022-03-14T13:10:16.693" v="361" actId="164"/>
-          <ac:spMkLst>
-            <pc:docMk/>
-            <pc:sldMk cId="2402930816" sldId="257"/>
-            <ac:spMk id="8" creationId="{B76A6855-342A-44EA-B75D-D5666F9F16F3}"/>
-          </ac:spMkLst>
-        </pc:spChg>
-        <pc:spChg chg="add mod">
-          <ac:chgData name="qin yang" userId="63999d83fc6661ca" providerId="LiveId" clId="{25962BF9-3915-4843-9028-566ECA26CE24}" dt="2022-03-14T13:09:37.686" v="357" actId="1076"/>
-          <ac:spMkLst>
-            <pc:docMk/>
-            <pc:sldMk cId="2402930816" sldId="257"/>
-            <ac:spMk id="10" creationId="{DD0CFF16-78B7-4F41-B454-7A5A74B37FB4}"/>
-          </ac:spMkLst>
-        </pc:spChg>
-        <pc:spChg chg="add mod">
-          <ac:chgData name="qin yang" userId="63999d83fc6661ca" providerId="LiveId" clId="{25962BF9-3915-4843-9028-566ECA26CE24}" dt="2022-03-14T13:14:10.677" v="363" actId="164"/>
-          <ac:spMkLst>
-            <pc:docMk/>
-            <pc:sldMk cId="2402930816" sldId="257"/>
-            <ac:spMk id="11" creationId="{6385249C-B6B7-4AE2-86F1-FEA65ABDA2A4}"/>
-          </ac:spMkLst>
-        </pc:spChg>
-        <pc:spChg chg="del mod">
-          <ac:chgData name="qin yang" userId="63999d83fc6661ca" providerId="LiveId" clId="{25962BF9-3915-4843-9028-566ECA26CE24}" dt="2022-03-14T13:02:18.349" v="215" actId="478"/>
-          <ac:spMkLst>
-            <pc:docMk/>
-            <pc:sldMk cId="2402930816" sldId="257"/>
-            <ac:spMk id="13" creationId="{0B2B9C25-43D0-4E07-ABE4-E296A8A561F7}"/>
-          </ac:spMkLst>
-        </pc:spChg>
-        <pc:spChg chg="add del mod">
-          <ac:chgData name="qin yang" userId="63999d83fc6661ca" providerId="LiveId" clId="{25962BF9-3915-4843-9028-566ECA26CE24}" dt="2022-03-14T13:19:32.564" v="386"/>
-          <ac:spMkLst>
-            <pc:docMk/>
-            <pc:sldMk cId="2402930816" sldId="257"/>
-            <ac:spMk id="15" creationId="{E6AA993C-2C36-46A5-AFEA-C3DCAB6DDC69}"/>
-          </ac:spMkLst>
-        </pc:spChg>
-        <pc:spChg chg="add del">
-          <ac:chgData name="qin yang" userId="63999d83fc6661ca" providerId="LiveId" clId="{25962BF9-3915-4843-9028-566ECA26CE24}" dt="2022-03-14T13:17:07.159" v="371" actId="34122"/>
-          <ac:spMkLst>
-            <pc:docMk/>
-            <pc:sldMk cId="2402930816" sldId="257"/>
-            <ac:spMk id="29" creationId="{B9EAC7FA-CE85-4E0A-8E2A-76439E6FCF47}"/>
-          </ac:spMkLst>
-        </pc:spChg>
-        <pc:grpChg chg="add mod">
-          <ac:chgData name="qin yang" userId="63999d83fc6661ca" providerId="LiveId" clId="{25962BF9-3915-4843-9028-566ECA26CE24}" dt="2022-03-14T13:10:16.693" v="361" actId="164"/>
-          <ac:grpSpMkLst>
-            <pc:docMk/>
-            <pc:sldMk cId="2402930816" sldId="257"/>
-            <ac:grpSpMk id="12" creationId="{A24072BB-F3B0-4F8A-8B58-A2187F1D5524}"/>
-          </ac:grpSpMkLst>
-        </pc:grpChg>
-        <pc:grpChg chg="add mod">
-          <ac:chgData name="qin yang" userId="63999d83fc6661ca" providerId="LiveId" clId="{25962BF9-3915-4843-9028-566ECA26CE24}" dt="2022-03-14T13:14:10.677" v="363" actId="164"/>
-          <ac:grpSpMkLst>
-            <pc:docMk/>
-            <pc:sldMk cId="2402930816" sldId="257"/>
-            <ac:grpSpMk id="14" creationId="{3DF41F56-C137-4C68-B1CF-B1DDAEA23F7F}"/>
-          </ac:grpSpMkLst>
-        </pc:grpChg>
-        <pc:picChg chg="del">
-          <ac:chgData name="qin yang" userId="63999d83fc6661ca" providerId="LiveId" clId="{25962BF9-3915-4843-9028-566ECA26CE24}" dt="2022-03-14T12:57:40.994" v="106" actId="478"/>
-          <ac:picMkLst>
-            <pc:docMk/>
-            <pc:sldMk cId="2402930816" sldId="257"/>
-            <ac:picMk id="9" creationId="{8235387A-9BAF-4A1C-AC6A-722067967BA6}"/>
-          </ac:picMkLst>
-        </pc:picChg>
-        <pc:inkChg chg="add del">
-          <ac:chgData name="qin yang" userId="63999d83fc6661ca" providerId="LiveId" clId="{25962BF9-3915-4843-9028-566ECA26CE24}" dt="2022-03-14T13:17:07.159" v="371" actId="34122"/>
-          <ac:inkMkLst>
-            <pc:docMk/>
-            <pc:sldMk cId="2402930816" sldId="257"/>
-            <ac:inkMk id="35" creationId="{9A180D14-569A-2A4A-8D89-BC816F7645EA}"/>
-          </ac:inkMkLst>
-        </pc:inkChg>
-      </pc:sldChg>
-      <pc:sldChg chg="modSp mod ord">
-        <pc:chgData name="qin yang" userId="63999d83fc6661ca" providerId="LiveId" clId="{25962BF9-3915-4843-9028-566ECA26CE24}" dt="2022-03-14T13:30:47.621" v="486"/>
-        <pc:sldMkLst>
-          <pc:docMk/>
-          <pc:sldMk cId="2396194735" sldId="258"/>
-        </pc:sldMkLst>
-        <pc:spChg chg="mod">
-          <ac:chgData name="qin yang" userId="63999d83fc6661ca" providerId="LiveId" clId="{25962BF9-3915-4843-9028-566ECA26CE24}" dt="2022-03-14T12:42:41.958" v="40" actId="20577"/>
-          <ac:spMkLst>
-            <pc:docMk/>
-            <pc:sldMk cId="2396194735" sldId="258"/>
-            <ac:spMk id="2" creationId="{6AE3E0C3-136A-4138-B6C9-A5CCB5E46AA5}"/>
-          </ac:spMkLst>
-        </pc:spChg>
-        <pc:graphicFrameChg chg="mod modGraphic">
-          <ac:chgData name="qin yang" userId="63999d83fc6661ca" providerId="LiveId" clId="{25962BF9-3915-4843-9028-566ECA26CE24}" dt="2022-03-14T13:24:43.689" v="440" actId="113"/>
-          <ac:graphicFrameMkLst>
-            <pc:docMk/>
-            <pc:sldMk cId="2396194735" sldId="258"/>
-            <ac:graphicFrameMk id="4" creationId="{8B17AC98-AD2D-4FDA-9B1E-FD308DA6A089}"/>
-          </ac:graphicFrameMkLst>
-        </pc:graphicFrameChg>
-      </pc:sldChg>
-      <pc:sldChg chg="addSp delSp modSp mod ord">
-        <pc:chgData name="qin yang" userId="63999d83fc6661ca" providerId="LiveId" clId="{25962BF9-3915-4843-9028-566ECA26CE24}" dt="2022-03-14T13:30:37.034" v="484" actId="26606"/>
-        <pc:sldMkLst>
-          <pc:docMk/>
-          <pc:sldMk cId="2865333391" sldId="259"/>
-        </pc:sldMkLst>
-        <pc:spChg chg="add del">
-          <ac:chgData name="qin yang" userId="63999d83fc6661ca" providerId="LiveId" clId="{25962BF9-3915-4843-9028-566ECA26CE24}" dt="2022-03-14T13:30:37.034" v="484" actId="26606"/>
-          <ac:spMkLst>
-            <pc:docMk/>
-            <pc:sldMk cId="2865333391" sldId="259"/>
-            <ac:spMk id="47" creationId="{32768DCD-B824-413A-B330-8D57ADB3724C}"/>
-          </ac:spMkLst>
-        </pc:spChg>
-        <pc:spChg chg="add del">
-          <ac:chgData name="qin yang" userId="63999d83fc6661ca" providerId="LiveId" clId="{25962BF9-3915-4843-9028-566ECA26CE24}" dt="2022-03-14T13:30:37.034" v="484" actId="26606"/>
-          <ac:spMkLst>
-            <pc:docMk/>
-            <pc:sldMk cId="2865333391" sldId="259"/>
-            <ac:spMk id="48" creationId="{19F9CD66-32FC-448F-B4C5-67D17508A226}"/>
-          </ac:spMkLst>
-        </pc:spChg>
-        <pc:spChg chg="mod ord">
-          <ac:chgData name="qin yang" userId="63999d83fc6661ca" providerId="LiveId" clId="{25962BF9-3915-4843-9028-566ECA26CE24}" dt="2022-03-14T13:30:37.034" v="484" actId="26606"/>
-          <ac:spMkLst>
-            <pc:docMk/>
-            <pc:sldMk cId="2865333391" sldId="259"/>
-            <ac:spMk id="49" creationId="{2D512381-8B4F-4314-BDB9-F93ECABFE2BA}"/>
-          </ac:spMkLst>
-        </pc:spChg>
-        <pc:spChg chg="add del">
-          <ac:chgData name="qin yang" userId="63999d83fc6661ca" providerId="LiveId" clId="{25962BF9-3915-4843-9028-566ECA26CE24}" dt="2022-03-14T13:30:37.013" v="483" actId="26606"/>
-          <ac:spMkLst>
-            <pc:docMk/>
-            <pc:sldMk cId="2865333391" sldId="259"/>
-            <ac:spMk id="54" creationId="{DD7EAFE6-2BB9-41FB-9CF4-588CFC708774}"/>
-          </ac:spMkLst>
-        </pc:spChg>
-        <pc:spChg chg="add del">
-          <ac:chgData name="qin yang" userId="63999d83fc6661ca" providerId="LiveId" clId="{25962BF9-3915-4843-9028-566ECA26CE24}" dt="2022-03-14T13:30:37.013" v="483" actId="26606"/>
-          <ac:spMkLst>
-            <pc:docMk/>
-            <pc:sldMk cId="2865333391" sldId="259"/>
-            <ac:spMk id="56" creationId="{C3E06833-B59C-442F-9A6A-F8F55936D530}"/>
-          </ac:spMkLst>
-        </pc:spChg>
-        <pc:spChg chg="add del">
-          <ac:chgData name="qin yang" userId="63999d83fc6661ca" providerId="LiveId" clId="{25962BF9-3915-4843-9028-566ECA26CE24}" dt="2022-03-14T13:30:37.013" v="483" actId="26606"/>
-          <ac:spMkLst>
-            <pc:docMk/>
-            <pc:sldMk cId="2865333391" sldId="259"/>
-            <ac:spMk id="58" creationId="{FA2016CF-2F24-4AE4-8A87-D9B6A3DE31E2}"/>
-          </ac:spMkLst>
-        </pc:spChg>
-        <pc:spChg chg="add">
-          <ac:chgData name="qin yang" userId="63999d83fc6661ca" providerId="LiveId" clId="{25962BF9-3915-4843-9028-566ECA26CE24}" dt="2022-03-14T13:30:37.034" v="484" actId="26606"/>
-          <ac:spMkLst>
-            <pc:docMk/>
-            <pc:sldMk cId="2865333391" sldId="259"/>
-            <ac:spMk id="60" creationId="{02E45E95-311C-41C7-A882-6E43F0806865}"/>
-          </ac:spMkLst>
-        </pc:spChg>
-        <pc:spChg chg="add">
-          <ac:chgData name="qin yang" userId="63999d83fc6661ca" providerId="LiveId" clId="{25962BF9-3915-4843-9028-566ECA26CE24}" dt="2022-03-14T13:30:37.034" v="484" actId="26606"/>
-          <ac:spMkLst>
-            <pc:docMk/>
-            <pc:sldMk cId="2865333391" sldId="259"/>
-            <ac:spMk id="61" creationId="{DD7EAFE6-2BB9-41FB-9CF4-588CFC708774}"/>
-          </ac:spMkLst>
-        </pc:spChg>
-        <pc:spChg chg="add">
-          <ac:chgData name="qin yang" userId="63999d83fc6661ca" providerId="LiveId" clId="{25962BF9-3915-4843-9028-566ECA26CE24}" dt="2022-03-14T13:30:37.034" v="484" actId="26606"/>
-          <ac:spMkLst>
-            <pc:docMk/>
-            <pc:sldMk cId="2865333391" sldId="259"/>
-            <ac:spMk id="62" creationId="{B7299D5D-ECC5-41EB-B830-C3A35FB35516}"/>
-          </ac:spMkLst>
-        </pc:spChg>
-        <pc:spChg chg="add">
-          <ac:chgData name="qin yang" userId="63999d83fc6661ca" providerId="LiveId" clId="{25962BF9-3915-4843-9028-566ECA26CE24}" dt="2022-03-14T13:30:37.034" v="484" actId="26606"/>
-          <ac:spMkLst>
-            <pc:docMk/>
-            <pc:sldMk cId="2865333391" sldId="259"/>
-            <ac:spMk id="63" creationId="{610334BF-0422-4A9A-BE46-AEB8C348BAC4}"/>
-          </ac:spMkLst>
-        </pc:spChg>
-        <pc:spChg chg="add">
-          <ac:chgData name="qin yang" userId="63999d83fc6661ca" providerId="LiveId" clId="{25962BF9-3915-4843-9028-566ECA26CE24}" dt="2022-03-14T13:30:37.034" v="484" actId="26606"/>
-          <ac:spMkLst>
-            <pc:docMk/>
-            <pc:sldMk cId="2865333391" sldId="259"/>
-            <ac:spMk id="64" creationId="{88C91735-5EFE-44D1-8CC6-FDF0D11B6F5D}"/>
-          </ac:spMkLst>
-        </pc:spChg>
-        <pc:spChg chg="add">
-          <ac:chgData name="qin yang" userId="63999d83fc6661ca" providerId="LiveId" clId="{25962BF9-3915-4843-9028-566ECA26CE24}" dt="2022-03-14T13:30:37.034" v="484" actId="26606"/>
-          <ac:spMkLst>
-            <pc:docMk/>
-            <pc:sldMk cId="2865333391" sldId="259"/>
-            <ac:spMk id="65" creationId="{C98F2823-0279-49D8-928D-754B222533EF}"/>
-          </ac:spMkLst>
-        </pc:spChg>
-        <pc:spChg chg="add">
-          <ac:chgData name="qin yang" userId="63999d83fc6661ca" providerId="LiveId" clId="{25962BF9-3915-4843-9028-566ECA26CE24}" dt="2022-03-14T13:30:37.034" v="484" actId="26606"/>
-          <ac:spMkLst>
-            <pc:docMk/>
-            <pc:sldMk cId="2865333391" sldId="259"/>
-            <ac:spMk id="66" creationId="{D33F926C-2613-475D-AEE4-CD7D87D3BA2D}"/>
-          </ac:spMkLst>
-        </pc:spChg>
-        <pc:picChg chg="add mod ord">
-          <ac:chgData name="qin yang" userId="63999d83fc6661ca" providerId="LiveId" clId="{25962BF9-3915-4843-9028-566ECA26CE24}" dt="2022-03-14T13:30:37.034" v="484" actId="26606"/>
-          <ac:picMkLst>
-            <pc:docMk/>
-            <pc:sldMk cId="2865333391" sldId="259"/>
-            <ac:picMk id="3" creationId="{AE899F8C-7050-4B39-8BDE-BC88249DDCF9}"/>
-          </ac:picMkLst>
-        </pc:picChg>
-        <pc:picChg chg="del">
-          <ac:chgData name="qin yang" userId="63999d83fc6661ca" providerId="LiveId" clId="{25962BF9-3915-4843-9028-566ECA26CE24}" dt="2022-03-14T12:40:33.987" v="0" actId="478"/>
-          <ac:picMkLst>
-            <pc:docMk/>
-            <pc:sldMk cId="2865333391" sldId="259"/>
-            <ac:picMk id="15" creationId="{A401E6B4-5292-488F-A5F5-B3309EE05872}"/>
-          </ac:picMkLst>
-        </pc:picChg>
-      </pc:sldChg>
-      <pc:sldChg chg="addSp delSp modSp mod">
-        <pc:chgData name="qin yang" userId="63999d83fc6661ca" providerId="LiveId" clId="{25962BF9-3915-4843-9028-566ECA26CE24}" dt="2022-03-14T13:31:15.314" v="491" actId="26606"/>
-        <pc:sldMkLst>
-          <pc:docMk/>
-          <pc:sldMk cId="3805607248" sldId="260"/>
-        </pc:sldMkLst>
-        <pc:spChg chg="mod">
-          <ac:chgData name="qin yang" userId="63999d83fc6661ca" providerId="LiveId" clId="{25962BF9-3915-4843-9028-566ECA26CE24}" dt="2022-03-14T13:31:15.314" v="491" actId="26606"/>
-          <ac:spMkLst>
-            <pc:docMk/>
-            <pc:sldMk cId="3805607248" sldId="260"/>
-            <ac:spMk id="2" creationId="{17C7E339-632E-4939-B7A3-FF7BA46BEDE8}"/>
-          </ac:spMkLst>
-        </pc:spChg>
-        <pc:spChg chg="mod">
-          <ac:chgData name="qin yang" userId="63999d83fc6661ca" providerId="LiveId" clId="{25962BF9-3915-4843-9028-566ECA26CE24}" dt="2022-03-14T13:31:15.314" v="491" actId="26606"/>
-          <ac:spMkLst>
-            <pc:docMk/>
-            <pc:sldMk cId="3805607248" sldId="260"/>
-            <ac:spMk id="21" creationId="{4A0D2B35-11EE-4698-BEB0-635D45105345}"/>
-          </ac:spMkLst>
-        </pc:spChg>
-        <pc:spChg chg="add del">
-          <ac:chgData name="qin yang" userId="63999d83fc6661ca" providerId="LiveId" clId="{25962BF9-3915-4843-9028-566ECA26CE24}" dt="2022-03-14T13:31:15.314" v="491" actId="26606"/>
-          <ac:spMkLst>
-            <pc:docMk/>
-            <pc:sldMk cId="3805607248" sldId="260"/>
-            <ac:spMk id="36" creationId="{32768DCD-B824-413A-B330-8D57ADB3724C}"/>
-          </ac:spMkLst>
-        </pc:spChg>
-        <pc:spChg chg="add del">
-          <ac:chgData name="qin yang" userId="63999d83fc6661ca" providerId="LiveId" clId="{25962BF9-3915-4843-9028-566ECA26CE24}" dt="2022-03-14T13:31:15.314" v="491" actId="26606"/>
-          <ac:spMkLst>
-            <pc:docMk/>
-            <pc:sldMk cId="3805607248" sldId="260"/>
-            <ac:spMk id="37" creationId="{19F9CD66-32FC-448F-B4C5-67D17508A226}"/>
-          </ac:spMkLst>
-        </pc:spChg>
-        <pc:spChg chg="add del">
-          <ac:chgData name="qin yang" userId="63999d83fc6661ca" providerId="LiveId" clId="{25962BF9-3915-4843-9028-566ECA26CE24}" dt="2022-03-14T13:31:12.560" v="489" actId="26606"/>
-          <ac:spMkLst>
-            <pc:docMk/>
-            <pc:sldMk cId="3805607248" sldId="260"/>
-            <ac:spMk id="42" creationId="{32768DCD-B824-413A-B330-8D57ADB3724C}"/>
-          </ac:spMkLst>
-        </pc:spChg>
-        <pc:spChg chg="add del">
-          <ac:chgData name="qin yang" userId="63999d83fc6661ca" providerId="LiveId" clId="{25962BF9-3915-4843-9028-566ECA26CE24}" dt="2022-03-14T13:31:12.560" v="489" actId="26606"/>
-          <ac:spMkLst>
-            <pc:docMk/>
-            <pc:sldMk cId="3805607248" sldId="260"/>
-            <ac:spMk id="44" creationId="{96E45848-BEDA-4F24-9C4E-DA2120958262}"/>
-          </ac:spMkLst>
-        </pc:spChg>
-        <pc:spChg chg="add del">
-          <ac:chgData name="qin yang" userId="63999d83fc6661ca" providerId="LiveId" clId="{25962BF9-3915-4843-9028-566ECA26CE24}" dt="2022-03-14T13:31:12.560" v="489" actId="26606"/>
-          <ac:spMkLst>
-            <pc:docMk/>
-            <pc:sldMk cId="3805607248" sldId="260"/>
-            <ac:spMk id="46" creationId="{B2BB8117-A903-442C-9223-A4FEB85C3271}"/>
-          </ac:spMkLst>
-        </pc:spChg>
-        <pc:spChg chg="add del">
-          <ac:chgData name="qin yang" userId="63999d83fc6661ca" providerId="LiveId" clId="{25962BF9-3915-4843-9028-566ECA26CE24}" dt="2022-03-14T13:31:12.560" v="489" actId="26606"/>
-          <ac:spMkLst>
-            <pc:docMk/>
-            <pc:sldMk cId="3805607248" sldId="260"/>
-            <ac:spMk id="48" creationId="{C59300B8-3117-43F8-9F8E-68DB9F002F92}"/>
-          </ac:spMkLst>
-        </pc:spChg>
-        <pc:spChg chg="add del">
-          <ac:chgData name="qin yang" userId="63999d83fc6661ca" providerId="LiveId" clId="{25962BF9-3915-4843-9028-566ECA26CE24}" dt="2022-03-14T13:31:12.560" v="489" actId="26606"/>
-          <ac:spMkLst>
-            <pc:docMk/>
-            <pc:sldMk cId="3805607248" sldId="260"/>
-            <ac:spMk id="50" creationId="{1AFAE680-42C1-4104-B74F-B0A8F1FB264A}"/>
-          </ac:spMkLst>
-        </pc:spChg>
-        <pc:spChg chg="add del">
-          <ac:chgData name="qin yang" userId="63999d83fc6661ca" providerId="LiveId" clId="{25962BF9-3915-4843-9028-566ECA26CE24}" dt="2022-03-14T13:31:12.560" v="489" actId="26606"/>
-          <ac:spMkLst>
-            <pc:docMk/>
-            <pc:sldMk cId="3805607248" sldId="260"/>
-            <ac:spMk id="52" creationId="{828A8BA9-B3FE-4C96-A0A1-72A0D2C85578}"/>
-          </ac:spMkLst>
-        </pc:spChg>
-        <pc:spChg chg="add del">
-          <ac:chgData name="qin yang" userId="63999d83fc6661ca" providerId="LiveId" clId="{25962BF9-3915-4843-9028-566ECA26CE24}" dt="2022-03-14T13:31:12.560" v="489" actId="26606"/>
-          <ac:spMkLst>
-            <pc:docMk/>
-            <pc:sldMk cId="3805607248" sldId="260"/>
-            <ac:spMk id="54" creationId="{16272B6F-135F-45E6-8F46-83B32059F20C}"/>
-          </ac:spMkLst>
-        </pc:spChg>
-        <pc:spChg chg="add del">
-          <ac:chgData name="qin yang" userId="63999d83fc6661ca" providerId="LiveId" clId="{25962BF9-3915-4843-9028-566ECA26CE24}" dt="2022-03-14T13:31:12.560" v="489" actId="26606"/>
-          <ac:spMkLst>
-            <pc:docMk/>
-            <pc:sldMk cId="3805607248" sldId="260"/>
-            <ac:spMk id="56" creationId="{19F9CD66-32FC-448F-B4C5-67D17508A226}"/>
-          </ac:spMkLst>
-        </pc:spChg>
-        <pc:spChg chg="add del">
-          <ac:chgData name="qin yang" userId="63999d83fc6661ca" providerId="LiveId" clId="{25962BF9-3915-4843-9028-566ECA26CE24}" dt="2022-03-14T13:31:15.314" v="491" actId="26606"/>
-          <ac:spMkLst>
-            <pc:docMk/>
-            <pc:sldMk cId="3805607248" sldId="260"/>
-            <ac:spMk id="58" creationId="{32768DCD-B824-413A-B330-8D57ADB3724C}"/>
-          </ac:spMkLst>
-        </pc:spChg>
-        <pc:spChg chg="add del">
-          <ac:chgData name="qin yang" userId="63999d83fc6661ca" providerId="LiveId" clId="{25962BF9-3915-4843-9028-566ECA26CE24}" dt="2022-03-14T13:31:15.314" v="491" actId="26606"/>
-          <ac:spMkLst>
-            <pc:docMk/>
-            <pc:sldMk cId="3805607248" sldId="260"/>
-            <ac:spMk id="59" creationId="{96E45848-BEDA-4F24-9C4E-DA2120958262}"/>
-          </ac:spMkLst>
-        </pc:spChg>
-        <pc:spChg chg="add del">
-          <ac:chgData name="qin yang" userId="63999d83fc6661ca" providerId="LiveId" clId="{25962BF9-3915-4843-9028-566ECA26CE24}" dt="2022-03-14T13:31:15.314" v="491" actId="26606"/>
-          <ac:spMkLst>
-            <pc:docMk/>
-            <pc:sldMk cId="3805607248" sldId="260"/>
-            <ac:spMk id="60" creationId="{B2BB8117-A903-442C-9223-A4FEB85C3271}"/>
-          </ac:spMkLst>
-        </pc:spChg>
-        <pc:spChg chg="add del">
-          <ac:chgData name="qin yang" userId="63999d83fc6661ca" providerId="LiveId" clId="{25962BF9-3915-4843-9028-566ECA26CE24}" dt="2022-03-14T13:31:15.314" v="491" actId="26606"/>
-          <ac:spMkLst>
-            <pc:docMk/>
-            <pc:sldMk cId="3805607248" sldId="260"/>
-            <ac:spMk id="61" creationId="{C59300B8-3117-43F8-9F8E-68DB9F002F92}"/>
-          </ac:spMkLst>
-        </pc:spChg>
-        <pc:spChg chg="add del">
-          <ac:chgData name="qin yang" userId="63999d83fc6661ca" providerId="LiveId" clId="{25962BF9-3915-4843-9028-566ECA26CE24}" dt="2022-03-14T13:31:15.314" v="491" actId="26606"/>
-          <ac:spMkLst>
-            <pc:docMk/>
-            <pc:sldMk cId="3805607248" sldId="260"/>
-            <ac:spMk id="62" creationId="{1AFAE680-42C1-4104-B74F-B0A8F1FB264A}"/>
-          </ac:spMkLst>
-        </pc:spChg>
-        <pc:spChg chg="add del">
-          <ac:chgData name="qin yang" userId="63999d83fc6661ca" providerId="LiveId" clId="{25962BF9-3915-4843-9028-566ECA26CE24}" dt="2022-03-14T13:31:15.314" v="491" actId="26606"/>
-          <ac:spMkLst>
-            <pc:docMk/>
-            <pc:sldMk cId="3805607248" sldId="260"/>
-            <ac:spMk id="63" creationId="{828A8BA9-B3FE-4C96-A0A1-72A0D2C85578}"/>
-          </ac:spMkLst>
-        </pc:spChg>
-        <pc:spChg chg="add del">
-          <ac:chgData name="qin yang" userId="63999d83fc6661ca" providerId="LiveId" clId="{25962BF9-3915-4843-9028-566ECA26CE24}" dt="2022-03-14T13:31:15.314" v="491" actId="26606"/>
-          <ac:spMkLst>
-            <pc:docMk/>
-            <pc:sldMk cId="3805607248" sldId="260"/>
-            <ac:spMk id="64" creationId="{19F9CD66-32FC-448F-B4C5-67D17508A226}"/>
-          </ac:spMkLst>
-        </pc:spChg>
-        <pc:picChg chg="mod">
-          <ac:chgData name="qin yang" userId="63999d83fc6661ca" providerId="LiveId" clId="{25962BF9-3915-4843-9028-566ECA26CE24}" dt="2022-03-14T13:31:15.314" v="491" actId="26606"/>
-          <ac:picMkLst>
-            <pc:docMk/>
-            <pc:sldMk cId="3805607248" sldId="260"/>
-            <ac:picMk id="5" creationId="{2E692F9D-97A7-4CFC-87E1-512B20BBA4A3}"/>
-          </ac:picMkLst>
-        </pc:picChg>
-      </pc:sldChg>
-      <pc:sldChg chg="addSp delSp modSp mod">
-        <pc:chgData name="qin yang" userId="63999d83fc6661ca" providerId="LiveId" clId="{25962BF9-3915-4843-9028-566ECA26CE24}" dt="2022-03-14T13:31:01.120" v="487" actId="26606"/>
-        <pc:sldMkLst>
-          <pc:docMk/>
-          <pc:sldMk cId="144986429" sldId="261"/>
-        </pc:sldMkLst>
-        <pc:spChg chg="mod">
-          <ac:chgData name="qin yang" userId="63999d83fc6661ca" providerId="LiveId" clId="{25962BF9-3915-4843-9028-566ECA26CE24}" dt="2022-03-14T13:31:01.120" v="487" actId="26606"/>
-          <ac:spMkLst>
-            <pc:docMk/>
-            <pc:sldMk cId="144986429" sldId="261"/>
-            <ac:spMk id="2" creationId="{B533C20E-CEBC-4EA9-861D-1361DDFD3724}"/>
-          </ac:spMkLst>
-        </pc:spChg>
-        <pc:spChg chg="del">
-          <ac:chgData name="qin yang" userId="63999d83fc6661ca" providerId="LiveId" clId="{25962BF9-3915-4843-9028-566ECA26CE24}" dt="2022-03-14T13:31:01.120" v="487" actId="26606"/>
-          <ac:spMkLst>
-            <pc:docMk/>
-            <pc:sldMk cId="144986429" sldId="261"/>
-            <ac:spMk id="19" creationId="{DD7EAFE6-2BB9-41FB-9CF4-588CFC708774}"/>
-          </ac:spMkLst>
-        </pc:spChg>
-        <pc:spChg chg="del">
-          <ac:chgData name="qin yang" userId="63999d83fc6661ca" providerId="LiveId" clId="{25962BF9-3915-4843-9028-566ECA26CE24}" dt="2022-03-14T13:31:01.120" v="487" actId="26606"/>
-          <ac:spMkLst>
-            <pc:docMk/>
-            <pc:sldMk cId="144986429" sldId="261"/>
-            <ac:spMk id="21" creationId="{8C37C960-91F5-4F61-B2CD-8A037920720B}"/>
-          </ac:spMkLst>
-        </pc:spChg>
-        <pc:spChg chg="add">
-          <ac:chgData name="qin yang" userId="63999d83fc6661ca" providerId="LiveId" clId="{25962BF9-3915-4843-9028-566ECA26CE24}" dt="2022-03-14T13:31:01.120" v="487" actId="26606"/>
-          <ac:spMkLst>
-            <pc:docMk/>
-            <pc:sldMk cId="144986429" sldId="261"/>
-            <ac:spMk id="26" creationId="{DD7EAFE6-2BB9-41FB-9CF4-588CFC708774}"/>
-          </ac:spMkLst>
-        </pc:spChg>
-        <pc:spChg chg="add">
-          <ac:chgData name="qin yang" userId="63999d83fc6661ca" providerId="LiveId" clId="{25962BF9-3915-4843-9028-566ECA26CE24}" dt="2022-03-14T13:31:01.120" v="487" actId="26606"/>
-          <ac:spMkLst>
-            <pc:docMk/>
-            <pc:sldMk cId="144986429" sldId="261"/>
-            <ac:spMk id="28" creationId="{610334BF-0422-4A9A-BE46-AEB8C348BAC4}"/>
-          </ac:spMkLst>
-        </pc:spChg>
-        <pc:spChg chg="add">
-          <ac:chgData name="qin yang" userId="63999d83fc6661ca" providerId="LiveId" clId="{25962BF9-3915-4843-9028-566ECA26CE24}" dt="2022-03-14T13:31:01.120" v="487" actId="26606"/>
-          <ac:spMkLst>
-            <pc:docMk/>
-            <pc:sldMk cId="144986429" sldId="261"/>
-            <ac:spMk id="30" creationId="{C98F2823-0279-49D8-928D-754B222533EF}"/>
-          </ac:spMkLst>
-        </pc:spChg>
-        <pc:spChg chg="add">
-          <ac:chgData name="qin yang" userId="63999d83fc6661ca" providerId="LiveId" clId="{25962BF9-3915-4843-9028-566ECA26CE24}" dt="2022-03-14T13:31:01.120" v="487" actId="26606"/>
-          <ac:spMkLst>
-            <pc:docMk/>
-            <pc:sldMk cId="144986429" sldId="261"/>
-            <ac:spMk id="32" creationId="{02E45E95-311C-41C7-A882-6E43F0806865}"/>
-          </ac:spMkLst>
-        </pc:spChg>
-        <pc:spChg chg="add">
-          <ac:chgData name="qin yang" userId="63999d83fc6661ca" providerId="LiveId" clId="{25962BF9-3915-4843-9028-566ECA26CE24}" dt="2022-03-14T13:31:01.120" v="487" actId="26606"/>
-          <ac:spMkLst>
-            <pc:docMk/>
-            <pc:sldMk cId="144986429" sldId="261"/>
-            <ac:spMk id="34" creationId="{B7299D5D-ECC5-41EB-B830-C3A35FB35516}"/>
-          </ac:spMkLst>
-        </pc:spChg>
-        <pc:spChg chg="add">
-          <ac:chgData name="qin yang" userId="63999d83fc6661ca" providerId="LiveId" clId="{25962BF9-3915-4843-9028-566ECA26CE24}" dt="2022-03-14T13:31:01.120" v="487" actId="26606"/>
-          <ac:spMkLst>
-            <pc:docMk/>
-            <pc:sldMk cId="144986429" sldId="261"/>
-            <ac:spMk id="36" creationId="{88C91735-5EFE-44D1-8CC6-FDF0D11B6F5D}"/>
-          </ac:spMkLst>
-        </pc:spChg>
-        <pc:spChg chg="add">
-          <ac:chgData name="qin yang" userId="63999d83fc6661ca" providerId="LiveId" clId="{25962BF9-3915-4843-9028-566ECA26CE24}" dt="2022-03-14T13:31:01.120" v="487" actId="26606"/>
-          <ac:spMkLst>
-            <pc:docMk/>
-            <pc:sldMk cId="144986429" sldId="261"/>
-            <ac:spMk id="38" creationId="{D33F926C-2613-475D-AEE4-CD7D87D3BA2D}"/>
-          </ac:spMkLst>
-        </pc:spChg>
-        <pc:picChg chg="mod">
-          <ac:chgData name="qin yang" userId="63999d83fc6661ca" providerId="LiveId" clId="{25962BF9-3915-4843-9028-566ECA26CE24}" dt="2022-03-14T13:31:01.120" v="487" actId="26606"/>
-          <ac:picMkLst>
-            <pc:docMk/>
-            <pc:sldMk cId="144986429" sldId="261"/>
-            <ac:picMk id="5" creationId="{9065CCDD-CD85-4505-954B-CC3986FD6AF2}"/>
-          </ac:picMkLst>
-        </pc:picChg>
-      </pc:sldChg>
-      <pc:sldChg chg="del">
-        <pc:chgData name="qin yang" userId="63999d83fc6661ca" providerId="LiveId" clId="{25962BF9-3915-4843-9028-566ECA26CE24}" dt="2022-03-15T13:15:35.784" v="551" actId="2696"/>
-        <pc:sldMkLst>
-          <pc:docMk/>
-          <pc:sldMk cId="3465741518" sldId="262"/>
-        </pc:sldMkLst>
-      </pc:sldChg>
-      <pc:sldChg chg="modSp mod ord">
-        <pc:chgData name="qin yang" userId="63999d83fc6661ca" providerId="LiveId" clId="{25962BF9-3915-4843-9028-566ECA26CE24}" dt="2022-03-15T13:15:31.822" v="550"/>
-        <pc:sldMkLst>
-          <pc:docMk/>
-          <pc:sldMk cId="3065515325" sldId="263"/>
-        </pc:sldMkLst>
-        <pc:spChg chg="mod">
-          <ac:chgData name="qin yang" userId="63999d83fc6661ca" providerId="LiveId" clId="{25962BF9-3915-4843-9028-566ECA26CE24}" dt="2022-03-14T12:49:49.782" v="104" actId="6549"/>
-          <ac:spMkLst>
-            <pc:docMk/>
-            <pc:sldMk cId="3065515325" sldId="263"/>
-            <ac:spMk id="3" creationId="{E6E909F6-02BA-483F-AD8F-2FD2AD709F0F}"/>
-          </ac:spMkLst>
-        </pc:spChg>
-      </pc:sldChg>
-      <pc:sldChg chg="addSp delSp modSp new mod ord setBg">
-        <pc:chgData name="qin yang" userId="63999d83fc6661ca" providerId="LiveId" clId="{25962BF9-3915-4843-9028-566ECA26CE24}" dt="2022-03-14T13:30:25.871" v="481" actId="26606"/>
-        <pc:sldMkLst>
-          <pc:docMk/>
-          <pc:sldMk cId="3376540366" sldId="264"/>
-        </pc:sldMkLst>
-        <pc:spChg chg="mod">
-          <ac:chgData name="qin yang" userId="63999d83fc6661ca" providerId="LiveId" clId="{25962BF9-3915-4843-9028-566ECA26CE24}" dt="2022-03-14T13:30:25.871" v="481" actId="26606"/>
-          <ac:spMkLst>
-            <pc:docMk/>
-            <pc:sldMk cId="3376540366" sldId="264"/>
-            <ac:spMk id="2" creationId="{6C0D0C1D-3EC9-447D-9C39-EBE07E27708B}"/>
-          </ac:spMkLst>
-        </pc:spChg>
-        <pc:spChg chg="del">
-          <ac:chgData name="qin yang" userId="63999d83fc6661ca" providerId="LiveId" clId="{25962BF9-3915-4843-9028-566ECA26CE24}" dt="2022-03-14T13:29:54.772" v="464" actId="22"/>
-          <ac:spMkLst>
-            <pc:docMk/>
-            <pc:sldMk cId="3376540366" sldId="264"/>
-            <ac:spMk id="3" creationId="{3213D1D9-C240-45EB-9422-2C18FA1094BE}"/>
-          </ac:spMkLst>
-        </pc:spChg>
-        <pc:spChg chg="add">
-          <ac:chgData name="qin yang" userId="63999d83fc6661ca" providerId="LiveId" clId="{25962BF9-3915-4843-9028-566ECA26CE24}" dt="2022-03-14T13:30:25.871" v="481" actId="26606"/>
-          <ac:spMkLst>
-            <pc:docMk/>
-            <pc:sldMk cId="3376540366" sldId="264"/>
-            <ac:spMk id="10" creationId="{DD7EAFE6-2BB9-41FB-9CF4-588CFC708774}"/>
-          </ac:spMkLst>
-        </pc:spChg>
-        <pc:spChg chg="add">
-          <ac:chgData name="qin yang" userId="63999d83fc6661ca" providerId="LiveId" clId="{25962BF9-3915-4843-9028-566ECA26CE24}" dt="2022-03-14T13:30:25.871" v="481" actId="26606"/>
-          <ac:spMkLst>
-            <pc:docMk/>
-            <pc:sldMk cId="3376540366" sldId="264"/>
-            <ac:spMk id="12" creationId="{610334BF-0422-4A9A-BE46-AEB8C348BAC4}"/>
-          </ac:spMkLst>
-        </pc:spChg>
-        <pc:spChg chg="add">
-          <ac:chgData name="qin yang" userId="63999d83fc6661ca" providerId="LiveId" clId="{25962BF9-3915-4843-9028-566ECA26CE24}" dt="2022-03-14T13:30:25.871" v="481" actId="26606"/>
-          <ac:spMkLst>
-            <pc:docMk/>
-            <pc:sldMk cId="3376540366" sldId="264"/>
-            <ac:spMk id="14" creationId="{C98F2823-0279-49D8-928D-754B222533EF}"/>
-          </ac:spMkLst>
-        </pc:spChg>
-        <pc:spChg chg="add">
-          <ac:chgData name="qin yang" userId="63999d83fc6661ca" providerId="LiveId" clId="{25962BF9-3915-4843-9028-566ECA26CE24}" dt="2022-03-14T13:30:25.871" v="481" actId="26606"/>
-          <ac:spMkLst>
-            <pc:docMk/>
-            <pc:sldMk cId="3376540366" sldId="264"/>
-            <ac:spMk id="16" creationId="{02E45E95-311C-41C7-A882-6E43F0806865}"/>
-          </ac:spMkLst>
-        </pc:spChg>
-        <pc:spChg chg="add">
-          <ac:chgData name="qin yang" userId="63999d83fc6661ca" providerId="LiveId" clId="{25962BF9-3915-4843-9028-566ECA26CE24}" dt="2022-03-14T13:30:25.871" v="481" actId="26606"/>
-          <ac:spMkLst>
-            <pc:docMk/>
-            <pc:sldMk cId="3376540366" sldId="264"/>
-            <ac:spMk id="18" creationId="{B7299D5D-ECC5-41EB-B830-C3A35FB35516}"/>
-          </ac:spMkLst>
-        </pc:spChg>
-        <pc:spChg chg="add">
-          <ac:chgData name="qin yang" userId="63999d83fc6661ca" providerId="LiveId" clId="{25962BF9-3915-4843-9028-566ECA26CE24}" dt="2022-03-14T13:30:25.871" v="481" actId="26606"/>
-          <ac:spMkLst>
-            <pc:docMk/>
-            <pc:sldMk cId="3376540366" sldId="264"/>
-            <ac:spMk id="20" creationId="{88C91735-5EFE-44D1-8CC6-FDF0D11B6F5D}"/>
-          </ac:spMkLst>
-        </pc:spChg>
-        <pc:spChg chg="add">
-          <ac:chgData name="qin yang" userId="63999d83fc6661ca" providerId="LiveId" clId="{25962BF9-3915-4843-9028-566ECA26CE24}" dt="2022-03-14T13:30:25.871" v="481" actId="26606"/>
-          <ac:spMkLst>
-            <pc:docMk/>
-            <pc:sldMk cId="3376540366" sldId="264"/>
-            <ac:spMk id="22" creationId="{D33F926C-2613-475D-AEE4-CD7D87D3BA2D}"/>
-          </ac:spMkLst>
-        </pc:spChg>
-        <pc:picChg chg="add mod ord">
-          <ac:chgData name="qin yang" userId="63999d83fc6661ca" providerId="LiveId" clId="{25962BF9-3915-4843-9028-566ECA26CE24}" dt="2022-03-14T13:30:25.871" v="481" actId="26606"/>
-          <ac:picMkLst>
-            <pc:docMk/>
-            <pc:sldMk cId="3376540366" sldId="264"/>
-            <ac:picMk id="5" creationId="{FBDA920D-1FD9-4212-839F-1E0E003F53DE}"/>
-          </ac:picMkLst>
-        </pc:picChg>
-      </pc:sldChg>
-      <pc:sldChg chg="addSp delSp modSp new del mod setBg">
-        <pc:chgData name="qin yang" userId="63999d83fc6661ca" providerId="LiveId" clId="{25962BF9-3915-4843-9028-566ECA26CE24}" dt="2022-03-15T13:09:48.204" v="533" actId="2696"/>
-        <pc:sldMkLst>
-          <pc:docMk/>
-          <pc:sldMk cId="2552276343" sldId="265"/>
-        </pc:sldMkLst>
-        <pc:spChg chg="mod">
-          <ac:chgData name="qin yang" userId="63999d83fc6661ca" providerId="LiveId" clId="{25962BF9-3915-4843-9028-566ECA26CE24}" dt="2022-03-14T14:31:48.430" v="532" actId="26606"/>
-          <ac:spMkLst>
-            <pc:docMk/>
-            <pc:sldMk cId="2552276343" sldId="265"/>
-            <ac:spMk id="2" creationId="{B173A706-D48C-4061-A9BE-A2EE43579525}"/>
-          </ac:spMkLst>
-        </pc:spChg>
-        <pc:spChg chg="del">
-          <ac:chgData name="qin yang" userId="63999d83fc6661ca" providerId="LiveId" clId="{25962BF9-3915-4843-9028-566ECA26CE24}" dt="2022-03-14T14:30:19.571" v="504"/>
-          <ac:spMkLst>
-            <pc:docMk/>
-            <pc:sldMk cId="2552276343" sldId="265"/>
-            <ac:spMk id="3" creationId="{A64D45AB-89FC-4423-A275-176754E1D9C6}"/>
-          </ac:spMkLst>
-        </pc:spChg>
-        <pc:spChg chg="add del">
-          <ac:chgData name="qin yang" userId="63999d83fc6661ca" providerId="LiveId" clId="{25962BF9-3915-4843-9028-566ECA26CE24}" dt="2022-03-14T14:31:40.492" v="529"/>
-          <ac:spMkLst>
-            <pc:docMk/>
-            <pc:sldMk cId="2552276343" sldId="265"/>
-            <ac:spMk id="13" creationId="{B1DC26D8-EC56-D7CC-A3B4-D947C36F769E}"/>
-          </ac:spMkLst>
-        </pc:spChg>
-        <pc:spChg chg="add del">
-          <ac:chgData name="qin yang" userId="63999d83fc6661ca" providerId="LiveId" clId="{25962BF9-3915-4843-9028-566ECA26CE24}" dt="2022-03-14T14:31:48.430" v="532" actId="26606"/>
-          <ac:spMkLst>
-            <pc:docMk/>
-            <pc:sldMk cId="2552276343" sldId="265"/>
-            <ac:spMk id="16" creationId="{19B36E71-93BD-4984-AC9C-CC9FB9CC06D6}"/>
-          </ac:spMkLst>
-        </pc:spChg>
-        <pc:spChg chg="add del">
-          <ac:chgData name="qin yang" userId="63999d83fc6661ca" providerId="LiveId" clId="{25962BF9-3915-4843-9028-566ECA26CE24}" dt="2022-03-14T14:31:48.430" v="532" actId="26606"/>
-          <ac:spMkLst>
-            <pc:docMk/>
-            <pc:sldMk cId="2552276343" sldId="265"/>
-            <ac:spMk id="18" creationId="{3A767031-C99F-4567-B7D9-353331C77909}"/>
-          </ac:spMkLst>
-        </pc:spChg>
-        <pc:spChg chg="add del">
-          <ac:chgData name="qin yang" userId="63999d83fc6661ca" providerId="LiveId" clId="{25962BF9-3915-4843-9028-566ECA26CE24}" dt="2022-03-14T14:31:48.430" v="532" actId="26606"/>
-          <ac:spMkLst>
-            <pc:docMk/>
-            <pc:sldMk cId="2552276343" sldId="265"/>
-            <ac:spMk id="20" creationId="{63FEDEE9-12A6-4011-A532-8071D6086BF8}"/>
-          </ac:spMkLst>
-        </pc:spChg>
-        <pc:spChg chg="add del">
-          <ac:chgData name="qin yang" userId="63999d83fc6661ca" providerId="LiveId" clId="{25962BF9-3915-4843-9028-566ECA26CE24}" dt="2022-03-14T14:31:48.430" v="532" actId="26606"/>
-          <ac:spMkLst>
-            <pc:docMk/>
-            <pc:sldMk cId="2552276343" sldId="265"/>
-            <ac:spMk id="22" creationId="{57C37CE9-19CE-49DF-A887-2214EBB1F097}"/>
-          </ac:spMkLst>
-        </pc:spChg>
-        <pc:spChg chg="add del">
-          <ac:chgData name="qin yang" userId="63999d83fc6661ca" providerId="LiveId" clId="{25962BF9-3915-4843-9028-566ECA26CE24}" dt="2022-03-14T14:31:48.430" v="532" actId="26606"/>
-          <ac:spMkLst>
-            <pc:docMk/>
-            <pc:sldMk cId="2552276343" sldId="265"/>
-            <ac:spMk id="24" creationId="{7EF84E8E-7E93-4DEE-BCFB-2AE29098B5C3}"/>
-          </ac:spMkLst>
-        </pc:spChg>
-        <pc:spChg chg="add del">
-          <ac:chgData name="qin yang" userId="63999d83fc6661ca" providerId="LiveId" clId="{25962BF9-3915-4843-9028-566ECA26CE24}" dt="2022-03-14T14:31:48.430" v="532" actId="26606"/>
-          <ac:spMkLst>
-            <pc:docMk/>
-            <pc:sldMk cId="2552276343" sldId="265"/>
-            <ac:spMk id="26" creationId="{9046502B-E9B6-4225-B8EE-BC5D644686B0}"/>
-          </ac:spMkLst>
-        </pc:spChg>
-        <pc:spChg chg="add">
-          <ac:chgData name="qin yang" userId="63999d83fc6661ca" providerId="LiveId" clId="{25962BF9-3915-4843-9028-566ECA26CE24}" dt="2022-03-14T14:31:48.430" v="532" actId="26606"/>
-          <ac:spMkLst>
-            <pc:docMk/>
-            <pc:sldMk cId="2552276343" sldId="265"/>
-            <ac:spMk id="30" creationId="{39AB3E8D-5189-4723-0B4B-37D972833C52}"/>
-          </ac:spMkLst>
-        </pc:spChg>
-        <pc:spChg chg="add">
-          <ac:chgData name="qin yang" userId="63999d83fc6661ca" providerId="LiveId" clId="{25962BF9-3915-4843-9028-566ECA26CE24}" dt="2022-03-14T14:31:48.430" v="532" actId="26606"/>
-          <ac:spMkLst>
-            <pc:docMk/>
-            <pc:sldMk cId="2552276343" sldId="265"/>
-            <ac:spMk id="33" creationId="{19B36E71-93BD-4984-AC9C-CC9FB9CC06D6}"/>
-          </ac:spMkLst>
-        </pc:spChg>
-        <pc:spChg chg="add">
-          <ac:chgData name="qin yang" userId="63999d83fc6661ca" providerId="LiveId" clId="{25962BF9-3915-4843-9028-566ECA26CE24}" dt="2022-03-14T14:31:48.430" v="532" actId="26606"/>
-          <ac:spMkLst>
-            <pc:docMk/>
-            <pc:sldMk cId="2552276343" sldId="265"/>
-            <ac:spMk id="35" creationId="{3A767031-C99F-4567-B7D9-353331C77909}"/>
-          </ac:spMkLst>
-        </pc:spChg>
-        <pc:spChg chg="add">
-          <ac:chgData name="qin yang" userId="63999d83fc6661ca" providerId="LiveId" clId="{25962BF9-3915-4843-9028-566ECA26CE24}" dt="2022-03-14T14:31:48.430" v="532" actId="26606"/>
-          <ac:spMkLst>
-            <pc:docMk/>
-            <pc:sldMk cId="2552276343" sldId="265"/>
-            <ac:spMk id="37" creationId="{63FEDEE9-12A6-4011-A532-8071D6086BF8}"/>
-          </ac:spMkLst>
-        </pc:spChg>
-        <pc:spChg chg="add">
-          <ac:chgData name="qin yang" userId="63999d83fc6661ca" providerId="LiveId" clId="{25962BF9-3915-4843-9028-566ECA26CE24}" dt="2022-03-14T14:31:48.430" v="532" actId="26606"/>
-          <ac:spMkLst>
-            <pc:docMk/>
-            <pc:sldMk cId="2552276343" sldId="265"/>
-            <ac:spMk id="39" creationId="{57C37CE9-19CE-49DF-A887-2214EBB1F097}"/>
-          </ac:spMkLst>
-        </pc:spChg>
-        <pc:spChg chg="add">
-          <ac:chgData name="qin yang" userId="63999d83fc6661ca" providerId="LiveId" clId="{25962BF9-3915-4843-9028-566ECA26CE24}" dt="2022-03-14T14:31:48.430" v="532" actId="26606"/>
-          <ac:spMkLst>
-            <pc:docMk/>
-            <pc:sldMk cId="2552276343" sldId="265"/>
-            <ac:spMk id="41" creationId="{7EF84E8E-7E93-4DEE-BCFB-2AE29098B5C3}"/>
-          </ac:spMkLst>
-        </pc:spChg>
-        <pc:spChg chg="add">
-          <ac:chgData name="qin yang" userId="63999d83fc6661ca" providerId="LiveId" clId="{25962BF9-3915-4843-9028-566ECA26CE24}" dt="2022-03-14T14:31:48.430" v="532" actId="26606"/>
-          <ac:spMkLst>
-            <pc:docMk/>
-            <pc:sldMk cId="2552276343" sldId="265"/>
-            <ac:spMk id="43" creationId="{9046502B-E9B6-4225-B8EE-BC5D644686B0}"/>
-          </ac:spMkLst>
-        </pc:spChg>
-        <pc:picChg chg="add mod">
-          <ac:chgData name="qin yang" userId="63999d83fc6661ca" providerId="LiveId" clId="{25962BF9-3915-4843-9028-566ECA26CE24}" dt="2022-03-14T14:31:48.430" v="532" actId="26606"/>
-          <ac:picMkLst>
-            <pc:docMk/>
-            <pc:sldMk cId="2552276343" sldId="265"/>
-            <ac:picMk id="5" creationId="{05DBF83F-3892-4D89-A950-60F0C81C3C5C}"/>
-          </ac:picMkLst>
-        </pc:picChg>
-        <pc:picChg chg="add mod">
-          <ac:chgData name="qin yang" userId="63999d83fc6661ca" providerId="LiveId" clId="{25962BF9-3915-4843-9028-566ECA26CE24}" dt="2022-03-14T14:31:48.430" v="532" actId="26606"/>
-          <ac:picMkLst>
-            <pc:docMk/>
-            <pc:sldMk cId="2552276343" sldId="265"/>
-            <ac:picMk id="7" creationId="{F5F13E96-353F-4611-B029-074E4B11D7EB}"/>
-          </ac:picMkLst>
-        </pc:picChg>
-        <pc:picChg chg="add mod">
-          <ac:chgData name="qin yang" userId="63999d83fc6661ca" providerId="LiveId" clId="{25962BF9-3915-4843-9028-566ECA26CE24}" dt="2022-03-14T14:31:48.430" v="532" actId="26606"/>
-          <ac:picMkLst>
-            <pc:docMk/>
-            <pc:sldMk cId="2552276343" sldId="265"/>
-            <ac:picMk id="9" creationId="{7119FE9D-7923-4778-BD39-5226E8F60493}"/>
-          </ac:picMkLst>
-        </pc:picChg>
-        <pc:picChg chg="add mod">
-          <ac:chgData name="qin yang" userId="63999d83fc6661ca" providerId="LiveId" clId="{25962BF9-3915-4843-9028-566ECA26CE24}" dt="2022-03-14T14:31:48.430" v="532" actId="26606"/>
-          <ac:picMkLst>
-            <pc:docMk/>
-            <pc:sldMk cId="2552276343" sldId="265"/>
-            <ac:picMk id="11" creationId="{10F0A075-A135-4406-9E47-C9B830BEEF1E}"/>
-          </ac:picMkLst>
-        </pc:picChg>
-      </pc:sldChg>
-      <pc:sldChg chg="addSp delSp modSp del mod">
-        <pc:chgData name="qin yang" userId="63999d83fc6661ca" providerId="LiveId" clId="{25962BF9-3915-4843-9028-566ECA26CE24}" dt="2022-03-15T13:14:50.229" v="548" actId="47"/>
-        <pc:sldMkLst>
-          <pc:docMk/>
-          <pc:sldMk cId="3007869653" sldId="266"/>
-        </pc:sldMkLst>
-        <pc:spChg chg="add mod">
-          <ac:chgData name="qin yang" userId="63999d83fc6661ca" providerId="LiveId" clId="{25962BF9-3915-4843-9028-566ECA26CE24}" dt="2022-03-15T13:14:28.935" v="542" actId="21"/>
-          <ac:spMkLst>
-            <pc:docMk/>
-            <pc:sldMk cId="3007869653" sldId="266"/>
-            <ac:spMk id="3" creationId="{B46CCE3B-63BB-43A9-B04A-1C016E80A2D9}"/>
-          </ac:spMkLst>
-        </pc:spChg>
-        <pc:picChg chg="del mod">
-          <ac:chgData name="qin yang" userId="63999d83fc6661ca" providerId="LiveId" clId="{25962BF9-3915-4843-9028-566ECA26CE24}" dt="2022-03-15T13:14:28.935" v="542" actId="21"/>
-          <ac:picMkLst>
-            <pc:docMk/>
-            <pc:sldMk cId="3007869653" sldId="266"/>
-            <ac:picMk id="11" creationId="{217133DA-4AB7-4F96-AE71-3D7B43E83FD2}"/>
-          </ac:picMkLst>
-        </pc:picChg>
-      </pc:sldChg>
-      <pc:sldChg chg="addSp delSp modSp mod">
-        <pc:chgData name="qin yang" userId="63999d83fc6661ca" providerId="LiveId" clId="{25962BF9-3915-4843-9028-566ECA26CE24}" dt="2022-03-15T13:12:50.879" v="539" actId="14100"/>
-        <pc:sldMkLst>
-          <pc:docMk/>
-          <pc:sldMk cId="3106087218" sldId="267"/>
-        </pc:sldMkLst>
-        <pc:spChg chg="add mod">
-          <ac:chgData name="qin yang" userId="63999d83fc6661ca" providerId="LiveId" clId="{25962BF9-3915-4843-9028-566ECA26CE24}" dt="2022-03-15T13:12:33.642" v="534" actId="478"/>
-          <ac:spMkLst>
-            <pc:docMk/>
-            <pc:sldMk cId="3106087218" sldId="267"/>
-            <ac:spMk id="3" creationId="{D4257548-B474-4AEC-A91B-8125435E9456}"/>
-          </ac:spMkLst>
-        </pc:spChg>
-        <pc:picChg chg="del">
-          <ac:chgData name="qin yang" userId="63999d83fc6661ca" providerId="LiveId" clId="{25962BF9-3915-4843-9028-566ECA26CE24}" dt="2022-03-15T13:12:33.642" v="534" actId="478"/>
-          <ac:picMkLst>
-            <pc:docMk/>
-            <pc:sldMk cId="3106087218" sldId="267"/>
-            <ac:picMk id="5" creationId="{A247D514-79E6-4CA8-B023-7BE66AB27256}"/>
-          </ac:picMkLst>
-        </pc:picChg>
-        <pc:picChg chg="add mod">
-          <ac:chgData name="qin yang" userId="63999d83fc6661ca" providerId="LiveId" clId="{25962BF9-3915-4843-9028-566ECA26CE24}" dt="2022-03-15T13:12:50.879" v="539" actId="14100"/>
-          <ac:picMkLst>
-            <pc:docMk/>
-            <pc:sldMk cId="3106087218" sldId="267"/>
-            <ac:picMk id="6" creationId="{4F93BB47-E387-4008-95A8-86049DEE14F7}"/>
-          </ac:picMkLst>
-        </pc:picChg>
-      </pc:sldChg>
-      <pc:sldChg chg="addSp delSp modSp new mod">
-        <pc:chgData name="qin yang" userId="63999d83fc6661ca" providerId="LiveId" clId="{25962BF9-3915-4843-9028-566ECA26CE24}" dt="2022-03-15T13:14:44.903" v="547" actId="1076"/>
-        <pc:sldMkLst>
-          <pc:docMk/>
-          <pc:sldMk cId="87719185" sldId="268"/>
-        </pc:sldMkLst>
-        <pc:spChg chg="del">
-          <ac:chgData name="qin yang" userId="63999d83fc6661ca" providerId="LiveId" clId="{25962BF9-3915-4843-9028-566ECA26CE24}" dt="2022-03-15T13:14:37.220" v="544" actId="478"/>
-          <ac:spMkLst>
-            <pc:docMk/>
-            <pc:sldMk cId="87719185" sldId="268"/>
-            <ac:spMk id="2" creationId="{12636E12-869E-4C44-9193-E876BDAAA32C}"/>
-          </ac:spMkLst>
-        </pc:spChg>
-        <pc:spChg chg="del">
-          <ac:chgData name="qin yang" userId="63999d83fc6661ca" providerId="LiveId" clId="{25962BF9-3915-4843-9028-566ECA26CE24}" dt="2022-03-15T13:14:39.612" v="545" actId="478"/>
-          <ac:spMkLst>
-            <pc:docMk/>
-            <pc:sldMk cId="87719185" sldId="268"/>
-            <ac:spMk id="3" creationId="{0DEDDDB4-B5B4-45B3-AA86-C4E327F73863}"/>
-          </ac:spMkLst>
-        </pc:spChg>
-        <pc:picChg chg="add mod">
-          <ac:chgData name="qin yang" userId="63999d83fc6661ca" providerId="LiveId" clId="{25962BF9-3915-4843-9028-566ECA26CE24}" dt="2022-03-15T13:14:44.903" v="547" actId="1076"/>
-          <ac:picMkLst>
-            <pc:docMk/>
-            <pc:sldMk cId="87719185" sldId="268"/>
-            <ac:picMk id="4" creationId="{C170E842-7D6D-4AF1-B56A-B1BA141352D8}"/>
-          </ac:picMkLst>
-        </pc:picChg>
-      </pc:sldChg>
-      <pc:sldChg chg="addSp delSp modSp new mod setBg">
-        <pc:chgData name="qin yang" userId="63999d83fc6661ca" providerId="LiveId" clId="{25962BF9-3915-4843-9028-566ECA26CE24}" dt="2022-03-15T13:38:35.102" v="564" actId="1076"/>
-        <pc:sldMkLst>
-          <pc:docMk/>
-          <pc:sldMk cId="1003998355" sldId="269"/>
-        </pc:sldMkLst>
-        <pc:spChg chg="add del">
-          <ac:chgData name="qin yang" userId="63999d83fc6661ca" providerId="LiveId" clId="{25962BF9-3915-4843-9028-566ECA26CE24}" dt="2022-03-15T13:38:23.587" v="561" actId="478"/>
-          <ac:spMkLst>
-            <pc:docMk/>
-            <pc:sldMk cId="1003998355" sldId="269"/>
-            <ac:spMk id="2" creationId="{990DEC9D-5E4F-4503-B486-0EBA3691D941}"/>
-          </ac:spMkLst>
-        </pc:spChg>
-        <pc:spChg chg="del">
-          <ac:chgData name="qin yang" userId="63999d83fc6661ca" providerId="LiveId" clId="{25962BF9-3915-4843-9028-566ECA26CE24}" dt="2022-03-15T13:38:05.286" v="553" actId="22"/>
-          <ac:spMkLst>
-            <pc:docMk/>
-            <pc:sldMk cId="1003998355" sldId="269"/>
-            <ac:spMk id="3" creationId="{709FE8BE-D503-4544-A40A-D4EDE5006C08}"/>
-          </ac:spMkLst>
-        </pc:spChg>
-        <pc:spChg chg="add del">
-          <ac:chgData name="qin yang" userId="63999d83fc6661ca" providerId="LiveId" clId="{25962BF9-3915-4843-9028-566ECA26CE24}" dt="2022-03-15T13:38:20.908" v="560" actId="26606"/>
-          <ac:spMkLst>
-            <pc:docMk/>
-            <pc:sldMk cId="1003998355" sldId="269"/>
-            <ac:spMk id="10" creationId="{DD7EAFE6-2BB9-41FB-9CF4-588CFC708774}"/>
-          </ac:spMkLst>
-        </pc:spChg>
-        <pc:spChg chg="add del">
-          <ac:chgData name="qin yang" userId="63999d83fc6661ca" providerId="LiveId" clId="{25962BF9-3915-4843-9028-566ECA26CE24}" dt="2022-03-15T13:38:20.908" v="560" actId="26606"/>
-          <ac:spMkLst>
-            <pc:docMk/>
-            <pc:sldMk cId="1003998355" sldId="269"/>
-            <ac:spMk id="12" creationId="{8A2477EE-FBE5-4DB7-8438-DE1CAC61A2EA}"/>
-          </ac:spMkLst>
-        </pc:spChg>
-        <pc:spChg chg="add del">
-          <ac:chgData name="qin yang" userId="63999d83fc6661ca" providerId="LiveId" clId="{25962BF9-3915-4843-9028-566ECA26CE24}" dt="2022-03-15T13:38:20.908" v="560" actId="26606"/>
-          <ac:spMkLst>
-            <pc:docMk/>
-            <pc:sldMk cId="1003998355" sldId="269"/>
-            <ac:spMk id="14" creationId="{5B0E521E-8528-4E92-8B8C-67ED5C5BD0EB}"/>
-          </ac:spMkLst>
-        </pc:spChg>
-        <pc:picChg chg="add mod ord">
-          <ac:chgData name="qin yang" userId="63999d83fc6661ca" providerId="LiveId" clId="{25962BF9-3915-4843-9028-566ECA26CE24}" dt="2022-03-15T13:38:35.102" v="564" actId="1076"/>
-          <ac:picMkLst>
-            <pc:docMk/>
-            <pc:sldMk cId="1003998355" sldId="269"/>
-            <ac:picMk id="5" creationId="{C910BA31-C7F0-43C0-95F9-6AE07F911830}"/>
-          </ac:picMkLst>
-        </pc:picChg>
-      </pc:sldChg>
-    </pc:docChg>
-  </pc:docChgLst>
-  <pc:docChgLst>
     <pc:chgData name="qin yang" userId="63999d83fc6661ca" providerId="LiveId" clId="{AA885303-B24C-42C9-A7B7-E21B26CD386A}"/>
     <pc:docChg chg="undo custSel addSld modSld sldOrd">
       <pc:chgData name="qin yang" userId="63999d83fc6661ca" providerId="LiveId" clId="{AA885303-B24C-42C9-A7B7-E21B26CD386A}" dt="2022-01-06T04:20:13.973" v="181"/>
@@ -2129,6 +1166,970 @@
             <ac:inkMk id="91" creationId="{309CCC5D-EE56-CF4B-8990-ACBD098B0519}"/>
           </ac:inkMkLst>
         </pc:inkChg>
+      </pc:sldChg>
+    </pc:docChg>
+  </pc:docChgLst>
+  <pc:docChgLst>
+    <pc:chgData name="qin yang" userId="63999d83fc6661ca" providerId="LiveId" clId="{25962BF9-3915-4843-9028-566ECA26CE24}"/>
+    <pc:docChg chg="undo custSel addSld delSld modSld sldOrd">
+      <pc:chgData name="qin yang" userId="63999d83fc6661ca" providerId="LiveId" clId="{25962BF9-3915-4843-9028-566ECA26CE24}" dt="2022-03-15T13:38:35.102" v="564" actId="1076"/>
+      <pc:docMkLst>
+        <pc:docMk/>
+      </pc:docMkLst>
+      <pc:sldChg chg="addSp delSp modSp mod delAnim modAnim">
+        <pc:chgData name="qin yang" userId="63999d83fc6661ca" providerId="LiveId" clId="{25962BF9-3915-4843-9028-566ECA26CE24}" dt="2022-03-14T13:21:54.472" v="412" actId="113"/>
+        <pc:sldMkLst>
+          <pc:docMk/>
+          <pc:sldMk cId="2402930816" sldId="257"/>
+        </pc:sldMkLst>
+        <pc:spChg chg="mod">
+          <ac:chgData name="qin yang" userId="63999d83fc6661ca" providerId="LiveId" clId="{25962BF9-3915-4843-9028-566ECA26CE24}" dt="2022-03-14T12:57:31.720" v="105" actId="14100"/>
+          <ac:spMkLst>
+            <pc:docMk/>
+            <pc:sldMk cId="2402930816" sldId="257"/>
+            <ac:spMk id="2" creationId="{9908D9DF-1DBB-4670-B2E3-03DD0DB2A1BE}"/>
+          </ac:spMkLst>
+        </pc:spChg>
+        <pc:spChg chg="add del mod">
+          <ac:chgData name="qin yang" userId="63999d83fc6661ca" providerId="LiveId" clId="{25962BF9-3915-4843-9028-566ECA26CE24}" dt="2022-03-14T13:02:31.746" v="222" actId="478"/>
+          <ac:spMkLst>
+            <pc:docMk/>
+            <pc:sldMk cId="2402930816" sldId="257"/>
+            <ac:spMk id="4" creationId="{C331F91A-1A7F-4353-BEBD-18A3E1CD9EE4}"/>
+          </ac:spMkLst>
+        </pc:spChg>
+        <pc:spChg chg="add mod">
+          <ac:chgData name="qin yang" userId="63999d83fc6661ca" providerId="LiveId" clId="{25962BF9-3915-4843-9028-566ECA26CE24}" dt="2022-03-14T13:14:10.677" v="363" actId="164"/>
+          <ac:spMkLst>
+            <pc:docMk/>
+            <pc:sldMk cId="2402930816" sldId="257"/>
+            <ac:spMk id="5" creationId="{4E873C74-4A54-4882-B1B8-892BA27E707C}"/>
+          </ac:spMkLst>
+        </pc:spChg>
+        <pc:spChg chg="add mod">
+          <ac:chgData name="qin yang" userId="63999d83fc6661ca" providerId="LiveId" clId="{25962BF9-3915-4843-9028-566ECA26CE24}" dt="2022-03-14T13:10:50.406" v="362" actId="1076"/>
+          <ac:spMkLst>
+            <pc:docMk/>
+            <pc:sldMk cId="2402930816" sldId="257"/>
+            <ac:spMk id="6" creationId="{7723E7C4-76AA-403A-81BD-A6E266792939}"/>
+          </ac:spMkLst>
+        </pc:spChg>
+        <pc:spChg chg="add mod">
+          <ac:chgData name="qin yang" userId="63999d83fc6661ca" providerId="LiveId" clId="{25962BF9-3915-4843-9028-566ECA26CE24}" dt="2022-03-14T13:21:54.472" v="412" actId="113"/>
+          <ac:spMkLst>
+            <pc:docMk/>
+            <pc:sldMk cId="2402930816" sldId="257"/>
+            <ac:spMk id="7" creationId="{2DA8A58B-B7FF-4FAF-8F8F-7F6F822B5770}"/>
+          </ac:spMkLst>
+        </pc:spChg>
+        <pc:spChg chg="add mod">
+          <ac:chgData name="qin yang" userId="63999d83fc6661ca" providerId="LiveId" clId="{25962BF9-3915-4843-9028-566ECA26CE24}" dt="2022-03-14T13:10:16.693" v="361" actId="164"/>
+          <ac:spMkLst>
+            <pc:docMk/>
+            <pc:sldMk cId="2402930816" sldId="257"/>
+            <ac:spMk id="8" creationId="{B76A6855-342A-44EA-B75D-D5666F9F16F3}"/>
+          </ac:spMkLst>
+        </pc:spChg>
+        <pc:spChg chg="add mod">
+          <ac:chgData name="qin yang" userId="63999d83fc6661ca" providerId="LiveId" clId="{25962BF9-3915-4843-9028-566ECA26CE24}" dt="2022-03-14T13:09:37.686" v="357" actId="1076"/>
+          <ac:spMkLst>
+            <pc:docMk/>
+            <pc:sldMk cId="2402930816" sldId="257"/>
+            <ac:spMk id="10" creationId="{DD0CFF16-78B7-4F41-B454-7A5A74B37FB4}"/>
+          </ac:spMkLst>
+        </pc:spChg>
+        <pc:spChg chg="add mod">
+          <ac:chgData name="qin yang" userId="63999d83fc6661ca" providerId="LiveId" clId="{25962BF9-3915-4843-9028-566ECA26CE24}" dt="2022-03-14T13:14:10.677" v="363" actId="164"/>
+          <ac:spMkLst>
+            <pc:docMk/>
+            <pc:sldMk cId="2402930816" sldId="257"/>
+            <ac:spMk id="11" creationId="{6385249C-B6B7-4AE2-86F1-FEA65ABDA2A4}"/>
+          </ac:spMkLst>
+        </pc:spChg>
+        <pc:spChg chg="del mod">
+          <ac:chgData name="qin yang" userId="63999d83fc6661ca" providerId="LiveId" clId="{25962BF9-3915-4843-9028-566ECA26CE24}" dt="2022-03-14T13:02:18.349" v="215" actId="478"/>
+          <ac:spMkLst>
+            <pc:docMk/>
+            <pc:sldMk cId="2402930816" sldId="257"/>
+            <ac:spMk id="13" creationId="{0B2B9C25-43D0-4E07-ABE4-E296A8A561F7}"/>
+          </ac:spMkLst>
+        </pc:spChg>
+        <pc:spChg chg="add del mod">
+          <ac:chgData name="qin yang" userId="63999d83fc6661ca" providerId="LiveId" clId="{25962BF9-3915-4843-9028-566ECA26CE24}" dt="2022-03-14T13:19:32.564" v="386"/>
+          <ac:spMkLst>
+            <pc:docMk/>
+            <pc:sldMk cId="2402930816" sldId="257"/>
+            <ac:spMk id="15" creationId="{E6AA993C-2C36-46A5-AFEA-C3DCAB6DDC69}"/>
+          </ac:spMkLst>
+        </pc:spChg>
+        <pc:spChg chg="add del">
+          <ac:chgData name="qin yang" userId="63999d83fc6661ca" providerId="LiveId" clId="{25962BF9-3915-4843-9028-566ECA26CE24}" dt="2022-03-14T13:17:07.159" v="371" actId="34122"/>
+          <ac:spMkLst>
+            <pc:docMk/>
+            <pc:sldMk cId="2402930816" sldId="257"/>
+            <ac:spMk id="29" creationId="{B9EAC7FA-CE85-4E0A-8E2A-76439E6FCF47}"/>
+          </ac:spMkLst>
+        </pc:spChg>
+        <pc:grpChg chg="add mod">
+          <ac:chgData name="qin yang" userId="63999d83fc6661ca" providerId="LiveId" clId="{25962BF9-3915-4843-9028-566ECA26CE24}" dt="2022-03-14T13:10:16.693" v="361" actId="164"/>
+          <ac:grpSpMkLst>
+            <pc:docMk/>
+            <pc:sldMk cId="2402930816" sldId="257"/>
+            <ac:grpSpMk id="12" creationId="{A24072BB-F3B0-4F8A-8B58-A2187F1D5524}"/>
+          </ac:grpSpMkLst>
+        </pc:grpChg>
+        <pc:grpChg chg="add mod">
+          <ac:chgData name="qin yang" userId="63999d83fc6661ca" providerId="LiveId" clId="{25962BF9-3915-4843-9028-566ECA26CE24}" dt="2022-03-14T13:14:10.677" v="363" actId="164"/>
+          <ac:grpSpMkLst>
+            <pc:docMk/>
+            <pc:sldMk cId="2402930816" sldId="257"/>
+            <ac:grpSpMk id="14" creationId="{3DF41F56-C137-4C68-B1CF-B1DDAEA23F7F}"/>
+          </ac:grpSpMkLst>
+        </pc:grpChg>
+        <pc:picChg chg="del">
+          <ac:chgData name="qin yang" userId="63999d83fc6661ca" providerId="LiveId" clId="{25962BF9-3915-4843-9028-566ECA26CE24}" dt="2022-03-14T12:57:40.994" v="106" actId="478"/>
+          <ac:picMkLst>
+            <pc:docMk/>
+            <pc:sldMk cId="2402930816" sldId="257"/>
+            <ac:picMk id="9" creationId="{8235387A-9BAF-4A1C-AC6A-722067967BA6}"/>
+          </ac:picMkLst>
+        </pc:picChg>
+        <pc:inkChg chg="add del">
+          <ac:chgData name="qin yang" userId="63999d83fc6661ca" providerId="LiveId" clId="{25962BF9-3915-4843-9028-566ECA26CE24}" dt="2022-03-14T13:17:07.159" v="371" actId="34122"/>
+          <ac:inkMkLst>
+            <pc:docMk/>
+            <pc:sldMk cId="2402930816" sldId="257"/>
+            <ac:inkMk id="35" creationId="{9A180D14-569A-2A4A-8D89-BC816F7645EA}"/>
+          </ac:inkMkLst>
+        </pc:inkChg>
+      </pc:sldChg>
+      <pc:sldChg chg="modSp mod ord">
+        <pc:chgData name="qin yang" userId="63999d83fc6661ca" providerId="LiveId" clId="{25962BF9-3915-4843-9028-566ECA26CE24}" dt="2022-03-14T13:30:47.621" v="486"/>
+        <pc:sldMkLst>
+          <pc:docMk/>
+          <pc:sldMk cId="2396194735" sldId="258"/>
+        </pc:sldMkLst>
+        <pc:spChg chg="mod">
+          <ac:chgData name="qin yang" userId="63999d83fc6661ca" providerId="LiveId" clId="{25962BF9-3915-4843-9028-566ECA26CE24}" dt="2022-03-14T12:42:41.958" v="40" actId="20577"/>
+          <ac:spMkLst>
+            <pc:docMk/>
+            <pc:sldMk cId="2396194735" sldId="258"/>
+            <ac:spMk id="2" creationId="{6AE3E0C3-136A-4138-B6C9-A5CCB5E46AA5}"/>
+          </ac:spMkLst>
+        </pc:spChg>
+        <pc:graphicFrameChg chg="mod modGraphic">
+          <ac:chgData name="qin yang" userId="63999d83fc6661ca" providerId="LiveId" clId="{25962BF9-3915-4843-9028-566ECA26CE24}" dt="2022-03-14T13:24:43.689" v="440" actId="113"/>
+          <ac:graphicFrameMkLst>
+            <pc:docMk/>
+            <pc:sldMk cId="2396194735" sldId="258"/>
+            <ac:graphicFrameMk id="4" creationId="{8B17AC98-AD2D-4FDA-9B1E-FD308DA6A089}"/>
+          </ac:graphicFrameMkLst>
+        </pc:graphicFrameChg>
+      </pc:sldChg>
+      <pc:sldChg chg="addSp delSp modSp mod ord">
+        <pc:chgData name="qin yang" userId="63999d83fc6661ca" providerId="LiveId" clId="{25962BF9-3915-4843-9028-566ECA26CE24}" dt="2022-03-14T13:30:37.034" v="484" actId="26606"/>
+        <pc:sldMkLst>
+          <pc:docMk/>
+          <pc:sldMk cId="2865333391" sldId="259"/>
+        </pc:sldMkLst>
+        <pc:spChg chg="add del">
+          <ac:chgData name="qin yang" userId="63999d83fc6661ca" providerId="LiveId" clId="{25962BF9-3915-4843-9028-566ECA26CE24}" dt="2022-03-14T13:30:37.034" v="484" actId="26606"/>
+          <ac:spMkLst>
+            <pc:docMk/>
+            <pc:sldMk cId="2865333391" sldId="259"/>
+            <ac:spMk id="47" creationId="{32768DCD-B824-413A-B330-8D57ADB3724C}"/>
+          </ac:spMkLst>
+        </pc:spChg>
+        <pc:spChg chg="add del">
+          <ac:chgData name="qin yang" userId="63999d83fc6661ca" providerId="LiveId" clId="{25962BF9-3915-4843-9028-566ECA26CE24}" dt="2022-03-14T13:30:37.034" v="484" actId="26606"/>
+          <ac:spMkLst>
+            <pc:docMk/>
+            <pc:sldMk cId="2865333391" sldId="259"/>
+            <ac:spMk id="48" creationId="{19F9CD66-32FC-448F-B4C5-67D17508A226}"/>
+          </ac:spMkLst>
+        </pc:spChg>
+        <pc:spChg chg="mod ord">
+          <ac:chgData name="qin yang" userId="63999d83fc6661ca" providerId="LiveId" clId="{25962BF9-3915-4843-9028-566ECA26CE24}" dt="2022-03-14T13:30:37.034" v="484" actId="26606"/>
+          <ac:spMkLst>
+            <pc:docMk/>
+            <pc:sldMk cId="2865333391" sldId="259"/>
+            <ac:spMk id="49" creationId="{2D512381-8B4F-4314-BDB9-F93ECABFE2BA}"/>
+          </ac:spMkLst>
+        </pc:spChg>
+        <pc:spChg chg="add del">
+          <ac:chgData name="qin yang" userId="63999d83fc6661ca" providerId="LiveId" clId="{25962BF9-3915-4843-9028-566ECA26CE24}" dt="2022-03-14T13:30:37.013" v="483" actId="26606"/>
+          <ac:spMkLst>
+            <pc:docMk/>
+            <pc:sldMk cId="2865333391" sldId="259"/>
+            <ac:spMk id="54" creationId="{DD7EAFE6-2BB9-41FB-9CF4-588CFC708774}"/>
+          </ac:spMkLst>
+        </pc:spChg>
+        <pc:spChg chg="add del">
+          <ac:chgData name="qin yang" userId="63999d83fc6661ca" providerId="LiveId" clId="{25962BF9-3915-4843-9028-566ECA26CE24}" dt="2022-03-14T13:30:37.013" v="483" actId="26606"/>
+          <ac:spMkLst>
+            <pc:docMk/>
+            <pc:sldMk cId="2865333391" sldId="259"/>
+            <ac:spMk id="56" creationId="{C3E06833-B59C-442F-9A6A-F8F55936D530}"/>
+          </ac:spMkLst>
+        </pc:spChg>
+        <pc:spChg chg="add del">
+          <ac:chgData name="qin yang" userId="63999d83fc6661ca" providerId="LiveId" clId="{25962BF9-3915-4843-9028-566ECA26CE24}" dt="2022-03-14T13:30:37.013" v="483" actId="26606"/>
+          <ac:spMkLst>
+            <pc:docMk/>
+            <pc:sldMk cId="2865333391" sldId="259"/>
+            <ac:spMk id="58" creationId="{FA2016CF-2F24-4AE4-8A87-D9B6A3DE31E2}"/>
+          </ac:spMkLst>
+        </pc:spChg>
+        <pc:spChg chg="add">
+          <ac:chgData name="qin yang" userId="63999d83fc6661ca" providerId="LiveId" clId="{25962BF9-3915-4843-9028-566ECA26CE24}" dt="2022-03-14T13:30:37.034" v="484" actId="26606"/>
+          <ac:spMkLst>
+            <pc:docMk/>
+            <pc:sldMk cId="2865333391" sldId="259"/>
+            <ac:spMk id="60" creationId="{02E45E95-311C-41C7-A882-6E43F0806865}"/>
+          </ac:spMkLst>
+        </pc:spChg>
+        <pc:spChg chg="add">
+          <ac:chgData name="qin yang" userId="63999d83fc6661ca" providerId="LiveId" clId="{25962BF9-3915-4843-9028-566ECA26CE24}" dt="2022-03-14T13:30:37.034" v="484" actId="26606"/>
+          <ac:spMkLst>
+            <pc:docMk/>
+            <pc:sldMk cId="2865333391" sldId="259"/>
+            <ac:spMk id="61" creationId="{DD7EAFE6-2BB9-41FB-9CF4-588CFC708774}"/>
+          </ac:spMkLst>
+        </pc:spChg>
+        <pc:spChg chg="add">
+          <ac:chgData name="qin yang" userId="63999d83fc6661ca" providerId="LiveId" clId="{25962BF9-3915-4843-9028-566ECA26CE24}" dt="2022-03-14T13:30:37.034" v="484" actId="26606"/>
+          <ac:spMkLst>
+            <pc:docMk/>
+            <pc:sldMk cId="2865333391" sldId="259"/>
+            <ac:spMk id="62" creationId="{B7299D5D-ECC5-41EB-B830-C3A35FB35516}"/>
+          </ac:spMkLst>
+        </pc:spChg>
+        <pc:spChg chg="add">
+          <ac:chgData name="qin yang" userId="63999d83fc6661ca" providerId="LiveId" clId="{25962BF9-3915-4843-9028-566ECA26CE24}" dt="2022-03-14T13:30:37.034" v="484" actId="26606"/>
+          <ac:spMkLst>
+            <pc:docMk/>
+            <pc:sldMk cId="2865333391" sldId="259"/>
+            <ac:spMk id="63" creationId="{610334BF-0422-4A9A-BE46-AEB8C348BAC4}"/>
+          </ac:spMkLst>
+        </pc:spChg>
+        <pc:spChg chg="add">
+          <ac:chgData name="qin yang" userId="63999d83fc6661ca" providerId="LiveId" clId="{25962BF9-3915-4843-9028-566ECA26CE24}" dt="2022-03-14T13:30:37.034" v="484" actId="26606"/>
+          <ac:spMkLst>
+            <pc:docMk/>
+            <pc:sldMk cId="2865333391" sldId="259"/>
+            <ac:spMk id="64" creationId="{88C91735-5EFE-44D1-8CC6-FDF0D11B6F5D}"/>
+          </ac:spMkLst>
+        </pc:spChg>
+        <pc:spChg chg="add">
+          <ac:chgData name="qin yang" userId="63999d83fc6661ca" providerId="LiveId" clId="{25962BF9-3915-4843-9028-566ECA26CE24}" dt="2022-03-14T13:30:37.034" v="484" actId="26606"/>
+          <ac:spMkLst>
+            <pc:docMk/>
+            <pc:sldMk cId="2865333391" sldId="259"/>
+            <ac:spMk id="65" creationId="{C98F2823-0279-49D8-928D-754B222533EF}"/>
+          </ac:spMkLst>
+        </pc:spChg>
+        <pc:spChg chg="add">
+          <ac:chgData name="qin yang" userId="63999d83fc6661ca" providerId="LiveId" clId="{25962BF9-3915-4843-9028-566ECA26CE24}" dt="2022-03-14T13:30:37.034" v="484" actId="26606"/>
+          <ac:spMkLst>
+            <pc:docMk/>
+            <pc:sldMk cId="2865333391" sldId="259"/>
+            <ac:spMk id="66" creationId="{D33F926C-2613-475D-AEE4-CD7D87D3BA2D}"/>
+          </ac:spMkLst>
+        </pc:spChg>
+        <pc:picChg chg="add mod ord">
+          <ac:chgData name="qin yang" userId="63999d83fc6661ca" providerId="LiveId" clId="{25962BF9-3915-4843-9028-566ECA26CE24}" dt="2022-03-14T13:30:37.034" v="484" actId="26606"/>
+          <ac:picMkLst>
+            <pc:docMk/>
+            <pc:sldMk cId="2865333391" sldId="259"/>
+            <ac:picMk id="3" creationId="{AE899F8C-7050-4B39-8BDE-BC88249DDCF9}"/>
+          </ac:picMkLst>
+        </pc:picChg>
+        <pc:picChg chg="del">
+          <ac:chgData name="qin yang" userId="63999d83fc6661ca" providerId="LiveId" clId="{25962BF9-3915-4843-9028-566ECA26CE24}" dt="2022-03-14T12:40:33.987" v="0" actId="478"/>
+          <ac:picMkLst>
+            <pc:docMk/>
+            <pc:sldMk cId="2865333391" sldId="259"/>
+            <ac:picMk id="15" creationId="{A401E6B4-5292-488F-A5F5-B3309EE05872}"/>
+          </ac:picMkLst>
+        </pc:picChg>
+      </pc:sldChg>
+      <pc:sldChg chg="addSp delSp modSp mod">
+        <pc:chgData name="qin yang" userId="63999d83fc6661ca" providerId="LiveId" clId="{25962BF9-3915-4843-9028-566ECA26CE24}" dt="2022-03-14T13:31:15.314" v="491" actId="26606"/>
+        <pc:sldMkLst>
+          <pc:docMk/>
+          <pc:sldMk cId="3805607248" sldId="260"/>
+        </pc:sldMkLst>
+        <pc:spChg chg="mod">
+          <ac:chgData name="qin yang" userId="63999d83fc6661ca" providerId="LiveId" clId="{25962BF9-3915-4843-9028-566ECA26CE24}" dt="2022-03-14T13:31:15.314" v="491" actId="26606"/>
+          <ac:spMkLst>
+            <pc:docMk/>
+            <pc:sldMk cId="3805607248" sldId="260"/>
+            <ac:spMk id="2" creationId="{17C7E339-632E-4939-B7A3-FF7BA46BEDE8}"/>
+          </ac:spMkLst>
+        </pc:spChg>
+        <pc:spChg chg="mod">
+          <ac:chgData name="qin yang" userId="63999d83fc6661ca" providerId="LiveId" clId="{25962BF9-3915-4843-9028-566ECA26CE24}" dt="2022-03-14T13:31:15.314" v="491" actId="26606"/>
+          <ac:spMkLst>
+            <pc:docMk/>
+            <pc:sldMk cId="3805607248" sldId="260"/>
+            <ac:spMk id="21" creationId="{4A0D2B35-11EE-4698-BEB0-635D45105345}"/>
+          </ac:spMkLst>
+        </pc:spChg>
+        <pc:spChg chg="add del">
+          <ac:chgData name="qin yang" userId="63999d83fc6661ca" providerId="LiveId" clId="{25962BF9-3915-4843-9028-566ECA26CE24}" dt="2022-03-14T13:31:15.314" v="491" actId="26606"/>
+          <ac:spMkLst>
+            <pc:docMk/>
+            <pc:sldMk cId="3805607248" sldId="260"/>
+            <ac:spMk id="36" creationId="{32768DCD-B824-413A-B330-8D57ADB3724C}"/>
+          </ac:spMkLst>
+        </pc:spChg>
+        <pc:spChg chg="add del">
+          <ac:chgData name="qin yang" userId="63999d83fc6661ca" providerId="LiveId" clId="{25962BF9-3915-4843-9028-566ECA26CE24}" dt="2022-03-14T13:31:15.314" v="491" actId="26606"/>
+          <ac:spMkLst>
+            <pc:docMk/>
+            <pc:sldMk cId="3805607248" sldId="260"/>
+            <ac:spMk id="37" creationId="{19F9CD66-32FC-448F-B4C5-67D17508A226}"/>
+          </ac:spMkLst>
+        </pc:spChg>
+        <pc:spChg chg="add del">
+          <ac:chgData name="qin yang" userId="63999d83fc6661ca" providerId="LiveId" clId="{25962BF9-3915-4843-9028-566ECA26CE24}" dt="2022-03-14T13:31:12.560" v="489" actId="26606"/>
+          <ac:spMkLst>
+            <pc:docMk/>
+            <pc:sldMk cId="3805607248" sldId="260"/>
+            <ac:spMk id="42" creationId="{32768DCD-B824-413A-B330-8D57ADB3724C}"/>
+          </ac:spMkLst>
+        </pc:spChg>
+        <pc:spChg chg="add del">
+          <ac:chgData name="qin yang" userId="63999d83fc6661ca" providerId="LiveId" clId="{25962BF9-3915-4843-9028-566ECA26CE24}" dt="2022-03-14T13:31:12.560" v="489" actId="26606"/>
+          <ac:spMkLst>
+            <pc:docMk/>
+            <pc:sldMk cId="3805607248" sldId="260"/>
+            <ac:spMk id="44" creationId="{96E45848-BEDA-4F24-9C4E-DA2120958262}"/>
+          </ac:spMkLst>
+        </pc:spChg>
+        <pc:spChg chg="add del">
+          <ac:chgData name="qin yang" userId="63999d83fc6661ca" providerId="LiveId" clId="{25962BF9-3915-4843-9028-566ECA26CE24}" dt="2022-03-14T13:31:12.560" v="489" actId="26606"/>
+          <ac:spMkLst>
+            <pc:docMk/>
+            <pc:sldMk cId="3805607248" sldId="260"/>
+            <ac:spMk id="46" creationId="{B2BB8117-A903-442C-9223-A4FEB85C3271}"/>
+          </ac:spMkLst>
+        </pc:spChg>
+        <pc:spChg chg="add del">
+          <ac:chgData name="qin yang" userId="63999d83fc6661ca" providerId="LiveId" clId="{25962BF9-3915-4843-9028-566ECA26CE24}" dt="2022-03-14T13:31:12.560" v="489" actId="26606"/>
+          <ac:spMkLst>
+            <pc:docMk/>
+            <pc:sldMk cId="3805607248" sldId="260"/>
+            <ac:spMk id="48" creationId="{C59300B8-3117-43F8-9F8E-68DB9F002F92}"/>
+          </ac:spMkLst>
+        </pc:spChg>
+        <pc:spChg chg="add del">
+          <ac:chgData name="qin yang" userId="63999d83fc6661ca" providerId="LiveId" clId="{25962BF9-3915-4843-9028-566ECA26CE24}" dt="2022-03-14T13:31:12.560" v="489" actId="26606"/>
+          <ac:spMkLst>
+            <pc:docMk/>
+            <pc:sldMk cId="3805607248" sldId="260"/>
+            <ac:spMk id="50" creationId="{1AFAE680-42C1-4104-B74F-B0A8F1FB264A}"/>
+          </ac:spMkLst>
+        </pc:spChg>
+        <pc:spChg chg="add del">
+          <ac:chgData name="qin yang" userId="63999d83fc6661ca" providerId="LiveId" clId="{25962BF9-3915-4843-9028-566ECA26CE24}" dt="2022-03-14T13:31:12.560" v="489" actId="26606"/>
+          <ac:spMkLst>
+            <pc:docMk/>
+            <pc:sldMk cId="3805607248" sldId="260"/>
+            <ac:spMk id="52" creationId="{828A8BA9-B3FE-4C96-A0A1-72A0D2C85578}"/>
+          </ac:spMkLst>
+        </pc:spChg>
+        <pc:spChg chg="add del">
+          <ac:chgData name="qin yang" userId="63999d83fc6661ca" providerId="LiveId" clId="{25962BF9-3915-4843-9028-566ECA26CE24}" dt="2022-03-14T13:31:12.560" v="489" actId="26606"/>
+          <ac:spMkLst>
+            <pc:docMk/>
+            <pc:sldMk cId="3805607248" sldId="260"/>
+            <ac:spMk id="54" creationId="{16272B6F-135F-45E6-8F46-83B32059F20C}"/>
+          </ac:spMkLst>
+        </pc:spChg>
+        <pc:spChg chg="add del">
+          <ac:chgData name="qin yang" userId="63999d83fc6661ca" providerId="LiveId" clId="{25962BF9-3915-4843-9028-566ECA26CE24}" dt="2022-03-14T13:31:12.560" v="489" actId="26606"/>
+          <ac:spMkLst>
+            <pc:docMk/>
+            <pc:sldMk cId="3805607248" sldId="260"/>
+            <ac:spMk id="56" creationId="{19F9CD66-32FC-448F-B4C5-67D17508A226}"/>
+          </ac:spMkLst>
+        </pc:spChg>
+        <pc:spChg chg="add del">
+          <ac:chgData name="qin yang" userId="63999d83fc6661ca" providerId="LiveId" clId="{25962BF9-3915-4843-9028-566ECA26CE24}" dt="2022-03-14T13:31:15.314" v="491" actId="26606"/>
+          <ac:spMkLst>
+            <pc:docMk/>
+            <pc:sldMk cId="3805607248" sldId="260"/>
+            <ac:spMk id="58" creationId="{32768DCD-B824-413A-B330-8D57ADB3724C}"/>
+          </ac:spMkLst>
+        </pc:spChg>
+        <pc:spChg chg="add del">
+          <ac:chgData name="qin yang" userId="63999d83fc6661ca" providerId="LiveId" clId="{25962BF9-3915-4843-9028-566ECA26CE24}" dt="2022-03-14T13:31:15.314" v="491" actId="26606"/>
+          <ac:spMkLst>
+            <pc:docMk/>
+            <pc:sldMk cId="3805607248" sldId="260"/>
+            <ac:spMk id="59" creationId="{96E45848-BEDA-4F24-9C4E-DA2120958262}"/>
+          </ac:spMkLst>
+        </pc:spChg>
+        <pc:spChg chg="add del">
+          <ac:chgData name="qin yang" userId="63999d83fc6661ca" providerId="LiveId" clId="{25962BF9-3915-4843-9028-566ECA26CE24}" dt="2022-03-14T13:31:15.314" v="491" actId="26606"/>
+          <ac:spMkLst>
+            <pc:docMk/>
+            <pc:sldMk cId="3805607248" sldId="260"/>
+            <ac:spMk id="60" creationId="{B2BB8117-A903-442C-9223-A4FEB85C3271}"/>
+          </ac:spMkLst>
+        </pc:spChg>
+        <pc:spChg chg="add del">
+          <ac:chgData name="qin yang" userId="63999d83fc6661ca" providerId="LiveId" clId="{25962BF9-3915-4843-9028-566ECA26CE24}" dt="2022-03-14T13:31:15.314" v="491" actId="26606"/>
+          <ac:spMkLst>
+            <pc:docMk/>
+            <pc:sldMk cId="3805607248" sldId="260"/>
+            <ac:spMk id="61" creationId="{C59300B8-3117-43F8-9F8E-68DB9F002F92}"/>
+          </ac:spMkLst>
+        </pc:spChg>
+        <pc:spChg chg="add del">
+          <ac:chgData name="qin yang" userId="63999d83fc6661ca" providerId="LiveId" clId="{25962BF9-3915-4843-9028-566ECA26CE24}" dt="2022-03-14T13:31:15.314" v="491" actId="26606"/>
+          <ac:spMkLst>
+            <pc:docMk/>
+            <pc:sldMk cId="3805607248" sldId="260"/>
+            <ac:spMk id="62" creationId="{1AFAE680-42C1-4104-B74F-B0A8F1FB264A}"/>
+          </ac:spMkLst>
+        </pc:spChg>
+        <pc:spChg chg="add del">
+          <ac:chgData name="qin yang" userId="63999d83fc6661ca" providerId="LiveId" clId="{25962BF9-3915-4843-9028-566ECA26CE24}" dt="2022-03-14T13:31:15.314" v="491" actId="26606"/>
+          <ac:spMkLst>
+            <pc:docMk/>
+            <pc:sldMk cId="3805607248" sldId="260"/>
+            <ac:spMk id="63" creationId="{828A8BA9-B3FE-4C96-A0A1-72A0D2C85578}"/>
+          </ac:spMkLst>
+        </pc:spChg>
+        <pc:spChg chg="add del">
+          <ac:chgData name="qin yang" userId="63999d83fc6661ca" providerId="LiveId" clId="{25962BF9-3915-4843-9028-566ECA26CE24}" dt="2022-03-14T13:31:15.314" v="491" actId="26606"/>
+          <ac:spMkLst>
+            <pc:docMk/>
+            <pc:sldMk cId="3805607248" sldId="260"/>
+            <ac:spMk id="64" creationId="{19F9CD66-32FC-448F-B4C5-67D17508A226}"/>
+          </ac:spMkLst>
+        </pc:spChg>
+        <pc:picChg chg="mod">
+          <ac:chgData name="qin yang" userId="63999d83fc6661ca" providerId="LiveId" clId="{25962BF9-3915-4843-9028-566ECA26CE24}" dt="2022-03-14T13:31:15.314" v="491" actId="26606"/>
+          <ac:picMkLst>
+            <pc:docMk/>
+            <pc:sldMk cId="3805607248" sldId="260"/>
+            <ac:picMk id="5" creationId="{2E692F9D-97A7-4CFC-87E1-512B20BBA4A3}"/>
+          </ac:picMkLst>
+        </pc:picChg>
+      </pc:sldChg>
+      <pc:sldChg chg="addSp delSp modSp mod">
+        <pc:chgData name="qin yang" userId="63999d83fc6661ca" providerId="LiveId" clId="{25962BF9-3915-4843-9028-566ECA26CE24}" dt="2022-03-14T13:31:01.120" v="487" actId="26606"/>
+        <pc:sldMkLst>
+          <pc:docMk/>
+          <pc:sldMk cId="144986429" sldId="261"/>
+        </pc:sldMkLst>
+        <pc:spChg chg="mod">
+          <ac:chgData name="qin yang" userId="63999d83fc6661ca" providerId="LiveId" clId="{25962BF9-3915-4843-9028-566ECA26CE24}" dt="2022-03-14T13:31:01.120" v="487" actId="26606"/>
+          <ac:spMkLst>
+            <pc:docMk/>
+            <pc:sldMk cId="144986429" sldId="261"/>
+            <ac:spMk id="2" creationId="{B533C20E-CEBC-4EA9-861D-1361DDFD3724}"/>
+          </ac:spMkLst>
+        </pc:spChg>
+        <pc:spChg chg="del">
+          <ac:chgData name="qin yang" userId="63999d83fc6661ca" providerId="LiveId" clId="{25962BF9-3915-4843-9028-566ECA26CE24}" dt="2022-03-14T13:31:01.120" v="487" actId="26606"/>
+          <ac:spMkLst>
+            <pc:docMk/>
+            <pc:sldMk cId="144986429" sldId="261"/>
+            <ac:spMk id="19" creationId="{DD7EAFE6-2BB9-41FB-9CF4-588CFC708774}"/>
+          </ac:spMkLst>
+        </pc:spChg>
+        <pc:spChg chg="del">
+          <ac:chgData name="qin yang" userId="63999d83fc6661ca" providerId="LiveId" clId="{25962BF9-3915-4843-9028-566ECA26CE24}" dt="2022-03-14T13:31:01.120" v="487" actId="26606"/>
+          <ac:spMkLst>
+            <pc:docMk/>
+            <pc:sldMk cId="144986429" sldId="261"/>
+            <ac:spMk id="21" creationId="{8C37C960-91F5-4F61-B2CD-8A037920720B}"/>
+          </ac:spMkLst>
+        </pc:spChg>
+        <pc:spChg chg="add">
+          <ac:chgData name="qin yang" userId="63999d83fc6661ca" providerId="LiveId" clId="{25962BF9-3915-4843-9028-566ECA26CE24}" dt="2022-03-14T13:31:01.120" v="487" actId="26606"/>
+          <ac:spMkLst>
+            <pc:docMk/>
+            <pc:sldMk cId="144986429" sldId="261"/>
+            <ac:spMk id="26" creationId="{DD7EAFE6-2BB9-41FB-9CF4-588CFC708774}"/>
+          </ac:spMkLst>
+        </pc:spChg>
+        <pc:spChg chg="add">
+          <ac:chgData name="qin yang" userId="63999d83fc6661ca" providerId="LiveId" clId="{25962BF9-3915-4843-9028-566ECA26CE24}" dt="2022-03-14T13:31:01.120" v="487" actId="26606"/>
+          <ac:spMkLst>
+            <pc:docMk/>
+            <pc:sldMk cId="144986429" sldId="261"/>
+            <ac:spMk id="28" creationId="{610334BF-0422-4A9A-BE46-AEB8C348BAC4}"/>
+          </ac:spMkLst>
+        </pc:spChg>
+        <pc:spChg chg="add">
+          <ac:chgData name="qin yang" userId="63999d83fc6661ca" providerId="LiveId" clId="{25962BF9-3915-4843-9028-566ECA26CE24}" dt="2022-03-14T13:31:01.120" v="487" actId="26606"/>
+          <ac:spMkLst>
+            <pc:docMk/>
+            <pc:sldMk cId="144986429" sldId="261"/>
+            <ac:spMk id="30" creationId="{C98F2823-0279-49D8-928D-754B222533EF}"/>
+          </ac:spMkLst>
+        </pc:spChg>
+        <pc:spChg chg="add">
+          <ac:chgData name="qin yang" userId="63999d83fc6661ca" providerId="LiveId" clId="{25962BF9-3915-4843-9028-566ECA26CE24}" dt="2022-03-14T13:31:01.120" v="487" actId="26606"/>
+          <ac:spMkLst>
+            <pc:docMk/>
+            <pc:sldMk cId="144986429" sldId="261"/>
+            <ac:spMk id="32" creationId="{02E45E95-311C-41C7-A882-6E43F0806865}"/>
+          </ac:spMkLst>
+        </pc:spChg>
+        <pc:spChg chg="add">
+          <ac:chgData name="qin yang" userId="63999d83fc6661ca" providerId="LiveId" clId="{25962BF9-3915-4843-9028-566ECA26CE24}" dt="2022-03-14T13:31:01.120" v="487" actId="26606"/>
+          <ac:spMkLst>
+            <pc:docMk/>
+            <pc:sldMk cId="144986429" sldId="261"/>
+            <ac:spMk id="34" creationId="{B7299D5D-ECC5-41EB-B830-C3A35FB35516}"/>
+          </ac:spMkLst>
+        </pc:spChg>
+        <pc:spChg chg="add">
+          <ac:chgData name="qin yang" userId="63999d83fc6661ca" providerId="LiveId" clId="{25962BF9-3915-4843-9028-566ECA26CE24}" dt="2022-03-14T13:31:01.120" v="487" actId="26606"/>
+          <ac:spMkLst>
+            <pc:docMk/>
+            <pc:sldMk cId="144986429" sldId="261"/>
+            <ac:spMk id="36" creationId="{88C91735-5EFE-44D1-8CC6-FDF0D11B6F5D}"/>
+          </ac:spMkLst>
+        </pc:spChg>
+        <pc:spChg chg="add">
+          <ac:chgData name="qin yang" userId="63999d83fc6661ca" providerId="LiveId" clId="{25962BF9-3915-4843-9028-566ECA26CE24}" dt="2022-03-14T13:31:01.120" v="487" actId="26606"/>
+          <ac:spMkLst>
+            <pc:docMk/>
+            <pc:sldMk cId="144986429" sldId="261"/>
+            <ac:spMk id="38" creationId="{D33F926C-2613-475D-AEE4-CD7D87D3BA2D}"/>
+          </ac:spMkLst>
+        </pc:spChg>
+        <pc:picChg chg="mod">
+          <ac:chgData name="qin yang" userId="63999d83fc6661ca" providerId="LiveId" clId="{25962BF9-3915-4843-9028-566ECA26CE24}" dt="2022-03-14T13:31:01.120" v="487" actId="26606"/>
+          <ac:picMkLst>
+            <pc:docMk/>
+            <pc:sldMk cId="144986429" sldId="261"/>
+            <ac:picMk id="5" creationId="{9065CCDD-CD85-4505-954B-CC3986FD6AF2}"/>
+          </ac:picMkLst>
+        </pc:picChg>
+      </pc:sldChg>
+      <pc:sldChg chg="del">
+        <pc:chgData name="qin yang" userId="63999d83fc6661ca" providerId="LiveId" clId="{25962BF9-3915-4843-9028-566ECA26CE24}" dt="2022-03-15T13:15:35.784" v="551" actId="2696"/>
+        <pc:sldMkLst>
+          <pc:docMk/>
+          <pc:sldMk cId="3465741518" sldId="262"/>
+        </pc:sldMkLst>
+      </pc:sldChg>
+      <pc:sldChg chg="modSp mod ord">
+        <pc:chgData name="qin yang" userId="63999d83fc6661ca" providerId="LiveId" clId="{25962BF9-3915-4843-9028-566ECA26CE24}" dt="2022-03-15T13:15:31.822" v="550"/>
+        <pc:sldMkLst>
+          <pc:docMk/>
+          <pc:sldMk cId="3065515325" sldId="263"/>
+        </pc:sldMkLst>
+        <pc:spChg chg="mod">
+          <ac:chgData name="qin yang" userId="63999d83fc6661ca" providerId="LiveId" clId="{25962BF9-3915-4843-9028-566ECA26CE24}" dt="2022-03-14T12:49:49.782" v="104" actId="6549"/>
+          <ac:spMkLst>
+            <pc:docMk/>
+            <pc:sldMk cId="3065515325" sldId="263"/>
+            <ac:spMk id="3" creationId="{E6E909F6-02BA-483F-AD8F-2FD2AD709F0F}"/>
+          </ac:spMkLst>
+        </pc:spChg>
+      </pc:sldChg>
+      <pc:sldChg chg="addSp delSp modSp new mod ord setBg">
+        <pc:chgData name="qin yang" userId="63999d83fc6661ca" providerId="LiveId" clId="{25962BF9-3915-4843-9028-566ECA26CE24}" dt="2022-03-14T13:30:25.871" v="481" actId="26606"/>
+        <pc:sldMkLst>
+          <pc:docMk/>
+          <pc:sldMk cId="3376540366" sldId="264"/>
+        </pc:sldMkLst>
+        <pc:spChg chg="mod">
+          <ac:chgData name="qin yang" userId="63999d83fc6661ca" providerId="LiveId" clId="{25962BF9-3915-4843-9028-566ECA26CE24}" dt="2022-03-14T13:30:25.871" v="481" actId="26606"/>
+          <ac:spMkLst>
+            <pc:docMk/>
+            <pc:sldMk cId="3376540366" sldId="264"/>
+            <ac:spMk id="2" creationId="{6C0D0C1D-3EC9-447D-9C39-EBE07E27708B}"/>
+          </ac:spMkLst>
+        </pc:spChg>
+        <pc:spChg chg="del">
+          <ac:chgData name="qin yang" userId="63999d83fc6661ca" providerId="LiveId" clId="{25962BF9-3915-4843-9028-566ECA26CE24}" dt="2022-03-14T13:29:54.772" v="464" actId="22"/>
+          <ac:spMkLst>
+            <pc:docMk/>
+            <pc:sldMk cId="3376540366" sldId="264"/>
+            <ac:spMk id="3" creationId="{3213D1D9-C240-45EB-9422-2C18FA1094BE}"/>
+          </ac:spMkLst>
+        </pc:spChg>
+        <pc:spChg chg="add">
+          <ac:chgData name="qin yang" userId="63999d83fc6661ca" providerId="LiveId" clId="{25962BF9-3915-4843-9028-566ECA26CE24}" dt="2022-03-14T13:30:25.871" v="481" actId="26606"/>
+          <ac:spMkLst>
+            <pc:docMk/>
+            <pc:sldMk cId="3376540366" sldId="264"/>
+            <ac:spMk id="10" creationId="{DD7EAFE6-2BB9-41FB-9CF4-588CFC708774}"/>
+          </ac:spMkLst>
+        </pc:spChg>
+        <pc:spChg chg="add">
+          <ac:chgData name="qin yang" userId="63999d83fc6661ca" providerId="LiveId" clId="{25962BF9-3915-4843-9028-566ECA26CE24}" dt="2022-03-14T13:30:25.871" v="481" actId="26606"/>
+          <ac:spMkLst>
+            <pc:docMk/>
+            <pc:sldMk cId="3376540366" sldId="264"/>
+            <ac:spMk id="12" creationId="{610334BF-0422-4A9A-BE46-AEB8C348BAC4}"/>
+          </ac:spMkLst>
+        </pc:spChg>
+        <pc:spChg chg="add">
+          <ac:chgData name="qin yang" userId="63999d83fc6661ca" providerId="LiveId" clId="{25962BF9-3915-4843-9028-566ECA26CE24}" dt="2022-03-14T13:30:25.871" v="481" actId="26606"/>
+          <ac:spMkLst>
+            <pc:docMk/>
+            <pc:sldMk cId="3376540366" sldId="264"/>
+            <ac:spMk id="14" creationId="{C98F2823-0279-49D8-928D-754B222533EF}"/>
+          </ac:spMkLst>
+        </pc:spChg>
+        <pc:spChg chg="add">
+          <ac:chgData name="qin yang" userId="63999d83fc6661ca" providerId="LiveId" clId="{25962BF9-3915-4843-9028-566ECA26CE24}" dt="2022-03-14T13:30:25.871" v="481" actId="26606"/>
+          <ac:spMkLst>
+            <pc:docMk/>
+            <pc:sldMk cId="3376540366" sldId="264"/>
+            <ac:spMk id="16" creationId="{02E45E95-311C-41C7-A882-6E43F0806865}"/>
+          </ac:spMkLst>
+        </pc:spChg>
+        <pc:spChg chg="add">
+          <ac:chgData name="qin yang" userId="63999d83fc6661ca" providerId="LiveId" clId="{25962BF9-3915-4843-9028-566ECA26CE24}" dt="2022-03-14T13:30:25.871" v="481" actId="26606"/>
+          <ac:spMkLst>
+            <pc:docMk/>
+            <pc:sldMk cId="3376540366" sldId="264"/>
+            <ac:spMk id="18" creationId="{B7299D5D-ECC5-41EB-B830-C3A35FB35516}"/>
+          </ac:spMkLst>
+        </pc:spChg>
+        <pc:spChg chg="add">
+          <ac:chgData name="qin yang" userId="63999d83fc6661ca" providerId="LiveId" clId="{25962BF9-3915-4843-9028-566ECA26CE24}" dt="2022-03-14T13:30:25.871" v="481" actId="26606"/>
+          <ac:spMkLst>
+            <pc:docMk/>
+            <pc:sldMk cId="3376540366" sldId="264"/>
+            <ac:spMk id="20" creationId="{88C91735-5EFE-44D1-8CC6-FDF0D11B6F5D}"/>
+          </ac:spMkLst>
+        </pc:spChg>
+        <pc:spChg chg="add">
+          <ac:chgData name="qin yang" userId="63999d83fc6661ca" providerId="LiveId" clId="{25962BF9-3915-4843-9028-566ECA26CE24}" dt="2022-03-14T13:30:25.871" v="481" actId="26606"/>
+          <ac:spMkLst>
+            <pc:docMk/>
+            <pc:sldMk cId="3376540366" sldId="264"/>
+            <ac:spMk id="22" creationId="{D33F926C-2613-475D-AEE4-CD7D87D3BA2D}"/>
+          </ac:spMkLst>
+        </pc:spChg>
+        <pc:picChg chg="add mod ord">
+          <ac:chgData name="qin yang" userId="63999d83fc6661ca" providerId="LiveId" clId="{25962BF9-3915-4843-9028-566ECA26CE24}" dt="2022-03-14T13:30:25.871" v="481" actId="26606"/>
+          <ac:picMkLst>
+            <pc:docMk/>
+            <pc:sldMk cId="3376540366" sldId="264"/>
+            <ac:picMk id="5" creationId="{FBDA920D-1FD9-4212-839F-1E0E003F53DE}"/>
+          </ac:picMkLst>
+        </pc:picChg>
+      </pc:sldChg>
+      <pc:sldChg chg="addSp delSp modSp new del mod setBg">
+        <pc:chgData name="qin yang" userId="63999d83fc6661ca" providerId="LiveId" clId="{25962BF9-3915-4843-9028-566ECA26CE24}" dt="2022-03-15T13:09:48.204" v="533" actId="2696"/>
+        <pc:sldMkLst>
+          <pc:docMk/>
+          <pc:sldMk cId="2552276343" sldId="265"/>
+        </pc:sldMkLst>
+        <pc:spChg chg="mod">
+          <ac:chgData name="qin yang" userId="63999d83fc6661ca" providerId="LiveId" clId="{25962BF9-3915-4843-9028-566ECA26CE24}" dt="2022-03-14T14:31:48.430" v="532" actId="26606"/>
+          <ac:spMkLst>
+            <pc:docMk/>
+            <pc:sldMk cId="2552276343" sldId="265"/>
+            <ac:spMk id="2" creationId="{B173A706-D48C-4061-A9BE-A2EE43579525}"/>
+          </ac:spMkLst>
+        </pc:spChg>
+        <pc:spChg chg="del">
+          <ac:chgData name="qin yang" userId="63999d83fc6661ca" providerId="LiveId" clId="{25962BF9-3915-4843-9028-566ECA26CE24}" dt="2022-03-14T14:30:19.571" v="504"/>
+          <ac:spMkLst>
+            <pc:docMk/>
+            <pc:sldMk cId="2552276343" sldId="265"/>
+            <ac:spMk id="3" creationId="{A64D45AB-89FC-4423-A275-176754E1D9C6}"/>
+          </ac:spMkLst>
+        </pc:spChg>
+        <pc:spChg chg="add del">
+          <ac:chgData name="qin yang" userId="63999d83fc6661ca" providerId="LiveId" clId="{25962BF9-3915-4843-9028-566ECA26CE24}" dt="2022-03-14T14:31:40.492" v="529"/>
+          <ac:spMkLst>
+            <pc:docMk/>
+            <pc:sldMk cId="2552276343" sldId="265"/>
+            <ac:spMk id="13" creationId="{B1DC26D8-EC56-D7CC-A3B4-D947C36F769E}"/>
+          </ac:spMkLst>
+        </pc:spChg>
+        <pc:spChg chg="add del">
+          <ac:chgData name="qin yang" userId="63999d83fc6661ca" providerId="LiveId" clId="{25962BF9-3915-4843-9028-566ECA26CE24}" dt="2022-03-14T14:31:48.430" v="532" actId="26606"/>
+          <ac:spMkLst>
+            <pc:docMk/>
+            <pc:sldMk cId="2552276343" sldId="265"/>
+            <ac:spMk id="16" creationId="{19B36E71-93BD-4984-AC9C-CC9FB9CC06D6}"/>
+          </ac:spMkLst>
+        </pc:spChg>
+        <pc:spChg chg="add del">
+          <ac:chgData name="qin yang" userId="63999d83fc6661ca" providerId="LiveId" clId="{25962BF9-3915-4843-9028-566ECA26CE24}" dt="2022-03-14T14:31:48.430" v="532" actId="26606"/>
+          <ac:spMkLst>
+            <pc:docMk/>
+            <pc:sldMk cId="2552276343" sldId="265"/>
+            <ac:spMk id="18" creationId="{3A767031-C99F-4567-B7D9-353331C77909}"/>
+          </ac:spMkLst>
+        </pc:spChg>
+        <pc:spChg chg="add del">
+          <ac:chgData name="qin yang" userId="63999d83fc6661ca" providerId="LiveId" clId="{25962BF9-3915-4843-9028-566ECA26CE24}" dt="2022-03-14T14:31:48.430" v="532" actId="26606"/>
+          <ac:spMkLst>
+            <pc:docMk/>
+            <pc:sldMk cId="2552276343" sldId="265"/>
+            <ac:spMk id="20" creationId="{63FEDEE9-12A6-4011-A532-8071D6086BF8}"/>
+          </ac:spMkLst>
+        </pc:spChg>
+        <pc:spChg chg="add del">
+          <ac:chgData name="qin yang" userId="63999d83fc6661ca" providerId="LiveId" clId="{25962BF9-3915-4843-9028-566ECA26CE24}" dt="2022-03-14T14:31:48.430" v="532" actId="26606"/>
+          <ac:spMkLst>
+            <pc:docMk/>
+            <pc:sldMk cId="2552276343" sldId="265"/>
+            <ac:spMk id="22" creationId="{57C37CE9-19CE-49DF-A887-2214EBB1F097}"/>
+          </ac:spMkLst>
+        </pc:spChg>
+        <pc:spChg chg="add del">
+          <ac:chgData name="qin yang" userId="63999d83fc6661ca" providerId="LiveId" clId="{25962BF9-3915-4843-9028-566ECA26CE24}" dt="2022-03-14T14:31:48.430" v="532" actId="26606"/>
+          <ac:spMkLst>
+            <pc:docMk/>
+            <pc:sldMk cId="2552276343" sldId="265"/>
+            <ac:spMk id="24" creationId="{7EF84E8E-7E93-4DEE-BCFB-2AE29098B5C3}"/>
+          </ac:spMkLst>
+        </pc:spChg>
+        <pc:spChg chg="add del">
+          <ac:chgData name="qin yang" userId="63999d83fc6661ca" providerId="LiveId" clId="{25962BF9-3915-4843-9028-566ECA26CE24}" dt="2022-03-14T14:31:48.430" v="532" actId="26606"/>
+          <ac:spMkLst>
+            <pc:docMk/>
+            <pc:sldMk cId="2552276343" sldId="265"/>
+            <ac:spMk id="26" creationId="{9046502B-E9B6-4225-B8EE-BC5D644686B0}"/>
+          </ac:spMkLst>
+        </pc:spChg>
+        <pc:spChg chg="add">
+          <ac:chgData name="qin yang" userId="63999d83fc6661ca" providerId="LiveId" clId="{25962BF9-3915-4843-9028-566ECA26CE24}" dt="2022-03-14T14:31:48.430" v="532" actId="26606"/>
+          <ac:spMkLst>
+            <pc:docMk/>
+            <pc:sldMk cId="2552276343" sldId="265"/>
+            <ac:spMk id="30" creationId="{39AB3E8D-5189-4723-0B4B-37D972833C52}"/>
+          </ac:spMkLst>
+        </pc:spChg>
+        <pc:spChg chg="add">
+          <ac:chgData name="qin yang" userId="63999d83fc6661ca" providerId="LiveId" clId="{25962BF9-3915-4843-9028-566ECA26CE24}" dt="2022-03-14T14:31:48.430" v="532" actId="26606"/>
+          <ac:spMkLst>
+            <pc:docMk/>
+            <pc:sldMk cId="2552276343" sldId="265"/>
+            <ac:spMk id="33" creationId="{19B36E71-93BD-4984-AC9C-CC9FB9CC06D6}"/>
+          </ac:spMkLst>
+        </pc:spChg>
+        <pc:spChg chg="add">
+          <ac:chgData name="qin yang" userId="63999d83fc6661ca" providerId="LiveId" clId="{25962BF9-3915-4843-9028-566ECA26CE24}" dt="2022-03-14T14:31:48.430" v="532" actId="26606"/>
+          <ac:spMkLst>
+            <pc:docMk/>
+            <pc:sldMk cId="2552276343" sldId="265"/>
+            <ac:spMk id="35" creationId="{3A767031-C99F-4567-B7D9-353331C77909}"/>
+          </ac:spMkLst>
+        </pc:spChg>
+        <pc:spChg chg="add">
+          <ac:chgData name="qin yang" userId="63999d83fc6661ca" providerId="LiveId" clId="{25962BF9-3915-4843-9028-566ECA26CE24}" dt="2022-03-14T14:31:48.430" v="532" actId="26606"/>
+          <ac:spMkLst>
+            <pc:docMk/>
+            <pc:sldMk cId="2552276343" sldId="265"/>
+            <ac:spMk id="37" creationId="{63FEDEE9-12A6-4011-A532-8071D6086BF8}"/>
+          </ac:spMkLst>
+        </pc:spChg>
+        <pc:spChg chg="add">
+          <ac:chgData name="qin yang" userId="63999d83fc6661ca" providerId="LiveId" clId="{25962BF9-3915-4843-9028-566ECA26CE24}" dt="2022-03-14T14:31:48.430" v="532" actId="26606"/>
+          <ac:spMkLst>
+            <pc:docMk/>
+            <pc:sldMk cId="2552276343" sldId="265"/>
+            <ac:spMk id="39" creationId="{57C37CE9-19CE-49DF-A887-2214EBB1F097}"/>
+          </ac:spMkLst>
+        </pc:spChg>
+        <pc:spChg chg="add">
+          <ac:chgData name="qin yang" userId="63999d83fc6661ca" providerId="LiveId" clId="{25962BF9-3915-4843-9028-566ECA26CE24}" dt="2022-03-14T14:31:48.430" v="532" actId="26606"/>
+          <ac:spMkLst>
+            <pc:docMk/>
+            <pc:sldMk cId="2552276343" sldId="265"/>
+            <ac:spMk id="41" creationId="{7EF84E8E-7E93-4DEE-BCFB-2AE29098B5C3}"/>
+          </ac:spMkLst>
+        </pc:spChg>
+        <pc:spChg chg="add">
+          <ac:chgData name="qin yang" userId="63999d83fc6661ca" providerId="LiveId" clId="{25962BF9-3915-4843-9028-566ECA26CE24}" dt="2022-03-14T14:31:48.430" v="532" actId="26606"/>
+          <ac:spMkLst>
+            <pc:docMk/>
+            <pc:sldMk cId="2552276343" sldId="265"/>
+            <ac:spMk id="43" creationId="{9046502B-E9B6-4225-B8EE-BC5D644686B0}"/>
+          </ac:spMkLst>
+        </pc:spChg>
+        <pc:picChg chg="add mod">
+          <ac:chgData name="qin yang" userId="63999d83fc6661ca" providerId="LiveId" clId="{25962BF9-3915-4843-9028-566ECA26CE24}" dt="2022-03-14T14:31:48.430" v="532" actId="26606"/>
+          <ac:picMkLst>
+            <pc:docMk/>
+            <pc:sldMk cId="2552276343" sldId="265"/>
+            <ac:picMk id="5" creationId="{05DBF83F-3892-4D89-A950-60F0C81C3C5C}"/>
+          </ac:picMkLst>
+        </pc:picChg>
+        <pc:picChg chg="add mod">
+          <ac:chgData name="qin yang" userId="63999d83fc6661ca" providerId="LiveId" clId="{25962BF9-3915-4843-9028-566ECA26CE24}" dt="2022-03-14T14:31:48.430" v="532" actId="26606"/>
+          <ac:picMkLst>
+            <pc:docMk/>
+            <pc:sldMk cId="2552276343" sldId="265"/>
+            <ac:picMk id="7" creationId="{F5F13E96-353F-4611-B029-074E4B11D7EB}"/>
+          </ac:picMkLst>
+        </pc:picChg>
+        <pc:picChg chg="add mod">
+          <ac:chgData name="qin yang" userId="63999d83fc6661ca" providerId="LiveId" clId="{25962BF9-3915-4843-9028-566ECA26CE24}" dt="2022-03-14T14:31:48.430" v="532" actId="26606"/>
+          <ac:picMkLst>
+            <pc:docMk/>
+            <pc:sldMk cId="2552276343" sldId="265"/>
+            <ac:picMk id="9" creationId="{7119FE9D-7923-4778-BD39-5226E8F60493}"/>
+          </ac:picMkLst>
+        </pc:picChg>
+        <pc:picChg chg="add mod">
+          <ac:chgData name="qin yang" userId="63999d83fc6661ca" providerId="LiveId" clId="{25962BF9-3915-4843-9028-566ECA26CE24}" dt="2022-03-14T14:31:48.430" v="532" actId="26606"/>
+          <ac:picMkLst>
+            <pc:docMk/>
+            <pc:sldMk cId="2552276343" sldId="265"/>
+            <ac:picMk id="11" creationId="{10F0A075-A135-4406-9E47-C9B830BEEF1E}"/>
+          </ac:picMkLst>
+        </pc:picChg>
+      </pc:sldChg>
+      <pc:sldChg chg="addSp delSp modSp del mod">
+        <pc:chgData name="qin yang" userId="63999d83fc6661ca" providerId="LiveId" clId="{25962BF9-3915-4843-9028-566ECA26CE24}" dt="2022-03-15T13:14:50.229" v="548" actId="47"/>
+        <pc:sldMkLst>
+          <pc:docMk/>
+          <pc:sldMk cId="3007869653" sldId="266"/>
+        </pc:sldMkLst>
+        <pc:spChg chg="add mod">
+          <ac:chgData name="qin yang" userId="63999d83fc6661ca" providerId="LiveId" clId="{25962BF9-3915-4843-9028-566ECA26CE24}" dt="2022-03-15T13:14:28.935" v="542" actId="21"/>
+          <ac:spMkLst>
+            <pc:docMk/>
+            <pc:sldMk cId="3007869653" sldId="266"/>
+            <ac:spMk id="3" creationId="{B46CCE3B-63BB-43A9-B04A-1C016E80A2D9}"/>
+          </ac:spMkLst>
+        </pc:spChg>
+        <pc:picChg chg="del mod">
+          <ac:chgData name="qin yang" userId="63999d83fc6661ca" providerId="LiveId" clId="{25962BF9-3915-4843-9028-566ECA26CE24}" dt="2022-03-15T13:14:28.935" v="542" actId="21"/>
+          <ac:picMkLst>
+            <pc:docMk/>
+            <pc:sldMk cId="3007869653" sldId="266"/>
+            <ac:picMk id="11" creationId="{217133DA-4AB7-4F96-AE71-3D7B43E83FD2}"/>
+          </ac:picMkLst>
+        </pc:picChg>
+      </pc:sldChg>
+      <pc:sldChg chg="addSp delSp modSp mod">
+        <pc:chgData name="qin yang" userId="63999d83fc6661ca" providerId="LiveId" clId="{25962BF9-3915-4843-9028-566ECA26CE24}" dt="2022-03-15T13:12:50.879" v="539" actId="14100"/>
+        <pc:sldMkLst>
+          <pc:docMk/>
+          <pc:sldMk cId="3106087218" sldId="267"/>
+        </pc:sldMkLst>
+        <pc:spChg chg="add mod">
+          <ac:chgData name="qin yang" userId="63999d83fc6661ca" providerId="LiveId" clId="{25962BF9-3915-4843-9028-566ECA26CE24}" dt="2022-03-15T13:12:33.642" v="534" actId="478"/>
+          <ac:spMkLst>
+            <pc:docMk/>
+            <pc:sldMk cId="3106087218" sldId="267"/>
+            <ac:spMk id="3" creationId="{D4257548-B474-4AEC-A91B-8125435E9456}"/>
+          </ac:spMkLst>
+        </pc:spChg>
+        <pc:picChg chg="del">
+          <ac:chgData name="qin yang" userId="63999d83fc6661ca" providerId="LiveId" clId="{25962BF9-3915-4843-9028-566ECA26CE24}" dt="2022-03-15T13:12:33.642" v="534" actId="478"/>
+          <ac:picMkLst>
+            <pc:docMk/>
+            <pc:sldMk cId="3106087218" sldId="267"/>
+            <ac:picMk id="5" creationId="{A247D514-79E6-4CA8-B023-7BE66AB27256}"/>
+          </ac:picMkLst>
+        </pc:picChg>
+        <pc:picChg chg="add mod">
+          <ac:chgData name="qin yang" userId="63999d83fc6661ca" providerId="LiveId" clId="{25962BF9-3915-4843-9028-566ECA26CE24}" dt="2022-03-15T13:12:50.879" v="539" actId="14100"/>
+          <ac:picMkLst>
+            <pc:docMk/>
+            <pc:sldMk cId="3106087218" sldId="267"/>
+            <ac:picMk id="6" creationId="{4F93BB47-E387-4008-95A8-86049DEE14F7}"/>
+          </ac:picMkLst>
+        </pc:picChg>
+      </pc:sldChg>
+      <pc:sldChg chg="addSp delSp modSp new mod">
+        <pc:chgData name="qin yang" userId="63999d83fc6661ca" providerId="LiveId" clId="{25962BF9-3915-4843-9028-566ECA26CE24}" dt="2022-03-15T13:14:44.903" v="547" actId="1076"/>
+        <pc:sldMkLst>
+          <pc:docMk/>
+          <pc:sldMk cId="87719185" sldId="268"/>
+        </pc:sldMkLst>
+        <pc:spChg chg="del">
+          <ac:chgData name="qin yang" userId="63999d83fc6661ca" providerId="LiveId" clId="{25962BF9-3915-4843-9028-566ECA26CE24}" dt="2022-03-15T13:14:37.220" v="544" actId="478"/>
+          <ac:spMkLst>
+            <pc:docMk/>
+            <pc:sldMk cId="87719185" sldId="268"/>
+            <ac:spMk id="2" creationId="{12636E12-869E-4C44-9193-E876BDAAA32C}"/>
+          </ac:spMkLst>
+        </pc:spChg>
+        <pc:spChg chg="del">
+          <ac:chgData name="qin yang" userId="63999d83fc6661ca" providerId="LiveId" clId="{25962BF9-3915-4843-9028-566ECA26CE24}" dt="2022-03-15T13:14:39.612" v="545" actId="478"/>
+          <ac:spMkLst>
+            <pc:docMk/>
+            <pc:sldMk cId="87719185" sldId="268"/>
+            <ac:spMk id="3" creationId="{0DEDDDB4-B5B4-45B3-AA86-C4E327F73863}"/>
+          </ac:spMkLst>
+        </pc:spChg>
+        <pc:picChg chg="add mod">
+          <ac:chgData name="qin yang" userId="63999d83fc6661ca" providerId="LiveId" clId="{25962BF9-3915-4843-9028-566ECA26CE24}" dt="2022-03-15T13:14:44.903" v="547" actId="1076"/>
+          <ac:picMkLst>
+            <pc:docMk/>
+            <pc:sldMk cId="87719185" sldId="268"/>
+            <ac:picMk id="4" creationId="{C170E842-7D6D-4AF1-B56A-B1BA141352D8}"/>
+          </ac:picMkLst>
+        </pc:picChg>
+      </pc:sldChg>
+      <pc:sldChg chg="addSp delSp modSp new mod setBg">
+        <pc:chgData name="qin yang" userId="63999d83fc6661ca" providerId="LiveId" clId="{25962BF9-3915-4843-9028-566ECA26CE24}" dt="2022-03-15T13:38:35.102" v="564" actId="1076"/>
+        <pc:sldMkLst>
+          <pc:docMk/>
+          <pc:sldMk cId="1003998355" sldId="269"/>
+        </pc:sldMkLst>
+        <pc:spChg chg="add del">
+          <ac:chgData name="qin yang" userId="63999d83fc6661ca" providerId="LiveId" clId="{25962BF9-3915-4843-9028-566ECA26CE24}" dt="2022-03-15T13:38:23.587" v="561" actId="478"/>
+          <ac:spMkLst>
+            <pc:docMk/>
+            <pc:sldMk cId="1003998355" sldId="269"/>
+            <ac:spMk id="2" creationId="{990DEC9D-5E4F-4503-B486-0EBA3691D941}"/>
+          </ac:spMkLst>
+        </pc:spChg>
+        <pc:spChg chg="del">
+          <ac:chgData name="qin yang" userId="63999d83fc6661ca" providerId="LiveId" clId="{25962BF9-3915-4843-9028-566ECA26CE24}" dt="2022-03-15T13:38:05.286" v="553" actId="22"/>
+          <ac:spMkLst>
+            <pc:docMk/>
+            <pc:sldMk cId="1003998355" sldId="269"/>
+            <ac:spMk id="3" creationId="{709FE8BE-D503-4544-A40A-D4EDE5006C08}"/>
+          </ac:spMkLst>
+        </pc:spChg>
+        <pc:spChg chg="add del">
+          <ac:chgData name="qin yang" userId="63999d83fc6661ca" providerId="LiveId" clId="{25962BF9-3915-4843-9028-566ECA26CE24}" dt="2022-03-15T13:38:20.908" v="560" actId="26606"/>
+          <ac:spMkLst>
+            <pc:docMk/>
+            <pc:sldMk cId="1003998355" sldId="269"/>
+            <ac:spMk id="10" creationId="{DD7EAFE6-2BB9-41FB-9CF4-588CFC708774}"/>
+          </ac:spMkLst>
+        </pc:spChg>
+        <pc:spChg chg="add del">
+          <ac:chgData name="qin yang" userId="63999d83fc6661ca" providerId="LiveId" clId="{25962BF9-3915-4843-9028-566ECA26CE24}" dt="2022-03-15T13:38:20.908" v="560" actId="26606"/>
+          <ac:spMkLst>
+            <pc:docMk/>
+            <pc:sldMk cId="1003998355" sldId="269"/>
+            <ac:spMk id="12" creationId="{8A2477EE-FBE5-4DB7-8438-DE1CAC61A2EA}"/>
+          </ac:spMkLst>
+        </pc:spChg>
+        <pc:spChg chg="add del">
+          <ac:chgData name="qin yang" userId="63999d83fc6661ca" providerId="LiveId" clId="{25962BF9-3915-4843-9028-566ECA26CE24}" dt="2022-03-15T13:38:20.908" v="560" actId="26606"/>
+          <ac:spMkLst>
+            <pc:docMk/>
+            <pc:sldMk cId="1003998355" sldId="269"/>
+            <ac:spMk id="14" creationId="{5B0E521E-8528-4E92-8B8C-67ED5C5BD0EB}"/>
+          </ac:spMkLst>
+        </pc:spChg>
+        <pc:picChg chg="add mod ord">
+          <ac:chgData name="qin yang" userId="63999d83fc6661ca" providerId="LiveId" clId="{25962BF9-3915-4843-9028-566ECA26CE24}" dt="2022-03-15T13:38:35.102" v="564" actId="1076"/>
+          <ac:picMkLst>
+            <pc:docMk/>
+            <pc:sldMk cId="1003998355" sldId="269"/>
+            <ac:picMk id="5" creationId="{C910BA31-C7F0-43C0-95F9-6AE07F911830}"/>
+          </ac:picMkLst>
+        </pc:picChg>
       </pc:sldChg>
     </pc:docChg>
   </pc:docChgLst>
@@ -6401,6 +6402,662 @@
     <p:extLst>
       <p:ext uri="{BB962C8B-B14F-4D97-AF65-F5344CB8AC3E}">
         <p14:creationId xmlns:p14="http://schemas.microsoft.com/office/powerpoint/2010/main" val="1003998355"/>
+      </p:ext>
+    </p:extLst>
+  </p:cSld>
+  <p:clrMapOvr>
+    <a:masterClrMapping/>
+  </p:clrMapOvr>
+</p:sld>
+</file>
+
+<file path=ppt/slides/slide13.xml><?xml version="1.0" encoding="utf-8"?>
+<p:sld xmlns:a="http://schemas.openxmlformats.org/drawingml/2006/main" xmlns:r="http://schemas.openxmlformats.org/officeDocument/2006/relationships" xmlns:p="http://schemas.openxmlformats.org/presentationml/2006/main">
+  <p:cSld>
+    <p:bg>
+      <p:bgPr>
+        <a:solidFill>
+          <a:schemeClr val="bg1"/>
+        </a:solidFill>
+        <a:effectLst/>
+      </p:bgPr>
+    </p:bg>
+    <p:spTree>
+      <p:nvGrpSpPr>
+        <p:cNvPr id="1" name=""/>
+        <p:cNvGrpSpPr/>
+        <p:nvPr/>
+      </p:nvGrpSpPr>
+      <p:grpSpPr>
+        <a:xfrm>
+          <a:off x="0" y="0"/>
+          <a:ext cx="0" cy="0"/>
+          <a:chOff x="0" y="0"/>
+          <a:chExt cx="0" cy="0"/>
+        </a:xfrm>
+      </p:grpSpPr>
+      <p:sp>
+        <p:nvSpPr>
+          <p:cNvPr id="10" name="Frame 9">
+            <a:extLst>
+              <a:ext uri="{FF2B5EF4-FFF2-40B4-BE49-F238E27FC236}">
+                <a16:creationId xmlns:a16="http://schemas.microsoft.com/office/drawing/2014/main" id="{DD7EAFE6-2BB9-41FB-9CF4-588CFC708774}"/>
+              </a:ext>
+              <a:ext uri="{C183D7F6-B498-43B3-948B-1728B52AA6E4}">
+                <adec:decorative xmlns:adec="http://schemas.microsoft.com/office/drawing/2017/decorative" val="1"/>
+              </a:ext>
+            </a:extLst>
+          </p:cNvPr>
+          <p:cNvSpPr>
+            <a:spLocks noGrp="1" noRot="1" noChangeAspect="1" noMove="1" noResize="1" noEditPoints="1" noAdjustHandles="1" noChangeArrowheads="1" noChangeShapeType="1" noTextEdit="1"/>
+          </p:cNvSpPr>
+          <p:nvPr>
+            <p:extLst>
+              <p:ext uri="{386F3935-93C4-4BCD-93E2-E3B085C9AB24}">
+                <p16:designElem xmlns:p16="http://schemas.microsoft.com/office/powerpoint/2015/main" val="1"/>
+              </p:ext>
+            </p:extLst>
+          </p:nvPr>
+        </p:nvSpPr>
+        <p:spPr>
+          <a:xfrm>
+            <a:off x="0" y="0"/>
+            <a:ext cx="12188952" cy="6858000"/>
+          </a:xfrm>
+          <a:prstGeom prst="frame">
+            <a:avLst>
+              <a:gd name="adj1" fmla="val 7164"/>
+            </a:avLst>
+          </a:prstGeom>
+          <a:gradFill flip="none" rotWithShape="1">
+            <a:gsLst>
+              <a:gs pos="0">
+                <a:schemeClr val="accent2">
+                  <a:alpha val="40000"/>
+                </a:schemeClr>
+              </a:gs>
+              <a:gs pos="100000">
+                <a:schemeClr val="accent1">
+                  <a:alpha val="40000"/>
+                </a:schemeClr>
+              </a:gs>
+            </a:gsLst>
+            <a:lin ang="2700000" scaled="1"/>
+            <a:tileRect/>
+          </a:gradFill>
+          <a:ln>
+            <a:noFill/>
+          </a:ln>
+        </p:spPr>
+        <p:style>
+          <a:lnRef idx="2">
+            <a:schemeClr val="accent1">
+              <a:shade val="50000"/>
+            </a:schemeClr>
+          </a:lnRef>
+          <a:fillRef idx="1">
+            <a:schemeClr val="accent1"/>
+          </a:fillRef>
+          <a:effectRef idx="0">
+            <a:schemeClr val="accent1"/>
+          </a:effectRef>
+          <a:fontRef idx="minor">
+            <a:schemeClr val="lt1"/>
+          </a:fontRef>
+        </p:style>
+        <p:txBody>
+          <a:bodyPr rtlCol="0" anchor="ctr"/>
+          <a:lstStyle/>
+          <a:p>
+            <a:pPr algn="ctr"/>
+            <a:endParaRPr lang="en-US"/>
+          </a:p>
+        </p:txBody>
+      </p:sp>
+      <p:sp useBgFill="1">
+        <p:nvSpPr>
+          <p:cNvPr id="12" name="Rectangle 11">
+            <a:extLst>
+              <a:ext uri="{FF2B5EF4-FFF2-40B4-BE49-F238E27FC236}">
+                <a16:creationId xmlns:a16="http://schemas.microsoft.com/office/drawing/2014/main" id="{610334BF-0422-4A9A-BE46-AEB8C348BAC4}"/>
+              </a:ext>
+              <a:ext uri="{C183D7F6-B498-43B3-948B-1728B52AA6E4}">
+                <adec:decorative xmlns:adec="http://schemas.microsoft.com/office/drawing/2017/decorative" val="1"/>
+              </a:ext>
+            </a:extLst>
+          </p:cNvPr>
+          <p:cNvSpPr>
+            <a:spLocks noGrp="1" noRot="1" noChangeAspect="1" noMove="1" noResize="1" noEditPoints="1" noAdjustHandles="1" noChangeArrowheads="1" noChangeShapeType="1" noTextEdit="1"/>
+          </p:cNvSpPr>
+          <p:nvPr>
+            <p:extLst>
+              <p:ext uri="{386F3935-93C4-4BCD-93E2-E3B085C9AB24}">
+                <p16:designElem xmlns:p16="http://schemas.microsoft.com/office/powerpoint/2015/main" val="1"/>
+              </p:ext>
+            </p:extLst>
+          </p:nvPr>
+        </p:nvSpPr>
+        <p:spPr>
+          <a:xfrm>
+            <a:off x="0" y="0"/>
+            <a:ext cx="12188952" cy="6858000"/>
+          </a:xfrm>
+          <a:prstGeom prst="rect">
+            <a:avLst/>
+          </a:prstGeom>
+          <a:ln>
+            <a:noFill/>
+          </a:ln>
+        </p:spPr>
+        <p:style>
+          <a:lnRef idx="2">
+            <a:schemeClr val="accent1">
+              <a:shade val="50000"/>
+            </a:schemeClr>
+          </a:lnRef>
+          <a:fillRef idx="1">
+            <a:schemeClr val="accent1"/>
+          </a:fillRef>
+          <a:effectRef idx="0">
+            <a:schemeClr val="accent1"/>
+          </a:effectRef>
+          <a:fontRef idx="minor">
+            <a:schemeClr val="lt1"/>
+          </a:fontRef>
+        </p:style>
+        <p:txBody>
+          <a:bodyPr rtlCol="0" anchor="ctr"/>
+          <a:lstStyle/>
+          <a:p>
+            <a:pPr algn="ctr"/>
+            <a:endParaRPr lang="en-US"/>
+          </a:p>
+        </p:txBody>
+      </p:sp>
+      <p:sp>
+        <p:nvSpPr>
+          <p:cNvPr id="14" name="Rectangle 13">
+            <a:extLst>
+              <a:ext uri="{FF2B5EF4-FFF2-40B4-BE49-F238E27FC236}">
+                <a16:creationId xmlns:a16="http://schemas.microsoft.com/office/drawing/2014/main" id="{C98F2823-0279-49D8-928D-754B222533EF}"/>
+              </a:ext>
+              <a:ext uri="{C183D7F6-B498-43B3-948B-1728B52AA6E4}">
+                <adec:decorative xmlns:adec="http://schemas.microsoft.com/office/drawing/2017/decorative" val="1"/>
+              </a:ext>
+            </a:extLst>
+          </p:cNvPr>
+          <p:cNvSpPr>
+            <a:spLocks noGrp="1" noRot="1" noChangeAspect="1" noMove="1" noResize="1" noEditPoints="1" noAdjustHandles="1" noChangeArrowheads="1" noChangeShapeType="1" noTextEdit="1"/>
+          </p:cNvSpPr>
+          <p:nvPr>
+            <p:extLst>
+              <p:ext uri="{386F3935-93C4-4BCD-93E2-E3B085C9AB24}">
+                <p16:designElem xmlns:p16="http://schemas.microsoft.com/office/powerpoint/2015/main" val="1"/>
+              </p:ext>
+            </p:extLst>
+          </p:nvPr>
+        </p:nvSpPr>
+        <p:spPr>
+          <a:xfrm>
+            <a:off x="0" y="-664"/>
+            <a:ext cx="12188952" cy="6858000"/>
+          </a:xfrm>
+          <a:prstGeom prst="rect">
+            <a:avLst/>
+          </a:prstGeom>
+          <a:gradFill flip="none" rotWithShape="1">
+            <a:gsLst>
+              <a:gs pos="0">
+                <a:schemeClr val="accent2">
+                  <a:alpha val="60000"/>
+                </a:schemeClr>
+              </a:gs>
+              <a:gs pos="100000">
+                <a:schemeClr val="accent1">
+                  <a:alpha val="60000"/>
+                </a:schemeClr>
+              </a:gs>
+            </a:gsLst>
+            <a:lin ang="2700000" scaled="1"/>
+            <a:tileRect/>
+          </a:gradFill>
+          <a:ln>
+            <a:noFill/>
+          </a:ln>
+        </p:spPr>
+        <p:style>
+          <a:lnRef idx="2">
+            <a:schemeClr val="accent1">
+              <a:shade val="50000"/>
+            </a:schemeClr>
+          </a:lnRef>
+          <a:fillRef idx="1">
+            <a:schemeClr val="accent1"/>
+          </a:fillRef>
+          <a:effectRef idx="0">
+            <a:schemeClr val="accent1"/>
+          </a:effectRef>
+          <a:fontRef idx="minor">
+            <a:schemeClr val="lt1"/>
+          </a:fontRef>
+        </p:style>
+        <p:txBody>
+          <a:bodyPr rtlCol="0" anchor="ctr"/>
+          <a:lstStyle/>
+          <a:p>
+            <a:pPr algn="ctr"/>
+            <a:endParaRPr lang="en-US"/>
+          </a:p>
+        </p:txBody>
+      </p:sp>
+      <p:sp>
+        <p:nvSpPr>
+          <p:cNvPr id="16" name="Rectangle 15">
+            <a:extLst>
+              <a:ext uri="{FF2B5EF4-FFF2-40B4-BE49-F238E27FC236}">
+                <a16:creationId xmlns:a16="http://schemas.microsoft.com/office/drawing/2014/main" id="{02E45E95-311C-41C7-A882-6E43F0806865}"/>
+              </a:ext>
+              <a:ext uri="{C183D7F6-B498-43B3-948B-1728B52AA6E4}">
+                <adec:decorative xmlns:adec="http://schemas.microsoft.com/office/drawing/2017/decorative" val="1"/>
+              </a:ext>
+            </a:extLst>
+          </p:cNvPr>
+          <p:cNvSpPr>
+            <a:spLocks noGrp="1" noRot="1" noChangeAspect="1" noMove="1" noResize="1" noEditPoints="1" noAdjustHandles="1" noChangeArrowheads="1" noChangeShapeType="1" noTextEdit="1"/>
+          </p:cNvSpPr>
+          <p:nvPr>
+            <p:extLst>
+              <p:ext uri="{386F3935-93C4-4BCD-93E2-E3B085C9AB24}">
+                <p16:designElem xmlns:p16="http://schemas.microsoft.com/office/powerpoint/2015/main" val="1"/>
+              </p:ext>
+            </p:extLst>
+          </p:nvPr>
+        </p:nvSpPr>
+        <p:spPr>
+          <a:xfrm>
+            <a:off x="0" y="663"/>
+            <a:ext cx="12188952" cy="6858000"/>
+          </a:xfrm>
+          <a:prstGeom prst="rect">
+            <a:avLst/>
+          </a:prstGeom>
+          <a:solidFill>
+            <a:schemeClr val="bg2">
+              <a:alpha val="20000"/>
+            </a:schemeClr>
+          </a:solidFill>
+          <a:ln>
+            <a:noFill/>
+          </a:ln>
+        </p:spPr>
+        <p:style>
+          <a:lnRef idx="2">
+            <a:schemeClr val="accent1">
+              <a:shade val="50000"/>
+            </a:schemeClr>
+          </a:lnRef>
+          <a:fillRef idx="1">
+            <a:schemeClr val="accent1"/>
+          </a:fillRef>
+          <a:effectRef idx="0">
+            <a:schemeClr val="accent1"/>
+          </a:effectRef>
+          <a:fontRef idx="minor">
+            <a:schemeClr val="lt1"/>
+          </a:fontRef>
+        </p:style>
+        <p:txBody>
+          <a:bodyPr rtlCol="0" anchor="ctr"/>
+          <a:lstStyle/>
+          <a:p>
+            <a:pPr algn="ctr"/>
+            <a:endParaRPr lang="en-US" dirty="0"/>
+          </a:p>
+        </p:txBody>
+      </p:sp>
+      <p:sp>
+        <p:nvSpPr>
+          <p:cNvPr id="18" name="Oval 17">
+            <a:extLst>
+              <a:ext uri="{FF2B5EF4-FFF2-40B4-BE49-F238E27FC236}">
+                <a16:creationId xmlns:a16="http://schemas.microsoft.com/office/drawing/2014/main" id="{B7299D5D-ECC5-41EB-B830-C3A35FB35516}"/>
+              </a:ext>
+              <a:ext uri="{C183D7F6-B498-43B3-948B-1728B52AA6E4}">
+                <adec:decorative xmlns:adec="http://schemas.microsoft.com/office/drawing/2017/decorative" val="1"/>
+              </a:ext>
+            </a:extLst>
+          </p:cNvPr>
+          <p:cNvSpPr>
+            <a:spLocks noGrp="1" noRot="1" noChangeAspect="1" noMove="1" noResize="1" noEditPoints="1" noAdjustHandles="1" noChangeArrowheads="1" noChangeShapeType="1" noTextEdit="1"/>
+          </p:cNvSpPr>
+          <p:nvPr>
+            <p:extLst>
+              <p:ext uri="{386F3935-93C4-4BCD-93E2-E3B085C9AB24}">
+                <p16:designElem xmlns:p16="http://schemas.microsoft.com/office/powerpoint/2015/main" val="1"/>
+              </p:ext>
+            </p:extLst>
+          </p:nvPr>
+        </p:nvSpPr>
+        <p:spPr>
+          <a:xfrm rot="16200000">
+            <a:off x="2537516" y="0"/>
+            <a:ext cx="6857999" cy="6857998"/>
+          </a:xfrm>
+          <a:prstGeom prst="ellipse">
+            <a:avLst/>
+          </a:prstGeom>
+          <a:gradFill>
+            <a:gsLst>
+              <a:gs pos="0">
+                <a:schemeClr val="accent1">
+                  <a:lumMod val="20000"/>
+                  <a:lumOff val="80000"/>
+                  <a:alpha val="40000"/>
+                </a:schemeClr>
+              </a:gs>
+              <a:gs pos="100000">
+                <a:schemeClr val="accent1">
+                  <a:alpha val="40000"/>
+                </a:schemeClr>
+              </a:gs>
+            </a:gsLst>
+            <a:lin ang="2700000" scaled="1"/>
+          </a:gradFill>
+          <a:ln>
+            <a:noFill/>
+          </a:ln>
+          <a:effectLst>
+            <a:softEdge rad="520700"/>
+          </a:effectLst>
+        </p:spPr>
+        <p:style>
+          <a:lnRef idx="2">
+            <a:schemeClr val="accent1">
+              <a:shade val="50000"/>
+            </a:schemeClr>
+          </a:lnRef>
+          <a:fillRef idx="1">
+            <a:schemeClr val="accent1"/>
+          </a:fillRef>
+          <a:effectRef idx="0">
+            <a:schemeClr val="accent1"/>
+          </a:effectRef>
+          <a:fontRef idx="minor">
+            <a:schemeClr val="lt1"/>
+          </a:fontRef>
+        </p:style>
+        <p:txBody>
+          <a:bodyPr rtlCol="0" anchor="ctr"/>
+          <a:lstStyle/>
+          <a:p>
+            <a:pPr algn="ctr"/>
+            <a:endParaRPr lang="en-US" dirty="0"/>
+          </a:p>
+        </p:txBody>
+      </p:sp>
+      <p:sp>
+        <p:nvSpPr>
+          <p:cNvPr id="20" name="Oval 19">
+            <a:extLst>
+              <a:ext uri="{FF2B5EF4-FFF2-40B4-BE49-F238E27FC236}">
+                <a16:creationId xmlns:a16="http://schemas.microsoft.com/office/drawing/2014/main" id="{88C91735-5EFE-44D1-8CC6-FDF0D11B6F5D}"/>
+              </a:ext>
+              <a:ext uri="{C183D7F6-B498-43B3-948B-1728B52AA6E4}">
+                <adec:decorative xmlns:adec="http://schemas.microsoft.com/office/drawing/2017/decorative" val="1"/>
+              </a:ext>
+            </a:extLst>
+          </p:cNvPr>
+          <p:cNvSpPr>
+            <a:spLocks noGrp="1" noRot="1" noChangeAspect="1" noMove="1" noResize="1" noEditPoints="1" noAdjustHandles="1" noChangeArrowheads="1" noChangeShapeType="1" noTextEdit="1"/>
+          </p:cNvSpPr>
+          <p:nvPr>
+            <p:extLst>
+              <p:ext uri="{386F3935-93C4-4BCD-93E2-E3B085C9AB24}">
+                <p16:designElem xmlns:p16="http://schemas.microsoft.com/office/powerpoint/2015/main" val="1"/>
+              </p:ext>
+            </p:extLst>
+          </p:nvPr>
+        </p:nvSpPr>
+        <p:spPr>
+          <a:xfrm rot="16200000">
+            <a:off x="73990" y="1194074"/>
+            <a:ext cx="5589934" cy="5737916"/>
+          </a:xfrm>
+          <a:prstGeom prst="ellipse">
+            <a:avLst/>
+          </a:prstGeom>
+          <a:gradFill>
+            <a:gsLst>
+              <a:gs pos="0">
+                <a:schemeClr val="accent1">
+                  <a:alpha val="40000"/>
+                </a:schemeClr>
+              </a:gs>
+              <a:gs pos="100000">
+                <a:schemeClr val="accent5">
+                  <a:alpha val="20000"/>
+                </a:schemeClr>
+              </a:gs>
+            </a:gsLst>
+            <a:lin ang="2700000" scaled="1"/>
+          </a:gradFill>
+          <a:ln>
+            <a:noFill/>
+          </a:ln>
+          <a:effectLst>
+            <a:softEdge rad="952500"/>
+          </a:effectLst>
+        </p:spPr>
+        <p:style>
+          <a:lnRef idx="2">
+            <a:schemeClr val="accent1">
+              <a:shade val="50000"/>
+            </a:schemeClr>
+          </a:lnRef>
+          <a:fillRef idx="1">
+            <a:schemeClr val="accent1"/>
+          </a:fillRef>
+          <a:effectRef idx="0">
+            <a:schemeClr val="accent1"/>
+          </a:effectRef>
+          <a:fontRef idx="minor">
+            <a:schemeClr val="lt1"/>
+          </a:fontRef>
+        </p:style>
+        <p:txBody>
+          <a:bodyPr rtlCol="0" anchor="ctr"/>
+          <a:lstStyle/>
+          <a:p>
+            <a:pPr algn="ctr"/>
+            <a:endParaRPr lang="en-US" dirty="0"/>
+          </a:p>
+        </p:txBody>
+      </p:sp>
+      <p:sp>
+        <p:nvSpPr>
+          <p:cNvPr id="2" name="标题 1">
+            <a:extLst>
+              <a:ext uri="{FF2B5EF4-FFF2-40B4-BE49-F238E27FC236}">
+                <a16:creationId xmlns:a16="http://schemas.microsoft.com/office/drawing/2014/main" id="{E3868B0D-D41A-440B-BDE6-D93AE525CAE0}"/>
+              </a:ext>
+            </a:extLst>
+          </p:cNvPr>
+          <p:cNvSpPr>
+            <a:spLocks noGrp="1"/>
+          </p:cNvSpPr>
+          <p:nvPr>
+            <p:ph type="title"/>
+          </p:nvPr>
+        </p:nvSpPr>
+        <p:spPr>
+          <a:xfrm>
+            <a:off x="770926" y="718782"/>
+            <a:ext cx="4242472" cy="3641891"/>
+          </a:xfrm>
+        </p:spPr>
+        <p:txBody>
+          <a:bodyPr vert="horz" lIns="91440" tIns="45720" rIns="91440" bIns="45720" rtlCol="0" anchor="b">
+            <a:normAutofit fontScale="90000"/>
+          </a:bodyPr>
+          <a:lstStyle/>
+          <a:p>
+            <a:r>
+              <a:rPr lang="en-US" altLang="zh-CN" sz="5400" dirty="0">
+                <a:solidFill>
+                  <a:srgbClr val="FFFFFF"/>
+                </a:solidFill>
+              </a:rPr>
+              <a:t>Intensive Calculation</a:t>
+            </a:r>
+            <a:br>
+              <a:rPr lang="en-US" altLang="zh-CN" sz="5400" dirty="0">
+                <a:solidFill>
+                  <a:srgbClr val="FFFFFF"/>
+                </a:solidFill>
+              </a:rPr>
+            </a:br>
+            <a:r>
+              <a:rPr lang="en-US" altLang="zh-CN" sz="5400" dirty="0">
+                <a:solidFill>
+                  <a:srgbClr val="FFFFFF"/>
+                </a:solidFill>
+              </a:rPr>
+              <a:t>VS</a:t>
+            </a:r>
+            <a:br>
+              <a:rPr lang="en-US" altLang="zh-CN" sz="5400" dirty="0">
+                <a:solidFill>
+                  <a:srgbClr val="FFFFFF"/>
+                </a:solidFill>
+              </a:rPr>
+            </a:br>
+            <a:r>
+              <a:rPr lang="en-US" altLang="zh-CN" sz="5400" dirty="0">
+                <a:solidFill>
+                  <a:srgbClr val="FFFFFF"/>
+                </a:solidFill>
+              </a:rPr>
+              <a:t>Sliced Calculation </a:t>
+            </a:r>
+          </a:p>
+        </p:txBody>
+      </p:sp>
+      <p:sp>
+        <p:nvSpPr>
+          <p:cNvPr id="22" name="Oval 21">
+            <a:extLst>
+              <a:ext uri="{FF2B5EF4-FFF2-40B4-BE49-F238E27FC236}">
+                <a16:creationId xmlns:a16="http://schemas.microsoft.com/office/drawing/2014/main" id="{D33F926C-2613-475D-AEE4-CD7D87D3BA2D}"/>
+              </a:ext>
+              <a:ext uri="{C183D7F6-B498-43B3-948B-1728B52AA6E4}">
+                <adec:decorative xmlns:adec="http://schemas.microsoft.com/office/drawing/2017/decorative" val="1"/>
+              </a:ext>
+            </a:extLst>
+          </p:cNvPr>
+          <p:cNvSpPr>
+            <a:spLocks noGrp="1" noRot="1" noChangeAspect="1" noMove="1" noResize="1" noEditPoints="1" noAdjustHandles="1" noChangeArrowheads="1" noChangeShapeType="1" noTextEdit="1"/>
+          </p:cNvSpPr>
+          <p:nvPr>
+            <p:extLst>
+              <p:ext uri="{386F3935-93C4-4BCD-93E2-E3B085C9AB24}">
+                <p16:designElem xmlns:p16="http://schemas.microsoft.com/office/powerpoint/2015/main" val="1"/>
+              </p:ext>
+            </p:extLst>
+          </p:nvPr>
+        </p:nvSpPr>
+        <p:spPr>
+          <a:xfrm rot="16200000">
+            <a:off x="6439622" y="194269"/>
+            <a:ext cx="5760743" cy="5737917"/>
+          </a:xfrm>
+          <a:prstGeom prst="ellipse">
+            <a:avLst/>
+          </a:prstGeom>
+          <a:gradFill>
+            <a:gsLst>
+              <a:gs pos="0">
+                <a:schemeClr val="accent1">
+                  <a:alpha val="20000"/>
+                </a:schemeClr>
+              </a:gs>
+              <a:gs pos="100000">
+                <a:schemeClr val="accent5">
+                  <a:alpha val="40000"/>
+                </a:schemeClr>
+              </a:gs>
+            </a:gsLst>
+            <a:lin ang="2700000" scaled="1"/>
+          </a:gradFill>
+          <a:ln>
+            <a:noFill/>
+          </a:ln>
+          <a:effectLst>
+            <a:softEdge rad="1003300"/>
+          </a:effectLst>
+        </p:spPr>
+        <p:style>
+          <a:lnRef idx="2">
+            <a:schemeClr val="accent1">
+              <a:shade val="50000"/>
+            </a:schemeClr>
+          </a:lnRef>
+          <a:fillRef idx="1">
+            <a:schemeClr val="accent1"/>
+          </a:fillRef>
+          <a:effectRef idx="0">
+            <a:schemeClr val="accent1"/>
+          </a:effectRef>
+          <a:fontRef idx="minor">
+            <a:schemeClr val="lt1"/>
+          </a:fontRef>
+        </p:style>
+        <p:txBody>
+          <a:bodyPr rtlCol="0" anchor="ctr"/>
+          <a:lstStyle/>
+          <a:p>
+            <a:pPr algn="ctr"/>
+            <a:endParaRPr lang="en-US" dirty="0"/>
+          </a:p>
+        </p:txBody>
+      </p:sp>
+      <p:pic>
+        <p:nvPicPr>
+          <p:cNvPr id="5" name="内容占位符 4">
+            <a:extLst>
+              <a:ext uri="{FF2B5EF4-FFF2-40B4-BE49-F238E27FC236}">
+                <a16:creationId xmlns:a16="http://schemas.microsoft.com/office/drawing/2014/main" id="{7CE2B957-DA43-457F-BC29-5F4A91075E0A}"/>
+              </a:ext>
+            </a:extLst>
+          </p:cNvPr>
+          <p:cNvPicPr>
+            <a:picLocks noGrp="1" noChangeAspect="1"/>
+          </p:cNvPicPr>
+          <p:nvPr>
+            <p:ph idx="1"/>
+          </p:nvPr>
+        </p:nvPicPr>
+        <p:blipFill>
+          <a:blip r:embed="rId2">
+            <a:alphaModFix amt="80000"/>
+          </a:blip>
+          <a:stretch>
+            <a:fillRect/>
+          </a:stretch>
+        </p:blipFill>
+        <p:spPr>
+          <a:xfrm>
+            <a:off x="6302732" y="502617"/>
+            <a:ext cx="5408855" cy="5863258"/>
+          </a:xfrm>
+          <a:prstGeom prst="rect">
+            <a:avLst/>
+          </a:prstGeom>
+        </p:spPr>
+      </p:pic>
+    </p:spTree>
+    <p:extLst>
+      <p:ext uri="{BB962C8B-B14F-4D97-AF65-F5344CB8AC3E}">
+        <p14:creationId xmlns:p14="http://schemas.microsoft.com/office/powerpoint/2010/main" val="1717310557"/>
       </p:ext>
     </p:extLst>
   </p:cSld>

--- a/eventloop.pptx
+++ b/eventloop.pptx
@@ -2338,7 +2338,7 @@
           <a:p>
             <a:fld id="{AA70F276-1833-4A75-9C1D-A56E2295A68D}" type="datetimeFigureOut">
               <a:rPr lang="en-US" smtClean="0"/>
-              <a:t>3/16/2022</a:t>
+              <a:t>3/17/2022</a:t>
             </a:fld>
             <a:endParaRPr lang="en-US"/>
           </a:p>
@@ -2536,7 +2536,7 @@
           <a:p>
             <a:fld id="{AA70F276-1833-4A75-9C1D-A56E2295A68D}" type="datetimeFigureOut">
               <a:rPr lang="en-US" smtClean="0"/>
-              <a:t>3/16/2022</a:t>
+              <a:t>3/17/2022</a:t>
             </a:fld>
             <a:endParaRPr lang="en-US"/>
           </a:p>
@@ -2744,7 +2744,7 @@
           <a:p>
             <a:fld id="{AA70F276-1833-4A75-9C1D-A56E2295A68D}" type="datetimeFigureOut">
               <a:rPr lang="en-US" smtClean="0"/>
-              <a:t>3/16/2022</a:t>
+              <a:t>3/17/2022</a:t>
             </a:fld>
             <a:endParaRPr lang="en-US"/>
           </a:p>
@@ -2969,7 +2969,7 @@
           <a:p>
             <a:fld id="{AA70F276-1833-4A75-9C1D-A56E2295A68D}" type="datetimeFigureOut">
               <a:rPr lang="en-US" smtClean="0"/>
-              <a:t>3/16/2022</a:t>
+              <a:t>3/17/2022</a:t>
             </a:fld>
             <a:endParaRPr lang="en-US"/>
           </a:p>
@@ -3245,7 +3245,7 @@
           <a:p>
             <a:fld id="{AA70F276-1833-4A75-9C1D-A56E2295A68D}" type="datetimeFigureOut">
               <a:rPr lang="en-US" smtClean="0"/>
-              <a:t>3/16/2022</a:t>
+              <a:t>3/17/2022</a:t>
             </a:fld>
             <a:endParaRPr lang="en-US"/>
           </a:p>
@@ -3515,7 +3515,7 @@
           <a:p>
             <a:fld id="{AA70F276-1833-4A75-9C1D-A56E2295A68D}" type="datetimeFigureOut">
               <a:rPr lang="en-US" smtClean="0"/>
-              <a:t>3/16/2022</a:t>
+              <a:t>3/17/2022</a:t>
             </a:fld>
             <a:endParaRPr lang="en-US"/>
           </a:p>
@@ -3927,7 +3927,7 @@
           <a:p>
             <a:fld id="{AA70F276-1833-4A75-9C1D-A56E2295A68D}" type="datetimeFigureOut">
               <a:rPr lang="en-US" smtClean="0"/>
-              <a:t>3/16/2022</a:t>
+              <a:t>3/17/2022</a:t>
             </a:fld>
             <a:endParaRPr lang="en-US"/>
           </a:p>
@@ -4068,7 +4068,7 @@
           <a:p>
             <a:fld id="{AA70F276-1833-4A75-9C1D-A56E2295A68D}" type="datetimeFigureOut">
               <a:rPr lang="en-US" smtClean="0"/>
-              <a:t>3/16/2022</a:t>
+              <a:t>3/17/2022</a:t>
             </a:fld>
             <a:endParaRPr lang="en-US"/>
           </a:p>
@@ -4181,7 +4181,7 @@
           <a:p>
             <a:fld id="{AA70F276-1833-4A75-9C1D-A56E2295A68D}" type="datetimeFigureOut">
               <a:rPr lang="en-US" smtClean="0"/>
-              <a:t>3/16/2022</a:t>
+              <a:t>3/17/2022</a:t>
             </a:fld>
             <a:endParaRPr lang="en-US"/>
           </a:p>
@@ -4492,7 +4492,7 @@
           <a:p>
             <a:fld id="{AA70F276-1833-4A75-9C1D-A56E2295A68D}" type="datetimeFigureOut">
               <a:rPr lang="en-US" smtClean="0"/>
-              <a:t>3/16/2022</a:t>
+              <a:t>3/17/2022</a:t>
             </a:fld>
             <a:endParaRPr lang="en-US"/>
           </a:p>
@@ -4783,7 +4783,7 @@
           <a:p>
             <a:fld id="{AA70F276-1833-4A75-9C1D-A56E2295A68D}" type="datetimeFigureOut">
               <a:rPr lang="en-US" smtClean="0"/>
-              <a:t>3/16/2022</a:t>
+              <a:t>3/17/2022</a:t>
             </a:fld>
             <a:endParaRPr lang="en-US"/>
           </a:p>
@@ -5087,7 +5087,7 @@
             <a:fld id="{AA70F276-1833-4A75-9C1D-A56E2295A68D}" type="datetimeFigureOut">
               <a:rPr lang="en-US" smtClean="0"/>
               <a:pPr/>
-              <a:t>3/16/2022</a:t>
+              <a:t>3/17/2022</a:t>
             </a:fld>
             <a:endParaRPr lang="en-US" dirty="0"/>
           </a:p>
@@ -6393,11 +6393,186 @@
         </p:blipFill>
         <p:spPr>
           <a:xfrm>
-            <a:off x="1595547" y="553971"/>
+            <a:off x="2608448" y="553971"/>
             <a:ext cx="8322810" cy="5750058"/>
           </a:xfrm>
         </p:spPr>
       </p:pic>
+      <p:sp>
+        <p:nvSpPr>
+          <p:cNvPr id="3" name="标题 1">
+            <a:extLst>
+              <a:ext uri="{FF2B5EF4-FFF2-40B4-BE49-F238E27FC236}">
+                <a16:creationId xmlns:a16="http://schemas.microsoft.com/office/drawing/2014/main" id="{EA2F3BED-7BEA-4A5E-AE19-F4535DA41D6A}"/>
+              </a:ext>
+            </a:extLst>
+          </p:cNvPr>
+          <p:cNvSpPr>
+            <a:spLocks noGrp="1"/>
+          </p:cNvSpPr>
+          <p:nvPr>
+            <p:ph type="title"/>
+          </p:nvPr>
+        </p:nvSpPr>
+        <p:spPr>
+          <a:xfrm>
+            <a:off x="607196" y="625641"/>
+            <a:ext cx="2001252" cy="1751798"/>
+          </a:xfrm>
+        </p:spPr>
+        <p:txBody>
+          <a:bodyPr vert="horz" lIns="91440" tIns="45720" rIns="91440" bIns="45720" rtlCol="0" anchor="b">
+            <a:normAutofit fontScale="90000"/>
+          </a:bodyPr>
+          <a:lstStyle/>
+          <a:p>
+            <a:r>
+              <a:rPr lang="en-US" altLang="zh-CN" sz="2400" dirty="0">
+                <a:gradFill flip="none" rotWithShape="1">
+                  <a:gsLst>
+                    <a:gs pos="0">
+                      <a:schemeClr val="accent5">
+                        <a:alpha val="70000"/>
+                      </a:schemeClr>
+                    </a:gs>
+                    <a:gs pos="100000">
+                      <a:schemeClr val="accent1">
+                        <a:alpha val="70000"/>
+                      </a:schemeClr>
+                    </a:gs>
+                  </a:gsLst>
+                  <a:lin ang="0" scaled="1"/>
+                  <a:tileRect/>
+                </a:gradFill>
+              </a:rPr>
+              <a:t>Intensive Calculation</a:t>
+            </a:r>
+            <a:br>
+              <a:rPr lang="en-US" altLang="zh-CN" sz="2400" dirty="0">
+                <a:gradFill flip="none" rotWithShape="1">
+                  <a:gsLst>
+                    <a:gs pos="0">
+                      <a:schemeClr val="accent5">
+                        <a:alpha val="70000"/>
+                      </a:schemeClr>
+                    </a:gs>
+                    <a:gs pos="100000">
+                      <a:schemeClr val="accent1">
+                        <a:alpha val="70000"/>
+                      </a:schemeClr>
+                    </a:gs>
+                  </a:gsLst>
+                  <a:lin ang="0" scaled="1"/>
+                  <a:tileRect/>
+                </a:gradFill>
+              </a:rPr>
+            </a:br>
+            <a:r>
+              <a:rPr lang="en-US" altLang="zh-CN" sz="2400" dirty="0">
+                <a:gradFill flip="none" rotWithShape="1">
+                  <a:gsLst>
+                    <a:gs pos="0">
+                      <a:schemeClr val="accent5">
+                        <a:alpha val="70000"/>
+                      </a:schemeClr>
+                    </a:gs>
+                    <a:gs pos="100000">
+                      <a:schemeClr val="accent1">
+                        <a:alpha val="70000"/>
+                      </a:schemeClr>
+                    </a:gs>
+                  </a:gsLst>
+                  <a:lin ang="0" scaled="1"/>
+                  <a:tileRect/>
+                </a:gradFill>
+              </a:rPr>
+              <a:t>VS</a:t>
+            </a:r>
+            <a:br>
+              <a:rPr lang="en-US" altLang="zh-CN" sz="2400" dirty="0">
+                <a:gradFill flip="none" rotWithShape="1">
+                  <a:gsLst>
+                    <a:gs pos="0">
+                      <a:schemeClr val="accent5">
+                        <a:alpha val="70000"/>
+                      </a:schemeClr>
+                    </a:gs>
+                    <a:gs pos="100000">
+                      <a:schemeClr val="accent1">
+                        <a:alpha val="70000"/>
+                      </a:schemeClr>
+                    </a:gs>
+                  </a:gsLst>
+                  <a:lin ang="0" scaled="1"/>
+                  <a:tileRect/>
+                </a:gradFill>
+              </a:rPr>
+            </a:br>
+            <a:r>
+              <a:rPr lang="en-US" altLang="zh-CN" sz="2400" dirty="0">
+                <a:gradFill flip="none" rotWithShape="1">
+                  <a:gsLst>
+                    <a:gs pos="0">
+                      <a:schemeClr val="accent5">
+                        <a:alpha val="70000"/>
+                      </a:schemeClr>
+                    </a:gs>
+                    <a:gs pos="100000">
+                      <a:schemeClr val="accent1">
+                        <a:alpha val="70000"/>
+                      </a:schemeClr>
+                    </a:gs>
+                  </a:gsLst>
+                  <a:lin ang="0" scaled="1"/>
+                  <a:tileRect/>
+                </a:gradFill>
+              </a:rPr>
+              <a:t>Sliced </a:t>
+            </a:r>
+            <a:br>
+              <a:rPr lang="en-US" altLang="zh-CN" sz="2400" dirty="0">
+                <a:gradFill flip="none" rotWithShape="1">
+                  <a:gsLst>
+                    <a:gs pos="0">
+                      <a:schemeClr val="accent5">
+                        <a:alpha val="70000"/>
+                      </a:schemeClr>
+                    </a:gs>
+                    <a:gs pos="100000">
+                      <a:schemeClr val="accent1">
+                        <a:alpha val="70000"/>
+                      </a:schemeClr>
+                    </a:gs>
+                  </a:gsLst>
+                  <a:lin ang="0" scaled="1"/>
+                  <a:tileRect/>
+                </a:gradFill>
+              </a:rPr>
+            </a:br>
+            <a:r>
+              <a:rPr lang="en-US" altLang="zh-CN" sz="2400" dirty="0">
+                <a:gradFill flip="none" rotWithShape="1">
+                  <a:gsLst>
+                    <a:gs pos="0">
+                      <a:schemeClr val="accent5">
+                        <a:alpha val="70000"/>
+                      </a:schemeClr>
+                    </a:gs>
+                    <a:gs pos="100000">
+                      <a:schemeClr val="accent1">
+                        <a:alpha val="70000"/>
+                      </a:schemeClr>
+                    </a:gs>
+                  </a:gsLst>
+                  <a:lin ang="0" scaled="1"/>
+                  <a:tileRect/>
+                </a:gradFill>
+              </a:rPr>
+              <a:t>Calculation </a:t>
+            </a:r>
+          </a:p>
+        </p:txBody>
+      </p:sp>
     </p:spTree>
     <p:extLst>
       <p:ext uri="{BB962C8B-B14F-4D97-AF65-F5344CB8AC3E}">
@@ -6438,7 +6613,7 @@
       </p:grpSpPr>
       <p:sp>
         <p:nvSpPr>
-          <p:cNvPr id="10" name="Frame 9">
+          <p:cNvPr id="36" name="Frame 35">
             <a:extLst>
               <a:ext uri="{FF2B5EF4-FFF2-40B4-BE49-F238E27FC236}">
                 <a16:creationId xmlns:a16="http://schemas.microsoft.com/office/drawing/2014/main" id="{DD7EAFE6-2BB9-41FB-9CF4-588CFC708774}"/>
@@ -6516,10 +6691,10 @@
       </p:sp>
       <p:sp useBgFill="1">
         <p:nvSpPr>
-          <p:cNvPr id="12" name="Rectangle 11">
-            <a:extLst>
-              <a:ext uri="{FF2B5EF4-FFF2-40B4-BE49-F238E27FC236}">
-                <a16:creationId xmlns:a16="http://schemas.microsoft.com/office/drawing/2014/main" id="{610334BF-0422-4A9A-BE46-AEB8C348BAC4}"/>
+          <p:cNvPr id="38" name="Rectangle 37">
+            <a:extLst>
+              <a:ext uri="{FF2B5EF4-FFF2-40B4-BE49-F238E27FC236}">
+                <a16:creationId xmlns:a16="http://schemas.microsoft.com/office/drawing/2014/main" id="{C3E06833-B59C-442F-9A6A-F8F55936D530}"/>
               </a:ext>
               <a:ext uri="{C183D7F6-B498-43B3-948B-1728B52AA6E4}">
                 <adec:decorative xmlns:adec="http://schemas.microsoft.com/office/drawing/2017/decorative" val="1"/>
@@ -6539,7 +6714,7 @@
         </p:nvSpPr>
         <p:spPr>
           <a:xfrm>
-            <a:off x="0" y="0"/>
+            <a:off x="0" y="9554"/>
             <a:ext cx="12188952" cy="6858000"/>
           </a:xfrm>
           <a:prstGeom prst="rect">
@@ -6576,10 +6751,10 @@
       </p:sp>
       <p:sp>
         <p:nvSpPr>
-          <p:cNvPr id="14" name="Rectangle 13">
-            <a:extLst>
-              <a:ext uri="{FF2B5EF4-FFF2-40B4-BE49-F238E27FC236}">
-                <a16:creationId xmlns:a16="http://schemas.microsoft.com/office/drawing/2014/main" id="{C98F2823-0279-49D8-928D-754B222533EF}"/>
+          <p:cNvPr id="40" name="Frame 39">
+            <a:extLst>
+              <a:ext uri="{FF2B5EF4-FFF2-40B4-BE49-F238E27FC236}">
+                <a16:creationId xmlns:a16="http://schemas.microsoft.com/office/drawing/2014/main" id="{FA2016CF-2F24-4AE4-8A87-D9B6A3DE31E2}"/>
               </a:ext>
               <a:ext uri="{C183D7F6-B498-43B3-948B-1728B52AA6E4}">
                 <adec:decorative xmlns:adec="http://schemas.microsoft.com/office/drawing/2017/decorative" val="1"/>
@@ -6599,22 +6774,24 @@
         </p:nvSpPr>
         <p:spPr>
           <a:xfrm>
-            <a:off x="0" y="-664"/>
+            <a:off x="0" y="0"/>
             <a:ext cx="12188952" cy="6858000"/>
           </a:xfrm>
-          <a:prstGeom prst="rect">
-            <a:avLst/>
+          <a:prstGeom prst="frame">
+            <a:avLst>
+              <a:gd name="adj1" fmla="val 7164"/>
+            </a:avLst>
           </a:prstGeom>
           <a:gradFill flip="none" rotWithShape="1">
             <a:gsLst>
               <a:gs pos="0">
                 <a:schemeClr val="accent2">
-                  <a:alpha val="60000"/>
+                  <a:alpha val="40000"/>
                 </a:schemeClr>
               </a:gs>
               <a:gs pos="100000">
                 <a:schemeClr val="accent1">
-                  <a:alpha val="60000"/>
+                  <a:alpha val="40000"/>
                 </a:schemeClr>
               </a:gs>
             </a:gsLst>
@@ -6650,382 +6827,12 @@
           </a:p>
         </p:txBody>
       </p:sp>
-      <p:sp>
-        <p:nvSpPr>
-          <p:cNvPr id="16" name="Rectangle 15">
-            <a:extLst>
-              <a:ext uri="{FF2B5EF4-FFF2-40B4-BE49-F238E27FC236}">
-                <a16:creationId xmlns:a16="http://schemas.microsoft.com/office/drawing/2014/main" id="{02E45E95-311C-41C7-A882-6E43F0806865}"/>
-              </a:ext>
-              <a:ext uri="{C183D7F6-B498-43B3-948B-1728B52AA6E4}">
-                <adec:decorative xmlns:adec="http://schemas.microsoft.com/office/drawing/2017/decorative" val="1"/>
-              </a:ext>
-            </a:extLst>
-          </p:cNvPr>
-          <p:cNvSpPr>
-            <a:spLocks noGrp="1" noRot="1" noChangeAspect="1" noMove="1" noResize="1" noEditPoints="1" noAdjustHandles="1" noChangeArrowheads="1" noChangeShapeType="1" noTextEdit="1"/>
-          </p:cNvSpPr>
-          <p:nvPr>
-            <p:extLst>
-              <p:ext uri="{386F3935-93C4-4BCD-93E2-E3B085C9AB24}">
-                <p16:designElem xmlns:p16="http://schemas.microsoft.com/office/powerpoint/2015/main" val="1"/>
-              </p:ext>
-            </p:extLst>
-          </p:nvPr>
-        </p:nvSpPr>
-        <p:spPr>
-          <a:xfrm>
-            <a:off x="0" y="663"/>
-            <a:ext cx="12188952" cy="6858000"/>
-          </a:xfrm>
-          <a:prstGeom prst="rect">
-            <a:avLst/>
-          </a:prstGeom>
-          <a:solidFill>
-            <a:schemeClr val="bg2">
-              <a:alpha val="20000"/>
-            </a:schemeClr>
-          </a:solidFill>
-          <a:ln>
-            <a:noFill/>
-          </a:ln>
-        </p:spPr>
-        <p:style>
-          <a:lnRef idx="2">
-            <a:schemeClr val="accent1">
-              <a:shade val="50000"/>
-            </a:schemeClr>
-          </a:lnRef>
-          <a:fillRef idx="1">
-            <a:schemeClr val="accent1"/>
-          </a:fillRef>
-          <a:effectRef idx="0">
-            <a:schemeClr val="accent1"/>
-          </a:effectRef>
-          <a:fontRef idx="minor">
-            <a:schemeClr val="lt1"/>
-          </a:fontRef>
-        </p:style>
-        <p:txBody>
-          <a:bodyPr rtlCol="0" anchor="ctr"/>
-          <a:lstStyle/>
-          <a:p>
-            <a:pPr algn="ctr"/>
-            <a:endParaRPr lang="en-US" dirty="0"/>
-          </a:p>
-        </p:txBody>
-      </p:sp>
-      <p:sp>
-        <p:nvSpPr>
-          <p:cNvPr id="18" name="Oval 17">
-            <a:extLst>
-              <a:ext uri="{FF2B5EF4-FFF2-40B4-BE49-F238E27FC236}">
-                <a16:creationId xmlns:a16="http://schemas.microsoft.com/office/drawing/2014/main" id="{B7299D5D-ECC5-41EB-B830-C3A35FB35516}"/>
-              </a:ext>
-              <a:ext uri="{C183D7F6-B498-43B3-948B-1728B52AA6E4}">
-                <adec:decorative xmlns:adec="http://schemas.microsoft.com/office/drawing/2017/decorative" val="1"/>
-              </a:ext>
-            </a:extLst>
-          </p:cNvPr>
-          <p:cNvSpPr>
-            <a:spLocks noGrp="1" noRot="1" noChangeAspect="1" noMove="1" noResize="1" noEditPoints="1" noAdjustHandles="1" noChangeArrowheads="1" noChangeShapeType="1" noTextEdit="1"/>
-          </p:cNvSpPr>
-          <p:nvPr>
-            <p:extLst>
-              <p:ext uri="{386F3935-93C4-4BCD-93E2-E3B085C9AB24}">
-                <p16:designElem xmlns:p16="http://schemas.microsoft.com/office/powerpoint/2015/main" val="1"/>
-              </p:ext>
-            </p:extLst>
-          </p:nvPr>
-        </p:nvSpPr>
-        <p:spPr>
-          <a:xfrm rot="16200000">
-            <a:off x="2537516" y="0"/>
-            <a:ext cx="6857999" cy="6857998"/>
-          </a:xfrm>
-          <a:prstGeom prst="ellipse">
-            <a:avLst/>
-          </a:prstGeom>
-          <a:gradFill>
-            <a:gsLst>
-              <a:gs pos="0">
-                <a:schemeClr val="accent1">
-                  <a:lumMod val="20000"/>
-                  <a:lumOff val="80000"/>
-                  <a:alpha val="40000"/>
-                </a:schemeClr>
-              </a:gs>
-              <a:gs pos="100000">
-                <a:schemeClr val="accent1">
-                  <a:alpha val="40000"/>
-                </a:schemeClr>
-              </a:gs>
-            </a:gsLst>
-            <a:lin ang="2700000" scaled="1"/>
-          </a:gradFill>
-          <a:ln>
-            <a:noFill/>
-          </a:ln>
-          <a:effectLst>
-            <a:softEdge rad="520700"/>
-          </a:effectLst>
-        </p:spPr>
-        <p:style>
-          <a:lnRef idx="2">
-            <a:schemeClr val="accent1">
-              <a:shade val="50000"/>
-            </a:schemeClr>
-          </a:lnRef>
-          <a:fillRef idx="1">
-            <a:schemeClr val="accent1"/>
-          </a:fillRef>
-          <a:effectRef idx="0">
-            <a:schemeClr val="accent1"/>
-          </a:effectRef>
-          <a:fontRef idx="minor">
-            <a:schemeClr val="lt1"/>
-          </a:fontRef>
-        </p:style>
-        <p:txBody>
-          <a:bodyPr rtlCol="0" anchor="ctr"/>
-          <a:lstStyle/>
-          <a:p>
-            <a:pPr algn="ctr"/>
-            <a:endParaRPr lang="en-US" dirty="0"/>
-          </a:p>
-        </p:txBody>
-      </p:sp>
-      <p:sp>
-        <p:nvSpPr>
-          <p:cNvPr id="20" name="Oval 19">
-            <a:extLst>
-              <a:ext uri="{FF2B5EF4-FFF2-40B4-BE49-F238E27FC236}">
-                <a16:creationId xmlns:a16="http://schemas.microsoft.com/office/drawing/2014/main" id="{88C91735-5EFE-44D1-8CC6-FDF0D11B6F5D}"/>
-              </a:ext>
-              <a:ext uri="{C183D7F6-B498-43B3-948B-1728B52AA6E4}">
-                <adec:decorative xmlns:adec="http://schemas.microsoft.com/office/drawing/2017/decorative" val="1"/>
-              </a:ext>
-            </a:extLst>
-          </p:cNvPr>
-          <p:cNvSpPr>
-            <a:spLocks noGrp="1" noRot="1" noChangeAspect="1" noMove="1" noResize="1" noEditPoints="1" noAdjustHandles="1" noChangeArrowheads="1" noChangeShapeType="1" noTextEdit="1"/>
-          </p:cNvSpPr>
-          <p:nvPr>
-            <p:extLst>
-              <p:ext uri="{386F3935-93C4-4BCD-93E2-E3B085C9AB24}">
-                <p16:designElem xmlns:p16="http://schemas.microsoft.com/office/powerpoint/2015/main" val="1"/>
-              </p:ext>
-            </p:extLst>
-          </p:nvPr>
-        </p:nvSpPr>
-        <p:spPr>
-          <a:xfrm rot="16200000">
-            <a:off x="73990" y="1194074"/>
-            <a:ext cx="5589934" cy="5737916"/>
-          </a:xfrm>
-          <a:prstGeom prst="ellipse">
-            <a:avLst/>
-          </a:prstGeom>
-          <a:gradFill>
-            <a:gsLst>
-              <a:gs pos="0">
-                <a:schemeClr val="accent1">
-                  <a:alpha val="40000"/>
-                </a:schemeClr>
-              </a:gs>
-              <a:gs pos="100000">
-                <a:schemeClr val="accent5">
-                  <a:alpha val="20000"/>
-                </a:schemeClr>
-              </a:gs>
-            </a:gsLst>
-            <a:lin ang="2700000" scaled="1"/>
-          </a:gradFill>
-          <a:ln>
-            <a:noFill/>
-          </a:ln>
-          <a:effectLst>
-            <a:softEdge rad="952500"/>
-          </a:effectLst>
-        </p:spPr>
-        <p:style>
-          <a:lnRef idx="2">
-            <a:schemeClr val="accent1">
-              <a:shade val="50000"/>
-            </a:schemeClr>
-          </a:lnRef>
-          <a:fillRef idx="1">
-            <a:schemeClr val="accent1"/>
-          </a:fillRef>
-          <a:effectRef idx="0">
-            <a:schemeClr val="accent1"/>
-          </a:effectRef>
-          <a:fontRef idx="minor">
-            <a:schemeClr val="lt1"/>
-          </a:fontRef>
-        </p:style>
-        <p:txBody>
-          <a:bodyPr rtlCol="0" anchor="ctr"/>
-          <a:lstStyle/>
-          <a:p>
-            <a:pPr algn="ctr"/>
-            <a:endParaRPr lang="en-US" dirty="0"/>
-          </a:p>
-        </p:txBody>
-      </p:sp>
-      <p:sp>
-        <p:nvSpPr>
-          <p:cNvPr id="2" name="标题 1">
-            <a:extLst>
-              <a:ext uri="{FF2B5EF4-FFF2-40B4-BE49-F238E27FC236}">
-                <a16:creationId xmlns:a16="http://schemas.microsoft.com/office/drawing/2014/main" id="{E3868B0D-D41A-440B-BDE6-D93AE525CAE0}"/>
-              </a:ext>
-            </a:extLst>
-          </p:cNvPr>
-          <p:cNvSpPr>
-            <a:spLocks noGrp="1"/>
-          </p:cNvSpPr>
-          <p:nvPr>
-            <p:ph type="title"/>
-          </p:nvPr>
-        </p:nvSpPr>
-        <p:spPr>
-          <a:xfrm>
-            <a:off x="770926" y="718782"/>
-            <a:ext cx="4242472" cy="3641891"/>
-          </a:xfrm>
-        </p:spPr>
-        <p:txBody>
-          <a:bodyPr vert="horz" lIns="91440" tIns="45720" rIns="91440" bIns="45720" rtlCol="0" anchor="b">
-            <a:normAutofit fontScale="90000"/>
-          </a:bodyPr>
-          <a:lstStyle/>
-          <a:p>
-            <a:r>
-              <a:rPr lang="en-US" altLang="zh-CN" sz="5400" dirty="0">
-                <a:solidFill>
-                  <a:srgbClr val="FFFFFF"/>
-                </a:solidFill>
-              </a:rPr>
-              <a:t>Intensive Calculation</a:t>
-            </a:r>
-            <a:br>
-              <a:rPr lang="en-US" altLang="zh-CN" sz="5400" dirty="0">
-                <a:solidFill>
-                  <a:srgbClr val="FFFFFF"/>
-                </a:solidFill>
-              </a:rPr>
-            </a:br>
-            <a:r>
-              <a:rPr lang="en-US" altLang="zh-CN" sz="5400" dirty="0">
-                <a:solidFill>
-                  <a:srgbClr val="FFFFFF"/>
-                </a:solidFill>
-              </a:rPr>
-              <a:t>VS</a:t>
-            </a:r>
-            <a:br>
-              <a:rPr lang="en-US" altLang="zh-CN" sz="5400" dirty="0">
-                <a:solidFill>
-                  <a:srgbClr val="FFFFFF"/>
-                </a:solidFill>
-              </a:rPr>
-            </a:br>
-            <a:r>
-              <a:rPr lang="en-US" altLang="zh-CN" sz="5400" dirty="0">
-                <a:solidFill>
-                  <a:srgbClr val="FFFFFF"/>
-                </a:solidFill>
-              </a:rPr>
-              <a:t>Sliced Calculation </a:t>
-            </a:r>
-          </a:p>
-        </p:txBody>
-      </p:sp>
-      <p:sp>
-        <p:nvSpPr>
-          <p:cNvPr id="22" name="Oval 21">
-            <a:extLst>
-              <a:ext uri="{FF2B5EF4-FFF2-40B4-BE49-F238E27FC236}">
-                <a16:creationId xmlns:a16="http://schemas.microsoft.com/office/drawing/2014/main" id="{D33F926C-2613-475D-AEE4-CD7D87D3BA2D}"/>
-              </a:ext>
-              <a:ext uri="{C183D7F6-B498-43B3-948B-1728B52AA6E4}">
-                <adec:decorative xmlns:adec="http://schemas.microsoft.com/office/drawing/2017/decorative" val="1"/>
-              </a:ext>
-            </a:extLst>
-          </p:cNvPr>
-          <p:cNvSpPr>
-            <a:spLocks noGrp="1" noRot="1" noChangeAspect="1" noMove="1" noResize="1" noEditPoints="1" noAdjustHandles="1" noChangeArrowheads="1" noChangeShapeType="1" noTextEdit="1"/>
-          </p:cNvSpPr>
-          <p:nvPr>
-            <p:extLst>
-              <p:ext uri="{386F3935-93C4-4BCD-93E2-E3B085C9AB24}">
-                <p16:designElem xmlns:p16="http://schemas.microsoft.com/office/powerpoint/2015/main" val="1"/>
-              </p:ext>
-            </p:extLst>
-          </p:nvPr>
-        </p:nvSpPr>
-        <p:spPr>
-          <a:xfrm rot="16200000">
-            <a:off x="6439622" y="194269"/>
-            <a:ext cx="5760743" cy="5737917"/>
-          </a:xfrm>
-          <a:prstGeom prst="ellipse">
-            <a:avLst/>
-          </a:prstGeom>
-          <a:gradFill>
-            <a:gsLst>
-              <a:gs pos="0">
-                <a:schemeClr val="accent1">
-                  <a:alpha val="20000"/>
-                </a:schemeClr>
-              </a:gs>
-              <a:gs pos="100000">
-                <a:schemeClr val="accent5">
-                  <a:alpha val="40000"/>
-                </a:schemeClr>
-              </a:gs>
-            </a:gsLst>
-            <a:lin ang="2700000" scaled="1"/>
-          </a:gradFill>
-          <a:ln>
-            <a:noFill/>
-          </a:ln>
-          <a:effectLst>
-            <a:softEdge rad="1003300"/>
-          </a:effectLst>
-        </p:spPr>
-        <p:style>
-          <a:lnRef idx="2">
-            <a:schemeClr val="accent1">
-              <a:shade val="50000"/>
-            </a:schemeClr>
-          </a:lnRef>
-          <a:fillRef idx="1">
-            <a:schemeClr val="accent1"/>
-          </a:fillRef>
-          <a:effectRef idx="0">
-            <a:schemeClr val="accent1"/>
-          </a:effectRef>
-          <a:fontRef idx="minor">
-            <a:schemeClr val="lt1"/>
-          </a:fontRef>
-        </p:style>
-        <p:txBody>
-          <a:bodyPr rtlCol="0" anchor="ctr"/>
-          <a:lstStyle/>
-          <a:p>
-            <a:pPr algn="ctr"/>
-            <a:endParaRPr lang="en-US" dirty="0"/>
-          </a:p>
-        </p:txBody>
-      </p:sp>
       <p:pic>
         <p:nvPicPr>
-          <p:cNvPr id="5" name="内容占位符 4">
-            <a:extLst>
-              <a:ext uri="{FF2B5EF4-FFF2-40B4-BE49-F238E27FC236}">
-                <a16:creationId xmlns:a16="http://schemas.microsoft.com/office/drawing/2014/main" id="{7CE2B957-DA43-457F-BC29-5F4A91075E0A}"/>
+          <p:cNvPr id="13" name="内容占位符 12">
+            <a:extLst>
+              <a:ext uri="{FF2B5EF4-FFF2-40B4-BE49-F238E27FC236}">
+                <a16:creationId xmlns:a16="http://schemas.microsoft.com/office/drawing/2014/main" id="{A0AFEF0D-320F-43EA-83F7-7F54B24BF8E2}"/>
               </a:ext>
             </a:extLst>
           </p:cNvPr>
@@ -7038,7 +6845,7 @@
         </p:nvPicPr>
         <p:blipFill>
           <a:blip r:embed="rId2">
-            <a:alphaModFix amt="80000"/>
+            <a:alphaModFix amt="90000"/>
           </a:blip>
           <a:stretch>
             <a:fillRect/>
@@ -7046,8 +6853,8 @@
         </p:blipFill>
         <p:spPr>
           <a:xfrm>
-            <a:off x="6302732" y="502617"/>
-            <a:ext cx="5408855" cy="5863258"/>
+            <a:off x="1943581" y="502619"/>
+            <a:ext cx="8301789" cy="5852761"/>
           </a:xfrm>
           <a:prstGeom prst="rect">
             <a:avLst/>
@@ -8471,8 +8278,8 @@
         </p:nvSpPr>
         <p:spPr>
           <a:xfrm>
-            <a:off x="838201" y="1122363"/>
-            <a:ext cx="4242472" cy="2387600"/>
+            <a:off x="160566" y="2351313"/>
+            <a:ext cx="3497032" cy="725941"/>
           </a:xfrm>
         </p:spPr>
         <p:txBody>
@@ -8482,14 +8289,14 @@
           <a:lstStyle/>
           <a:p>
             <a:r>
-              <a:rPr lang="en-US" altLang="zh-CN" sz="5400" dirty="0" err="1">
+              <a:rPr lang="en-US" altLang="zh-CN" sz="4400" dirty="0" err="1">
                 <a:solidFill>
                   <a:srgbClr val="FFFFFF"/>
                 </a:solidFill>
               </a:rPr>
               <a:t>Eventloop</a:t>
             </a:r>
-            <a:endParaRPr lang="en-US" altLang="zh-CN" sz="5400" dirty="0">
+            <a:endParaRPr lang="en-US" altLang="zh-CN" sz="4400" dirty="0">
               <a:solidFill>
                 <a:srgbClr val="FFFFFF"/>
               </a:solidFill>
@@ -8601,8 +8408,8 @@
         </p:blipFill>
         <p:spPr>
           <a:xfrm>
-            <a:off x="5450066" y="2095846"/>
-            <a:ext cx="6261521" cy="2676799"/>
+            <a:off x="3293456" y="1230545"/>
+            <a:ext cx="8639575" cy="3693417"/>
           </a:xfrm>
           <a:prstGeom prst="rect">
             <a:avLst/>
@@ -9102,33 +8909,48 @@
         </p:nvSpPr>
         <p:spPr>
           <a:xfrm>
-            <a:off x="850558" y="1130601"/>
-            <a:ext cx="4242472" cy="2387600"/>
+            <a:off x="221443" y="2016579"/>
+            <a:ext cx="2807040" cy="1485900"/>
           </a:xfrm>
         </p:spPr>
         <p:txBody>
           <a:bodyPr vert="horz" lIns="91440" tIns="45720" rIns="91440" bIns="45720" rtlCol="0" anchor="b">
-            <a:normAutofit/>
+            <a:normAutofit fontScale="90000"/>
           </a:bodyPr>
           <a:lstStyle/>
           <a:p>
             <a:r>
-              <a:rPr lang="en-US" altLang="zh-CN" sz="4800" dirty="0">
+              <a:rPr lang="en-US" altLang="zh-CN" sz="3600" dirty="0">
                 <a:solidFill>
                   <a:srgbClr val="FFFFFF"/>
                 </a:solidFill>
               </a:rPr>
-              <a:t>(Macro)Task and </a:t>
+              <a:t>(Macro)Task </a:t>
             </a:r>
             <a:br>
-              <a:rPr lang="en-US" altLang="zh-CN" sz="4800" dirty="0">
+              <a:rPr lang="en-US" altLang="zh-CN" sz="3600" dirty="0">
                 <a:solidFill>
                   <a:srgbClr val="FFFFFF"/>
                 </a:solidFill>
               </a:rPr>
             </a:br>
             <a:r>
-              <a:rPr lang="en-US" altLang="zh-CN" sz="4800" dirty="0">
+              <a:rPr lang="en-US" altLang="zh-CN" sz="3600" dirty="0">
+                <a:solidFill>
+                  <a:srgbClr val="FFFFFF"/>
+                </a:solidFill>
+              </a:rPr>
+              <a:t>and </a:t>
+            </a:r>
+            <a:br>
+              <a:rPr lang="en-US" altLang="zh-CN" sz="3600" dirty="0">
+                <a:solidFill>
+                  <a:srgbClr val="FFFFFF"/>
+                </a:solidFill>
+              </a:rPr>
+            </a:br>
+            <a:r>
+              <a:rPr lang="en-US" altLang="zh-CN" sz="3600" dirty="0">
                 <a:solidFill>
                   <a:srgbClr val="FFFFFF"/>
                 </a:solidFill>
@@ -9232,14 +9054,14 @@
             <p:ph idx="1"/>
             <p:extLst>
               <p:ext uri="{D42A27DB-BD31-4B8C-83A1-F6EECF244321}">
-                <p14:modId xmlns:p14="http://schemas.microsoft.com/office/powerpoint/2010/main" val="912684515"/>
+                <p14:modId xmlns:p14="http://schemas.microsoft.com/office/powerpoint/2010/main" val="3838784137"/>
               </p:ext>
             </p:extLst>
           </p:nvPr>
         </p:nvGraphicFramePr>
         <p:xfrm>
-          <a:off x="5450066" y="1004565"/>
-          <a:ext cx="6261522" cy="5118203"/>
+          <a:off x="3394921" y="261615"/>
+          <a:ext cx="8002421" cy="6302469"/>
         </p:xfrm>
         <a:graphic>
           <a:graphicData uri="http://schemas.openxmlformats.org/drawingml/2006/table">
@@ -9251,14 +9073,14 @@
                 <a:tableStyleId>{5C22544A-7EE6-4342-B048-85BDC9FD1C3A}</a:tableStyleId>
               </a:tblPr>
               <a:tblGrid>
-                <a:gridCol w="2982783">
+                <a:gridCol w="3812090">
                   <a:extLst>
                     <a:ext uri="{9D8B030D-6E8A-4147-A177-3AD203B41FA5}">
                       <a16:colId xmlns:a16="http://schemas.microsoft.com/office/drawing/2014/main" val="3702650701"/>
                     </a:ext>
                   </a:extLst>
                 </a:gridCol>
-                <a:gridCol w="3278739">
+                <a:gridCol w="4190331">
                   <a:extLst>
                     <a:ext uri="{9D8B030D-6E8A-4147-A177-3AD203B41FA5}">
                       <a16:colId xmlns:a16="http://schemas.microsoft.com/office/drawing/2014/main" val="228466950"/>
@@ -9266,7 +9088,7 @@
                   </a:extLst>
                 </a:gridCol>
               </a:tblGrid>
-              <a:tr h="607421">
+              <a:tr h="747968">
                 <a:tc>
                   <a:txBody>
                     <a:bodyPr/>
@@ -9379,7 +9201,7 @@
                   </a:ext>
                 </a:extLst>
               </a:tr>
-              <a:tr h="607421">
+              <a:tr h="747968">
                 <a:tc>
                   <a:txBody>
                     <a:bodyPr/>
@@ -9498,7 +9320,7 @@
                   </a:ext>
                 </a:extLst>
               </a:tr>
-              <a:tr h="607421">
+              <a:tr h="747968">
                 <a:tc>
                   <a:txBody>
                     <a:bodyPr/>
@@ -9649,7 +9471,7 @@
                   </a:ext>
                 </a:extLst>
               </a:tr>
-              <a:tr h="607421">
+              <a:tr h="747968">
                 <a:tc>
                   <a:txBody>
                     <a:bodyPr/>
@@ -9817,7 +9639,7 @@
                   </a:ext>
                 </a:extLst>
               </a:tr>
-              <a:tr h="607421">
+              <a:tr h="747968">
                 <a:tc>
                   <a:txBody>
                     <a:bodyPr/>
@@ -9993,7 +9815,7 @@
                   </a:ext>
                 </a:extLst>
               </a:tr>
-              <a:tr h="607421">
+              <a:tr h="747968">
                 <a:tc>
                   <a:txBody>
                     <a:bodyPr/>
@@ -10104,7 +9926,7 @@
                   </a:ext>
                 </a:extLst>
               </a:tr>
-              <a:tr h="607421">
+              <a:tr h="747968">
                 <a:tc>
                   <a:txBody>
                     <a:bodyPr/>
@@ -10240,7 +10062,7 @@
                   </a:ext>
                 </a:extLst>
               </a:tr>
-              <a:tr h="607421">
+              <a:tr h="1066693">
                 <a:tc>
                   <a:txBody>
                     <a:bodyPr/>
@@ -10894,8 +10716,8 @@
         </p:nvSpPr>
         <p:spPr>
           <a:xfrm>
-            <a:off x="838201" y="1122363"/>
-            <a:ext cx="4242472" cy="2387600"/>
+            <a:off x="150378" y="2220686"/>
+            <a:ext cx="3123501" cy="1355271"/>
           </a:xfrm>
         </p:spPr>
         <p:txBody>
@@ -10905,12 +10727,20 @@
           <a:lstStyle/>
           <a:p>
             <a:r>
-              <a:rPr lang="en-US" altLang="zh-CN" sz="5400">
+              <a:rPr lang="en-US" altLang="zh-CN" sz="4400" dirty="0" err="1">
                 <a:solidFill>
                   <a:srgbClr val="FFFFFF"/>
                 </a:solidFill>
               </a:rPr>
-              <a:t>Eventloop: Browser</a:t>
+              <a:t>Eventloop</a:t>
+            </a:r>
+            <a:r>
+              <a:rPr lang="en-US" altLang="zh-CN" sz="4400" dirty="0">
+                <a:solidFill>
+                  <a:srgbClr val="FFFFFF"/>
+                </a:solidFill>
+              </a:rPr>
+              <a:t>: Browser</a:t>
             </a:r>
           </a:p>
         </p:txBody>
@@ -11017,8 +10847,8 @@
         </p:blipFill>
         <p:spPr>
           <a:xfrm>
-            <a:off x="5450066" y="1015733"/>
-            <a:ext cx="6261521" cy="4837025"/>
+            <a:off x="3424257" y="182855"/>
+            <a:ext cx="8404258" cy="6492290"/>
           </a:xfrm>
           <a:prstGeom prst="rect">
             <a:avLst/>
@@ -12033,8 +11863,8 @@
         </p:nvSpPr>
         <p:spPr>
           <a:xfrm>
-            <a:off x="838201" y="1122363"/>
-            <a:ext cx="4242472" cy="2387600"/>
+            <a:off x="101826" y="1675019"/>
+            <a:ext cx="2819397" cy="1834944"/>
           </a:xfrm>
         </p:spPr>
         <p:txBody>
@@ -12044,12 +11874,50 @@
           <a:lstStyle/>
           <a:p>
             <a:r>
-              <a:rPr lang="en-US" altLang="zh-CN" sz="5400">
+              <a:rPr lang="en-US" altLang="zh-CN" sz="4000" dirty="0" err="1">
                 <a:solidFill>
                   <a:srgbClr val="FFFFFF"/>
                 </a:solidFill>
               </a:rPr>
-              <a:t>Eventloop of Nodejs</a:t>
+              <a:t>Eventloop</a:t>
+            </a:r>
+            <a:r>
+              <a:rPr lang="en-US" altLang="zh-CN" sz="4000" dirty="0">
+                <a:solidFill>
+                  <a:srgbClr val="FFFFFF"/>
+                </a:solidFill>
+              </a:rPr>
+              <a:t> </a:t>
+            </a:r>
+            <a:br>
+              <a:rPr lang="en-US" altLang="zh-CN" sz="4000" dirty="0">
+                <a:solidFill>
+                  <a:srgbClr val="FFFFFF"/>
+                </a:solidFill>
+              </a:rPr>
+            </a:br>
+            <a:r>
+              <a:rPr lang="en-US" altLang="zh-CN" sz="4000" dirty="0">
+                <a:solidFill>
+                  <a:srgbClr val="FFFFFF"/>
+                </a:solidFill>
+              </a:rPr>
+              <a:t>of </a:t>
+            </a:r>
+            <a:br>
+              <a:rPr lang="en-US" altLang="zh-CN" sz="4000" dirty="0">
+                <a:solidFill>
+                  <a:srgbClr val="FFFFFF"/>
+                </a:solidFill>
+              </a:rPr>
+            </a:br>
+            <a:r>
+              <a:rPr lang="en-US" altLang="zh-CN" sz="4000" dirty="0">
+                <a:solidFill>
+                  <a:srgbClr val="FFFFFF"/>
+                </a:solidFill>
+              </a:rPr>
+              <a:t>Nodejs</a:t>
             </a:r>
           </a:p>
         </p:txBody>
@@ -12155,8 +12023,8 @@
         </p:blipFill>
         <p:spPr>
           <a:xfrm>
-            <a:off x="5450066" y="1675019"/>
-            <a:ext cx="6261521" cy="3518454"/>
+            <a:off x="2921223" y="702313"/>
+            <a:ext cx="9086942" cy="5106106"/>
           </a:xfrm>
           <a:prstGeom prst="rect">
             <a:avLst/>

--- a/eventloop.pptx
+++ b/eventloop.pptx
@@ -13,11 +13,10 @@
     <p:sldId id="260" r:id="rId7"/>
     <p:sldId id="261" r:id="rId8"/>
     <p:sldId id="263" r:id="rId9"/>
-    <p:sldId id="270" r:id="rId10"/>
-    <p:sldId id="267" r:id="rId11"/>
-    <p:sldId id="268" r:id="rId12"/>
-    <p:sldId id="269" r:id="rId13"/>
-    <p:sldId id="271" r:id="rId14"/>
+    <p:sldId id="267" r:id="rId10"/>
+    <p:sldId id="268" r:id="rId11"/>
+    <p:sldId id="269" r:id="rId12"/>
+    <p:sldId id="271" r:id="rId13"/>
   </p:sldIdLst>
   <p:sldSz cx="12192000" cy="6858000"/>
   <p:notesSz cx="6858000" cy="9144000"/>
@@ -2338,7 +2337,7 @@
           <a:p>
             <a:fld id="{AA70F276-1833-4A75-9C1D-A56E2295A68D}" type="datetimeFigureOut">
               <a:rPr lang="en-US" smtClean="0"/>
-              <a:t>3/17/2022</a:t>
+              <a:t>3/24/2022</a:t>
             </a:fld>
             <a:endParaRPr lang="en-US"/>
           </a:p>
@@ -2536,7 +2535,7 @@
           <a:p>
             <a:fld id="{AA70F276-1833-4A75-9C1D-A56E2295A68D}" type="datetimeFigureOut">
               <a:rPr lang="en-US" smtClean="0"/>
-              <a:t>3/17/2022</a:t>
+              <a:t>3/24/2022</a:t>
             </a:fld>
             <a:endParaRPr lang="en-US"/>
           </a:p>
@@ -2744,7 +2743,7 @@
           <a:p>
             <a:fld id="{AA70F276-1833-4A75-9C1D-A56E2295A68D}" type="datetimeFigureOut">
               <a:rPr lang="en-US" smtClean="0"/>
-              <a:t>3/17/2022</a:t>
+              <a:t>3/24/2022</a:t>
             </a:fld>
             <a:endParaRPr lang="en-US"/>
           </a:p>
@@ -2969,7 +2968,7 @@
           <a:p>
             <a:fld id="{AA70F276-1833-4A75-9C1D-A56E2295A68D}" type="datetimeFigureOut">
               <a:rPr lang="en-US" smtClean="0"/>
-              <a:t>3/17/2022</a:t>
+              <a:t>3/24/2022</a:t>
             </a:fld>
             <a:endParaRPr lang="en-US"/>
           </a:p>
@@ -3245,7 +3244,7 @@
           <a:p>
             <a:fld id="{AA70F276-1833-4A75-9C1D-A56E2295A68D}" type="datetimeFigureOut">
               <a:rPr lang="en-US" smtClean="0"/>
-              <a:t>3/17/2022</a:t>
+              <a:t>3/24/2022</a:t>
             </a:fld>
             <a:endParaRPr lang="en-US"/>
           </a:p>
@@ -3515,7 +3514,7 @@
           <a:p>
             <a:fld id="{AA70F276-1833-4A75-9C1D-A56E2295A68D}" type="datetimeFigureOut">
               <a:rPr lang="en-US" smtClean="0"/>
-              <a:t>3/17/2022</a:t>
+              <a:t>3/24/2022</a:t>
             </a:fld>
             <a:endParaRPr lang="en-US"/>
           </a:p>
@@ -3927,7 +3926,7 @@
           <a:p>
             <a:fld id="{AA70F276-1833-4A75-9C1D-A56E2295A68D}" type="datetimeFigureOut">
               <a:rPr lang="en-US" smtClean="0"/>
-              <a:t>3/17/2022</a:t>
+              <a:t>3/24/2022</a:t>
             </a:fld>
             <a:endParaRPr lang="en-US"/>
           </a:p>
@@ -4068,7 +4067,7 @@
           <a:p>
             <a:fld id="{AA70F276-1833-4A75-9C1D-A56E2295A68D}" type="datetimeFigureOut">
               <a:rPr lang="en-US" smtClean="0"/>
-              <a:t>3/17/2022</a:t>
+              <a:t>3/24/2022</a:t>
             </a:fld>
             <a:endParaRPr lang="en-US"/>
           </a:p>
@@ -4181,7 +4180,7 @@
           <a:p>
             <a:fld id="{AA70F276-1833-4A75-9C1D-A56E2295A68D}" type="datetimeFigureOut">
               <a:rPr lang="en-US" smtClean="0"/>
-              <a:t>3/17/2022</a:t>
+              <a:t>3/24/2022</a:t>
             </a:fld>
             <a:endParaRPr lang="en-US"/>
           </a:p>
@@ -4492,7 +4491,7 @@
           <a:p>
             <a:fld id="{AA70F276-1833-4A75-9C1D-A56E2295A68D}" type="datetimeFigureOut">
               <a:rPr lang="en-US" smtClean="0"/>
-              <a:t>3/17/2022</a:t>
+              <a:t>3/24/2022</a:t>
             </a:fld>
             <a:endParaRPr lang="en-US"/>
           </a:p>
@@ -4783,7 +4782,7 @@
           <a:p>
             <a:fld id="{AA70F276-1833-4A75-9C1D-A56E2295A68D}" type="datetimeFigureOut">
               <a:rPr lang="en-US" smtClean="0"/>
-              <a:t>3/17/2022</a:t>
+              <a:t>3/24/2022</a:t>
             </a:fld>
             <a:endParaRPr lang="en-US"/>
           </a:p>
@@ -5087,7 +5086,7 @@
             <a:fld id="{AA70F276-1833-4A75-9C1D-A56E2295A68D}" type="datetimeFigureOut">
               <a:rPr lang="en-US" smtClean="0"/>
               <a:pPr/>
-              <a:t>3/17/2022</a:t>
+              <a:t>3/24/2022</a:t>
             </a:fld>
             <a:endParaRPr lang="en-US" dirty="0"/>
           </a:p>
@@ -6221,91 +6220,6 @@
           <a:chExt cx="0" cy="0"/>
         </a:xfrm>
       </p:grpSpPr>
-      <p:sp>
-        <p:nvSpPr>
-          <p:cNvPr id="3" name="内容占位符 2">
-            <a:extLst>
-              <a:ext uri="{FF2B5EF4-FFF2-40B4-BE49-F238E27FC236}">
-                <a16:creationId xmlns:a16="http://schemas.microsoft.com/office/drawing/2014/main" id="{D4257548-B474-4AEC-A91B-8125435E9456}"/>
-              </a:ext>
-            </a:extLst>
-          </p:cNvPr>
-          <p:cNvSpPr>
-            <a:spLocks noGrp="1"/>
-          </p:cNvSpPr>
-          <p:nvPr>
-            <p:ph idx="1"/>
-          </p:nvPr>
-        </p:nvSpPr>
-        <p:spPr/>
-        <p:txBody>
-          <a:bodyPr/>
-          <a:lstStyle/>
-          <a:p>
-            <a:endParaRPr lang="zh-CN" altLang="en-US"/>
-          </a:p>
-        </p:txBody>
-      </p:sp>
-      <p:pic>
-        <p:nvPicPr>
-          <p:cNvPr id="6" name="图片 5">
-            <a:extLst>
-              <a:ext uri="{FF2B5EF4-FFF2-40B4-BE49-F238E27FC236}">
-                <a16:creationId xmlns:a16="http://schemas.microsoft.com/office/drawing/2014/main" id="{4F93BB47-E387-4008-95A8-86049DEE14F7}"/>
-              </a:ext>
-            </a:extLst>
-          </p:cNvPr>
-          <p:cNvPicPr>
-            <a:picLocks noChangeAspect="1"/>
-          </p:cNvPicPr>
-          <p:nvPr/>
-        </p:nvPicPr>
-        <p:blipFill>
-          <a:blip r:embed="rId2"/>
-          <a:stretch>
-            <a:fillRect/>
-          </a:stretch>
-        </p:blipFill>
-        <p:spPr>
-          <a:xfrm>
-            <a:off x="482016" y="96702"/>
-            <a:ext cx="11223214" cy="6729670"/>
-          </a:xfrm>
-          <a:prstGeom prst="rect">
-            <a:avLst/>
-          </a:prstGeom>
-        </p:spPr>
-      </p:pic>
-    </p:spTree>
-    <p:extLst>
-      <p:ext uri="{BB962C8B-B14F-4D97-AF65-F5344CB8AC3E}">
-        <p14:creationId xmlns:p14="http://schemas.microsoft.com/office/powerpoint/2010/main" val="3106087218"/>
-      </p:ext>
-    </p:extLst>
-  </p:cSld>
-  <p:clrMapOvr>
-    <a:masterClrMapping/>
-  </p:clrMapOvr>
-</p:sld>
-</file>
-
-<file path=ppt/slides/slide11.xml><?xml version="1.0" encoding="utf-8"?>
-<p:sld xmlns:a="http://schemas.openxmlformats.org/drawingml/2006/main" xmlns:r="http://schemas.openxmlformats.org/officeDocument/2006/relationships" xmlns:p="http://schemas.openxmlformats.org/presentationml/2006/main">
-  <p:cSld>
-    <p:spTree>
-      <p:nvGrpSpPr>
-        <p:cNvPr id="1" name=""/>
-        <p:cNvGrpSpPr/>
-        <p:nvPr/>
-      </p:nvGrpSpPr>
-      <p:grpSpPr>
-        <a:xfrm>
-          <a:off x="0" y="0"/>
-          <a:ext cx="0" cy="0"/>
-          <a:chOff x="0" y="0"/>
-          <a:chExt cx="0" cy="0"/>
-        </a:xfrm>
-      </p:grpSpPr>
       <p:pic>
         <p:nvPicPr>
           <p:cNvPr id="4" name="内容占位符 10" descr="图示&#10;&#10;描述已自动生成">
@@ -6352,7 +6266,7 @@
 </p:sld>
 </file>
 
-<file path=ppt/slides/slide12.xml><?xml version="1.0" encoding="utf-8"?>
+<file path=ppt/slides/slide11.xml><?xml version="1.0" encoding="utf-8"?>
 <p:sld xmlns:a="http://schemas.openxmlformats.org/drawingml/2006/main" xmlns:r="http://schemas.openxmlformats.org/officeDocument/2006/relationships" xmlns:p="http://schemas.openxmlformats.org/presentationml/2006/main">
   <p:cSld>
     <p:spTree>
@@ -6586,7 +6500,7 @@
 </p:sld>
 </file>
 
-<file path=ppt/slides/slide13.xml><?xml version="1.0" encoding="utf-8"?>
+<file path=ppt/slides/slide12.xml><?xml version="1.0" encoding="utf-8"?>
 <p:sld xmlns:a="http://schemas.openxmlformats.org/drawingml/2006/main" xmlns:r="http://schemas.openxmlformats.org/officeDocument/2006/relationships" xmlns:p="http://schemas.openxmlformats.org/presentationml/2006/main">
   <p:cSld>
     <p:bg>
@@ -12235,12 +12149,37 @@
           <a:chExt cx="0" cy="0"/>
         </a:xfrm>
       </p:grpSpPr>
+      <p:sp>
+        <p:nvSpPr>
+          <p:cNvPr id="3" name="内容占位符 2">
+            <a:extLst>
+              <a:ext uri="{FF2B5EF4-FFF2-40B4-BE49-F238E27FC236}">
+                <a16:creationId xmlns:a16="http://schemas.microsoft.com/office/drawing/2014/main" id="{D4257548-B474-4AEC-A91B-8125435E9456}"/>
+              </a:ext>
+            </a:extLst>
+          </p:cNvPr>
+          <p:cNvSpPr>
+            <a:spLocks noGrp="1"/>
+          </p:cNvSpPr>
+          <p:nvPr>
+            <p:ph idx="1"/>
+          </p:nvPr>
+        </p:nvSpPr>
+        <p:spPr/>
+        <p:txBody>
+          <a:bodyPr/>
+          <a:lstStyle/>
+          <a:p>
+            <a:endParaRPr lang="zh-CN" altLang="en-US"/>
+          </a:p>
+        </p:txBody>
+      </p:sp>
       <p:pic>
         <p:nvPicPr>
-          <p:cNvPr id="5" name="图片 4">
-            <a:extLst>
-              <a:ext uri="{FF2B5EF4-FFF2-40B4-BE49-F238E27FC236}">
-                <a16:creationId xmlns:a16="http://schemas.microsoft.com/office/drawing/2014/main" id="{A5500901-A368-40FB-9438-0A15B2FF8DF2}"/>
+          <p:cNvPr id="6" name="图片 5">
+            <a:extLst>
+              <a:ext uri="{FF2B5EF4-FFF2-40B4-BE49-F238E27FC236}">
+                <a16:creationId xmlns:a16="http://schemas.microsoft.com/office/drawing/2014/main" id="{4F93BB47-E387-4008-95A8-86049DEE14F7}"/>
               </a:ext>
             </a:extLst>
           </p:cNvPr>
@@ -12257,8 +12196,8 @@
         </p:blipFill>
         <p:spPr>
           <a:xfrm>
-            <a:off x="1691845" y="546192"/>
-            <a:ext cx="8766023" cy="5777606"/>
+            <a:off x="482016" y="96702"/>
+            <a:ext cx="11223214" cy="6729670"/>
           </a:xfrm>
           <a:prstGeom prst="rect">
             <a:avLst/>
@@ -12268,7 +12207,7 @@
     </p:spTree>
     <p:extLst>
       <p:ext uri="{BB962C8B-B14F-4D97-AF65-F5344CB8AC3E}">
-        <p14:creationId xmlns:p14="http://schemas.microsoft.com/office/powerpoint/2010/main" val="232473623"/>
+        <p14:creationId xmlns:p14="http://schemas.microsoft.com/office/powerpoint/2010/main" val="3106087218"/>
       </p:ext>
     </p:extLst>
   </p:cSld>

--- a/eventloop.pptx
+++ b/eventloop.pptx
@@ -12149,37 +12149,12 @@
           <a:chExt cx="0" cy="0"/>
         </a:xfrm>
       </p:grpSpPr>
-      <p:sp>
-        <p:nvSpPr>
-          <p:cNvPr id="3" name="内容占位符 2">
-            <a:extLst>
-              <a:ext uri="{FF2B5EF4-FFF2-40B4-BE49-F238E27FC236}">
-                <a16:creationId xmlns:a16="http://schemas.microsoft.com/office/drawing/2014/main" id="{D4257548-B474-4AEC-A91B-8125435E9456}"/>
-              </a:ext>
-            </a:extLst>
-          </p:cNvPr>
-          <p:cNvSpPr>
-            <a:spLocks noGrp="1"/>
-          </p:cNvSpPr>
-          <p:nvPr>
-            <p:ph idx="1"/>
-          </p:nvPr>
-        </p:nvSpPr>
-        <p:spPr/>
-        <p:txBody>
-          <a:bodyPr/>
-          <a:lstStyle/>
-          <a:p>
-            <a:endParaRPr lang="zh-CN" altLang="en-US"/>
-          </a:p>
-        </p:txBody>
-      </p:sp>
       <p:pic>
         <p:nvPicPr>
-          <p:cNvPr id="6" name="图片 5">
-            <a:extLst>
-              <a:ext uri="{FF2B5EF4-FFF2-40B4-BE49-F238E27FC236}">
-                <a16:creationId xmlns:a16="http://schemas.microsoft.com/office/drawing/2014/main" id="{4F93BB47-E387-4008-95A8-86049DEE14F7}"/>
+          <p:cNvPr id="4" name="图片 3">
+            <a:extLst>
+              <a:ext uri="{FF2B5EF4-FFF2-40B4-BE49-F238E27FC236}">
+                <a16:creationId xmlns:a16="http://schemas.microsoft.com/office/drawing/2014/main" id="{DF2F1F29-5DF0-4C41-9A9B-104C694F340C}"/>
               </a:ext>
             </a:extLst>
           </p:cNvPr>
@@ -12196,8 +12171,8 @@
         </p:blipFill>
         <p:spPr>
           <a:xfrm>
-            <a:off x="482016" y="96702"/>
-            <a:ext cx="11223214" cy="6729670"/>
+            <a:off x="1367689" y="496177"/>
+            <a:ext cx="9332742" cy="5774634"/>
           </a:xfrm>
           <a:prstGeom prst="rect">
             <a:avLst/>
